--- a/Wylson_Dibinga_Diapo.pptx
+++ b/Wylson_Dibinga_Diapo.pptx
@@ -14,7 +14,7 @@
     <p:sldId id="467" r:id="rId2"/>
     <p:sldId id="635" r:id="rId3"/>
     <p:sldId id="662" r:id="rId4"/>
-    <p:sldId id="640" r:id="rId5"/>
+    <p:sldId id="664" r:id="rId5"/>
     <p:sldId id="663" r:id="rId6"/>
     <p:sldId id="661" r:id="rId7"/>
     <p:sldId id="654" r:id="rId8"/>
@@ -3148,6 +3148,226 @@
     </dgm:pt>
     <dgm:pt modelId="{37CD33AD-32EA-4017-B321-82D62883DA15}">
       <dgm:prSet phldrT="[Texte]" custT="1"/>
+      <dgm:spPr>
+        <a:solidFill>
+          <a:schemeClr val="accent2">
+            <a:lumMod val="20000"/>
+            <a:lumOff val="80000"/>
+          </a:schemeClr>
+        </a:solidFill>
+      </dgm:spPr>
+      <dgm:t>
+        <a:bodyPr/>
+        <a:lstStyle/>
+        <a:p>
+          <a:r>
+            <a:rPr lang="fr-FR" sz="1600" b="1" dirty="0" smtClean="0">
+              <a:solidFill>
+                <a:srgbClr val="7030A0"/>
+              </a:solidFill>
+            </a:rPr>
+            <a:t>Architecture</a:t>
+          </a:r>
+          <a:endParaRPr lang="fr-FR" sz="1600" b="1" dirty="0">
+            <a:solidFill>
+              <a:srgbClr val="7030A0"/>
+            </a:solidFill>
+          </a:endParaRPr>
+        </a:p>
+      </dgm:t>
+    </dgm:pt>
+    <dgm:pt modelId="{862AD4F2-7BCA-47E5-8381-5182F92E9FE3}" type="parTrans" cxnId="{A05470E4-6599-40D4-BA50-5E6B751FB238}">
+      <dgm:prSet/>
+      <dgm:spPr/>
+      <dgm:t>
+        <a:bodyPr/>
+        <a:lstStyle/>
+        <a:p>
+          <a:endParaRPr lang="fr-FR"/>
+        </a:p>
+      </dgm:t>
+    </dgm:pt>
+    <dgm:pt modelId="{9C941558-35F8-417D-ABB7-5EAACB2F8553}" type="sibTrans" cxnId="{A05470E4-6599-40D4-BA50-5E6B751FB238}">
+      <dgm:prSet/>
+      <dgm:spPr/>
+      <dgm:t>
+        <a:bodyPr/>
+        <a:lstStyle/>
+        <a:p>
+          <a:endParaRPr lang="fr-FR"/>
+        </a:p>
+      </dgm:t>
+    </dgm:pt>
+    <dgm:pt modelId="{57AD7D23-1AC8-4274-88B5-D02014397898}">
+      <dgm:prSet custT="1"/>
+      <dgm:spPr/>
+      <dgm:t>
+        <a:bodyPr/>
+        <a:lstStyle/>
+        <a:p>
+          <a:r>
+            <a:rPr lang="fr-FR" sz="1600" dirty="0" smtClean="0"/>
+            <a:t>Illustration</a:t>
+          </a:r>
+          <a:endParaRPr lang="fr-FR" sz="1600" dirty="0"/>
+        </a:p>
+      </dgm:t>
+    </dgm:pt>
+    <dgm:pt modelId="{EF2663F8-4783-44C7-A055-1F10EE18FABE}" type="sibTrans" cxnId="{7029D468-E881-4C57-A3BB-8CF15B65B540}">
+      <dgm:prSet/>
+      <dgm:spPr/>
+      <dgm:t>
+        <a:bodyPr/>
+        <a:lstStyle/>
+        <a:p>
+          <a:endParaRPr lang="fr-FR"/>
+        </a:p>
+      </dgm:t>
+    </dgm:pt>
+    <dgm:pt modelId="{7CBE5B30-B7A5-4AB5-B51E-FFEDF4BEEE86}" type="parTrans" cxnId="{7029D468-E881-4C57-A3BB-8CF15B65B540}">
+      <dgm:prSet/>
+      <dgm:spPr/>
+      <dgm:t>
+        <a:bodyPr/>
+        <a:lstStyle/>
+        <a:p>
+          <a:endParaRPr lang="fr-FR"/>
+        </a:p>
+      </dgm:t>
+    </dgm:pt>
+    <dgm:pt modelId="{B3EC0F87-A051-4AD0-848B-B0A00E52CC9C}">
+      <dgm:prSet phldrT="[Texte]" custT="1"/>
+      <dgm:spPr/>
+      <dgm:t>
+        <a:bodyPr/>
+        <a:lstStyle/>
+        <a:p>
+          <a:r>
+            <a:rPr lang="fr-FR" sz="1600" baseline="0" dirty="0" smtClean="0"/>
+            <a:t>Découpage en couches</a:t>
+          </a:r>
+          <a:endParaRPr lang="fr-FR" sz="1600" baseline="0" dirty="0"/>
+        </a:p>
+      </dgm:t>
+    </dgm:pt>
+    <dgm:pt modelId="{EA44B95D-F415-49CC-BBD7-3043578F71F8}" type="sibTrans" cxnId="{3C5D8EB9-56F4-4DA6-A252-6B96CED3C9FD}">
+      <dgm:prSet/>
+      <dgm:spPr/>
+      <dgm:t>
+        <a:bodyPr/>
+        <a:lstStyle/>
+        <a:p>
+          <a:endParaRPr lang="fr-FR"/>
+        </a:p>
+      </dgm:t>
+    </dgm:pt>
+    <dgm:pt modelId="{433FFD42-A873-4041-842B-0DF31076AF42}" type="parTrans" cxnId="{3C5D8EB9-56F4-4DA6-A252-6B96CED3C9FD}">
+      <dgm:prSet/>
+      <dgm:spPr/>
+      <dgm:t>
+        <a:bodyPr/>
+        <a:lstStyle/>
+        <a:p>
+          <a:endParaRPr lang="fr-FR"/>
+        </a:p>
+      </dgm:t>
+    </dgm:pt>
+    <dgm:pt modelId="{EFD12A60-DD2F-457B-BA4C-414F19F80203}" type="pres">
+      <dgm:prSet presAssocID="{9E1D15D1-D802-4B27-ABA3-F6082429558C}" presName="Name0" presStyleCnt="0">
+        <dgm:presLayoutVars>
+          <dgm:dir/>
+          <dgm:resizeHandles val="exact"/>
+        </dgm:presLayoutVars>
+      </dgm:prSet>
+      <dgm:spPr/>
+    </dgm:pt>
+    <dgm:pt modelId="{21CD225C-E5D8-443D-9487-FBEBEA387181}" type="pres">
+      <dgm:prSet presAssocID="{37CD33AD-32EA-4017-B321-82D62883DA15}" presName="parTxOnly" presStyleLbl="node1" presStyleIdx="0" presStyleCnt="3" custScaleX="52400" custLinFactNeighborX="-4113">
+        <dgm:presLayoutVars>
+          <dgm:bulletEnabled val="1"/>
+        </dgm:presLayoutVars>
+      </dgm:prSet>
+      <dgm:spPr/>
+      <dgm:t>
+        <a:bodyPr/>
+        <a:lstStyle/>
+        <a:p>
+          <a:endParaRPr lang="fr-FR"/>
+        </a:p>
+      </dgm:t>
+    </dgm:pt>
+    <dgm:pt modelId="{85AD69C5-9A32-42BB-B4B6-102A56E68A92}" type="pres">
+      <dgm:prSet presAssocID="{9C941558-35F8-417D-ABB7-5EAACB2F8553}" presName="parSpace" presStyleCnt="0"/>
+      <dgm:spPr/>
+    </dgm:pt>
+    <dgm:pt modelId="{68CFDE77-1DD0-430E-A494-1A48C963455C}" type="pres">
+      <dgm:prSet presAssocID="{B3EC0F87-A051-4AD0-848B-B0A00E52CC9C}" presName="parTxOnly" presStyleLbl="node1" presStyleIdx="1" presStyleCnt="3" custScaleX="69618" custLinFactNeighborY="-3403">
+        <dgm:presLayoutVars>
+          <dgm:bulletEnabled val="1"/>
+        </dgm:presLayoutVars>
+      </dgm:prSet>
+      <dgm:spPr/>
+      <dgm:t>
+        <a:bodyPr/>
+        <a:lstStyle/>
+        <a:p>
+          <a:endParaRPr lang="fr-FR"/>
+        </a:p>
+      </dgm:t>
+    </dgm:pt>
+    <dgm:pt modelId="{49BEC115-3AF1-4CE7-8C2D-77F79067286D}" type="pres">
+      <dgm:prSet presAssocID="{EA44B95D-F415-49CC-BBD7-3043578F71F8}" presName="parSpace" presStyleCnt="0"/>
+      <dgm:spPr/>
+    </dgm:pt>
+    <dgm:pt modelId="{13DF959E-1C66-4067-AC7D-C59F456981A4}" type="pres">
+      <dgm:prSet presAssocID="{57AD7D23-1AC8-4274-88B5-D02014397898}" presName="parTxOnly" presStyleLbl="node1" presStyleIdx="2" presStyleCnt="3" custScaleX="31372">
+        <dgm:presLayoutVars>
+          <dgm:bulletEnabled val="1"/>
+        </dgm:presLayoutVars>
+      </dgm:prSet>
+      <dgm:spPr/>
+      <dgm:t>
+        <a:bodyPr/>
+        <a:lstStyle/>
+        <a:p>
+          <a:endParaRPr lang="fr-FR"/>
+        </a:p>
+      </dgm:t>
+    </dgm:pt>
+  </dgm:ptLst>
+  <dgm:cxnLst>
+    <dgm:cxn modelId="{865F654D-2C76-491F-B2B4-D35742872940}" type="presOf" srcId="{B3EC0F87-A051-4AD0-848B-B0A00E52CC9C}" destId="{68CFDE77-1DD0-430E-A494-1A48C963455C}" srcOrd="0" destOrd="0" presId="urn:microsoft.com/office/officeart/2005/8/layout/hChevron3"/>
+    <dgm:cxn modelId="{A05470E4-6599-40D4-BA50-5E6B751FB238}" srcId="{9E1D15D1-D802-4B27-ABA3-F6082429558C}" destId="{37CD33AD-32EA-4017-B321-82D62883DA15}" srcOrd="0" destOrd="0" parTransId="{862AD4F2-7BCA-47E5-8381-5182F92E9FE3}" sibTransId="{9C941558-35F8-417D-ABB7-5EAACB2F8553}"/>
+    <dgm:cxn modelId="{5E185565-6D95-46C7-9FB1-84BC5350C179}" type="presOf" srcId="{57AD7D23-1AC8-4274-88B5-D02014397898}" destId="{13DF959E-1C66-4067-AC7D-C59F456981A4}" srcOrd="0" destOrd="0" presId="urn:microsoft.com/office/officeart/2005/8/layout/hChevron3"/>
+    <dgm:cxn modelId="{8A68384B-9AB0-4994-88D4-D90F175AD586}" type="presOf" srcId="{9E1D15D1-D802-4B27-ABA3-F6082429558C}" destId="{EFD12A60-DD2F-457B-BA4C-414F19F80203}" srcOrd="0" destOrd="0" presId="urn:microsoft.com/office/officeart/2005/8/layout/hChevron3"/>
+    <dgm:cxn modelId="{3C5D8EB9-56F4-4DA6-A252-6B96CED3C9FD}" srcId="{9E1D15D1-D802-4B27-ABA3-F6082429558C}" destId="{B3EC0F87-A051-4AD0-848B-B0A00E52CC9C}" srcOrd="1" destOrd="0" parTransId="{433FFD42-A873-4041-842B-0DF31076AF42}" sibTransId="{EA44B95D-F415-49CC-BBD7-3043578F71F8}"/>
+    <dgm:cxn modelId="{07FFC7F1-FAF4-41C6-84AE-DB60E7FE2969}" type="presOf" srcId="{37CD33AD-32EA-4017-B321-82D62883DA15}" destId="{21CD225C-E5D8-443D-9487-FBEBEA387181}" srcOrd="0" destOrd="0" presId="urn:microsoft.com/office/officeart/2005/8/layout/hChevron3"/>
+    <dgm:cxn modelId="{7029D468-E881-4C57-A3BB-8CF15B65B540}" srcId="{9E1D15D1-D802-4B27-ABA3-F6082429558C}" destId="{57AD7D23-1AC8-4274-88B5-D02014397898}" srcOrd="2" destOrd="0" parTransId="{7CBE5B30-B7A5-4AB5-B51E-FFEDF4BEEE86}" sibTransId="{EF2663F8-4783-44C7-A055-1F10EE18FABE}"/>
+    <dgm:cxn modelId="{2349A8D8-54F5-4BAA-8550-F1E9E20C607D}" type="presParOf" srcId="{EFD12A60-DD2F-457B-BA4C-414F19F80203}" destId="{21CD225C-E5D8-443D-9487-FBEBEA387181}" srcOrd="0" destOrd="0" presId="urn:microsoft.com/office/officeart/2005/8/layout/hChevron3"/>
+    <dgm:cxn modelId="{238536C1-9729-429E-B2A8-B3ED415B38A0}" type="presParOf" srcId="{EFD12A60-DD2F-457B-BA4C-414F19F80203}" destId="{85AD69C5-9A32-42BB-B4B6-102A56E68A92}" srcOrd="1" destOrd="0" presId="urn:microsoft.com/office/officeart/2005/8/layout/hChevron3"/>
+    <dgm:cxn modelId="{74F76A40-4FA4-4B9B-AE2C-5067E0320149}" type="presParOf" srcId="{EFD12A60-DD2F-457B-BA4C-414F19F80203}" destId="{68CFDE77-1DD0-430E-A494-1A48C963455C}" srcOrd="2" destOrd="0" presId="urn:microsoft.com/office/officeart/2005/8/layout/hChevron3"/>
+    <dgm:cxn modelId="{099BE946-4F92-4A5C-B75A-F107D15FB5B0}" type="presParOf" srcId="{EFD12A60-DD2F-457B-BA4C-414F19F80203}" destId="{49BEC115-3AF1-4CE7-8C2D-77F79067286D}" srcOrd="3" destOrd="0" presId="urn:microsoft.com/office/officeart/2005/8/layout/hChevron3"/>
+    <dgm:cxn modelId="{7F8094A2-6189-4E42-BCDB-5F2E381CA89C}" type="presParOf" srcId="{EFD12A60-DD2F-457B-BA4C-414F19F80203}" destId="{13DF959E-1C66-4067-AC7D-C59F456981A4}" srcOrd="4" destOrd="0" presId="urn:microsoft.com/office/officeart/2005/8/layout/hChevron3"/>
+  </dgm:cxnLst>
+  <dgm:bg/>
+  <dgm:whole/>
+  <dgm:extLst>
+    <a:ext uri="http://schemas.microsoft.com/office/drawing/2008/diagram">
+      <dsp:dataModelExt xmlns:dsp="http://schemas.microsoft.com/office/drawing/2008/diagram" xmlns="" relId="rId7" minVer="http://schemas.openxmlformats.org/drawingml/2006/diagram"/>
+    </a:ext>
+  </dgm:extLst>
+</dgm:dataModel>
+</file>
+
+<file path=ppt/diagrams/data2.xml><?xml version="1.0" encoding="utf-8"?>
+<dgm:dataModel xmlns:dgm="http://schemas.openxmlformats.org/drawingml/2006/diagram" xmlns:a="http://schemas.openxmlformats.org/drawingml/2006/main">
+  <dgm:ptLst>
+    <dgm:pt modelId="{9E1D15D1-D802-4B27-ABA3-F6082429558C}" type="doc">
+      <dgm:prSet loTypeId="urn:microsoft.com/office/officeart/2005/8/layout/hChevron3" loCatId="process" qsTypeId="urn:microsoft.com/office/officeart/2005/8/quickstyle/simple5" qsCatId="simple" csTypeId="urn:microsoft.com/office/officeart/2005/8/colors/accent1_2" csCatId="accent1" phldr="1"/>
+      <dgm:spPr/>
+    </dgm:pt>
+    <dgm:pt modelId="{37CD33AD-32EA-4017-B321-82D62883DA15}">
+      <dgm:prSet phldrT="[Texte]" custT="1"/>
       <dgm:spPr/>
       <dgm:t>
         <a:bodyPr/>
@@ -3155,7 +3375,7 @@
         <a:p>
           <a:r>
             <a:rPr lang="fr-FR" sz="1600" b="0" dirty="0" smtClean="0"/>
-            <a:t>Histoire</a:t>
+            <a:t>Architecture</a:t>
           </a:r>
           <a:endParaRPr lang="fr-FR" sz="1600" b="0" dirty="0"/>
         </a:p>
@@ -3192,7 +3412,7 @@
         <a:p>
           <a:r>
             <a:rPr lang="fr-FR" sz="1600" b="0" dirty="0" smtClean="0"/>
-            <a:t>croissance</a:t>
+            <a:t>Découpage en couches</a:t>
           </a:r>
           <a:endParaRPr lang="fr-FR" sz="1600" b="0" dirty="0"/>
         </a:p>
@@ -3240,7 +3460,7 @@
                 <a:srgbClr val="7030A0"/>
               </a:solidFill>
             </a:rPr>
-            <a:t>Métiers</a:t>
+            <a:t>Illustration</a:t>
           </a:r>
           <a:endParaRPr lang="fr-FR" sz="1600" b="1" baseline="0" dirty="0">
             <a:solidFill>
@@ -3272,43 +3492,6 @@
         </a:p>
       </dgm:t>
     </dgm:pt>
-    <dgm:pt modelId="{57AD7D23-1AC8-4274-88B5-D02014397898}">
-      <dgm:prSet custT="1"/>
-      <dgm:spPr/>
-      <dgm:t>
-        <a:bodyPr/>
-        <a:lstStyle/>
-        <a:p>
-          <a:r>
-            <a:rPr lang="fr-FR" sz="1600" dirty="0" smtClean="0"/>
-            <a:t>Organisation au sein de CSC</a:t>
-          </a:r>
-          <a:endParaRPr lang="fr-FR" sz="1600" dirty="0"/>
-        </a:p>
-      </dgm:t>
-    </dgm:pt>
-    <dgm:pt modelId="{EF2663F8-4783-44C7-A055-1F10EE18FABE}" type="sibTrans" cxnId="{7029D468-E881-4C57-A3BB-8CF15B65B540}">
-      <dgm:prSet/>
-      <dgm:spPr/>
-      <dgm:t>
-        <a:bodyPr/>
-        <a:lstStyle/>
-        <a:p>
-          <a:endParaRPr lang="fr-FR"/>
-        </a:p>
-      </dgm:t>
-    </dgm:pt>
-    <dgm:pt modelId="{7CBE5B30-B7A5-4AB5-B51E-FFEDF4BEEE86}" type="parTrans" cxnId="{7029D468-E881-4C57-A3BB-8CF15B65B540}">
-      <dgm:prSet/>
-      <dgm:spPr/>
-      <dgm:t>
-        <a:bodyPr/>
-        <a:lstStyle/>
-        <a:p>
-          <a:endParaRPr lang="fr-FR"/>
-        </a:p>
-      </dgm:t>
-    </dgm:pt>
     <dgm:pt modelId="{EFD12A60-DD2F-457B-BA4C-414F19F80203}" type="pres">
       <dgm:prSet presAssocID="{9E1D15D1-D802-4B27-ABA3-F6082429558C}" presName="Name0" presStyleCnt="0">
         <dgm:presLayoutVars>
@@ -3319,7 +3502,7 @@
       <dgm:spPr/>
     </dgm:pt>
     <dgm:pt modelId="{21CD225C-E5D8-443D-9487-FBEBEA387181}" type="pres">
-      <dgm:prSet presAssocID="{37CD33AD-32EA-4017-B321-82D62883DA15}" presName="parTxOnly" presStyleLbl="node1" presStyleIdx="0" presStyleCnt="4" custScaleX="66807" custLinFactNeighborX="-4113">
+      <dgm:prSet presAssocID="{37CD33AD-32EA-4017-B321-82D62883DA15}" presName="parTxOnly" presStyleLbl="node1" presStyleIdx="0" presStyleCnt="3" custScaleX="66807" custLinFactNeighborX="-4113">
         <dgm:presLayoutVars>
           <dgm:bulletEnabled val="1"/>
         </dgm:presLayoutVars>
@@ -3338,7 +3521,7 @@
       <dgm:spPr/>
     </dgm:pt>
     <dgm:pt modelId="{025469F2-067C-4199-9827-8EFE913C0E0F}" type="pres">
-      <dgm:prSet presAssocID="{721288D1-8B06-4E97-9180-5AF060D52B35}" presName="parTxOnly" presStyleLbl="node1" presStyleIdx="1" presStyleCnt="4" custScaleX="74632" custLinFactNeighborX="-4113">
+      <dgm:prSet presAssocID="{721288D1-8B06-4E97-9180-5AF060D52B35}" presName="parTxOnly" presStyleLbl="node1" presStyleIdx="1" presStyleCnt="3" custScaleX="74632" custLinFactNeighborX="-4113">
         <dgm:presLayoutVars>
           <dgm:bulletEnabled val="1"/>
         </dgm:presLayoutVars>
@@ -3357,26 +3540,7 @@
       <dgm:spPr/>
     </dgm:pt>
     <dgm:pt modelId="{68CFDE77-1DD0-430E-A494-1A48C963455C}" type="pres">
-      <dgm:prSet presAssocID="{B3EC0F87-A051-4AD0-848B-B0A00E52CC9C}" presName="parTxOnly" presStyleLbl="node1" presStyleIdx="2" presStyleCnt="4" custScaleX="70635" custLinFactNeighborY="-3403">
-        <dgm:presLayoutVars>
-          <dgm:bulletEnabled val="1"/>
-        </dgm:presLayoutVars>
-      </dgm:prSet>
-      <dgm:spPr/>
-      <dgm:t>
-        <a:bodyPr/>
-        <a:lstStyle/>
-        <a:p>
-          <a:endParaRPr lang="fr-FR"/>
-        </a:p>
-      </dgm:t>
-    </dgm:pt>
-    <dgm:pt modelId="{49BEC115-3AF1-4CE7-8C2D-77F79067286D}" type="pres">
-      <dgm:prSet presAssocID="{EA44B95D-F415-49CC-BBD7-3043578F71F8}" presName="parSpace" presStyleCnt="0"/>
-      <dgm:spPr/>
-    </dgm:pt>
-    <dgm:pt modelId="{13DF959E-1C66-4067-AC7D-C59F456981A4}" type="pres">
-      <dgm:prSet presAssocID="{57AD7D23-1AC8-4274-88B5-D02014397898}" presName="parTxOnly" presStyleLbl="node1" presStyleIdx="3" presStyleCnt="4" custScaleX="97279">
+      <dgm:prSet presAssocID="{B3EC0F87-A051-4AD0-848B-B0A00E52CC9C}" presName="parTxOnly" presStyleLbl="node1" presStyleIdx="2" presStyleCnt="3" custScaleX="43884" custLinFactNeighborY="-3403">
         <dgm:presLayoutVars>
           <dgm:bulletEnabled val="1"/>
         </dgm:presLayoutVars>
@@ -3392,302 +3556,18 @@
     </dgm:pt>
   </dgm:ptLst>
   <dgm:cxnLst>
+    <dgm:cxn modelId="{A3CBFA40-4452-4582-AFB9-D2C4A8CB443F}" type="presOf" srcId="{721288D1-8B06-4E97-9180-5AF060D52B35}" destId="{025469F2-067C-4199-9827-8EFE913C0E0F}" srcOrd="0" destOrd="0" presId="urn:microsoft.com/office/officeart/2005/8/layout/hChevron3"/>
     <dgm:cxn modelId="{A05470E4-6599-40D4-BA50-5E6B751FB238}" srcId="{9E1D15D1-D802-4B27-ABA3-F6082429558C}" destId="{37CD33AD-32EA-4017-B321-82D62883DA15}" srcOrd="0" destOrd="0" parTransId="{862AD4F2-7BCA-47E5-8381-5182F92E9FE3}" sibTransId="{9C941558-35F8-417D-ABB7-5EAACB2F8553}"/>
-    <dgm:cxn modelId="{636ABD9F-E5F5-4BB7-93BD-1C2197552650}" type="presOf" srcId="{B3EC0F87-A051-4AD0-848B-B0A00E52CC9C}" destId="{68CFDE77-1DD0-430E-A494-1A48C963455C}" srcOrd="0" destOrd="0" presId="urn:microsoft.com/office/officeart/2005/8/layout/hChevron3"/>
     <dgm:cxn modelId="{3C5D8EB9-56F4-4DA6-A252-6B96CED3C9FD}" srcId="{9E1D15D1-D802-4B27-ABA3-F6082429558C}" destId="{B3EC0F87-A051-4AD0-848B-B0A00E52CC9C}" srcOrd="2" destOrd="0" parTransId="{433FFD42-A873-4041-842B-0DF31076AF42}" sibTransId="{EA44B95D-F415-49CC-BBD7-3043578F71F8}"/>
-    <dgm:cxn modelId="{D1354BF4-C67C-4D27-988F-28E7ECA8905C}" type="presOf" srcId="{9E1D15D1-D802-4B27-ABA3-F6082429558C}" destId="{EFD12A60-DD2F-457B-BA4C-414F19F80203}" srcOrd="0" destOrd="0" presId="urn:microsoft.com/office/officeart/2005/8/layout/hChevron3"/>
-    <dgm:cxn modelId="{FAA94377-FA6C-4E3D-9B48-82DE03D08725}" type="presOf" srcId="{57AD7D23-1AC8-4274-88B5-D02014397898}" destId="{13DF959E-1C66-4067-AC7D-C59F456981A4}" srcOrd="0" destOrd="0" presId="urn:microsoft.com/office/officeart/2005/8/layout/hChevron3"/>
-    <dgm:cxn modelId="{EE3BA147-029E-415D-A904-4E0F78F6C989}" type="presOf" srcId="{721288D1-8B06-4E97-9180-5AF060D52B35}" destId="{025469F2-067C-4199-9827-8EFE913C0E0F}" srcOrd="0" destOrd="0" presId="urn:microsoft.com/office/officeart/2005/8/layout/hChevron3"/>
+    <dgm:cxn modelId="{39EBDD6C-B3B8-4821-A54B-466EE4925FA5}" type="presOf" srcId="{B3EC0F87-A051-4AD0-848B-B0A00E52CC9C}" destId="{68CFDE77-1DD0-430E-A494-1A48C963455C}" srcOrd="0" destOrd="0" presId="urn:microsoft.com/office/officeart/2005/8/layout/hChevron3"/>
     <dgm:cxn modelId="{CFEDC859-F6AA-413D-A509-A24082AC60F9}" srcId="{9E1D15D1-D802-4B27-ABA3-F6082429558C}" destId="{721288D1-8B06-4E97-9180-5AF060D52B35}" srcOrd="1" destOrd="0" parTransId="{EDA01FBC-43DE-42EA-BCB5-B789633E9531}" sibTransId="{0C81F5C0-2E70-4B58-BF27-C362AE16E6C6}"/>
-    <dgm:cxn modelId="{7029D468-E881-4C57-A3BB-8CF15B65B540}" srcId="{9E1D15D1-D802-4B27-ABA3-F6082429558C}" destId="{57AD7D23-1AC8-4274-88B5-D02014397898}" srcOrd="3" destOrd="0" parTransId="{7CBE5B30-B7A5-4AB5-B51E-FFEDF4BEEE86}" sibTransId="{EF2663F8-4783-44C7-A055-1F10EE18FABE}"/>
-    <dgm:cxn modelId="{827DFAE1-D529-4C05-8377-A82687A92968}" type="presOf" srcId="{37CD33AD-32EA-4017-B321-82D62883DA15}" destId="{21CD225C-E5D8-443D-9487-FBEBEA387181}" srcOrd="0" destOrd="0" presId="urn:microsoft.com/office/officeart/2005/8/layout/hChevron3"/>
-    <dgm:cxn modelId="{233519BB-9E8B-4DF2-B196-6A80D85A6017}" type="presParOf" srcId="{EFD12A60-DD2F-457B-BA4C-414F19F80203}" destId="{21CD225C-E5D8-443D-9487-FBEBEA387181}" srcOrd="0" destOrd="0" presId="urn:microsoft.com/office/officeart/2005/8/layout/hChevron3"/>
-    <dgm:cxn modelId="{9B607D0E-21E1-47BC-9512-AA38116C5E1F}" type="presParOf" srcId="{EFD12A60-DD2F-457B-BA4C-414F19F80203}" destId="{85AD69C5-9A32-42BB-B4B6-102A56E68A92}" srcOrd="1" destOrd="0" presId="urn:microsoft.com/office/officeart/2005/8/layout/hChevron3"/>
-    <dgm:cxn modelId="{3DF9E0DF-70EC-454C-AC84-7CC4EA8F2508}" type="presParOf" srcId="{EFD12A60-DD2F-457B-BA4C-414F19F80203}" destId="{025469F2-067C-4199-9827-8EFE913C0E0F}" srcOrd="2" destOrd="0" presId="urn:microsoft.com/office/officeart/2005/8/layout/hChevron3"/>
-    <dgm:cxn modelId="{3A6D0D0E-EC9C-4CDF-B7F1-F62A2A5DC5B3}" type="presParOf" srcId="{EFD12A60-DD2F-457B-BA4C-414F19F80203}" destId="{73382D93-8C34-4A39-BF2A-9A9AF42B8686}" srcOrd="3" destOrd="0" presId="urn:microsoft.com/office/officeart/2005/8/layout/hChevron3"/>
-    <dgm:cxn modelId="{9791C2B3-1C20-43BA-A6DA-58711DD879B8}" type="presParOf" srcId="{EFD12A60-DD2F-457B-BA4C-414F19F80203}" destId="{68CFDE77-1DD0-430E-A494-1A48C963455C}" srcOrd="4" destOrd="0" presId="urn:microsoft.com/office/officeart/2005/8/layout/hChevron3"/>
-    <dgm:cxn modelId="{163D2D80-9FB3-4F4A-B8E3-3FD77C266FEC}" type="presParOf" srcId="{EFD12A60-DD2F-457B-BA4C-414F19F80203}" destId="{49BEC115-3AF1-4CE7-8C2D-77F79067286D}" srcOrd="5" destOrd="0" presId="urn:microsoft.com/office/officeart/2005/8/layout/hChevron3"/>
-    <dgm:cxn modelId="{87ABB8AC-5733-419B-B75E-A15A7C896A07}" type="presParOf" srcId="{EFD12A60-DD2F-457B-BA4C-414F19F80203}" destId="{13DF959E-1C66-4067-AC7D-C59F456981A4}" srcOrd="6" destOrd="0" presId="urn:microsoft.com/office/officeart/2005/8/layout/hChevron3"/>
-  </dgm:cxnLst>
-  <dgm:bg/>
-  <dgm:whole/>
-  <dgm:extLst>
-    <a:ext uri="http://schemas.microsoft.com/office/drawing/2008/diagram">
-      <dsp:dataModelExt xmlns:dsp="http://schemas.microsoft.com/office/drawing/2008/diagram" xmlns="" relId="rId7" minVer="http://schemas.openxmlformats.org/drawingml/2006/diagram"/>
-    </a:ext>
-  </dgm:extLst>
-</dgm:dataModel>
-</file>
-
-<file path=ppt/diagrams/data2.xml><?xml version="1.0" encoding="utf-8"?>
-<dgm:dataModel xmlns:dgm="http://schemas.openxmlformats.org/drawingml/2006/diagram" xmlns:a="http://schemas.openxmlformats.org/drawingml/2006/main">
-  <dgm:ptLst>
-    <dgm:pt modelId="{9E1D15D1-D802-4B27-ABA3-F6082429558C}" type="doc">
-      <dgm:prSet loTypeId="urn:microsoft.com/office/officeart/2005/8/layout/hChevron3" loCatId="process" qsTypeId="urn:microsoft.com/office/officeart/2005/8/quickstyle/simple5" qsCatId="simple" csTypeId="urn:microsoft.com/office/officeart/2005/8/colors/accent1_2" csCatId="accent1" phldr="1"/>
-      <dgm:spPr/>
-    </dgm:pt>
-    <dgm:pt modelId="{37CD33AD-32EA-4017-B321-82D62883DA15}">
-      <dgm:prSet phldrT="[Texte]" custT="1"/>
-      <dgm:spPr/>
-      <dgm:t>
-        <a:bodyPr/>
-        <a:lstStyle/>
-        <a:p>
-          <a:r>
-            <a:rPr lang="fr-FR" sz="1600" b="0" dirty="0" smtClean="0"/>
-            <a:t>Histoire</a:t>
-          </a:r>
-          <a:endParaRPr lang="fr-FR" sz="1600" b="0" dirty="0"/>
-        </a:p>
-      </dgm:t>
-    </dgm:pt>
-    <dgm:pt modelId="{862AD4F2-7BCA-47E5-8381-5182F92E9FE3}" type="parTrans" cxnId="{A05470E4-6599-40D4-BA50-5E6B751FB238}">
-      <dgm:prSet/>
-      <dgm:spPr/>
-      <dgm:t>
-        <a:bodyPr/>
-        <a:lstStyle/>
-        <a:p>
-          <a:endParaRPr lang="fr-FR"/>
-        </a:p>
-      </dgm:t>
-    </dgm:pt>
-    <dgm:pt modelId="{9C941558-35F8-417D-ABB7-5EAACB2F8553}" type="sibTrans" cxnId="{A05470E4-6599-40D4-BA50-5E6B751FB238}">
-      <dgm:prSet/>
-      <dgm:spPr/>
-      <dgm:t>
-        <a:bodyPr/>
-        <a:lstStyle/>
-        <a:p>
-          <a:endParaRPr lang="fr-FR"/>
-        </a:p>
-      </dgm:t>
-    </dgm:pt>
-    <dgm:pt modelId="{721288D1-8B06-4E97-9180-5AF060D52B35}">
-      <dgm:prSet phldrT="[Texte]" custT="1"/>
-      <dgm:spPr/>
-      <dgm:t>
-        <a:bodyPr/>
-        <a:lstStyle/>
-        <a:p>
-          <a:r>
-            <a:rPr lang="fr-FR" sz="1600" b="0" dirty="0" smtClean="0"/>
-            <a:t>croissance</a:t>
-          </a:r>
-          <a:endParaRPr lang="fr-FR" sz="1600" b="0" dirty="0"/>
-        </a:p>
-      </dgm:t>
-    </dgm:pt>
-    <dgm:pt modelId="{EDA01FBC-43DE-42EA-BCB5-B789633E9531}" type="parTrans" cxnId="{CFEDC859-F6AA-413D-A509-A24082AC60F9}">
-      <dgm:prSet/>
-      <dgm:spPr/>
-      <dgm:t>
-        <a:bodyPr/>
-        <a:lstStyle/>
-        <a:p>
-          <a:endParaRPr lang="fr-FR"/>
-        </a:p>
-      </dgm:t>
-    </dgm:pt>
-    <dgm:pt modelId="{0C81F5C0-2E70-4B58-BF27-C362AE16E6C6}" type="sibTrans" cxnId="{CFEDC859-F6AA-413D-A509-A24082AC60F9}">
-      <dgm:prSet/>
-      <dgm:spPr/>
-      <dgm:t>
-        <a:bodyPr/>
-        <a:lstStyle/>
-        <a:p>
-          <a:endParaRPr lang="fr-FR"/>
-        </a:p>
-      </dgm:t>
-    </dgm:pt>
-    <dgm:pt modelId="{B3EC0F87-A051-4AD0-848B-B0A00E52CC9C}">
-      <dgm:prSet phldrT="[Texte]" custT="1"/>
-      <dgm:spPr>
-        <a:solidFill>
-          <a:schemeClr val="accent1">
-            <a:lumMod val="40000"/>
-            <a:lumOff val="60000"/>
-          </a:schemeClr>
-        </a:solidFill>
-      </dgm:spPr>
-      <dgm:t>
-        <a:bodyPr/>
-        <a:lstStyle/>
-        <a:p>
-          <a:r>
-            <a:rPr lang="fr-FR" sz="1600" b="1" baseline="0" dirty="0" smtClean="0">
-              <a:solidFill>
-                <a:srgbClr val="7030A0"/>
-              </a:solidFill>
-            </a:rPr>
-            <a:t>Métiers</a:t>
-          </a:r>
-          <a:endParaRPr lang="fr-FR" sz="1600" b="1" baseline="0" dirty="0">
-            <a:solidFill>
-              <a:srgbClr val="7030A0"/>
-            </a:solidFill>
-          </a:endParaRPr>
-        </a:p>
-      </dgm:t>
-    </dgm:pt>
-    <dgm:pt modelId="{433FFD42-A873-4041-842B-0DF31076AF42}" type="parTrans" cxnId="{3C5D8EB9-56F4-4DA6-A252-6B96CED3C9FD}">
-      <dgm:prSet/>
-      <dgm:spPr/>
-      <dgm:t>
-        <a:bodyPr/>
-        <a:lstStyle/>
-        <a:p>
-          <a:endParaRPr lang="fr-FR"/>
-        </a:p>
-      </dgm:t>
-    </dgm:pt>
-    <dgm:pt modelId="{EA44B95D-F415-49CC-BBD7-3043578F71F8}" type="sibTrans" cxnId="{3C5D8EB9-56F4-4DA6-A252-6B96CED3C9FD}">
-      <dgm:prSet/>
-      <dgm:spPr/>
-      <dgm:t>
-        <a:bodyPr/>
-        <a:lstStyle/>
-        <a:p>
-          <a:endParaRPr lang="fr-FR"/>
-        </a:p>
-      </dgm:t>
-    </dgm:pt>
-    <dgm:pt modelId="{57AD7D23-1AC8-4274-88B5-D02014397898}">
-      <dgm:prSet custT="1"/>
-      <dgm:spPr/>
-      <dgm:t>
-        <a:bodyPr/>
-        <a:lstStyle/>
-        <a:p>
-          <a:r>
-            <a:rPr lang="fr-FR" sz="1600" dirty="0" smtClean="0"/>
-            <a:t>Organisation au sein de CSC</a:t>
-          </a:r>
-          <a:endParaRPr lang="fr-FR" sz="1600" dirty="0"/>
-        </a:p>
-      </dgm:t>
-    </dgm:pt>
-    <dgm:pt modelId="{EF2663F8-4783-44C7-A055-1F10EE18FABE}" type="sibTrans" cxnId="{7029D468-E881-4C57-A3BB-8CF15B65B540}">
-      <dgm:prSet/>
-      <dgm:spPr/>
-      <dgm:t>
-        <a:bodyPr/>
-        <a:lstStyle/>
-        <a:p>
-          <a:endParaRPr lang="fr-FR"/>
-        </a:p>
-      </dgm:t>
-    </dgm:pt>
-    <dgm:pt modelId="{7CBE5B30-B7A5-4AB5-B51E-FFEDF4BEEE86}" type="parTrans" cxnId="{7029D468-E881-4C57-A3BB-8CF15B65B540}">
-      <dgm:prSet/>
-      <dgm:spPr/>
-      <dgm:t>
-        <a:bodyPr/>
-        <a:lstStyle/>
-        <a:p>
-          <a:endParaRPr lang="fr-FR"/>
-        </a:p>
-      </dgm:t>
-    </dgm:pt>
-    <dgm:pt modelId="{EFD12A60-DD2F-457B-BA4C-414F19F80203}" type="pres">
-      <dgm:prSet presAssocID="{9E1D15D1-D802-4B27-ABA3-F6082429558C}" presName="Name0" presStyleCnt="0">
-        <dgm:presLayoutVars>
-          <dgm:dir/>
-          <dgm:resizeHandles val="exact"/>
-        </dgm:presLayoutVars>
-      </dgm:prSet>
-      <dgm:spPr/>
-    </dgm:pt>
-    <dgm:pt modelId="{21CD225C-E5D8-443D-9487-FBEBEA387181}" type="pres">
-      <dgm:prSet presAssocID="{37CD33AD-32EA-4017-B321-82D62883DA15}" presName="parTxOnly" presStyleLbl="node1" presStyleIdx="0" presStyleCnt="4" custScaleX="66807" custLinFactNeighborX="-4113">
-        <dgm:presLayoutVars>
-          <dgm:bulletEnabled val="1"/>
-        </dgm:presLayoutVars>
-      </dgm:prSet>
-      <dgm:spPr/>
-      <dgm:t>
-        <a:bodyPr/>
-        <a:lstStyle/>
-        <a:p>
-          <a:endParaRPr lang="fr-FR"/>
-        </a:p>
-      </dgm:t>
-    </dgm:pt>
-    <dgm:pt modelId="{85AD69C5-9A32-42BB-B4B6-102A56E68A92}" type="pres">
-      <dgm:prSet presAssocID="{9C941558-35F8-417D-ABB7-5EAACB2F8553}" presName="parSpace" presStyleCnt="0"/>
-      <dgm:spPr/>
-    </dgm:pt>
-    <dgm:pt modelId="{025469F2-067C-4199-9827-8EFE913C0E0F}" type="pres">
-      <dgm:prSet presAssocID="{721288D1-8B06-4E97-9180-5AF060D52B35}" presName="parTxOnly" presStyleLbl="node1" presStyleIdx="1" presStyleCnt="4" custScaleX="74632" custLinFactNeighborX="-4113">
-        <dgm:presLayoutVars>
-          <dgm:bulletEnabled val="1"/>
-        </dgm:presLayoutVars>
-      </dgm:prSet>
-      <dgm:spPr/>
-      <dgm:t>
-        <a:bodyPr/>
-        <a:lstStyle/>
-        <a:p>
-          <a:endParaRPr lang="fr-FR"/>
-        </a:p>
-      </dgm:t>
-    </dgm:pt>
-    <dgm:pt modelId="{73382D93-8C34-4A39-BF2A-9A9AF42B8686}" type="pres">
-      <dgm:prSet presAssocID="{0C81F5C0-2E70-4B58-BF27-C362AE16E6C6}" presName="parSpace" presStyleCnt="0"/>
-      <dgm:spPr/>
-    </dgm:pt>
-    <dgm:pt modelId="{68CFDE77-1DD0-430E-A494-1A48C963455C}" type="pres">
-      <dgm:prSet presAssocID="{B3EC0F87-A051-4AD0-848B-B0A00E52CC9C}" presName="parTxOnly" presStyleLbl="node1" presStyleIdx="2" presStyleCnt="4" custScaleX="70635" custLinFactNeighborY="-3403">
-        <dgm:presLayoutVars>
-          <dgm:bulletEnabled val="1"/>
-        </dgm:presLayoutVars>
-      </dgm:prSet>
-      <dgm:spPr/>
-      <dgm:t>
-        <a:bodyPr/>
-        <a:lstStyle/>
-        <a:p>
-          <a:endParaRPr lang="fr-FR"/>
-        </a:p>
-      </dgm:t>
-    </dgm:pt>
-    <dgm:pt modelId="{49BEC115-3AF1-4CE7-8C2D-77F79067286D}" type="pres">
-      <dgm:prSet presAssocID="{EA44B95D-F415-49CC-BBD7-3043578F71F8}" presName="parSpace" presStyleCnt="0"/>
-      <dgm:spPr/>
-    </dgm:pt>
-    <dgm:pt modelId="{13DF959E-1C66-4067-AC7D-C59F456981A4}" type="pres">
-      <dgm:prSet presAssocID="{57AD7D23-1AC8-4274-88B5-D02014397898}" presName="parTxOnly" presStyleLbl="node1" presStyleIdx="3" presStyleCnt="4" custScaleX="97279">
-        <dgm:presLayoutVars>
-          <dgm:bulletEnabled val="1"/>
-        </dgm:presLayoutVars>
-      </dgm:prSet>
-      <dgm:spPr/>
-      <dgm:t>
-        <a:bodyPr/>
-        <a:lstStyle/>
-        <a:p>
-          <a:endParaRPr lang="fr-FR"/>
-        </a:p>
-      </dgm:t>
-    </dgm:pt>
-  </dgm:ptLst>
-  <dgm:cxnLst>
-    <dgm:cxn modelId="{2C35BEE3-6EFD-480B-8B61-4C7A480AD61F}" type="presOf" srcId="{721288D1-8B06-4E97-9180-5AF060D52B35}" destId="{025469F2-067C-4199-9827-8EFE913C0E0F}" srcOrd="0" destOrd="0" presId="urn:microsoft.com/office/officeart/2005/8/layout/hChevron3"/>
-    <dgm:cxn modelId="{A05470E4-6599-40D4-BA50-5E6B751FB238}" srcId="{9E1D15D1-D802-4B27-ABA3-F6082429558C}" destId="{37CD33AD-32EA-4017-B321-82D62883DA15}" srcOrd="0" destOrd="0" parTransId="{862AD4F2-7BCA-47E5-8381-5182F92E9FE3}" sibTransId="{9C941558-35F8-417D-ABB7-5EAACB2F8553}"/>
-    <dgm:cxn modelId="{B20C5FBD-0124-48E9-BC82-78AFA338DBA8}" type="presOf" srcId="{57AD7D23-1AC8-4274-88B5-D02014397898}" destId="{13DF959E-1C66-4067-AC7D-C59F456981A4}" srcOrd="0" destOrd="0" presId="urn:microsoft.com/office/officeart/2005/8/layout/hChevron3"/>
-    <dgm:cxn modelId="{3C5D8EB9-56F4-4DA6-A252-6B96CED3C9FD}" srcId="{9E1D15D1-D802-4B27-ABA3-F6082429558C}" destId="{B3EC0F87-A051-4AD0-848B-B0A00E52CC9C}" srcOrd="2" destOrd="0" parTransId="{433FFD42-A873-4041-842B-0DF31076AF42}" sibTransId="{EA44B95D-F415-49CC-BBD7-3043578F71F8}"/>
-    <dgm:cxn modelId="{5E810AAA-CB25-4C92-933A-66A2ADD4244B}" type="presOf" srcId="{9E1D15D1-D802-4B27-ABA3-F6082429558C}" destId="{EFD12A60-DD2F-457B-BA4C-414F19F80203}" srcOrd="0" destOrd="0" presId="urn:microsoft.com/office/officeart/2005/8/layout/hChevron3"/>
-    <dgm:cxn modelId="{56BFDFF8-2DC2-4130-90E0-C40BA733BC0C}" type="presOf" srcId="{B3EC0F87-A051-4AD0-848B-B0A00E52CC9C}" destId="{68CFDE77-1DD0-430E-A494-1A48C963455C}" srcOrd="0" destOrd="0" presId="urn:microsoft.com/office/officeart/2005/8/layout/hChevron3"/>
-    <dgm:cxn modelId="{1F22051D-1138-42C1-9460-A2ABA0183CA5}" type="presOf" srcId="{37CD33AD-32EA-4017-B321-82D62883DA15}" destId="{21CD225C-E5D8-443D-9487-FBEBEA387181}" srcOrd="0" destOrd="0" presId="urn:microsoft.com/office/officeart/2005/8/layout/hChevron3"/>
-    <dgm:cxn modelId="{CFEDC859-F6AA-413D-A509-A24082AC60F9}" srcId="{9E1D15D1-D802-4B27-ABA3-F6082429558C}" destId="{721288D1-8B06-4E97-9180-5AF060D52B35}" srcOrd="1" destOrd="0" parTransId="{EDA01FBC-43DE-42EA-BCB5-B789633E9531}" sibTransId="{0C81F5C0-2E70-4B58-BF27-C362AE16E6C6}"/>
-    <dgm:cxn modelId="{7029D468-E881-4C57-A3BB-8CF15B65B540}" srcId="{9E1D15D1-D802-4B27-ABA3-F6082429558C}" destId="{57AD7D23-1AC8-4274-88B5-D02014397898}" srcOrd="3" destOrd="0" parTransId="{7CBE5B30-B7A5-4AB5-B51E-FFEDF4BEEE86}" sibTransId="{EF2663F8-4783-44C7-A055-1F10EE18FABE}"/>
-    <dgm:cxn modelId="{F0A468A1-C1DE-4D46-BA8D-6267736DBD91}" type="presParOf" srcId="{EFD12A60-DD2F-457B-BA4C-414F19F80203}" destId="{21CD225C-E5D8-443D-9487-FBEBEA387181}" srcOrd="0" destOrd="0" presId="urn:microsoft.com/office/officeart/2005/8/layout/hChevron3"/>
-    <dgm:cxn modelId="{9C9F8016-403D-48AB-B7E2-ED549AFA24D7}" type="presParOf" srcId="{EFD12A60-DD2F-457B-BA4C-414F19F80203}" destId="{85AD69C5-9A32-42BB-B4B6-102A56E68A92}" srcOrd="1" destOrd="0" presId="urn:microsoft.com/office/officeart/2005/8/layout/hChevron3"/>
-    <dgm:cxn modelId="{C7C3FA7C-8643-44DC-98D8-1F8774DCFC45}" type="presParOf" srcId="{EFD12A60-DD2F-457B-BA4C-414F19F80203}" destId="{025469F2-067C-4199-9827-8EFE913C0E0F}" srcOrd="2" destOrd="0" presId="urn:microsoft.com/office/officeart/2005/8/layout/hChevron3"/>
-    <dgm:cxn modelId="{43F91BD8-BB9F-4FDC-9F30-272D438A3B52}" type="presParOf" srcId="{EFD12A60-DD2F-457B-BA4C-414F19F80203}" destId="{73382D93-8C34-4A39-BF2A-9A9AF42B8686}" srcOrd="3" destOrd="0" presId="urn:microsoft.com/office/officeart/2005/8/layout/hChevron3"/>
-    <dgm:cxn modelId="{0113428D-536C-405B-AB5A-F993BB89DD34}" type="presParOf" srcId="{EFD12A60-DD2F-457B-BA4C-414F19F80203}" destId="{68CFDE77-1DD0-430E-A494-1A48C963455C}" srcOrd="4" destOrd="0" presId="urn:microsoft.com/office/officeart/2005/8/layout/hChevron3"/>
-    <dgm:cxn modelId="{4287882F-5921-40C8-9DFF-59ADD16BD52C}" type="presParOf" srcId="{EFD12A60-DD2F-457B-BA4C-414F19F80203}" destId="{49BEC115-3AF1-4CE7-8C2D-77F79067286D}" srcOrd="5" destOrd="0" presId="urn:microsoft.com/office/officeart/2005/8/layout/hChevron3"/>
-    <dgm:cxn modelId="{1C487DD6-0E99-4A1D-8A88-038A23276215}" type="presParOf" srcId="{EFD12A60-DD2F-457B-BA4C-414F19F80203}" destId="{13DF959E-1C66-4067-AC7D-C59F456981A4}" srcOrd="6" destOrd="0" presId="urn:microsoft.com/office/officeart/2005/8/layout/hChevron3"/>
+    <dgm:cxn modelId="{27FB2A35-239C-41C6-9142-7331466C4309}" type="presOf" srcId="{37CD33AD-32EA-4017-B321-82D62883DA15}" destId="{21CD225C-E5D8-443D-9487-FBEBEA387181}" srcOrd="0" destOrd="0" presId="urn:microsoft.com/office/officeart/2005/8/layout/hChevron3"/>
+    <dgm:cxn modelId="{E1F865C6-B530-4A14-8385-34E6133A6BE6}" type="presOf" srcId="{9E1D15D1-D802-4B27-ABA3-F6082429558C}" destId="{EFD12A60-DD2F-457B-BA4C-414F19F80203}" srcOrd="0" destOrd="0" presId="urn:microsoft.com/office/officeart/2005/8/layout/hChevron3"/>
+    <dgm:cxn modelId="{CA4FA2BA-7CDA-44F3-ACBB-9A63A10E3DB8}" type="presParOf" srcId="{EFD12A60-DD2F-457B-BA4C-414F19F80203}" destId="{21CD225C-E5D8-443D-9487-FBEBEA387181}" srcOrd="0" destOrd="0" presId="urn:microsoft.com/office/officeart/2005/8/layout/hChevron3"/>
+    <dgm:cxn modelId="{6310A26F-26C6-4785-8962-5914760FBBE6}" type="presParOf" srcId="{EFD12A60-DD2F-457B-BA4C-414F19F80203}" destId="{85AD69C5-9A32-42BB-B4B6-102A56E68A92}" srcOrd="1" destOrd="0" presId="urn:microsoft.com/office/officeart/2005/8/layout/hChevron3"/>
+    <dgm:cxn modelId="{E0BC2581-6BB1-49A8-A41F-3C1392F4BEDC}" type="presParOf" srcId="{EFD12A60-DD2F-457B-BA4C-414F19F80203}" destId="{025469F2-067C-4199-9827-8EFE913C0E0F}" srcOrd="2" destOrd="0" presId="urn:microsoft.com/office/officeart/2005/8/layout/hChevron3"/>
+    <dgm:cxn modelId="{D02AFEE6-27BF-45D0-A5B3-42FAB7B3DE5C}" type="presParOf" srcId="{EFD12A60-DD2F-457B-BA4C-414F19F80203}" destId="{73382D93-8C34-4A39-BF2A-9A9AF42B8686}" srcOrd="3" destOrd="0" presId="urn:microsoft.com/office/officeart/2005/8/layout/hChevron3"/>
+    <dgm:cxn modelId="{04658306-BE51-47A5-8629-4A2563205004}" type="presParOf" srcId="{EFD12A60-DD2F-457B-BA4C-414F19F80203}" destId="{68CFDE77-1DD0-430E-A494-1A48C963455C}" srcOrd="4" destOrd="0" presId="urn:microsoft.com/office/officeart/2005/8/layout/hChevron3"/>
   </dgm:cxnLst>
   <dgm:bg/>
   <dgm:whole/>
@@ -3714,8 +3594,8 @@
         <a:lstStyle/>
         <a:p>
           <a:r>
-            <a:rPr lang="fr-FR" sz="1600" b="0" dirty="0" err="1" smtClean="0"/>
-            <a:t>yyy</a:t>
+            <a:rPr lang="fr-FR" sz="1600" b="0" dirty="0" smtClean="0"/>
+            <a:t>Architecture</a:t>
           </a:r>
           <a:endParaRPr lang="fr-FR" sz="1600" b="0" dirty="0"/>
         </a:p>
@@ -3763,7 +3643,7 @@
                 <a:srgbClr val="7030A0"/>
               </a:solidFill>
             </a:rPr>
-            <a:t>xx</a:t>
+            <a:t>Découpage en couches</a:t>
           </a:r>
           <a:endParaRPr lang="fr-FR" sz="1600" b="1" dirty="0">
             <a:solidFill>
@@ -3804,7 +3684,7 @@
         <a:p>
           <a:r>
             <a:rPr lang="fr-FR" sz="1600" dirty="0" smtClean="0"/>
-            <a:t>xx</a:t>
+            <a:t>Illustration</a:t>
           </a:r>
           <a:endParaRPr lang="fr-FR" sz="1600" dirty="0"/>
         </a:p>
@@ -3880,7 +3760,7 @@
       <dgm:spPr/>
     </dgm:pt>
     <dgm:pt modelId="{FD4C7143-43FC-4DDF-A6BC-B63B039931B7}" type="pres">
-      <dgm:prSet presAssocID="{1F534F94-C1FB-49D2-B900-F3F34AF6EA67}" presName="parTxOnly" presStyleLbl="node1" presStyleIdx="2" presStyleCnt="3" custLinFactNeighborX="-4113">
+      <dgm:prSet presAssocID="{1F534F94-C1FB-49D2-B900-F3F34AF6EA67}" presName="parTxOnly" presStyleLbl="node1" presStyleIdx="2" presStyleCnt="3" custScaleX="65234" custLinFactNeighborX="-4113">
         <dgm:presLayoutVars>
           <dgm:bulletEnabled val="1"/>
         </dgm:presLayoutVars>
@@ -3898,9 +3778,9 @@
   <dgm:cxnLst>
     <dgm:cxn modelId="{7BF3E8D5-B469-49D7-BE92-FD1F4F1781A2}" srcId="{9E1D15D1-D802-4B27-ABA3-F6082429558C}" destId="{1F534F94-C1FB-49D2-B900-F3F34AF6EA67}" srcOrd="2" destOrd="0" parTransId="{0D924933-63C1-4AA6-A632-431BFBAAB57D}" sibTransId="{3338D4F9-930D-48F5-B152-7153B225E2A2}"/>
     <dgm:cxn modelId="{E502C00A-98E9-4CEC-ADB3-E6B39DFC1F52}" type="presOf" srcId="{1F534F94-C1FB-49D2-B900-F3F34AF6EA67}" destId="{FD4C7143-43FC-4DDF-A6BC-B63B039931B7}" srcOrd="0" destOrd="0" presId="urn:microsoft.com/office/officeart/2005/8/layout/hChevron3"/>
+    <dgm:cxn modelId="{3095DFAC-E819-44C0-8D09-5F9D4B0F9FC3}" type="presOf" srcId="{37CD33AD-32EA-4017-B321-82D62883DA15}" destId="{21CD225C-E5D8-443D-9487-FBEBEA387181}" srcOrd="0" destOrd="0" presId="urn:microsoft.com/office/officeart/2005/8/layout/hChevron3"/>
+    <dgm:cxn modelId="{4AC4F008-481E-4E31-A043-B6FAB04EF2E9}" type="presOf" srcId="{721288D1-8B06-4E97-9180-5AF060D52B35}" destId="{025469F2-067C-4199-9827-8EFE913C0E0F}" srcOrd="0" destOrd="0" presId="urn:microsoft.com/office/officeart/2005/8/layout/hChevron3"/>
     <dgm:cxn modelId="{A05470E4-6599-40D4-BA50-5E6B751FB238}" srcId="{9E1D15D1-D802-4B27-ABA3-F6082429558C}" destId="{37CD33AD-32EA-4017-B321-82D62883DA15}" srcOrd="0" destOrd="0" parTransId="{862AD4F2-7BCA-47E5-8381-5182F92E9FE3}" sibTransId="{9C941558-35F8-417D-ABB7-5EAACB2F8553}"/>
-    <dgm:cxn modelId="{4AC4F008-481E-4E31-A043-B6FAB04EF2E9}" type="presOf" srcId="{721288D1-8B06-4E97-9180-5AF060D52B35}" destId="{025469F2-067C-4199-9827-8EFE913C0E0F}" srcOrd="0" destOrd="0" presId="urn:microsoft.com/office/officeart/2005/8/layout/hChevron3"/>
-    <dgm:cxn modelId="{3095DFAC-E819-44C0-8D09-5F9D4B0F9FC3}" type="presOf" srcId="{37CD33AD-32EA-4017-B321-82D62883DA15}" destId="{21CD225C-E5D8-443D-9487-FBEBEA387181}" srcOrd="0" destOrd="0" presId="urn:microsoft.com/office/officeart/2005/8/layout/hChevron3"/>
     <dgm:cxn modelId="{CFEDC859-F6AA-413D-A509-A24082AC60F9}" srcId="{9E1D15D1-D802-4B27-ABA3-F6082429558C}" destId="{721288D1-8B06-4E97-9180-5AF060D52B35}" srcOrd="1" destOrd="0" parTransId="{EDA01FBC-43DE-42EA-BCB5-B789633E9531}" sibTransId="{0C81F5C0-2E70-4B58-BF27-C362AE16E6C6}"/>
     <dgm:cxn modelId="{F0472310-4CC9-49AF-AFAB-09F5A9317D38}" type="presOf" srcId="{9E1D15D1-D802-4B27-ABA3-F6082429558C}" destId="{EFD12A60-DD2F-457B-BA4C-414F19F80203}" srcOrd="0" destOrd="0" presId="urn:microsoft.com/office/officeart/2005/8/layout/hChevron3"/>
     <dgm:cxn modelId="{0967E836-8E2C-4BAC-AEB2-F3A38FA27E4A}" type="presParOf" srcId="{EFD12A60-DD2F-457B-BA4C-414F19F80203}" destId="{21CD225C-E5D8-443D-9487-FBEBEA387181}" srcOrd="0" destOrd="0" presId="urn:microsoft.com/office/officeart/2005/8/layout/hChevron3"/>
@@ -3935,7 +3815,7 @@
         <a:p>
           <a:r>
             <a:rPr lang="fr-FR" sz="1600" b="0" dirty="0" smtClean="0"/>
-            <a:t>Alysea</a:t>
+            <a:t>xx</a:t>
           </a:r>
           <a:endParaRPr lang="fr-FR" sz="1600" b="0" dirty="0"/>
         </a:p>
@@ -3971,8 +3851,8 @@
         <a:lstStyle/>
         <a:p>
           <a:r>
-            <a:rPr lang="fr-FR" sz="1600" b="0" smtClean="0"/>
-            <a:t>Capsailor</a:t>
+            <a:rPr lang="fr-FR" sz="1600" b="0" dirty="0" smtClean="0"/>
+            <a:t>xx</a:t>
           </a:r>
           <a:endParaRPr lang="fr-FR" sz="1600" b="0" dirty="0"/>
         </a:p>
@@ -4020,7 +3900,7 @@
                 <a:srgbClr val="7030A0"/>
               </a:solidFill>
             </a:rPr>
-            <a:t>Lynx</a:t>
+            <a:t>xx</a:t>
           </a:r>
           <a:endParaRPr lang="fr-FR" sz="1600" b="1" dirty="0">
             <a:solidFill>
@@ -4155,7 +4035,337 @@
       <dsp:spPr>
         <a:xfrm>
           <a:off x="0" y="0"/>
-          <a:ext cx="2481553" cy="447824"/>
+          <a:ext cx="4281615" cy="447824"/>
+        </a:xfrm>
+        <a:prstGeom prst="homePlate">
+          <a:avLst/>
+        </a:prstGeom>
+        <a:solidFill>
+          <a:schemeClr val="accent2">
+            <a:lumMod val="20000"/>
+            <a:lumOff val="80000"/>
+          </a:schemeClr>
+        </a:solidFill>
+        <a:ln>
+          <a:noFill/>
+        </a:ln>
+        <a:effectLst>
+          <a:outerShdw blurRad="40000" dist="23000" dir="5400000" rotWithShape="0">
+            <a:srgbClr val="000000">
+              <a:alpha val="35000"/>
+            </a:srgbClr>
+          </a:outerShdw>
+        </a:effectLst>
+        <a:scene3d>
+          <a:camera prst="orthographicFront">
+            <a:rot lat="0" lon="0" rev="0"/>
+          </a:camera>
+          <a:lightRig rig="threePt" dir="t">
+            <a:rot lat="0" lon="0" rev="1200000"/>
+          </a:lightRig>
+        </a:scene3d>
+        <a:sp3d>
+          <a:bevelT w="63500" h="25400"/>
+        </a:sp3d>
+      </dsp:spPr>
+      <dsp:style>
+        <a:lnRef idx="0">
+          <a:scrgbClr r="0" g="0" b="0"/>
+        </a:lnRef>
+        <a:fillRef idx="3">
+          <a:scrgbClr r="0" g="0" b="0"/>
+        </a:fillRef>
+        <a:effectRef idx="3">
+          <a:scrgbClr r="0" g="0" b="0"/>
+        </a:effectRef>
+        <a:fontRef idx="minor">
+          <a:schemeClr val="lt1"/>
+        </a:fontRef>
+      </dsp:style>
+      <dsp:txBody>
+        <a:bodyPr spcFirstLastPara="0" vert="horz" wrap="square" lIns="85344" tIns="42672" rIns="21336" bIns="42672" numCol="1" spcCol="1270" anchor="ctr" anchorCtr="0">
+          <a:noAutofit/>
+        </a:bodyPr>
+        <a:lstStyle/>
+        <a:p>
+          <a:pPr lvl="0" algn="ctr" defTabSz="711200">
+            <a:lnSpc>
+              <a:spcPct val="90000"/>
+            </a:lnSpc>
+            <a:spcBef>
+              <a:spcPct val="0"/>
+            </a:spcBef>
+            <a:spcAft>
+              <a:spcPct val="35000"/>
+            </a:spcAft>
+          </a:pPr>
+          <a:r>
+            <a:rPr lang="fr-FR" sz="1600" b="1" kern="1200" dirty="0" smtClean="0">
+              <a:solidFill>
+                <a:srgbClr val="7030A0"/>
+              </a:solidFill>
+            </a:rPr>
+            <a:t>Architecture</a:t>
+          </a:r>
+          <a:endParaRPr lang="fr-FR" sz="1600" b="1" kern="1200" dirty="0">
+            <a:solidFill>
+              <a:srgbClr val="7030A0"/>
+            </a:solidFill>
+          </a:endParaRPr>
+        </a:p>
+      </dsp:txBody>
+      <dsp:txXfrm>
+        <a:off x="0" y="0"/>
+        <a:ext cx="4281615" cy="447824"/>
+      </dsp:txXfrm>
+    </dsp:sp>
+    <dsp:sp modelId="{68CFDE77-1DD0-430E-A494-1A48C963455C}">
+      <dsp:nvSpPr>
+        <dsp:cNvPr id="0" name=""/>
+        <dsp:cNvSpPr/>
+      </dsp:nvSpPr>
+      <dsp:spPr>
+        <a:xfrm>
+          <a:off x="2647810" y="0"/>
+          <a:ext cx="5688501" cy="447824"/>
+        </a:xfrm>
+        <a:prstGeom prst="chevron">
+          <a:avLst/>
+        </a:prstGeom>
+        <a:gradFill rotWithShape="0">
+          <a:gsLst>
+            <a:gs pos="0">
+              <a:schemeClr val="accent1">
+                <a:hueOff val="0"/>
+                <a:satOff val="0"/>
+                <a:lumOff val="0"/>
+                <a:alphaOff val="0"/>
+                <a:shade val="51000"/>
+                <a:satMod val="130000"/>
+              </a:schemeClr>
+            </a:gs>
+            <a:gs pos="80000">
+              <a:schemeClr val="accent1">
+                <a:hueOff val="0"/>
+                <a:satOff val="0"/>
+                <a:lumOff val="0"/>
+                <a:alphaOff val="0"/>
+                <a:shade val="93000"/>
+                <a:satMod val="130000"/>
+              </a:schemeClr>
+            </a:gs>
+            <a:gs pos="100000">
+              <a:schemeClr val="accent1">
+                <a:hueOff val="0"/>
+                <a:satOff val="0"/>
+                <a:lumOff val="0"/>
+                <a:alphaOff val="0"/>
+                <a:shade val="94000"/>
+                <a:satMod val="135000"/>
+              </a:schemeClr>
+            </a:gs>
+          </a:gsLst>
+          <a:lin ang="16200000" scaled="0"/>
+        </a:gradFill>
+        <a:ln>
+          <a:noFill/>
+        </a:ln>
+        <a:effectLst>
+          <a:outerShdw blurRad="40000" dist="23000" dir="5400000" rotWithShape="0">
+            <a:srgbClr val="000000">
+              <a:alpha val="35000"/>
+            </a:srgbClr>
+          </a:outerShdw>
+        </a:effectLst>
+        <a:scene3d>
+          <a:camera prst="orthographicFront">
+            <a:rot lat="0" lon="0" rev="0"/>
+          </a:camera>
+          <a:lightRig rig="threePt" dir="t">
+            <a:rot lat="0" lon="0" rev="1200000"/>
+          </a:lightRig>
+        </a:scene3d>
+        <a:sp3d>
+          <a:bevelT w="63500" h="25400"/>
+        </a:sp3d>
+      </dsp:spPr>
+      <dsp:style>
+        <a:lnRef idx="0">
+          <a:scrgbClr r="0" g="0" b="0"/>
+        </a:lnRef>
+        <a:fillRef idx="3">
+          <a:scrgbClr r="0" g="0" b="0"/>
+        </a:fillRef>
+        <a:effectRef idx="3">
+          <a:scrgbClr r="0" g="0" b="0"/>
+        </a:effectRef>
+        <a:fontRef idx="minor">
+          <a:schemeClr val="lt1"/>
+        </a:fontRef>
+      </dsp:style>
+      <dsp:txBody>
+        <a:bodyPr spcFirstLastPara="0" vert="horz" wrap="square" lIns="64008" tIns="42672" rIns="21336" bIns="42672" numCol="1" spcCol="1270" anchor="ctr" anchorCtr="0">
+          <a:noAutofit/>
+        </a:bodyPr>
+        <a:lstStyle/>
+        <a:p>
+          <a:pPr lvl="0" algn="ctr" defTabSz="711200">
+            <a:lnSpc>
+              <a:spcPct val="90000"/>
+            </a:lnSpc>
+            <a:spcBef>
+              <a:spcPct val="0"/>
+            </a:spcBef>
+            <a:spcAft>
+              <a:spcPct val="35000"/>
+            </a:spcAft>
+          </a:pPr>
+          <a:r>
+            <a:rPr lang="fr-FR" sz="1600" kern="1200" baseline="0" dirty="0" smtClean="0"/>
+            <a:t>Découpage en couches</a:t>
+          </a:r>
+          <a:endParaRPr lang="fr-FR" sz="1600" kern="1200" baseline="0" dirty="0"/>
+        </a:p>
+      </dsp:txBody>
+      <dsp:txXfrm>
+        <a:off x="2647810" y="0"/>
+        <a:ext cx="5688501" cy="447824"/>
+      </dsp:txXfrm>
+    </dsp:sp>
+    <dsp:sp modelId="{13DF959E-1C66-4067-AC7D-C59F456981A4}">
+      <dsp:nvSpPr>
+        <dsp:cNvPr id="0" name=""/>
+        <dsp:cNvSpPr/>
+      </dsp:nvSpPr>
+      <dsp:spPr>
+        <a:xfrm>
+          <a:off x="6702107" y="0"/>
+          <a:ext cx="2563412" cy="447824"/>
+        </a:xfrm>
+        <a:prstGeom prst="chevron">
+          <a:avLst/>
+        </a:prstGeom>
+        <a:gradFill rotWithShape="0">
+          <a:gsLst>
+            <a:gs pos="0">
+              <a:schemeClr val="accent1">
+                <a:hueOff val="0"/>
+                <a:satOff val="0"/>
+                <a:lumOff val="0"/>
+                <a:alphaOff val="0"/>
+                <a:shade val="51000"/>
+                <a:satMod val="130000"/>
+              </a:schemeClr>
+            </a:gs>
+            <a:gs pos="80000">
+              <a:schemeClr val="accent1">
+                <a:hueOff val="0"/>
+                <a:satOff val="0"/>
+                <a:lumOff val="0"/>
+                <a:alphaOff val="0"/>
+                <a:shade val="93000"/>
+                <a:satMod val="130000"/>
+              </a:schemeClr>
+            </a:gs>
+            <a:gs pos="100000">
+              <a:schemeClr val="accent1">
+                <a:hueOff val="0"/>
+                <a:satOff val="0"/>
+                <a:lumOff val="0"/>
+                <a:alphaOff val="0"/>
+                <a:shade val="94000"/>
+                <a:satMod val="135000"/>
+              </a:schemeClr>
+            </a:gs>
+          </a:gsLst>
+          <a:lin ang="16200000" scaled="0"/>
+        </a:gradFill>
+        <a:ln>
+          <a:noFill/>
+        </a:ln>
+        <a:effectLst>
+          <a:outerShdw blurRad="40000" dist="23000" dir="5400000" rotWithShape="0">
+            <a:srgbClr val="000000">
+              <a:alpha val="35000"/>
+            </a:srgbClr>
+          </a:outerShdw>
+        </a:effectLst>
+        <a:scene3d>
+          <a:camera prst="orthographicFront">
+            <a:rot lat="0" lon="0" rev="0"/>
+          </a:camera>
+          <a:lightRig rig="threePt" dir="t">
+            <a:rot lat="0" lon="0" rev="1200000"/>
+          </a:lightRig>
+        </a:scene3d>
+        <a:sp3d>
+          <a:bevelT w="63500" h="25400"/>
+        </a:sp3d>
+      </dsp:spPr>
+      <dsp:style>
+        <a:lnRef idx="0">
+          <a:scrgbClr r="0" g="0" b="0"/>
+        </a:lnRef>
+        <a:fillRef idx="3">
+          <a:scrgbClr r="0" g="0" b="0"/>
+        </a:fillRef>
+        <a:effectRef idx="3">
+          <a:scrgbClr r="0" g="0" b="0"/>
+        </a:effectRef>
+        <a:fontRef idx="minor">
+          <a:schemeClr val="lt1"/>
+        </a:fontRef>
+      </dsp:style>
+      <dsp:txBody>
+        <a:bodyPr spcFirstLastPara="0" vert="horz" wrap="square" lIns="64008" tIns="42672" rIns="21336" bIns="42672" numCol="1" spcCol="1270" anchor="ctr" anchorCtr="0">
+          <a:noAutofit/>
+        </a:bodyPr>
+        <a:lstStyle/>
+        <a:p>
+          <a:pPr lvl="0" algn="ctr" defTabSz="711200">
+            <a:lnSpc>
+              <a:spcPct val="90000"/>
+            </a:lnSpc>
+            <a:spcBef>
+              <a:spcPct val="0"/>
+            </a:spcBef>
+            <a:spcAft>
+              <a:spcPct val="35000"/>
+            </a:spcAft>
+          </a:pPr>
+          <a:r>
+            <a:rPr lang="fr-FR" sz="1600" kern="1200" dirty="0" smtClean="0"/>
+            <a:t>Illustration</a:t>
+          </a:r>
+          <a:endParaRPr lang="fr-FR" sz="1600" kern="1200" dirty="0"/>
+        </a:p>
+      </dsp:txBody>
+      <dsp:txXfrm>
+        <a:off x="6702107" y="0"/>
+        <a:ext cx="2563412" cy="447824"/>
+      </dsp:txXfrm>
+    </dsp:sp>
+  </dsp:spTree>
+</dsp:drawing>
+</file>
+
+<file path=ppt/diagrams/drawing2.xml><?xml version="1.0" encoding="utf-8"?>
+<dsp:drawing xmlns:dgm="http://schemas.openxmlformats.org/drawingml/2006/diagram" xmlns:a="http://schemas.openxmlformats.org/drawingml/2006/main" xmlns:dsp="http://schemas.microsoft.com/office/drawing/2008/diagram">
+  <dsp:spTree>
+    <dsp:nvGrpSpPr>
+      <dsp:cNvPr id="0" name=""/>
+      <dsp:cNvGrpSpPr/>
+    </dsp:nvGrpSpPr>
+    <dsp:grpSpPr/>
+    <dsp:sp modelId="{21CD225C-E5D8-443D-9487-FBEBEA387181}">
+      <dsp:nvSpPr>
+        <dsp:cNvPr id="0" name=""/>
+        <dsp:cNvSpPr/>
+      </dsp:nvSpPr>
+      <dsp:spPr>
+        <a:xfrm>
+          <a:off x="0" y="0"/>
+          <a:ext cx="4255819" cy="447824"/>
         </a:xfrm>
         <a:prstGeom prst="homePlate">
           <a:avLst/>
@@ -4250,14 +4460,14 @@
           </a:pPr>
           <a:r>
             <a:rPr lang="fr-FR" sz="1600" b="0" kern="1200" dirty="0" smtClean="0"/>
-            <a:t>Histoire</a:t>
+            <a:t>Architecture</a:t>
           </a:r>
           <a:endParaRPr lang="fr-FR" sz="1600" b="0" kern="1200" dirty="0"/>
         </a:p>
       </dsp:txBody>
       <dsp:txXfrm>
         <a:off x="0" y="0"/>
-        <a:ext cx="2481553" cy="447824"/>
+        <a:ext cx="4255819" cy="447824"/>
       </dsp:txXfrm>
     </dsp:sp>
     <dsp:sp modelId="{025469F2-067C-4199-9827-8EFE913C0E0F}">
@@ -4267,8 +4477,8 @@
       </dsp:nvSpPr>
       <dsp:spPr>
         <a:xfrm>
-          <a:off x="1709932" y="0"/>
-          <a:ext cx="2772214" cy="447824"/>
+          <a:off x="2933543" y="0"/>
+          <a:ext cx="4754297" cy="447824"/>
         </a:xfrm>
         <a:prstGeom prst="chevron">
           <a:avLst/>
@@ -4363,14 +4573,14 @@
           </a:pPr>
           <a:r>
             <a:rPr lang="fr-FR" sz="1600" b="0" kern="1200" dirty="0" smtClean="0"/>
-            <a:t>croissance</a:t>
+            <a:t>Découpage en couches</a:t>
           </a:r>
           <a:endParaRPr lang="fr-FR" sz="1600" b="0" kern="1200" dirty="0"/>
         </a:p>
       </dsp:txBody>
       <dsp:txXfrm>
-        <a:off x="1709932" y="0"/>
-        <a:ext cx="2772214" cy="447824"/>
+        <a:off x="2933543" y="0"/>
+        <a:ext cx="4754297" cy="447824"/>
       </dsp:txXfrm>
     </dsp:sp>
     <dsp:sp modelId="{68CFDE77-1DD0-430E-A494-1A48C963455C}">
@@ -4380,8 +4590,8 @@
       </dsp:nvSpPr>
       <dsp:spPr>
         <a:xfrm>
-          <a:off x="3769800" y="0"/>
-          <a:ext cx="2623745" cy="447824"/>
+          <a:off x="6466178" y="0"/>
+          <a:ext cx="2795551" cy="447824"/>
         </a:xfrm>
         <a:prstGeom prst="chevron">
           <a:avLst/>
@@ -4451,7 +4661,7 @@
                 <a:srgbClr val="7030A0"/>
               </a:solidFill>
             </a:rPr>
-            <a:t>Métiers</a:t>
+            <a:t>Illustration</a:t>
           </a:r>
           <a:endParaRPr lang="fr-FR" sz="1600" b="1" kern="1200" baseline="0" dirty="0">
             <a:solidFill>
@@ -4461,19 +4671,236 @@
         </a:p>
       </dsp:txBody>
       <dsp:txXfrm>
-        <a:off x="3769800" y="0"/>
-        <a:ext cx="2623745" cy="447824"/>
+        <a:off x="6466178" y="0"/>
+        <a:ext cx="2795551" cy="447824"/>
       </dsp:txXfrm>
     </dsp:sp>
-    <dsp:sp modelId="{13DF959E-1C66-4067-AC7D-C59F456981A4}">
+  </dsp:spTree>
+</dsp:drawing>
+</file>
+
+<file path=ppt/diagrams/drawing3.xml><?xml version="1.0" encoding="utf-8"?>
+<dsp:drawing xmlns:dgm="http://schemas.openxmlformats.org/drawingml/2006/diagram" xmlns:a="http://schemas.openxmlformats.org/drawingml/2006/main" xmlns:dsp="http://schemas.microsoft.com/office/drawing/2008/diagram">
+  <dsp:spTree>
+    <dsp:nvGrpSpPr>
+      <dsp:cNvPr id="0" name=""/>
+      <dsp:cNvGrpSpPr/>
+    </dsp:nvGrpSpPr>
+    <dsp:grpSpPr/>
+    <dsp:sp modelId="{21CD225C-E5D8-443D-9487-FBEBEA387181}">
       <dsp:nvSpPr>
         <dsp:cNvPr id="0" name=""/>
         <dsp:cNvSpPr/>
       </dsp:nvSpPr>
       <dsp:spPr>
         <a:xfrm>
-          <a:off x="5650643" y="0"/>
-          <a:ext cx="3613440" cy="447824"/>
+          <a:off x="0" y="0"/>
+          <a:ext cx="4112656" cy="447824"/>
+        </a:xfrm>
+        <a:prstGeom prst="homePlate">
+          <a:avLst/>
+        </a:prstGeom>
+        <a:gradFill rotWithShape="0">
+          <a:gsLst>
+            <a:gs pos="0">
+              <a:schemeClr val="accent1">
+                <a:hueOff val="0"/>
+                <a:satOff val="0"/>
+                <a:lumOff val="0"/>
+                <a:alphaOff val="0"/>
+                <a:shade val="51000"/>
+                <a:satMod val="130000"/>
+              </a:schemeClr>
+            </a:gs>
+            <a:gs pos="80000">
+              <a:schemeClr val="accent1">
+                <a:hueOff val="0"/>
+                <a:satOff val="0"/>
+                <a:lumOff val="0"/>
+                <a:alphaOff val="0"/>
+                <a:shade val="93000"/>
+                <a:satMod val="130000"/>
+              </a:schemeClr>
+            </a:gs>
+            <a:gs pos="100000">
+              <a:schemeClr val="accent1">
+                <a:hueOff val="0"/>
+                <a:satOff val="0"/>
+                <a:lumOff val="0"/>
+                <a:alphaOff val="0"/>
+                <a:shade val="94000"/>
+                <a:satMod val="135000"/>
+              </a:schemeClr>
+            </a:gs>
+          </a:gsLst>
+          <a:lin ang="16200000" scaled="0"/>
+        </a:gradFill>
+        <a:ln>
+          <a:noFill/>
+        </a:ln>
+        <a:effectLst>
+          <a:outerShdw blurRad="40000" dist="23000" dir="5400000" rotWithShape="0">
+            <a:srgbClr val="000000">
+              <a:alpha val="35000"/>
+            </a:srgbClr>
+          </a:outerShdw>
+        </a:effectLst>
+        <a:scene3d>
+          <a:camera prst="orthographicFront">
+            <a:rot lat="0" lon="0" rev="0"/>
+          </a:camera>
+          <a:lightRig rig="threePt" dir="t">
+            <a:rot lat="0" lon="0" rev="1200000"/>
+          </a:lightRig>
+        </a:scene3d>
+        <a:sp3d>
+          <a:bevelT w="63500" h="25400"/>
+        </a:sp3d>
+      </dsp:spPr>
+      <dsp:style>
+        <a:lnRef idx="0">
+          <a:scrgbClr r="0" g="0" b="0"/>
+        </a:lnRef>
+        <a:fillRef idx="3">
+          <a:scrgbClr r="0" g="0" b="0"/>
+        </a:fillRef>
+        <a:effectRef idx="3">
+          <a:scrgbClr r="0" g="0" b="0"/>
+        </a:effectRef>
+        <a:fontRef idx="minor">
+          <a:schemeClr val="lt1"/>
+        </a:fontRef>
+      </dsp:style>
+      <dsp:txBody>
+        <a:bodyPr spcFirstLastPara="0" vert="horz" wrap="square" lIns="85344" tIns="42672" rIns="21336" bIns="42672" numCol="1" spcCol="1270" anchor="ctr" anchorCtr="0">
+          <a:noAutofit/>
+        </a:bodyPr>
+        <a:lstStyle/>
+        <a:p>
+          <a:pPr lvl="0" algn="ctr" defTabSz="711200">
+            <a:lnSpc>
+              <a:spcPct val="90000"/>
+            </a:lnSpc>
+            <a:spcBef>
+              <a:spcPct val="0"/>
+            </a:spcBef>
+            <a:spcAft>
+              <a:spcPct val="35000"/>
+            </a:spcAft>
+          </a:pPr>
+          <a:r>
+            <a:rPr lang="fr-FR" sz="1600" b="0" kern="1200" dirty="0" smtClean="0"/>
+            <a:t>Architecture</a:t>
+          </a:r>
+          <a:endParaRPr lang="fr-FR" sz="1600" b="0" kern="1200" dirty="0"/>
+        </a:p>
+      </dsp:txBody>
+      <dsp:txXfrm>
+        <a:off x="0" y="0"/>
+        <a:ext cx="4112656" cy="447824"/>
+      </dsp:txXfrm>
+    </dsp:sp>
+    <dsp:sp modelId="{025469F2-067C-4199-9827-8EFE913C0E0F}">
+      <dsp:nvSpPr>
+        <dsp:cNvPr id="0" name=""/>
+        <dsp:cNvSpPr/>
+      </dsp:nvSpPr>
+      <dsp:spPr>
+        <a:xfrm>
+          <a:off x="3257703" y="0"/>
+          <a:ext cx="4112656" cy="447824"/>
+        </a:xfrm>
+        <a:prstGeom prst="chevron">
+          <a:avLst/>
+        </a:prstGeom>
+        <a:solidFill>
+          <a:schemeClr val="accent1">
+            <a:lumMod val="40000"/>
+            <a:lumOff val="60000"/>
+          </a:schemeClr>
+        </a:solidFill>
+        <a:ln>
+          <a:noFill/>
+        </a:ln>
+        <a:effectLst>
+          <a:outerShdw blurRad="40000" dist="23000" dir="5400000" rotWithShape="0">
+            <a:srgbClr val="000000">
+              <a:alpha val="35000"/>
+            </a:srgbClr>
+          </a:outerShdw>
+        </a:effectLst>
+        <a:scene3d>
+          <a:camera prst="orthographicFront">
+            <a:rot lat="0" lon="0" rev="0"/>
+          </a:camera>
+          <a:lightRig rig="threePt" dir="t">
+            <a:rot lat="0" lon="0" rev="1200000"/>
+          </a:lightRig>
+        </a:scene3d>
+        <a:sp3d>
+          <a:bevelT w="63500" h="25400"/>
+        </a:sp3d>
+      </dsp:spPr>
+      <dsp:style>
+        <a:lnRef idx="0">
+          <a:scrgbClr r="0" g="0" b="0"/>
+        </a:lnRef>
+        <a:fillRef idx="3">
+          <a:scrgbClr r="0" g="0" b="0"/>
+        </a:fillRef>
+        <a:effectRef idx="3">
+          <a:scrgbClr r="0" g="0" b="0"/>
+        </a:effectRef>
+        <a:fontRef idx="minor">
+          <a:schemeClr val="lt1"/>
+        </a:fontRef>
+      </dsp:style>
+      <dsp:txBody>
+        <a:bodyPr spcFirstLastPara="0" vert="horz" wrap="square" lIns="64008" tIns="42672" rIns="21336" bIns="42672" numCol="1" spcCol="1270" anchor="ctr" anchorCtr="0">
+          <a:noAutofit/>
+        </a:bodyPr>
+        <a:lstStyle/>
+        <a:p>
+          <a:pPr lvl="0" algn="ctr" defTabSz="711200">
+            <a:lnSpc>
+              <a:spcPct val="90000"/>
+            </a:lnSpc>
+            <a:spcBef>
+              <a:spcPct val="0"/>
+            </a:spcBef>
+            <a:spcAft>
+              <a:spcPct val="35000"/>
+            </a:spcAft>
+          </a:pPr>
+          <a:r>
+            <a:rPr lang="fr-FR" sz="1600" b="1" kern="1200" dirty="0" smtClean="0">
+              <a:solidFill>
+                <a:srgbClr val="7030A0"/>
+              </a:solidFill>
+            </a:rPr>
+            <a:t>Découpage en couches</a:t>
+          </a:r>
+          <a:endParaRPr lang="fr-FR" sz="1600" b="1" kern="1200" dirty="0">
+            <a:solidFill>
+              <a:srgbClr val="7030A0"/>
+            </a:solidFill>
+          </a:endParaRPr>
+        </a:p>
+      </dsp:txBody>
+      <dsp:txXfrm>
+        <a:off x="3257703" y="0"/>
+        <a:ext cx="4112656" cy="447824"/>
+      </dsp:txXfrm>
+    </dsp:sp>
+    <dsp:sp modelId="{FD4C7143-43FC-4DDF-A6BC-B63B039931B7}">
+      <dsp:nvSpPr>
+        <dsp:cNvPr id="0" name=""/>
+        <dsp:cNvSpPr/>
+      </dsp:nvSpPr>
+      <dsp:spPr>
+        <a:xfrm>
+          <a:off x="6547829" y="0"/>
+          <a:ext cx="2682850" cy="447824"/>
         </a:xfrm>
         <a:prstGeom prst="chevron">
           <a:avLst/>
@@ -4568,787 +4995,14 @@
           </a:pPr>
           <a:r>
             <a:rPr lang="fr-FR" sz="1600" kern="1200" dirty="0" smtClean="0"/>
-            <a:t>Organisation au sein de CSC</a:t>
+            <a:t>Illustration</a:t>
           </a:r>
           <a:endParaRPr lang="fr-FR" sz="1600" kern="1200" dirty="0"/>
         </a:p>
       </dsp:txBody>
       <dsp:txXfrm>
-        <a:off x="5650643" y="0"/>
-        <a:ext cx="3613440" cy="447824"/>
-      </dsp:txXfrm>
-    </dsp:sp>
-  </dsp:spTree>
-</dsp:drawing>
-</file>
-
-<file path=ppt/diagrams/drawing2.xml><?xml version="1.0" encoding="utf-8"?>
-<dsp:drawing xmlns:dgm="http://schemas.openxmlformats.org/drawingml/2006/diagram" xmlns:a="http://schemas.openxmlformats.org/drawingml/2006/main" xmlns:dsp="http://schemas.microsoft.com/office/drawing/2008/diagram">
-  <dsp:spTree>
-    <dsp:nvGrpSpPr>
-      <dsp:cNvPr id="0" name=""/>
-      <dsp:cNvGrpSpPr/>
-    </dsp:nvGrpSpPr>
-    <dsp:grpSpPr/>
-    <dsp:sp modelId="{21CD225C-E5D8-443D-9487-FBEBEA387181}">
-      <dsp:nvSpPr>
-        <dsp:cNvPr id="0" name=""/>
-        <dsp:cNvSpPr/>
-      </dsp:nvSpPr>
-      <dsp:spPr>
-        <a:xfrm>
-          <a:off x="0" y="0"/>
-          <a:ext cx="2481553" cy="447824"/>
-        </a:xfrm>
-        <a:prstGeom prst="homePlate">
-          <a:avLst/>
-        </a:prstGeom>
-        <a:gradFill rotWithShape="0">
-          <a:gsLst>
-            <a:gs pos="0">
-              <a:schemeClr val="accent1">
-                <a:hueOff val="0"/>
-                <a:satOff val="0"/>
-                <a:lumOff val="0"/>
-                <a:alphaOff val="0"/>
-                <a:shade val="51000"/>
-                <a:satMod val="130000"/>
-              </a:schemeClr>
-            </a:gs>
-            <a:gs pos="80000">
-              <a:schemeClr val="accent1">
-                <a:hueOff val="0"/>
-                <a:satOff val="0"/>
-                <a:lumOff val="0"/>
-                <a:alphaOff val="0"/>
-                <a:shade val="93000"/>
-                <a:satMod val="130000"/>
-              </a:schemeClr>
-            </a:gs>
-            <a:gs pos="100000">
-              <a:schemeClr val="accent1">
-                <a:hueOff val="0"/>
-                <a:satOff val="0"/>
-                <a:lumOff val="0"/>
-                <a:alphaOff val="0"/>
-                <a:shade val="94000"/>
-                <a:satMod val="135000"/>
-              </a:schemeClr>
-            </a:gs>
-          </a:gsLst>
-          <a:lin ang="16200000" scaled="0"/>
-        </a:gradFill>
-        <a:ln>
-          <a:noFill/>
-        </a:ln>
-        <a:effectLst>
-          <a:outerShdw blurRad="40000" dist="23000" dir="5400000" rotWithShape="0">
-            <a:srgbClr val="000000">
-              <a:alpha val="35000"/>
-            </a:srgbClr>
-          </a:outerShdw>
-        </a:effectLst>
-        <a:scene3d>
-          <a:camera prst="orthographicFront">
-            <a:rot lat="0" lon="0" rev="0"/>
-          </a:camera>
-          <a:lightRig rig="threePt" dir="t">
-            <a:rot lat="0" lon="0" rev="1200000"/>
-          </a:lightRig>
-        </a:scene3d>
-        <a:sp3d>
-          <a:bevelT w="63500" h="25400"/>
-        </a:sp3d>
-      </dsp:spPr>
-      <dsp:style>
-        <a:lnRef idx="0">
-          <a:scrgbClr r="0" g="0" b="0"/>
-        </a:lnRef>
-        <a:fillRef idx="3">
-          <a:scrgbClr r="0" g="0" b="0"/>
-        </a:fillRef>
-        <a:effectRef idx="3">
-          <a:scrgbClr r="0" g="0" b="0"/>
-        </a:effectRef>
-        <a:fontRef idx="minor">
-          <a:schemeClr val="lt1"/>
-        </a:fontRef>
-      </dsp:style>
-      <dsp:txBody>
-        <a:bodyPr spcFirstLastPara="0" vert="horz" wrap="square" lIns="85344" tIns="42672" rIns="21336" bIns="42672" numCol="1" spcCol="1270" anchor="ctr" anchorCtr="0">
-          <a:noAutofit/>
-        </a:bodyPr>
-        <a:lstStyle/>
-        <a:p>
-          <a:pPr lvl="0" algn="ctr" defTabSz="711200">
-            <a:lnSpc>
-              <a:spcPct val="90000"/>
-            </a:lnSpc>
-            <a:spcBef>
-              <a:spcPct val="0"/>
-            </a:spcBef>
-            <a:spcAft>
-              <a:spcPct val="35000"/>
-            </a:spcAft>
-          </a:pPr>
-          <a:r>
-            <a:rPr lang="fr-FR" sz="1600" b="0" kern="1200" dirty="0" smtClean="0"/>
-            <a:t>Histoire</a:t>
-          </a:r>
-          <a:endParaRPr lang="fr-FR" sz="1600" b="0" kern="1200" dirty="0"/>
-        </a:p>
-      </dsp:txBody>
-      <dsp:txXfrm>
-        <a:off x="0" y="0"/>
-        <a:ext cx="2481553" cy="447824"/>
-      </dsp:txXfrm>
-    </dsp:sp>
-    <dsp:sp modelId="{025469F2-067C-4199-9827-8EFE913C0E0F}">
-      <dsp:nvSpPr>
-        <dsp:cNvPr id="0" name=""/>
-        <dsp:cNvSpPr/>
-      </dsp:nvSpPr>
-      <dsp:spPr>
-        <a:xfrm>
-          <a:off x="1709932" y="0"/>
-          <a:ext cx="2772214" cy="447824"/>
-        </a:xfrm>
-        <a:prstGeom prst="chevron">
-          <a:avLst/>
-        </a:prstGeom>
-        <a:gradFill rotWithShape="0">
-          <a:gsLst>
-            <a:gs pos="0">
-              <a:schemeClr val="accent1">
-                <a:hueOff val="0"/>
-                <a:satOff val="0"/>
-                <a:lumOff val="0"/>
-                <a:alphaOff val="0"/>
-                <a:shade val="51000"/>
-                <a:satMod val="130000"/>
-              </a:schemeClr>
-            </a:gs>
-            <a:gs pos="80000">
-              <a:schemeClr val="accent1">
-                <a:hueOff val="0"/>
-                <a:satOff val="0"/>
-                <a:lumOff val="0"/>
-                <a:alphaOff val="0"/>
-                <a:shade val="93000"/>
-                <a:satMod val="130000"/>
-              </a:schemeClr>
-            </a:gs>
-            <a:gs pos="100000">
-              <a:schemeClr val="accent1">
-                <a:hueOff val="0"/>
-                <a:satOff val="0"/>
-                <a:lumOff val="0"/>
-                <a:alphaOff val="0"/>
-                <a:shade val="94000"/>
-                <a:satMod val="135000"/>
-              </a:schemeClr>
-            </a:gs>
-          </a:gsLst>
-          <a:lin ang="16200000" scaled="0"/>
-        </a:gradFill>
-        <a:ln>
-          <a:noFill/>
-        </a:ln>
-        <a:effectLst>
-          <a:outerShdw blurRad="40000" dist="23000" dir="5400000" rotWithShape="0">
-            <a:srgbClr val="000000">
-              <a:alpha val="35000"/>
-            </a:srgbClr>
-          </a:outerShdw>
-        </a:effectLst>
-        <a:scene3d>
-          <a:camera prst="orthographicFront">
-            <a:rot lat="0" lon="0" rev="0"/>
-          </a:camera>
-          <a:lightRig rig="threePt" dir="t">
-            <a:rot lat="0" lon="0" rev="1200000"/>
-          </a:lightRig>
-        </a:scene3d>
-        <a:sp3d>
-          <a:bevelT w="63500" h="25400"/>
-        </a:sp3d>
-      </dsp:spPr>
-      <dsp:style>
-        <a:lnRef idx="0">
-          <a:scrgbClr r="0" g="0" b="0"/>
-        </a:lnRef>
-        <a:fillRef idx="3">
-          <a:scrgbClr r="0" g="0" b="0"/>
-        </a:fillRef>
-        <a:effectRef idx="3">
-          <a:scrgbClr r="0" g="0" b="0"/>
-        </a:effectRef>
-        <a:fontRef idx="minor">
-          <a:schemeClr val="lt1"/>
-        </a:fontRef>
-      </dsp:style>
-      <dsp:txBody>
-        <a:bodyPr spcFirstLastPara="0" vert="horz" wrap="square" lIns="64008" tIns="42672" rIns="21336" bIns="42672" numCol="1" spcCol="1270" anchor="ctr" anchorCtr="0">
-          <a:noAutofit/>
-        </a:bodyPr>
-        <a:lstStyle/>
-        <a:p>
-          <a:pPr lvl="0" algn="ctr" defTabSz="711200">
-            <a:lnSpc>
-              <a:spcPct val="90000"/>
-            </a:lnSpc>
-            <a:spcBef>
-              <a:spcPct val="0"/>
-            </a:spcBef>
-            <a:spcAft>
-              <a:spcPct val="35000"/>
-            </a:spcAft>
-          </a:pPr>
-          <a:r>
-            <a:rPr lang="fr-FR" sz="1600" b="0" kern="1200" dirty="0" smtClean="0"/>
-            <a:t>croissance</a:t>
-          </a:r>
-          <a:endParaRPr lang="fr-FR" sz="1600" b="0" kern="1200" dirty="0"/>
-        </a:p>
-      </dsp:txBody>
-      <dsp:txXfrm>
-        <a:off x="1709932" y="0"/>
-        <a:ext cx="2772214" cy="447824"/>
-      </dsp:txXfrm>
-    </dsp:sp>
-    <dsp:sp modelId="{68CFDE77-1DD0-430E-A494-1A48C963455C}">
-      <dsp:nvSpPr>
-        <dsp:cNvPr id="0" name=""/>
-        <dsp:cNvSpPr/>
-      </dsp:nvSpPr>
-      <dsp:spPr>
-        <a:xfrm>
-          <a:off x="3769800" y="0"/>
-          <a:ext cx="2623745" cy="447824"/>
-        </a:xfrm>
-        <a:prstGeom prst="chevron">
-          <a:avLst/>
-        </a:prstGeom>
-        <a:solidFill>
-          <a:schemeClr val="accent1">
-            <a:lumMod val="40000"/>
-            <a:lumOff val="60000"/>
-          </a:schemeClr>
-        </a:solidFill>
-        <a:ln>
-          <a:noFill/>
-        </a:ln>
-        <a:effectLst>
-          <a:outerShdw blurRad="40000" dist="23000" dir="5400000" rotWithShape="0">
-            <a:srgbClr val="000000">
-              <a:alpha val="35000"/>
-            </a:srgbClr>
-          </a:outerShdw>
-        </a:effectLst>
-        <a:scene3d>
-          <a:camera prst="orthographicFront">
-            <a:rot lat="0" lon="0" rev="0"/>
-          </a:camera>
-          <a:lightRig rig="threePt" dir="t">
-            <a:rot lat="0" lon="0" rev="1200000"/>
-          </a:lightRig>
-        </a:scene3d>
-        <a:sp3d>
-          <a:bevelT w="63500" h="25400"/>
-        </a:sp3d>
-      </dsp:spPr>
-      <dsp:style>
-        <a:lnRef idx="0">
-          <a:scrgbClr r="0" g="0" b="0"/>
-        </a:lnRef>
-        <a:fillRef idx="3">
-          <a:scrgbClr r="0" g="0" b="0"/>
-        </a:fillRef>
-        <a:effectRef idx="3">
-          <a:scrgbClr r="0" g="0" b="0"/>
-        </a:effectRef>
-        <a:fontRef idx="minor">
-          <a:schemeClr val="lt1"/>
-        </a:fontRef>
-      </dsp:style>
-      <dsp:txBody>
-        <a:bodyPr spcFirstLastPara="0" vert="horz" wrap="square" lIns="64008" tIns="42672" rIns="21336" bIns="42672" numCol="1" spcCol="1270" anchor="ctr" anchorCtr="0">
-          <a:noAutofit/>
-        </a:bodyPr>
-        <a:lstStyle/>
-        <a:p>
-          <a:pPr lvl="0" algn="ctr" defTabSz="711200">
-            <a:lnSpc>
-              <a:spcPct val="90000"/>
-            </a:lnSpc>
-            <a:spcBef>
-              <a:spcPct val="0"/>
-            </a:spcBef>
-            <a:spcAft>
-              <a:spcPct val="35000"/>
-            </a:spcAft>
-          </a:pPr>
-          <a:r>
-            <a:rPr lang="fr-FR" sz="1600" b="1" kern="1200" baseline="0" dirty="0" smtClean="0">
-              <a:solidFill>
-                <a:srgbClr val="7030A0"/>
-              </a:solidFill>
-            </a:rPr>
-            <a:t>Métiers</a:t>
-          </a:r>
-          <a:endParaRPr lang="fr-FR" sz="1600" b="1" kern="1200" baseline="0" dirty="0">
-            <a:solidFill>
-              <a:srgbClr val="7030A0"/>
-            </a:solidFill>
-          </a:endParaRPr>
-        </a:p>
-      </dsp:txBody>
-      <dsp:txXfrm>
-        <a:off x="3769800" y="0"/>
-        <a:ext cx="2623745" cy="447824"/>
-      </dsp:txXfrm>
-    </dsp:sp>
-    <dsp:sp modelId="{13DF959E-1C66-4067-AC7D-C59F456981A4}">
-      <dsp:nvSpPr>
-        <dsp:cNvPr id="0" name=""/>
-        <dsp:cNvSpPr/>
-      </dsp:nvSpPr>
-      <dsp:spPr>
-        <a:xfrm>
-          <a:off x="5650643" y="0"/>
-          <a:ext cx="3613440" cy="447824"/>
-        </a:xfrm>
-        <a:prstGeom prst="chevron">
-          <a:avLst/>
-        </a:prstGeom>
-        <a:gradFill rotWithShape="0">
-          <a:gsLst>
-            <a:gs pos="0">
-              <a:schemeClr val="accent1">
-                <a:hueOff val="0"/>
-                <a:satOff val="0"/>
-                <a:lumOff val="0"/>
-                <a:alphaOff val="0"/>
-                <a:shade val="51000"/>
-                <a:satMod val="130000"/>
-              </a:schemeClr>
-            </a:gs>
-            <a:gs pos="80000">
-              <a:schemeClr val="accent1">
-                <a:hueOff val="0"/>
-                <a:satOff val="0"/>
-                <a:lumOff val="0"/>
-                <a:alphaOff val="0"/>
-                <a:shade val="93000"/>
-                <a:satMod val="130000"/>
-              </a:schemeClr>
-            </a:gs>
-            <a:gs pos="100000">
-              <a:schemeClr val="accent1">
-                <a:hueOff val="0"/>
-                <a:satOff val="0"/>
-                <a:lumOff val="0"/>
-                <a:alphaOff val="0"/>
-                <a:shade val="94000"/>
-                <a:satMod val="135000"/>
-              </a:schemeClr>
-            </a:gs>
-          </a:gsLst>
-          <a:lin ang="16200000" scaled="0"/>
-        </a:gradFill>
-        <a:ln>
-          <a:noFill/>
-        </a:ln>
-        <a:effectLst>
-          <a:outerShdw blurRad="40000" dist="23000" dir="5400000" rotWithShape="0">
-            <a:srgbClr val="000000">
-              <a:alpha val="35000"/>
-            </a:srgbClr>
-          </a:outerShdw>
-        </a:effectLst>
-        <a:scene3d>
-          <a:camera prst="orthographicFront">
-            <a:rot lat="0" lon="0" rev="0"/>
-          </a:camera>
-          <a:lightRig rig="threePt" dir="t">
-            <a:rot lat="0" lon="0" rev="1200000"/>
-          </a:lightRig>
-        </a:scene3d>
-        <a:sp3d>
-          <a:bevelT w="63500" h="25400"/>
-        </a:sp3d>
-      </dsp:spPr>
-      <dsp:style>
-        <a:lnRef idx="0">
-          <a:scrgbClr r="0" g="0" b="0"/>
-        </a:lnRef>
-        <a:fillRef idx="3">
-          <a:scrgbClr r="0" g="0" b="0"/>
-        </a:fillRef>
-        <a:effectRef idx="3">
-          <a:scrgbClr r="0" g="0" b="0"/>
-        </a:effectRef>
-        <a:fontRef idx="minor">
-          <a:schemeClr val="lt1"/>
-        </a:fontRef>
-      </dsp:style>
-      <dsp:txBody>
-        <a:bodyPr spcFirstLastPara="0" vert="horz" wrap="square" lIns="64008" tIns="42672" rIns="21336" bIns="42672" numCol="1" spcCol="1270" anchor="ctr" anchorCtr="0">
-          <a:noAutofit/>
-        </a:bodyPr>
-        <a:lstStyle/>
-        <a:p>
-          <a:pPr lvl="0" algn="ctr" defTabSz="711200">
-            <a:lnSpc>
-              <a:spcPct val="90000"/>
-            </a:lnSpc>
-            <a:spcBef>
-              <a:spcPct val="0"/>
-            </a:spcBef>
-            <a:spcAft>
-              <a:spcPct val="35000"/>
-            </a:spcAft>
-          </a:pPr>
-          <a:r>
-            <a:rPr lang="fr-FR" sz="1600" kern="1200" dirty="0" smtClean="0"/>
-            <a:t>Organisation au sein de CSC</a:t>
-          </a:r>
-          <a:endParaRPr lang="fr-FR" sz="1600" kern="1200" dirty="0"/>
-        </a:p>
-      </dsp:txBody>
-      <dsp:txXfrm>
-        <a:off x="5650643" y="0"/>
-        <a:ext cx="3613440" cy="447824"/>
-      </dsp:txXfrm>
-    </dsp:sp>
-  </dsp:spTree>
-</dsp:drawing>
-</file>
-
-<file path=ppt/diagrams/drawing3.xml><?xml version="1.0" encoding="utf-8"?>
-<dsp:drawing xmlns:dgm="http://schemas.openxmlformats.org/drawingml/2006/diagram" xmlns:a="http://schemas.openxmlformats.org/drawingml/2006/main" xmlns:dsp="http://schemas.microsoft.com/office/drawing/2008/diagram">
-  <dsp:spTree>
-    <dsp:nvGrpSpPr>
-      <dsp:cNvPr id="0" name=""/>
-      <dsp:cNvGrpSpPr/>
-    </dsp:nvGrpSpPr>
-    <dsp:grpSpPr/>
-    <dsp:sp modelId="{21CD225C-E5D8-443D-9487-FBEBEA387181}">
-      <dsp:nvSpPr>
-        <dsp:cNvPr id="0" name=""/>
-        <dsp:cNvSpPr/>
-      </dsp:nvSpPr>
-      <dsp:spPr>
-        <a:xfrm>
-          <a:off x="0" y="0"/>
-          <a:ext cx="3560683" cy="447824"/>
-        </a:xfrm>
-        <a:prstGeom prst="homePlate">
-          <a:avLst/>
-        </a:prstGeom>
-        <a:gradFill rotWithShape="0">
-          <a:gsLst>
-            <a:gs pos="0">
-              <a:schemeClr val="accent1">
-                <a:hueOff val="0"/>
-                <a:satOff val="0"/>
-                <a:lumOff val="0"/>
-                <a:alphaOff val="0"/>
-                <a:shade val="51000"/>
-                <a:satMod val="130000"/>
-              </a:schemeClr>
-            </a:gs>
-            <a:gs pos="80000">
-              <a:schemeClr val="accent1">
-                <a:hueOff val="0"/>
-                <a:satOff val="0"/>
-                <a:lumOff val="0"/>
-                <a:alphaOff val="0"/>
-                <a:shade val="93000"/>
-                <a:satMod val="130000"/>
-              </a:schemeClr>
-            </a:gs>
-            <a:gs pos="100000">
-              <a:schemeClr val="accent1">
-                <a:hueOff val="0"/>
-                <a:satOff val="0"/>
-                <a:lumOff val="0"/>
-                <a:alphaOff val="0"/>
-                <a:shade val="94000"/>
-                <a:satMod val="135000"/>
-              </a:schemeClr>
-            </a:gs>
-          </a:gsLst>
-          <a:lin ang="16200000" scaled="0"/>
-        </a:gradFill>
-        <a:ln>
-          <a:noFill/>
-        </a:ln>
-        <a:effectLst>
-          <a:outerShdw blurRad="40000" dist="23000" dir="5400000" rotWithShape="0">
-            <a:srgbClr val="000000">
-              <a:alpha val="35000"/>
-            </a:srgbClr>
-          </a:outerShdw>
-        </a:effectLst>
-        <a:scene3d>
-          <a:camera prst="orthographicFront">
-            <a:rot lat="0" lon="0" rev="0"/>
-          </a:camera>
-          <a:lightRig rig="threePt" dir="t">
-            <a:rot lat="0" lon="0" rev="1200000"/>
-          </a:lightRig>
-        </a:scene3d>
-        <a:sp3d>
-          <a:bevelT w="63500" h="25400"/>
-        </a:sp3d>
-      </dsp:spPr>
-      <dsp:style>
-        <a:lnRef idx="0">
-          <a:scrgbClr r="0" g="0" b="0"/>
-        </a:lnRef>
-        <a:fillRef idx="3">
-          <a:scrgbClr r="0" g="0" b="0"/>
-        </a:fillRef>
-        <a:effectRef idx="3">
-          <a:scrgbClr r="0" g="0" b="0"/>
-        </a:effectRef>
-        <a:fontRef idx="minor">
-          <a:schemeClr val="lt1"/>
-        </a:fontRef>
-      </dsp:style>
-      <dsp:txBody>
-        <a:bodyPr spcFirstLastPara="0" vert="horz" wrap="square" lIns="85344" tIns="42672" rIns="21336" bIns="42672" numCol="1" spcCol="1270" anchor="ctr" anchorCtr="0">
-          <a:noAutofit/>
-        </a:bodyPr>
-        <a:lstStyle/>
-        <a:p>
-          <a:pPr lvl="0" algn="ctr" defTabSz="711200">
-            <a:lnSpc>
-              <a:spcPct val="90000"/>
-            </a:lnSpc>
-            <a:spcBef>
-              <a:spcPct val="0"/>
-            </a:spcBef>
-            <a:spcAft>
-              <a:spcPct val="35000"/>
-            </a:spcAft>
-          </a:pPr>
-          <a:r>
-            <a:rPr lang="fr-FR" sz="1600" b="0" kern="1200" dirty="0" err="1" smtClean="0"/>
-            <a:t>yyy</a:t>
-          </a:r>
-          <a:endParaRPr lang="fr-FR" sz="1600" b="0" kern="1200" dirty="0"/>
-        </a:p>
-      </dsp:txBody>
-      <dsp:txXfrm>
-        <a:off x="0" y="0"/>
-        <a:ext cx="3560683" cy="447824"/>
-      </dsp:txXfrm>
-    </dsp:sp>
-    <dsp:sp modelId="{025469F2-067C-4199-9827-8EFE913C0E0F}">
-      <dsp:nvSpPr>
-        <dsp:cNvPr id="0" name=""/>
-        <dsp:cNvSpPr/>
-      </dsp:nvSpPr>
-      <dsp:spPr>
-        <a:xfrm>
-          <a:off x="2823328" y="0"/>
-          <a:ext cx="3560683" cy="447824"/>
-        </a:xfrm>
-        <a:prstGeom prst="chevron">
-          <a:avLst/>
-        </a:prstGeom>
-        <a:solidFill>
-          <a:schemeClr val="accent1">
-            <a:lumMod val="40000"/>
-            <a:lumOff val="60000"/>
-          </a:schemeClr>
-        </a:solidFill>
-        <a:ln>
-          <a:noFill/>
-        </a:ln>
-        <a:effectLst>
-          <a:outerShdw blurRad="40000" dist="23000" dir="5400000" rotWithShape="0">
-            <a:srgbClr val="000000">
-              <a:alpha val="35000"/>
-            </a:srgbClr>
-          </a:outerShdw>
-        </a:effectLst>
-        <a:scene3d>
-          <a:camera prst="orthographicFront">
-            <a:rot lat="0" lon="0" rev="0"/>
-          </a:camera>
-          <a:lightRig rig="threePt" dir="t">
-            <a:rot lat="0" lon="0" rev="1200000"/>
-          </a:lightRig>
-        </a:scene3d>
-        <a:sp3d>
-          <a:bevelT w="63500" h="25400"/>
-        </a:sp3d>
-      </dsp:spPr>
-      <dsp:style>
-        <a:lnRef idx="0">
-          <a:scrgbClr r="0" g="0" b="0"/>
-        </a:lnRef>
-        <a:fillRef idx="3">
-          <a:scrgbClr r="0" g="0" b="0"/>
-        </a:fillRef>
-        <a:effectRef idx="3">
-          <a:scrgbClr r="0" g="0" b="0"/>
-        </a:effectRef>
-        <a:fontRef idx="minor">
-          <a:schemeClr val="lt1"/>
-        </a:fontRef>
-      </dsp:style>
-      <dsp:txBody>
-        <a:bodyPr spcFirstLastPara="0" vert="horz" wrap="square" lIns="64008" tIns="42672" rIns="21336" bIns="42672" numCol="1" spcCol="1270" anchor="ctr" anchorCtr="0">
-          <a:noAutofit/>
-        </a:bodyPr>
-        <a:lstStyle/>
-        <a:p>
-          <a:pPr lvl="0" algn="ctr" defTabSz="711200">
-            <a:lnSpc>
-              <a:spcPct val="90000"/>
-            </a:lnSpc>
-            <a:spcBef>
-              <a:spcPct val="0"/>
-            </a:spcBef>
-            <a:spcAft>
-              <a:spcPct val="35000"/>
-            </a:spcAft>
-          </a:pPr>
-          <a:r>
-            <a:rPr lang="fr-FR" sz="1600" b="1" kern="1200" dirty="0" smtClean="0">
-              <a:solidFill>
-                <a:srgbClr val="7030A0"/>
-              </a:solidFill>
-            </a:rPr>
-            <a:t>xx</a:t>
-          </a:r>
-          <a:endParaRPr lang="fr-FR" sz="1600" b="1" kern="1200" dirty="0">
-            <a:solidFill>
-              <a:srgbClr val="7030A0"/>
-            </a:solidFill>
-          </a:endParaRPr>
-        </a:p>
-      </dsp:txBody>
-      <dsp:txXfrm>
-        <a:off x="2823328" y="0"/>
-        <a:ext cx="3560683" cy="447824"/>
-      </dsp:txXfrm>
-    </dsp:sp>
-    <dsp:sp modelId="{FD4C7143-43FC-4DDF-A6BC-B63B039931B7}">
-      <dsp:nvSpPr>
-        <dsp:cNvPr id="0" name=""/>
-        <dsp:cNvSpPr/>
-      </dsp:nvSpPr>
-      <dsp:spPr>
-        <a:xfrm>
-          <a:off x="5671874" y="0"/>
-          <a:ext cx="3560683" cy="447824"/>
-        </a:xfrm>
-        <a:prstGeom prst="chevron">
-          <a:avLst/>
-        </a:prstGeom>
-        <a:gradFill rotWithShape="0">
-          <a:gsLst>
-            <a:gs pos="0">
-              <a:schemeClr val="accent1">
-                <a:hueOff val="0"/>
-                <a:satOff val="0"/>
-                <a:lumOff val="0"/>
-                <a:alphaOff val="0"/>
-                <a:shade val="51000"/>
-                <a:satMod val="130000"/>
-              </a:schemeClr>
-            </a:gs>
-            <a:gs pos="80000">
-              <a:schemeClr val="accent1">
-                <a:hueOff val="0"/>
-                <a:satOff val="0"/>
-                <a:lumOff val="0"/>
-                <a:alphaOff val="0"/>
-                <a:shade val="93000"/>
-                <a:satMod val="130000"/>
-              </a:schemeClr>
-            </a:gs>
-            <a:gs pos="100000">
-              <a:schemeClr val="accent1">
-                <a:hueOff val="0"/>
-                <a:satOff val="0"/>
-                <a:lumOff val="0"/>
-                <a:alphaOff val="0"/>
-                <a:shade val="94000"/>
-                <a:satMod val="135000"/>
-              </a:schemeClr>
-            </a:gs>
-          </a:gsLst>
-          <a:lin ang="16200000" scaled="0"/>
-        </a:gradFill>
-        <a:ln>
-          <a:noFill/>
-        </a:ln>
-        <a:effectLst>
-          <a:outerShdw blurRad="40000" dist="23000" dir="5400000" rotWithShape="0">
-            <a:srgbClr val="000000">
-              <a:alpha val="35000"/>
-            </a:srgbClr>
-          </a:outerShdw>
-        </a:effectLst>
-        <a:scene3d>
-          <a:camera prst="orthographicFront">
-            <a:rot lat="0" lon="0" rev="0"/>
-          </a:camera>
-          <a:lightRig rig="threePt" dir="t">
-            <a:rot lat="0" lon="0" rev="1200000"/>
-          </a:lightRig>
-        </a:scene3d>
-        <a:sp3d>
-          <a:bevelT w="63500" h="25400"/>
-        </a:sp3d>
-      </dsp:spPr>
-      <dsp:style>
-        <a:lnRef idx="0">
-          <a:scrgbClr r="0" g="0" b="0"/>
-        </a:lnRef>
-        <a:fillRef idx="3">
-          <a:scrgbClr r="0" g="0" b="0"/>
-        </a:fillRef>
-        <a:effectRef idx="3">
-          <a:scrgbClr r="0" g="0" b="0"/>
-        </a:effectRef>
-        <a:fontRef idx="minor">
-          <a:schemeClr val="lt1"/>
-        </a:fontRef>
-      </dsp:style>
-      <dsp:txBody>
-        <a:bodyPr spcFirstLastPara="0" vert="horz" wrap="square" lIns="64008" tIns="42672" rIns="21336" bIns="42672" numCol="1" spcCol="1270" anchor="ctr" anchorCtr="0">
-          <a:noAutofit/>
-        </a:bodyPr>
-        <a:lstStyle/>
-        <a:p>
-          <a:pPr lvl="0" algn="ctr" defTabSz="711200">
-            <a:lnSpc>
-              <a:spcPct val="90000"/>
-            </a:lnSpc>
-            <a:spcBef>
-              <a:spcPct val="0"/>
-            </a:spcBef>
-            <a:spcAft>
-              <a:spcPct val="35000"/>
-            </a:spcAft>
-          </a:pPr>
-          <a:r>
-            <a:rPr lang="fr-FR" sz="1600" kern="1200" dirty="0" smtClean="0"/>
-            <a:t>xx</a:t>
-          </a:r>
-          <a:endParaRPr lang="fr-FR" sz="1600" kern="1200" dirty="0"/>
-        </a:p>
-      </dsp:txBody>
-      <dsp:txXfrm>
-        <a:off x="5671874" y="0"/>
-        <a:ext cx="3560683" cy="447824"/>
+        <a:off x="6547829" y="0"/>
+        <a:ext cx="2682850" cy="447824"/>
       </dsp:txXfrm>
     </dsp:sp>
   </dsp:spTree>
@@ -5466,7 +5120,7 @@
           </a:pPr>
           <a:r>
             <a:rPr lang="fr-FR" sz="1600" b="0" kern="1200" dirty="0" smtClean="0"/>
-            <a:t>Alysea</a:t>
+            <a:t>xx</a:t>
           </a:r>
           <a:endParaRPr lang="fr-FR" sz="1600" b="0" kern="1200" dirty="0"/>
         </a:p>
@@ -5578,8 +5232,8 @@
             </a:spcAft>
           </a:pPr>
           <a:r>
-            <a:rPr lang="fr-FR" sz="1600" b="0" kern="1200" smtClean="0"/>
-            <a:t>Capsailor</a:t>
+            <a:rPr lang="fr-FR" sz="1600" b="0" kern="1200" dirty="0" smtClean="0"/>
+            <a:t>xx</a:t>
           </a:r>
           <a:endParaRPr lang="fr-FR" sz="1600" b="0" kern="1200" dirty="0"/>
         </a:p>
@@ -5667,7 +5321,7 @@
                 <a:srgbClr val="7030A0"/>
               </a:solidFill>
             </a:rPr>
-            <a:t>Lynx</a:t>
+            <a:t>xx</a:t>
           </a:r>
           <a:endParaRPr lang="fr-FR" sz="1600" b="1" kern="1200" dirty="0">
             <a:solidFill>
@@ -10975,7 +10629,7 @@
               <a:pPr algn="r" defTabSz="957258" eaLnBrk="0" hangingPunct="0">
                 <a:defRPr/>
               </a:pPr>
-              <a:t>‹#›</a:t>
+              <a:t>‹N°›</a:t>
             </a:fld>
             <a:endParaRPr lang="en-GB" sz="1100" dirty="0">
               <a:latin typeface="IB AG Light"/>
@@ -11308,7 +10962,7 @@
               <a:pPr>
                 <a:defRPr/>
               </a:pPr>
-              <a:t>‹#›</a:t>
+              <a:t>‹N°›</a:t>
             </a:fld>
             <a:endParaRPr lang="en-US"/>
           </a:p>
@@ -14121,7 +13775,7 @@
                 </a:spcBef>
                 <a:defRPr/>
               </a:pPr>
-              <a:t>‹#›</a:t>
+              <a:t>‹N°›</a:t>
             </a:fld>
             <a:r>
               <a:rPr lang="fr-FR" sz="1100" dirty="0" smtClean="0">
@@ -14891,7 +14545,7 @@
         <p:spPr>
           <a:xfrm>
             <a:off x="526412" y="2415658"/>
-            <a:ext cx="8849818" cy="3213187"/>
+            <a:ext cx="8849818" cy="2653034"/>
           </a:xfrm>
         </p:spPr>
         <p:txBody>
@@ -14917,14 +14571,7 @@
                 <a:latin typeface="Century Gothic" pitchFamily="34" charset="0"/>
                 <a:cs typeface="Calibri" pitchFamily="34" charset="0"/>
               </a:rPr>
-              <a:t>Architecture</a:t>
-            </a:r>
-            <a:r>
-              <a:rPr lang="fr-FR" sz="2400" dirty="0" smtClean="0">
-                <a:latin typeface="Century Gothic" pitchFamily="34" charset="0"/>
-                <a:cs typeface="Calibri" pitchFamily="34" charset="0"/>
-              </a:rPr>
-              <a:t> </a:t>
+              <a:t>Architecture </a:t>
             </a:r>
             <a:endParaRPr lang="fr-FR" sz="2400" dirty="0" smtClean="0">
               <a:latin typeface="Century Gothic" pitchFamily="34" charset="0"/>
@@ -14941,95 +14588,7 @@
                 <a:latin typeface="Century Gothic" pitchFamily="34" charset="0"/>
                 <a:cs typeface="Calibri" pitchFamily="34" charset="0"/>
               </a:rPr>
-              <a:t> </a:t>
-            </a:r>
-            <a:r>
-              <a:rPr lang="fr-FR" sz="1600" dirty="0" smtClean="0">
-                <a:latin typeface="Century Gothic" pitchFamily="34" charset="0"/>
-                <a:cs typeface="Calibri" pitchFamily="34" charset="0"/>
-              </a:rPr>
-              <a:t>avantages :  </a:t>
-            </a:r>
-            <a:r>
-              <a:rPr lang="fr-FR" sz="1600" dirty="0" smtClean="0">
-                <a:latin typeface="Century Gothic" pitchFamily="34" charset="0"/>
-                <a:cs typeface="Calibri" pitchFamily="34" charset="0"/>
-              </a:rPr>
-              <a:t>SI de gestion d’une maison de soins,</a:t>
-            </a:r>
-          </a:p>
-          <a:p>
-            <a:pPr marL="365125" indent="0" algn="just">
-              <a:buFont typeface="Wingdings" pitchFamily="2" charset="2"/>
-              <a:buChar char="q"/>
-            </a:pPr>
-            <a:r>
-              <a:rPr lang="fr-FR" sz="1600" dirty="0" smtClean="0">
-                <a:latin typeface="Century Gothic" pitchFamily="34" charset="0"/>
-                <a:cs typeface="Calibri" pitchFamily="34" charset="0"/>
-              </a:rPr>
-              <a:t> </a:t>
-            </a:r>
-            <a:endParaRPr lang="fr-FR" dirty="0" smtClean="0">
-              <a:latin typeface="Century Gothic" pitchFamily="34" charset="0"/>
-              <a:cs typeface="Calibri" pitchFamily="34" charset="0"/>
-            </a:endParaRPr>
-          </a:p>
-          <a:p>
-            <a:pPr marL="0" indent="0" algn="just">
-              <a:buFont typeface="Wingdings" pitchFamily="2" charset="2"/>
-              <a:buChar char="q"/>
-            </a:pPr>
-            <a:r>
-              <a:rPr lang="fr-FR" sz="2400" dirty="0" smtClean="0">
-                <a:latin typeface="Century Gothic" pitchFamily="34" charset="0"/>
-                <a:cs typeface="Calibri" pitchFamily="34" charset="0"/>
-              </a:rPr>
-              <a:t>  D</a:t>
-            </a:r>
-            <a:r>
-              <a:rPr lang="fr-FR" sz="2400" dirty="0" smtClean="0">
-                <a:latin typeface="Century Gothic" pitchFamily="34" charset="0"/>
-                <a:cs typeface="Calibri" pitchFamily="34" charset="0"/>
-              </a:rPr>
-              <a:t>écoupage en couches</a:t>
-            </a:r>
-            <a:endParaRPr lang="fr-FR" sz="2400" dirty="0" smtClean="0">
-              <a:latin typeface="Century Gothic" pitchFamily="34" charset="0"/>
-              <a:cs typeface="Calibri" pitchFamily="34" charset="0"/>
-            </a:endParaRPr>
-          </a:p>
-          <a:p>
-            <a:pPr marL="365125" indent="0" algn="just">
-              <a:buFont typeface="Wingdings" pitchFamily="2" charset="2"/>
-              <a:buChar char="q"/>
-            </a:pPr>
-            <a:r>
-              <a:rPr lang="fr-FR" sz="1600" dirty="0" smtClean="0">
-                <a:latin typeface="Century Gothic" pitchFamily="34" charset="0"/>
-                <a:cs typeface="Calibri" pitchFamily="34" charset="0"/>
-              </a:rPr>
-              <a:t>  Intégrer les nouvelles fonctionnalités,</a:t>
-            </a:r>
-          </a:p>
-          <a:p>
-            <a:pPr marL="365125" indent="0" algn="just">
-              <a:buFont typeface="Wingdings" pitchFamily="2" charset="2"/>
-              <a:buChar char="q"/>
-            </a:pPr>
-            <a:r>
-              <a:rPr lang="fr-FR" sz="1600" dirty="0" smtClean="0">
-                <a:latin typeface="Century Gothic" pitchFamily="34" charset="0"/>
-                <a:cs typeface="Calibri" pitchFamily="34" charset="0"/>
-              </a:rPr>
-              <a:t>  Relever les anomalies</a:t>
-            </a:r>
-            <a:r>
-              <a:rPr lang="fr-FR" sz="1600" dirty="0" smtClean="0">
-                <a:latin typeface="Century Gothic" pitchFamily="34" charset="0"/>
-                <a:cs typeface="Calibri" pitchFamily="34" charset="0"/>
-              </a:rPr>
-              <a:t>,</a:t>
+              <a:t> Avantages </a:t>
             </a:r>
             <a:endParaRPr lang="fr-FR" sz="1600" dirty="0" smtClean="0">
               <a:latin typeface="Century Gothic" pitchFamily="34" charset="0"/>
@@ -15046,19 +14605,22 @@
                 <a:latin typeface="Century Gothic" pitchFamily="34" charset="0"/>
                 <a:cs typeface="Calibri" pitchFamily="34" charset="0"/>
               </a:rPr>
-              <a:t> </a:t>
+              <a:t>  </a:t>
             </a:r>
             <a:r>
               <a:rPr lang="fr-FR" sz="2400" dirty="0" smtClean="0">
                 <a:latin typeface="Century Gothic" pitchFamily="34" charset="0"/>
                 <a:cs typeface="Calibri" pitchFamily="34" charset="0"/>
               </a:rPr>
-              <a:t>Illustration Kata 2</a:t>
+              <a:t>Découpage en </a:t>
             </a:r>
-            <a:endParaRPr lang="fr-FR" sz="2400" dirty="0" smtClean="0">
-              <a:latin typeface="Century Gothic" pitchFamily="34" charset="0"/>
-              <a:cs typeface="Calibri" pitchFamily="34" charset="0"/>
-            </a:endParaRPr>
+            <a:r>
+              <a:rPr lang="fr-FR" sz="2400" dirty="0" smtClean="0">
+                <a:latin typeface="Century Gothic" pitchFamily="34" charset="0"/>
+                <a:cs typeface="Calibri" pitchFamily="34" charset="0"/>
+              </a:rPr>
+              <a:t>couches</a:t>
+            </a:r>
           </a:p>
           <a:p>
             <a:pPr marL="365125" indent="0" algn="just">
@@ -15070,14 +14632,47 @@
                 <a:latin typeface="Century Gothic" pitchFamily="34" charset="0"/>
                 <a:cs typeface="Calibri" pitchFamily="34" charset="0"/>
               </a:rPr>
-              <a:t>  </a:t>
+              <a:t>  Différentes</a:t>
             </a:r>
             <a:r>
-              <a:rPr lang="fr-FR" sz="1600" dirty="0" err="1" smtClean="0">
+              <a:rPr lang="fr-FR" sz="1600" dirty="0" smtClean="0">
                 <a:latin typeface="Century Gothic" pitchFamily="34" charset="0"/>
                 <a:cs typeface="Calibri" pitchFamily="34" charset="0"/>
               </a:rPr>
-              <a:t>xxxxxxx</a:t>
+              <a:t> fonctionnalités</a:t>
+            </a:r>
+            <a:r>
+              <a:rPr lang="fr-FR" sz="1600" dirty="0" smtClean="0">
+                <a:latin typeface="Century Gothic" pitchFamily="34" charset="0"/>
+                <a:cs typeface="Calibri" pitchFamily="34" charset="0"/>
+              </a:rPr>
+              <a:t>,</a:t>
+            </a:r>
+          </a:p>
+          <a:p>
+            <a:pPr marL="365125" indent="0" algn="just">
+              <a:buFont typeface="Wingdings" pitchFamily="2" charset="2"/>
+              <a:buChar char="q"/>
+            </a:pPr>
+            <a:r>
+              <a:rPr lang="fr-FR" sz="1600" dirty="0" smtClean="0">
+                <a:latin typeface="Century Gothic" pitchFamily="34" charset="0"/>
+                <a:cs typeface="Calibri" pitchFamily="34" charset="0"/>
+              </a:rPr>
+              <a:t>  Bonnes pratiques,</a:t>
+            </a:r>
+          </a:p>
+          <a:p>
+            <a:pPr marL="0" indent="0" algn="just">
+              <a:buFont typeface="Wingdings" pitchFamily="2" charset="2"/>
+              <a:buChar char="q"/>
+            </a:pPr>
+            <a:r>
+              <a:rPr lang="fr-FR" sz="2400" dirty="0" smtClean="0">
+                <a:latin typeface="Century Gothic" pitchFamily="34" charset="0"/>
+                <a:cs typeface="Calibri" pitchFamily="34" charset="0"/>
+              </a:rPr>
+              <a:t> Illustration Kata 2</a:t>
             </a:r>
             <a:endParaRPr lang="fr-FR" sz="1600" dirty="0" smtClean="0">
               <a:latin typeface="Century Gothic" pitchFamily="34" charset="0"/>
@@ -15107,8 +14702,8 @@
         </p:nvSpPr>
         <p:spPr>
           <a:xfrm>
-            <a:off x="2470023" y="1049788"/>
-            <a:ext cx="4408227" cy="750627"/>
+            <a:off x="2470023" y="1086416"/>
+            <a:ext cx="4408227" cy="713999"/>
           </a:xfrm>
         </p:spPr>
         <p:txBody>
@@ -15147,76 +14742,6 @@
                 <a:srgbClr val="7030A0"/>
               </a:solidFill>
               <a:latin typeface="Century" pitchFamily="18" charset="0"/>
-            </a:endParaRPr>
-          </a:p>
-        </p:txBody>
-      </p:sp>
-      <p:sp>
-        <p:nvSpPr>
-          <p:cNvPr id="51" name="Rogner un rectangle avec un coin diagonal 50"/>
-          <p:cNvSpPr/>
-          <p:nvPr/>
-        </p:nvSpPr>
-        <p:spPr bwMode="auto">
-          <a:xfrm flipH="1">
-            <a:off x="6778171" y="28888"/>
-            <a:ext cx="2731589" cy="685800"/>
-          </a:xfrm>
-          <a:prstGeom prst="snip2DiagRect">
-            <a:avLst>
-              <a:gd name="adj1" fmla="val 0"/>
-              <a:gd name="adj2" fmla="val 27958"/>
-            </a:avLst>
-          </a:prstGeom>
-          <a:solidFill>
-            <a:srgbClr val="FFFFCC"/>
-          </a:solidFill>
-          <a:ln w="9525" cap="flat" cmpd="sng" algn="ctr">
-            <a:noFill/>
-            <a:prstDash val="solid"/>
-            <a:round/>
-            <a:headEnd type="none" w="med" len="med"/>
-            <a:tailEnd type="none" w="med" len="med"/>
-          </a:ln>
-          <a:effectLst/>
-          <a:scene3d>
-            <a:camera prst="orthographicFront">
-              <a:rot lat="0" lon="0" rev="0"/>
-            </a:camera>
-            <a:lightRig rig="chilly" dir="t">
-              <a:rot lat="0" lon="0" rev="18480000"/>
-            </a:lightRig>
-          </a:scene3d>
-          <a:sp3d prstMaterial="clear">
-            <a:bevelT h="63500"/>
-          </a:sp3d>
-        </p:spPr>
-        <p:txBody>
-          <a:bodyPr vert="horz" wrap="none" lIns="91440" tIns="45720" rIns="91440" bIns="45720" numCol="1" rtlCol="0" anchor="ctr" anchorCtr="0" compatLnSpc="1">
-            <a:prstTxWarp prst="textNoShape">
-              <a:avLst/>
-            </a:prstTxWarp>
-            <a:scene3d>
-              <a:camera prst="perspectiveHeroicExtremeLeftFacing"/>
-              <a:lightRig rig="threePt" dir="t"/>
-            </a:scene3d>
-          </a:bodyPr>
-          <a:lstStyle/>
-          <a:p>
-            <a:pPr algn="ctr" eaLnBrk="0" hangingPunct="0"/>
-            <a:r>
-              <a:rPr lang="fr-FR" b="1" kern="0" dirty="0" smtClean="0">
-                <a:solidFill>
-                  <a:srgbClr val="FF0000"/>
-                </a:solidFill>
-              </a:rPr>
-              <a:t>Introduction</a:t>
-            </a:r>
-            <a:endParaRPr lang="fr-FR" b="1" kern="0" dirty="0" smtClean="0">
-              <a:solidFill>
-                <a:srgbClr val="FF0000"/>
-              </a:solidFill>
-              <a:latin typeface="Arial" charset="0"/>
             </a:endParaRPr>
           </a:p>
         </p:txBody>
@@ -15293,14 +14818,7 @@
                 <a:latin typeface="Century Gothic" pitchFamily="34" charset="0"/>
                 <a:cs typeface="Calibri" pitchFamily="34" charset="0"/>
               </a:rPr>
-              <a:t>Architecture</a:t>
-            </a:r>
-            <a:r>
-              <a:rPr lang="fr-FR" sz="2400" dirty="0" smtClean="0">
-                <a:latin typeface="Century Gothic" pitchFamily="34" charset="0"/>
-                <a:cs typeface="Calibri" pitchFamily="34" charset="0"/>
-              </a:rPr>
-              <a:t> </a:t>
+              <a:t>Architecture </a:t>
             </a:r>
           </a:p>
           <a:p>
@@ -15330,11 +14848,7 @@
             </a:r>
             <a:r>
               <a:rPr lang="fr-FR" sz="1400" dirty="0" smtClean="0"/>
-              <a:t>La </a:t>
-            </a:r>
-            <a:r>
-              <a:rPr lang="fr-FR" sz="1400" dirty="0" smtClean="0"/>
-              <a:t>structuration des applications en couches permet :</a:t>
+              <a:t>La structuration des applications en couches permet :</a:t>
             </a:r>
           </a:p>
           <a:p>
@@ -15475,76 +14989,6 @@
                 <a:srgbClr val="7030A0"/>
               </a:solidFill>
               <a:latin typeface="Century" pitchFamily="18" charset="0"/>
-            </a:endParaRPr>
-          </a:p>
-        </p:txBody>
-      </p:sp>
-      <p:sp>
-        <p:nvSpPr>
-          <p:cNvPr id="51" name="Rogner un rectangle avec un coin diagonal 50"/>
-          <p:cNvSpPr/>
-          <p:nvPr/>
-        </p:nvSpPr>
-        <p:spPr bwMode="auto">
-          <a:xfrm flipH="1">
-            <a:off x="6778171" y="28888"/>
-            <a:ext cx="2731589" cy="685800"/>
-          </a:xfrm>
-          <a:prstGeom prst="snip2DiagRect">
-            <a:avLst>
-              <a:gd name="adj1" fmla="val 0"/>
-              <a:gd name="adj2" fmla="val 27958"/>
-            </a:avLst>
-          </a:prstGeom>
-          <a:solidFill>
-            <a:srgbClr val="FFFFCC"/>
-          </a:solidFill>
-          <a:ln w="9525" cap="flat" cmpd="sng" algn="ctr">
-            <a:noFill/>
-            <a:prstDash val="solid"/>
-            <a:round/>
-            <a:headEnd type="none" w="med" len="med"/>
-            <a:tailEnd type="none" w="med" len="med"/>
-          </a:ln>
-          <a:effectLst/>
-          <a:scene3d>
-            <a:camera prst="orthographicFront">
-              <a:rot lat="0" lon="0" rev="0"/>
-            </a:camera>
-            <a:lightRig rig="chilly" dir="t">
-              <a:rot lat="0" lon="0" rev="18480000"/>
-            </a:lightRig>
-          </a:scene3d>
-          <a:sp3d prstMaterial="clear">
-            <a:bevelT h="63500"/>
-          </a:sp3d>
-        </p:spPr>
-        <p:txBody>
-          <a:bodyPr vert="horz" wrap="none" lIns="91440" tIns="45720" rIns="91440" bIns="45720" numCol="1" rtlCol="0" anchor="ctr" anchorCtr="0" compatLnSpc="1">
-            <a:prstTxWarp prst="textNoShape">
-              <a:avLst/>
-            </a:prstTxWarp>
-            <a:scene3d>
-              <a:camera prst="perspectiveHeroicExtremeLeftFacing"/>
-              <a:lightRig rig="threePt" dir="t"/>
-            </a:scene3d>
-          </a:bodyPr>
-          <a:lstStyle/>
-          <a:p>
-            <a:pPr algn="ctr" eaLnBrk="0" hangingPunct="0"/>
-            <a:r>
-              <a:rPr lang="fr-FR" b="1" kern="0" dirty="0" smtClean="0">
-                <a:solidFill>
-                  <a:srgbClr val="FF0000"/>
-                </a:solidFill>
-              </a:rPr>
-              <a:t>Introduction</a:t>
-            </a:r>
-            <a:endParaRPr lang="fr-FR" b="1" kern="0" dirty="0" smtClean="0">
-              <a:solidFill>
-                <a:srgbClr val="FF0000"/>
-              </a:solidFill>
-              <a:latin typeface="Arial" charset="0"/>
             </a:endParaRPr>
           </a:p>
         </p:txBody>
@@ -15717,76 +15161,6 @@
           </a:graphicData>
         </a:graphic>
       </p:graphicFrame>
-      <p:sp>
-        <p:nvSpPr>
-          <p:cNvPr id="5" name="Rogner un rectangle avec un coin diagonal 4"/>
-          <p:cNvSpPr/>
-          <p:nvPr/>
-        </p:nvSpPr>
-        <p:spPr bwMode="auto">
-          <a:xfrm flipH="1">
-            <a:off x="6778171" y="28888"/>
-            <a:ext cx="2731589" cy="685800"/>
-          </a:xfrm>
-          <a:prstGeom prst="snip2DiagRect">
-            <a:avLst>
-              <a:gd name="adj1" fmla="val 0"/>
-              <a:gd name="adj2" fmla="val 27958"/>
-            </a:avLst>
-          </a:prstGeom>
-          <a:solidFill>
-            <a:srgbClr val="FFFFCC"/>
-          </a:solidFill>
-          <a:ln w="9525" cap="flat" cmpd="sng" algn="ctr">
-            <a:noFill/>
-            <a:prstDash val="solid"/>
-            <a:round/>
-            <a:headEnd type="none" w="med" len="med"/>
-            <a:tailEnd type="none" w="med" len="med"/>
-          </a:ln>
-          <a:effectLst/>
-          <a:scene3d>
-            <a:camera prst="orthographicFront">
-              <a:rot lat="0" lon="0" rev="0"/>
-            </a:camera>
-            <a:lightRig rig="chilly" dir="t">
-              <a:rot lat="0" lon="0" rev="18480000"/>
-            </a:lightRig>
-          </a:scene3d>
-          <a:sp3d prstMaterial="clear">
-            <a:bevelT h="63500"/>
-          </a:sp3d>
-        </p:spPr>
-        <p:txBody>
-          <a:bodyPr vert="horz" wrap="none" lIns="91440" tIns="45720" rIns="91440" bIns="45720" numCol="1" rtlCol="0" anchor="ctr" anchorCtr="0" compatLnSpc="1">
-            <a:prstTxWarp prst="textNoShape">
-              <a:avLst/>
-            </a:prstTxWarp>
-            <a:scene3d>
-              <a:camera prst="perspectiveHeroicExtremeLeftFacing"/>
-              <a:lightRig rig="threePt" dir="t"/>
-            </a:scene3d>
-          </a:bodyPr>
-          <a:lstStyle/>
-          <a:p>
-            <a:pPr algn="ctr" eaLnBrk="0" hangingPunct="0"/>
-            <a:r>
-              <a:rPr lang="fr-FR" sz="2200" b="1" kern="0" dirty="0" smtClean="0">
-                <a:solidFill>
-                  <a:srgbClr val="FF0000"/>
-                </a:solidFill>
-              </a:rPr>
-              <a:t>Présentation CSC</a:t>
-            </a:r>
-            <a:endParaRPr lang="fr-FR" sz="2200" b="1" kern="0" dirty="0" smtClean="0">
-              <a:solidFill>
-                <a:srgbClr val="FF0000"/>
-              </a:solidFill>
-              <a:latin typeface="Arial" charset="0"/>
-            </a:endParaRPr>
-          </a:p>
-        </p:txBody>
-      </p:sp>
     </p:spTree>
   </p:cSld>
   <p:clrMapOvr>
@@ -15836,71 +15210,6 @@
           </a:graphicData>
         </a:graphic>
       </p:graphicFrame>
-      <p:sp>
-        <p:nvSpPr>
-          <p:cNvPr id="5" name="Rogner un rectangle avec un coin diagonal 4"/>
-          <p:cNvSpPr/>
-          <p:nvPr/>
-        </p:nvSpPr>
-        <p:spPr bwMode="auto">
-          <a:xfrm flipH="1">
-            <a:off x="6778171" y="28888"/>
-            <a:ext cx="2731589" cy="685800"/>
-          </a:xfrm>
-          <a:prstGeom prst="snip2DiagRect">
-            <a:avLst>
-              <a:gd name="adj1" fmla="val 0"/>
-              <a:gd name="adj2" fmla="val 27958"/>
-            </a:avLst>
-          </a:prstGeom>
-          <a:solidFill>
-            <a:srgbClr val="FFFFCC"/>
-          </a:solidFill>
-          <a:ln w="9525" cap="flat" cmpd="sng" algn="ctr">
-            <a:noFill/>
-            <a:prstDash val="solid"/>
-            <a:round/>
-            <a:headEnd type="none" w="med" len="med"/>
-            <a:tailEnd type="none" w="med" len="med"/>
-          </a:ln>
-          <a:effectLst/>
-          <a:scene3d>
-            <a:camera prst="orthographicFront">
-              <a:rot lat="0" lon="0" rev="0"/>
-            </a:camera>
-            <a:lightRig rig="chilly" dir="t">
-              <a:rot lat="0" lon="0" rev="18480000"/>
-            </a:lightRig>
-          </a:scene3d>
-          <a:sp3d prstMaterial="clear">
-            <a:bevelT h="63500"/>
-          </a:sp3d>
-        </p:spPr>
-        <p:txBody>
-          <a:bodyPr vert="horz" wrap="none" lIns="91440" tIns="45720" rIns="91440" bIns="45720" numCol="1" rtlCol="0" anchor="ctr" anchorCtr="0" compatLnSpc="1">
-            <a:prstTxWarp prst="textNoShape">
-              <a:avLst/>
-            </a:prstTxWarp>
-            <a:scene3d>
-              <a:camera prst="perspectiveHeroicExtremeLeftFacing"/>
-              <a:lightRig rig="threePt" dir="t"/>
-            </a:scene3d>
-          </a:bodyPr>
-          <a:lstStyle/>
-          <a:p>
-            <a:pPr algn="ctr" eaLnBrk="0" hangingPunct="0"/>
-            <a:r>
-              <a:rPr lang="fr-FR" sz="2000" b="1" kern="0" dirty="0" smtClean="0">
-                <a:solidFill>
-                  <a:srgbClr val="FF0000"/>
-                </a:solidFill>
-                <a:latin typeface="Arial" charset="0"/>
-              </a:rPr>
-              <a:t>Compte rendu</a:t>
-            </a:r>
-          </a:p>
-        </p:txBody>
-      </p:sp>
       <p:sp>
         <p:nvSpPr>
           <p:cNvPr id="15385" name="Rectangle 25"/>
@@ -18412,71 +17721,6 @@
       </p:graphicFrame>
       <p:sp>
         <p:nvSpPr>
-          <p:cNvPr id="5" name="Rogner un rectangle avec un coin diagonal 4"/>
-          <p:cNvSpPr/>
-          <p:nvPr/>
-        </p:nvSpPr>
-        <p:spPr bwMode="auto">
-          <a:xfrm flipH="1">
-            <a:off x="6778171" y="28888"/>
-            <a:ext cx="2731589" cy="685800"/>
-          </a:xfrm>
-          <a:prstGeom prst="snip2DiagRect">
-            <a:avLst>
-              <a:gd name="adj1" fmla="val 0"/>
-              <a:gd name="adj2" fmla="val 27958"/>
-            </a:avLst>
-          </a:prstGeom>
-          <a:solidFill>
-            <a:srgbClr val="FFFFCC"/>
-          </a:solidFill>
-          <a:ln w="9525" cap="flat" cmpd="sng" algn="ctr">
-            <a:noFill/>
-            <a:prstDash val="solid"/>
-            <a:round/>
-            <a:headEnd type="none" w="med" len="med"/>
-            <a:tailEnd type="none" w="med" len="med"/>
-          </a:ln>
-          <a:effectLst/>
-          <a:scene3d>
-            <a:camera prst="orthographicFront">
-              <a:rot lat="0" lon="0" rev="0"/>
-            </a:camera>
-            <a:lightRig rig="chilly" dir="t">
-              <a:rot lat="0" lon="0" rev="18480000"/>
-            </a:lightRig>
-          </a:scene3d>
-          <a:sp3d prstMaterial="clear">
-            <a:bevelT h="63500"/>
-          </a:sp3d>
-        </p:spPr>
-        <p:txBody>
-          <a:bodyPr vert="horz" wrap="none" lIns="91440" tIns="45720" rIns="91440" bIns="45720" numCol="1" rtlCol="0" anchor="ctr" anchorCtr="0" compatLnSpc="1">
-            <a:prstTxWarp prst="textNoShape">
-              <a:avLst/>
-            </a:prstTxWarp>
-            <a:scene3d>
-              <a:camera prst="perspectiveHeroicExtremeLeftFacing"/>
-              <a:lightRig rig="threePt" dir="t"/>
-            </a:scene3d>
-          </a:bodyPr>
-          <a:lstStyle/>
-          <a:p>
-            <a:pPr algn="ctr" eaLnBrk="0" hangingPunct="0"/>
-            <a:r>
-              <a:rPr lang="fr-FR" sz="2000" b="1" kern="0" dirty="0" smtClean="0">
-                <a:solidFill>
-                  <a:srgbClr val="FF0000"/>
-                </a:solidFill>
-                <a:latin typeface="Arial" charset="0"/>
-              </a:rPr>
-              <a:t>Compte rendu</a:t>
-            </a:r>
-          </a:p>
-        </p:txBody>
-      </p:sp>
-      <p:sp>
-        <p:nvSpPr>
           <p:cNvPr id="9" name="Espace réservé du contenu 1"/>
           <p:cNvSpPr>
             <a:spLocks noGrp="1"/>
@@ -19077,76 +18321,6 @@
           </a:p>
         </p:txBody>
       </p:sp>
-      <p:sp>
-        <p:nvSpPr>
-          <p:cNvPr id="51" name="Rogner un rectangle avec un coin diagonal 50"/>
-          <p:cNvSpPr/>
-          <p:nvPr/>
-        </p:nvSpPr>
-        <p:spPr bwMode="auto">
-          <a:xfrm flipH="1">
-            <a:off x="7208520" y="28888"/>
-            <a:ext cx="2301240" cy="685800"/>
-          </a:xfrm>
-          <a:prstGeom prst="snip2DiagRect">
-            <a:avLst>
-              <a:gd name="adj1" fmla="val 0"/>
-              <a:gd name="adj2" fmla="val 27958"/>
-            </a:avLst>
-          </a:prstGeom>
-          <a:solidFill>
-            <a:srgbClr val="FFFFCC"/>
-          </a:solidFill>
-          <a:ln w="9525" cap="flat" cmpd="sng" algn="ctr">
-            <a:noFill/>
-            <a:prstDash val="solid"/>
-            <a:round/>
-            <a:headEnd type="none" w="med" len="med"/>
-            <a:tailEnd type="none" w="med" len="med"/>
-          </a:ln>
-          <a:effectLst/>
-          <a:scene3d>
-            <a:camera prst="orthographicFront">
-              <a:rot lat="0" lon="0" rev="0"/>
-            </a:camera>
-            <a:lightRig rig="chilly" dir="t">
-              <a:rot lat="0" lon="0" rev="18480000"/>
-            </a:lightRig>
-          </a:scene3d>
-          <a:sp3d prstMaterial="clear">
-            <a:bevelT h="63500"/>
-          </a:sp3d>
-        </p:spPr>
-        <p:txBody>
-          <a:bodyPr vert="horz" wrap="none" lIns="91440" tIns="45720" rIns="91440" bIns="45720" numCol="1" rtlCol="0" anchor="ctr" anchorCtr="0" compatLnSpc="1">
-            <a:prstTxWarp prst="textNoShape">
-              <a:avLst/>
-            </a:prstTxWarp>
-            <a:scene3d>
-              <a:camera prst="perspectiveHeroicExtremeLeftFacing"/>
-              <a:lightRig rig="threePt" dir="t"/>
-            </a:scene3d>
-          </a:bodyPr>
-          <a:lstStyle/>
-          <a:p>
-            <a:pPr algn="ctr" eaLnBrk="0" hangingPunct="0"/>
-            <a:r>
-              <a:rPr lang="fr-FR" b="1" kern="0" dirty="0" smtClean="0">
-                <a:solidFill>
-                  <a:srgbClr val="FF0000"/>
-                </a:solidFill>
-              </a:rPr>
-              <a:t>Conclusion</a:t>
-            </a:r>
-            <a:endParaRPr lang="fr-FR" b="1" kern="0" dirty="0" smtClean="0">
-              <a:solidFill>
-                <a:srgbClr val="FF0000"/>
-              </a:solidFill>
-              <a:latin typeface="Arial" charset="0"/>
-            </a:endParaRPr>
-          </a:p>
-        </p:txBody>
-      </p:sp>
     </p:spTree>
   </p:cSld>
   <p:clrMapOvr>
@@ -19207,38 +18381,6 @@
           </a:p>
         </p:txBody>
       </p:sp>
-      <p:pic>
-        <p:nvPicPr>
-          <p:cNvPr id="3" name="Picture 12"/>
-          <p:cNvPicPr>
-            <a:picLocks noChangeAspect="1" noChangeArrowheads="1"/>
-          </p:cNvPicPr>
-          <p:nvPr/>
-        </p:nvPicPr>
-        <p:blipFill>
-          <a:blip r:embed="rId3" cstate="print"/>
-          <a:srcRect/>
-          <a:stretch>
-            <a:fillRect/>
-          </a:stretch>
-        </p:blipFill>
-        <p:spPr bwMode="auto">
-          <a:xfrm>
-            <a:off x="6411319" y="4790954"/>
-            <a:ext cx="3133412" cy="1381246"/>
-          </a:xfrm>
-          <a:prstGeom prst="rect">
-            <a:avLst/>
-          </a:prstGeom>
-          <a:noFill/>
-          <a:ln w="9525">
-            <a:noFill/>
-            <a:miter lim="800000"/>
-            <a:headEnd/>
-            <a:tailEnd/>
-          </a:ln>
-        </p:spPr>
-      </p:pic>
     </p:spTree>
   </p:cSld>
   <p:clrMapOvr>

--- a/Wylson_Dibinga_Diapo.pptx
+++ b/Wylson_Dibinga_Diapo.pptx
@@ -5,21 +5,19 @@
     <p:sldMasterId id="2147483658" r:id="rId1"/>
   </p:sldMasterIdLst>
   <p:notesMasterIdLst>
-    <p:notesMasterId r:id="rId11"/>
+    <p:notesMasterId r:id="rId9"/>
   </p:notesMasterIdLst>
   <p:handoutMasterIdLst>
-    <p:handoutMasterId r:id="rId12"/>
+    <p:handoutMasterId r:id="rId10"/>
   </p:handoutMasterIdLst>
   <p:sldIdLst>
     <p:sldId id="467" r:id="rId2"/>
     <p:sldId id="635" r:id="rId3"/>
-    <p:sldId id="662" r:id="rId4"/>
-    <p:sldId id="664" r:id="rId5"/>
-    <p:sldId id="663" r:id="rId6"/>
-    <p:sldId id="661" r:id="rId7"/>
-    <p:sldId id="654" r:id="rId8"/>
-    <p:sldId id="636" r:id="rId9"/>
-    <p:sldId id="475" r:id="rId10"/>
+    <p:sldId id="664" r:id="rId4"/>
+    <p:sldId id="661" r:id="rId5"/>
+    <p:sldId id="654" r:id="rId6"/>
+    <p:sldId id="636" r:id="rId7"/>
+    <p:sldId id="475" r:id="rId8"/>
   </p:sldIdLst>
   <p:sldSz cx="9906000" cy="6858000" type="A4"/>
   <p:notesSz cx="6810375" cy="9942513"/>
@@ -2392,753 +2390,6 @@
 </dgm:colorsDef>
 </file>
 
-<file path=ppt/diagrams/colors4.xml><?xml version="1.0" encoding="utf-8"?>
-<dgm:colorsDef xmlns:dgm="http://schemas.openxmlformats.org/drawingml/2006/diagram" xmlns:a="http://schemas.openxmlformats.org/drawingml/2006/main" uniqueId="urn:microsoft.com/office/officeart/2005/8/colors/accent1_2">
-  <dgm:title val=""/>
-  <dgm:desc val=""/>
-  <dgm:catLst>
-    <dgm:cat type="accent1" pri="11200"/>
-  </dgm:catLst>
-  <dgm:styleLbl name="node0">
-    <dgm:fillClrLst meth="repeat">
-      <a:schemeClr val="accent1"/>
-    </dgm:fillClrLst>
-    <dgm:linClrLst meth="repeat">
-      <a:schemeClr val="lt1"/>
-    </dgm:linClrLst>
-    <dgm:effectClrLst/>
-    <dgm:txLinClrLst/>
-    <dgm:txFillClrLst/>
-    <dgm:txEffectClrLst/>
-  </dgm:styleLbl>
-  <dgm:styleLbl name="alignNode1">
-    <dgm:fillClrLst meth="repeat">
-      <a:schemeClr val="accent1"/>
-    </dgm:fillClrLst>
-    <dgm:linClrLst meth="repeat">
-      <a:schemeClr val="accent1"/>
-    </dgm:linClrLst>
-    <dgm:effectClrLst/>
-    <dgm:txLinClrLst/>
-    <dgm:txFillClrLst/>
-    <dgm:txEffectClrLst/>
-  </dgm:styleLbl>
-  <dgm:styleLbl name="node1">
-    <dgm:fillClrLst meth="repeat">
-      <a:schemeClr val="accent1"/>
-    </dgm:fillClrLst>
-    <dgm:linClrLst meth="repeat">
-      <a:schemeClr val="lt1"/>
-    </dgm:linClrLst>
-    <dgm:effectClrLst/>
-    <dgm:txLinClrLst/>
-    <dgm:txFillClrLst/>
-    <dgm:txEffectClrLst/>
-  </dgm:styleLbl>
-  <dgm:styleLbl name="lnNode1">
-    <dgm:fillClrLst meth="repeat">
-      <a:schemeClr val="accent1"/>
-    </dgm:fillClrLst>
-    <dgm:linClrLst meth="repeat">
-      <a:schemeClr val="lt1"/>
-    </dgm:linClrLst>
-    <dgm:effectClrLst/>
-    <dgm:txLinClrLst/>
-    <dgm:txFillClrLst/>
-    <dgm:txEffectClrLst/>
-  </dgm:styleLbl>
-  <dgm:styleLbl name="vennNode1">
-    <dgm:fillClrLst meth="repeat">
-      <a:schemeClr val="accent1">
-        <a:alpha val="50000"/>
-      </a:schemeClr>
-    </dgm:fillClrLst>
-    <dgm:linClrLst meth="repeat">
-      <a:schemeClr val="lt1"/>
-    </dgm:linClrLst>
-    <dgm:effectClrLst/>
-    <dgm:txLinClrLst/>
-    <dgm:txFillClrLst/>
-    <dgm:txEffectClrLst/>
-  </dgm:styleLbl>
-  <dgm:styleLbl name="node2">
-    <dgm:fillClrLst meth="repeat">
-      <a:schemeClr val="accent1"/>
-    </dgm:fillClrLst>
-    <dgm:linClrLst meth="repeat">
-      <a:schemeClr val="lt1"/>
-    </dgm:linClrLst>
-    <dgm:effectClrLst/>
-    <dgm:txLinClrLst/>
-    <dgm:txFillClrLst/>
-    <dgm:txEffectClrLst/>
-  </dgm:styleLbl>
-  <dgm:styleLbl name="node3">
-    <dgm:fillClrLst meth="repeat">
-      <a:schemeClr val="accent1"/>
-    </dgm:fillClrLst>
-    <dgm:linClrLst meth="repeat">
-      <a:schemeClr val="lt1"/>
-    </dgm:linClrLst>
-    <dgm:effectClrLst/>
-    <dgm:txLinClrLst/>
-    <dgm:txFillClrLst/>
-    <dgm:txEffectClrLst/>
-  </dgm:styleLbl>
-  <dgm:styleLbl name="node4">
-    <dgm:fillClrLst meth="repeat">
-      <a:schemeClr val="accent1"/>
-    </dgm:fillClrLst>
-    <dgm:linClrLst meth="repeat">
-      <a:schemeClr val="lt1"/>
-    </dgm:linClrLst>
-    <dgm:effectClrLst/>
-    <dgm:txLinClrLst/>
-    <dgm:txFillClrLst/>
-    <dgm:txEffectClrLst/>
-  </dgm:styleLbl>
-  <dgm:styleLbl name="fgImgPlace1">
-    <dgm:fillClrLst meth="repeat">
-      <a:schemeClr val="accent1">
-        <a:tint val="50000"/>
-      </a:schemeClr>
-    </dgm:fillClrLst>
-    <dgm:linClrLst meth="repeat">
-      <a:schemeClr val="lt1"/>
-    </dgm:linClrLst>
-    <dgm:effectClrLst/>
-    <dgm:txLinClrLst/>
-    <dgm:txFillClrLst meth="repeat">
-      <a:schemeClr val="lt1"/>
-    </dgm:txFillClrLst>
-    <dgm:txEffectClrLst/>
-  </dgm:styleLbl>
-  <dgm:styleLbl name="alignImgPlace1">
-    <dgm:fillClrLst meth="repeat">
-      <a:schemeClr val="accent1">
-        <a:tint val="50000"/>
-      </a:schemeClr>
-    </dgm:fillClrLst>
-    <dgm:linClrLst meth="repeat">
-      <a:schemeClr val="lt1"/>
-    </dgm:linClrLst>
-    <dgm:effectClrLst/>
-    <dgm:txLinClrLst/>
-    <dgm:txFillClrLst meth="repeat">
-      <a:schemeClr val="lt1"/>
-    </dgm:txFillClrLst>
-    <dgm:txEffectClrLst/>
-  </dgm:styleLbl>
-  <dgm:styleLbl name="bgImgPlace1">
-    <dgm:fillClrLst meth="repeat">
-      <a:schemeClr val="accent1">
-        <a:tint val="50000"/>
-      </a:schemeClr>
-    </dgm:fillClrLst>
-    <dgm:linClrLst meth="repeat">
-      <a:schemeClr val="lt1"/>
-    </dgm:linClrLst>
-    <dgm:effectClrLst/>
-    <dgm:txLinClrLst/>
-    <dgm:txFillClrLst meth="repeat">
-      <a:schemeClr val="lt1"/>
-    </dgm:txFillClrLst>
-    <dgm:txEffectClrLst/>
-  </dgm:styleLbl>
-  <dgm:styleLbl name="sibTrans2D1">
-    <dgm:fillClrLst meth="repeat">
-      <a:schemeClr val="accent1">
-        <a:tint val="60000"/>
-      </a:schemeClr>
-    </dgm:fillClrLst>
-    <dgm:linClrLst meth="repeat">
-      <a:schemeClr val="accent1">
-        <a:tint val="60000"/>
-      </a:schemeClr>
-    </dgm:linClrLst>
-    <dgm:effectClrLst/>
-    <dgm:txLinClrLst/>
-    <dgm:txFillClrLst/>
-    <dgm:txEffectClrLst/>
-  </dgm:styleLbl>
-  <dgm:styleLbl name="fgSibTrans2D1">
-    <dgm:fillClrLst meth="repeat">
-      <a:schemeClr val="accent1">
-        <a:tint val="60000"/>
-      </a:schemeClr>
-    </dgm:fillClrLst>
-    <dgm:linClrLst meth="repeat">
-      <a:schemeClr val="accent1">
-        <a:tint val="60000"/>
-      </a:schemeClr>
-    </dgm:linClrLst>
-    <dgm:effectClrLst/>
-    <dgm:txLinClrLst/>
-    <dgm:txFillClrLst/>
-    <dgm:txEffectClrLst/>
-  </dgm:styleLbl>
-  <dgm:styleLbl name="bgSibTrans2D1">
-    <dgm:fillClrLst meth="repeat">
-      <a:schemeClr val="accent1">
-        <a:tint val="60000"/>
-      </a:schemeClr>
-    </dgm:fillClrLst>
-    <dgm:linClrLst meth="repeat">
-      <a:schemeClr val="accent1">
-        <a:tint val="60000"/>
-      </a:schemeClr>
-    </dgm:linClrLst>
-    <dgm:effectClrLst/>
-    <dgm:txLinClrLst/>
-    <dgm:txFillClrLst/>
-    <dgm:txEffectClrLst/>
-  </dgm:styleLbl>
-  <dgm:styleLbl name="sibTrans1D1">
-    <dgm:fillClrLst meth="repeat">
-      <a:schemeClr val="accent1"/>
-    </dgm:fillClrLst>
-    <dgm:linClrLst meth="repeat">
-      <a:schemeClr val="accent1"/>
-    </dgm:linClrLst>
-    <dgm:effectClrLst/>
-    <dgm:txLinClrLst/>
-    <dgm:txFillClrLst meth="repeat">
-      <a:schemeClr val="tx1"/>
-    </dgm:txFillClrLst>
-    <dgm:txEffectClrLst/>
-  </dgm:styleLbl>
-  <dgm:styleLbl name="callout">
-    <dgm:fillClrLst meth="repeat">
-      <a:schemeClr val="accent1"/>
-    </dgm:fillClrLst>
-    <dgm:linClrLst meth="repeat">
-      <a:schemeClr val="accent1">
-        <a:tint val="50000"/>
-      </a:schemeClr>
-    </dgm:linClrLst>
-    <dgm:effectClrLst/>
-    <dgm:txLinClrLst/>
-    <dgm:txFillClrLst meth="repeat">
-      <a:schemeClr val="tx1"/>
-    </dgm:txFillClrLst>
-    <dgm:txEffectClrLst/>
-  </dgm:styleLbl>
-  <dgm:styleLbl name="asst0">
-    <dgm:fillClrLst meth="repeat">
-      <a:schemeClr val="accent1"/>
-    </dgm:fillClrLst>
-    <dgm:linClrLst meth="repeat">
-      <a:schemeClr val="lt1"/>
-    </dgm:linClrLst>
-    <dgm:effectClrLst/>
-    <dgm:txLinClrLst/>
-    <dgm:txFillClrLst/>
-    <dgm:txEffectClrLst/>
-  </dgm:styleLbl>
-  <dgm:styleLbl name="asst1">
-    <dgm:fillClrLst meth="repeat">
-      <a:schemeClr val="accent1"/>
-    </dgm:fillClrLst>
-    <dgm:linClrLst meth="repeat">
-      <a:schemeClr val="lt1"/>
-    </dgm:linClrLst>
-    <dgm:effectClrLst/>
-    <dgm:txLinClrLst/>
-    <dgm:txFillClrLst/>
-    <dgm:txEffectClrLst/>
-  </dgm:styleLbl>
-  <dgm:styleLbl name="asst2">
-    <dgm:fillClrLst meth="repeat">
-      <a:schemeClr val="accent1"/>
-    </dgm:fillClrLst>
-    <dgm:linClrLst meth="repeat">
-      <a:schemeClr val="lt1"/>
-    </dgm:linClrLst>
-    <dgm:effectClrLst/>
-    <dgm:txLinClrLst/>
-    <dgm:txFillClrLst/>
-    <dgm:txEffectClrLst/>
-  </dgm:styleLbl>
-  <dgm:styleLbl name="asst3">
-    <dgm:fillClrLst meth="repeat">
-      <a:schemeClr val="accent1"/>
-    </dgm:fillClrLst>
-    <dgm:linClrLst meth="repeat">
-      <a:schemeClr val="lt1"/>
-    </dgm:linClrLst>
-    <dgm:effectClrLst/>
-    <dgm:txLinClrLst/>
-    <dgm:txFillClrLst/>
-    <dgm:txEffectClrLst/>
-  </dgm:styleLbl>
-  <dgm:styleLbl name="asst4">
-    <dgm:fillClrLst meth="repeat">
-      <a:schemeClr val="accent1"/>
-    </dgm:fillClrLst>
-    <dgm:linClrLst meth="repeat">
-      <a:schemeClr val="lt1"/>
-    </dgm:linClrLst>
-    <dgm:effectClrLst/>
-    <dgm:txLinClrLst/>
-    <dgm:txFillClrLst/>
-    <dgm:txEffectClrLst/>
-  </dgm:styleLbl>
-  <dgm:styleLbl name="parChTrans2D1">
-    <dgm:fillClrLst meth="repeat">
-      <a:schemeClr val="accent1">
-        <a:tint val="60000"/>
-      </a:schemeClr>
-    </dgm:fillClrLst>
-    <dgm:linClrLst meth="repeat">
-      <a:schemeClr val="accent1">
-        <a:tint val="60000"/>
-      </a:schemeClr>
-    </dgm:linClrLst>
-    <dgm:effectClrLst/>
-    <dgm:txLinClrLst/>
-    <dgm:txFillClrLst meth="repeat">
-      <a:schemeClr val="lt1"/>
-    </dgm:txFillClrLst>
-    <dgm:txEffectClrLst/>
-  </dgm:styleLbl>
-  <dgm:styleLbl name="parChTrans2D2">
-    <dgm:fillClrLst meth="repeat">
-      <a:schemeClr val="accent1"/>
-    </dgm:fillClrLst>
-    <dgm:linClrLst meth="repeat">
-      <a:schemeClr val="accent1"/>
-    </dgm:linClrLst>
-    <dgm:effectClrLst/>
-    <dgm:txLinClrLst/>
-    <dgm:txFillClrLst meth="repeat">
-      <a:schemeClr val="lt1"/>
-    </dgm:txFillClrLst>
-    <dgm:txEffectClrLst/>
-  </dgm:styleLbl>
-  <dgm:styleLbl name="parChTrans2D3">
-    <dgm:fillClrLst meth="repeat">
-      <a:schemeClr val="accent1"/>
-    </dgm:fillClrLst>
-    <dgm:linClrLst meth="repeat">
-      <a:schemeClr val="accent1"/>
-    </dgm:linClrLst>
-    <dgm:effectClrLst/>
-    <dgm:txLinClrLst/>
-    <dgm:txFillClrLst meth="repeat">
-      <a:schemeClr val="lt1"/>
-    </dgm:txFillClrLst>
-    <dgm:txEffectClrLst/>
-  </dgm:styleLbl>
-  <dgm:styleLbl name="parChTrans2D4">
-    <dgm:fillClrLst meth="repeat">
-      <a:schemeClr val="accent1"/>
-    </dgm:fillClrLst>
-    <dgm:linClrLst meth="repeat">
-      <a:schemeClr val="accent1"/>
-    </dgm:linClrLst>
-    <dgm:effectClrLst/>
-    <dgm:txLinClrLst/>
-    <dgm:txFillClrLst meth="repeat">
-      <a:schemeClr val="lt1"/>
-    </dgm:txFillClrLst>
-    <dgm:txEffectClrLst/>
-  </dgm:styleLbl>
-  <dgm:styleLbl name="parChTrans1D1">
-    <dgm:fillClrLst meth="repeat">
-      <a:schemeClr val="accent1"/>
-    </dgm:fillClrLst>
-    <dgm:linClrLst meth="repeat">
-      <a:schemeClr val="accent1">
-        <a:shade val="60000"/>
-      </a:schemeClr>
-    </dgm:linClrLst>
-    <dgm:effectClrLst/>
-    <dgm:txLinClrLst/>
-    <dgm:txFillClrLst meth="repeat">
-      <a:schemeClr val="tx1"/>
-    </dgm:txFillClrLst>
-    <dgm:txEffectClrLst/>
-  </dgm:styleLbl>
-  <dgm:styleLbl name="parChTrans1D2">
-    <dgm:fillClrLst meth="repeat">
-      <a:schemeClr val="accent1"/>
-    </dgm:fillClrLst>
-    <dgm:linClrLst meth="repeat">
-      <a:schemeClr val="accent1">
-        <a:shade val="60000"/>
-      </a:schemeClr>
-    </dgm:linClrLst>
-    <dgm:effectClrLst/>
-    <dgm:txLinClrLst/>
-    <dgm:txFillClrLst meth="repeat">
-      <a:schemeClr val="tx1"/>
-    </dgm:txFillClrLst>
-    <dgm:txEffectClrLst/>
-  </dgm:styleLbl>
-  <dgm:styleLbl name="parChTrans1D3">
-    <dgm:fillClrLst meth="repeat">
-      <a:schemeClr val="accent1"/>
-    </dgm:fillClrLst>
-    <dgm:linClrLst meth="repeat">
-      <a:schemeClr val="accent1">
-        <a:shade val="80000"/>
-      </a:schemeClr>
-    </dgm:linClrLst>
-    <dgm:effectClrLst/>
-    <dgm:txLinClrLst/>
-    <dgm:txFillClrLst meth="repeat">
-      <a:schemeClr val="tx1"/>
-    </dgm:txFillClrLst>
-    <dgm:txEffectClrLst/>
-  </dgm:styleLbl>
-  <dgm:styleLbl name="parChTrans1D4">
-    <dgm:fillClrLst meth="repeat">
-      <a:schemeClr val="accent1"/>
-    </dgm:fillClrLst>
-    <dgm:linClrLst meth="repeat">
-      <a:schemeClr val="accent1">
-        <a:shade val="80000"/>
-      </a:schemeClr>
-    </dgm:linClrLst>
-    <dgm:effectClrLst/>
-    <dgm:txLinClrLst/>
-    <dgm:txFillClrLst meth="repeat">
-      <a:schemeClr val="tx1"/>
-    </dgm:txFillClrLst>
-    <dgm:txEffectClrLst/>
-  </dgm:styleLbl>
-  <dgm:styleLbl name="fgAcc1">
-    <dgm:fillClrLst meth="repeat">
-      <a:schemeClr val="lt1">
-        <a:alpha val="90000"/>
-      </a:schemeClr>
-    </dgm:fillClrLst>
-    <dgm:linClrLst meth="repeat">
-      <a:schemeClr val="accent1"/>
-    </dgm:linClrLst>
-    <dgm:effectClrLst/>
-    <dgm:txLinClrLst/>
-    <dgm:txFillClrLst meth="repeat">
-      <a:schemeClr val="dk1"/>
-    </dgm:txFillClrLst>
-    <dgm:txEffectClrLst/>
-  </dgm:styleLbl>
-  <dgm:styleLbl name="conFgAcc1">
-    <dgm:fillClrLst meth="repeat">
-      <a:schemeClr val="lt1">
-        <a:alpha val="90000"/>
-      </a:schemeClr>
-    </dgm:fillClrLst>
-    <dgm:linClrLst meth="repeat">
-      <a:schemeClr val="accent1"/>
-    </dgm:linClrLst>
-    <dgm:effectClrLst/>
-    <dgm:txLinClrLst/>
-    <dgm:txFillClrLst meth="repeat">
-      <a:schemeClr val="dk1"/>
-    </dgm:txFillClrLst>
-    <dgm:txEffectClrLst/>
-  </dgm:styleLbl>
-  <dgm:styleLbl name="alignAcc1">
-    <dgm:fillClrLst meth="repeat">
-      <a:schemeClr val="lt1">
-        <a:alpha val="90000"/>
-      </a:schemeClr>
-    </dgm:fillClrLst>
-    <dgm:linClrLst meth="repeat">
-      <a:schemeClr val="accent1"/>
-    </dgm:linClrLst>
-    <dgm:effectClrLst/>
-    <dgm:txLinClrLst/>
-    <dgm:txFillClrLst meth="repeat">
-      <a:schemeClr val="dk1"/>
-    </dgm:txFillClrLst>
-    <dgm:txEffectClrLst/>
-  </dgm:styleLbl>
-  <dgm:styleLbl name="trAlignAcc1">
-    <dgm:fillClrLst meth="repeat">
-      <a:schemeClr val="lt1">
-        <a:alpha val="40000"/>
-      </a:schemeClr>
-    </dgm:fillClrLst>
-    <dgm:linClrLst meth="repeat">
-      <a:schemeClr val="accent1"/>
-    </dgm:linClrLst>
-    <dgm:effectClrLst/>
-    <dgm:txLinClrLst/>
-    <dgm:txFillClrLst meth="repeat">
-      <a:schemeClr val="dk1"/>
-    </dgm:txFillClrLst>
-    <dgm:txEffectClrLst/>
-  </dgm:styleLbl>
-  <dgm:styleLbl name="bgAcc1">
-    <dgm:fillClrLst meth="repeat">
-      <a:schemeClr val="lt1">
-        <a:alpha val="90000"/>
-      </a:schemeClr>
-    </dgm:fillClrLst>
-    <dgm:linClrLst meth="repeat">
-      <a:schemeClr val="accent1"/>
-    </dgm:linClrLst>
-    <dgm:effectClrLst/>
-    <dgm:txLinClrLst/>
-    <dgm:txFillClrLst meth="repeat">
-      <a:schemeClr val="dk1"/>
-    </dgm:txFillClrLst>
-    <dgm:txEffectClrLst/>
-  </dgm:styleLbl>
-  <dgm:styleLbl name="solidFgAcc1">
-    <dgm:fillClrLst meth="repeat">
-      <a:schemeClr val="lt1"/>
-    </dgm:fillClrLst>
-    <dgm:linClrLst meth="repeat">
-      <a:schemeClr val="accent1"/>
-    </dgm:linClrLst>
-    <dgm:effectClrLst/>
-    <dgm:txLinClrLst/>
-    <dgm:txFillClrLst meth="repeat">
-      <a:schemeClr val="dk1"/>
-    </dgm:txFillClrLst>
-    <dgm:txEffectClrLst/>
-  </dgm:styleLbl>
-  <dgm:styleLbl name="solidAlignAcc1">
-    <dgm:fillClrLst meth="repeat">
-      <a:schemeClr val="lt1"/>
-    </dgm:fillClrLst>
-    <dgm:linClrLst meth="repeat">
-      <a:schemeClr val="accent1"/>
-    </dgm:linClrLst>
-    <dgm:effectClrLst/>
-    <dgm:txLinClrLst/>
-    <dgm:txFillClrLst meth="repeat">
-      <a:schemeClr val="dk1"/>
-    </dgm:txFillClrLst>
-    <dgm:txEffectClrLst/>
-  </dgm:styleLbl>
-  <dgm:styleLbl name="solidBgAcc1">
-    <dgm:fillClrLst meth="repeat">
-      <a:schemeClr val="lt1"/>
-    </dgm:fillClrLst>
-    <dgm:linClrLst meth="repeat">
-      <a:schemeClr val="accent1"/>
-    </dgm:linClrLst>
-    <dgm:effectClrLst/>
-    <dgm:txLinClrLst/>
-    <dgm:txFillClrLst meth="repeat">
-      <a:schemeClr val="dk1"/>
-    </dgm:txFillClrLst>
-    <dgm:txEffectClrLst/>
-  </dgm:styleLbl>
-  <dgm:styleLbl name="fgAccFollowNode1">
-    <dgm:fillClrLst meth="repeat">
-      <a:schemeClr val="accent1">
-        <a:alpha val="90000"/>
-        <a:tint val="40000"/>
-      </a:schemeClr>
-    </dgm:fillClrLst>
-    <dgm:linClrLst meth="repeat">
-      <a:schemeClr val="accent1">
-        <a:alpha val="90000"/>
-        <a:tint val="40000"/>
-      </a:schemeClr>
-    </dgm:linClrLst>
-    <dgm:effectClrLst/>
-    <dgm:txLinClrLst/>
-    <dgm:txFillClrLst meth="repeat">
-      <a:schemeClr val="dk1"/>
-    </dgm:txFillClrLst>
-    <dgm:txEffectClrLst/>
-  </dgm:styleLbl>
-  <dgm:styleLbl name="alignAccFollowNode1">
-    <dgm:fillClrLst meth="repeat">
-      <a:schemeClr val="accent1">
-        <a:alpha val="90000"/>
-        <a:tint val="40000"/>
-      </a:schemeClr>
-    </dgm:fillClrLst>
-    <dgm:linClrLst meth="repeat">
-      <a:schemeClr val="accent1">
-        <a:alpha val="90000"/>
-        <a:tint val="40000"/>
-      </a:schemeClr>
-    </dgm:linClrLst>
-    <dgm:effectClrLst/>
-    <dgm:txLinClrLst/>
-    <dgm:txFillClrLst meth="repeat">
-      <a:schemeClr val="dk1"/>
-    </dgm:txFillClrLst>
-    <dgm:txEffectClrLst/>
-  </dgm:styleLbl>
-  <dgm:styleLbl name="bgAccFollowNode1">
-    <dgm:fillClrLst meth="repeat">
-      <a:schemeClr val="accent1">
-        <a:alpha val="90000"/>
-        <a:tint val="40000"/>
-      </a:schemeClr>
-    </dgm:fillClrLst>
-    <dgm:linClrLst meth="repeat">
-      <a:schemeClr val="accent1">
-        <a:alpha val="90000"/>
-        <a:tint val="40000"/>
-      </a:schemeClr>
-    </dgm:linClrLst>
-    <dgm:effectClrLst/>
-    <dgm:txLinClrLst/>
-    <dgm:txFillClrLst meth="repeat">
-      <a:schemeClr val="dk1"/>
-    </dgm:txFillClrLst>
-    <dgm:txEffectClrLst/>
-  </dgm:styleLbl>
-  <dgm:styleLbl name="fgAcc0">
-    <dgm:fillClrLst meth="repeat">
-      <a:schemeClr val="lt1">
-        <a:alpha val="90000"/>
-      </a:schemeClr>
-    </dgm:fillClrLst>
-    <dgm:linClrLst meth="repeat">
-      <a:schemeClr val="accent1"/>
-    </dgm:linClrLst>
-    <dgm:effectClrLst/>
-    <dgm:txLinClrLst/>
-    <dgm:txFillClrLst meth="repeat">
-      <a:schemeClr val="dk1"/>
-    </dgm:txFillClrLst>
-    <dgm:txEffectClrLst/>
-  </dgm:styleLbl>
-  <dgm:styleLbl name="fgAcc2">
-    <dgm:fillClrLst meth="repeat">
-      <a:schemeClr val="lt1">
-        <a:alpha val="90000"/>
-      </a:schemeClr>
-    </dgm:fillClrLst>
-    <dgm:linClrLst meth="repeat">
-      <a:schemeClr val="accent1"/>
-    </dgm:linClrLst>
-    <dgm:effectClrLst/>
-    <dgm:txLinClrLst/>
-    <dgm:txFillClrLst meth="repeat">
-      <a:schemeClr val="dk1"/>
-    </dgm:txFillClrLst>
-    <dgm:txEffectClrLst/>
-  </dgm:styleLbl>
-  <dgm:styleLbl name="fgAcc3">
-    <dgm:fillClrLst meth="repeat">
-      <a:schemeClr val="lt1">
-        <a:alpha val="90000"/>
-      </a:schemeClr>
-    </dgm:fillClrLst>
-    <dgm:linClrLst meth="repeat">
-      <a:schemeClr val="accent1"/>
-    </dgm:linClrLst>
-    <dgm:effectClrLst/>
-    <dgm:txLinClrLst/>
-    <dgm:txFillClrLst meth="repeat">
-      <a:schemeClr val="dk1"/>
-    </dgm:txFillClrLst>
-    <dgm:txEffectClrLst/>
-  </dgm:styleLbl>
-  <dgm:styleLbl name="fgAcc4">
-    <dgm:fillClrLst meth="repeat">
-      <a:schemeClr val="lt1">
-        <a:alpha val="90000"/>
-      </a:schemeClr>
-    </dgm:fillClrLst>
-    <dgm:linClrLst meth="repeat">
-      <a:schemeClr val="accent1"/>
-    </dgm:linClrLst>
-    <dgm:effectClrLst/>
-    <dgm:txLinClrLst/>
-    <dgm:txFillClrLst meth="repeat">
-      <a:schemeClr val="dk1"/>
-    </dgm:txFillClrLst>
-    <dgm:txEffectClrLst/>
-  </dgm:styleLbl>
-  <dgm:styleLbl name="bgShp">
-    <dgm:fillClrLst meth="repeat">
-      <a:schemeClr val="accent1">
-        <a:tint val="40000"/>
-      </a:schemeClr>
-    </dgm:fillClrLst>
-    <dgm:linClrLst meth="repeat">
-      <a:schemeClr val="accent1"/>
-    </dgm:linClrLst>
-    <dgm:effectClrLst/>
-    <dgm:txLinClrLst/>
-    <dgm:txFillClrLst meth="repeat">
-      <a:schemeClr val="dk1"/>
-    </dgm:txFillClrLst>
-    <dgm:txEffectClrLst/>
-  </dgm:styleLbl>
-  <dgm:styleLbl name="dkBgShp">
-    <dgm:fillClrLst meth="repeat">
-      <a:schemeClr val="accent1">
-        <a:shade val="80000"/>
-      </a:schemeClr>
-    </dgm:fillClrLst>
-    <dgm:linClrLst meth="repeat">
-      <a:schemeClr val="accent1"/>
-    </dgm:linClrLst>
-    <dgm:effectClrLst/>
-    <dgm:txLinClrLst/>
-    <dgm:txFillClrLst meth="repeat">
-      <a:schemeClr val="lt1"/>
-    </dgm:txFillClrLst>
-    <dgm:txEffectClrLst/>
-  </dgm:styleLbl>
-  <dgm:styleLbl name="trBgShp">
-    <dgm:fillClrLst meth="repeat">
-      <a:schemeClr val="accent1">
-        <a:tint val="50000"/>
-        <a:alpha val="40000"/>
-      </a:schemeClr>
-    </dgm:fillClrLst>
-    <dgm:linClrLst meth="repeat">
-      <a:schemeClr val="accent1"/>
-    </dgm:linClrLst>
-    <dgm:effectClrLst/>
-    <dgm:txLinClrLst/>
-    <dgm:txFillClrLst meth="repeat">
-      <a:schemeClr val="lt1"/>
-    </dgm:txFillClrLst>
-    <dgm:txEffectClrLst/>
-  </dgm:styleLbl>
-  <dgm:styleLbl name="fgShp">
-    <dgm:fillClrLst meth="repeat">
-      <a:schemeClr val="accent1">
-        <a:tint val="60000"/>
-      </a:schemeClr>
-    </dgm:fillClrLst>
-    <dgm:linClrLst meth="repeat">
-      <a:schemeClr val="lt1"/>
-    </dgm:linClrLst>
-    <dgm:effectClrLst/>
-    <dgm:txLinClrLst/>
-    <dgm:txFillClrLst meth="repeat">
-      <a:schemeClr val="dk1"/>
-    </dgm:txFillClrLst>
-    <dgm:txEffectClrLst/>
-  </dgm:styleLbl>
-  <dgm:styleLbl name="revTx">
-    <dgm:fillClrLst meth="repeat">
-      <a:schemeClr val="lt1">
-        <a:alpha val="0"/>
-      </a:schemeClr>
-    </dgm:fillClrLst>
-    <dgm:linClrLst meth="repeat">
-      <a:schemeClr val="dk1">
-        <a:alpha val="0"/>
-      </a:schemeClr>
-    </dgm:linClrLst>
-    <dgm:effectClrLst/>
-    <dgm:txLinClrLst/>
-    <dgm:txFillClrLst meth="repeat">
-      <a:schemeClr val="tx1"/>
-    </dgm:txFillClrLst>
-    <dgm:txEffectClrLst/>
-  </dgm:styleLbl>
-</dgm:colorsDef>
-</file>
-
 <file path=ppt/diagrams/data1.xml><?xml version="1.0" encoding="utf-8"?>
 <dgm:dataModel xmlns:dgm="http://schemas.openxmlformats.org/drawingml/2006/diagram" xmlns:a="http://schemas.openxmlformats.org/drawingml/2006/main">
   <dgm:ptLst>
@@ -3160,13 +2411,14 @@
         <a:bodyPr/>
         <a:lstStyle/>
         <a:p>
+          <a:pPr algn="just"/>
           <a:r>
             <a:rPr lang="fr-FR" sz="1600" b="1" dirty="0" smtClean="0">
               <a:solidFill>
                 <a:srgbClr val="7030A0"/>
               </a:solidFill>
             </a:rPr>
-            <a:t>Architecture</a:t>
+            <a:t>     Architecture logicielle</a:t>
           </a:r>
           <a:endParaRPr lang="fr-FR" sz="1600" b="1" dirty="0">
             <a:solidFill>
@@ -3242,9 +2494,10 @@
         <a:bodyPr/>
         <a:lstStyle/>
         <a:p>
+          <a:pPr algn="just"/>
           <a:r>
             <a:rPr lang="fr-FR" sz="1600" baseline="0" dirty="0" smtClean="0"/>
-            <a:t>Découpage en couches</a:t>
+            <a:t>      Découpage en couches</a:t>
           </a:r>
           <a:endParaRPr lang="fr-FR" sz="1600" baseline="0" dirty="0"/>
         </a:p>
@@ -3301,7 +2554,7 @@
       <dgm:spPr/>
     </dgm:pt>
     <dgm:pt modelId="{68CFDE77-1DD0-430E-A494-1A48C963455C}" type="pres">
-      <dgm:prSet presAssocID="{B3EC0F87-A051-4AD0-848B-B0A00E52CC9C}" presName="parTxOnly" presStyleLbl="node1" presStyleIdx="1" presStyleCnt="3" custScaleX="69618" custLinFactNeighborY="-3403">
+      <dgm:prSet presAssocID="{B3EC0F87-A051-4AD0-848B-B0A00E52CC9C}" presName="parTxOnly" presStyleLbl="node1" presStyleIdx="1" presStyleCnt="3" custScaleX="56855" custLinFactNeighborY="-3403">
         <dgm:presLayoutVars>
           <dgm:bulletEnabled val="1"/>
         </dgm:presLayoutVars>
@@ -3320,7 +2573,7 @@
       <dgm:spPr/>
     </dgm:pt>
     <dgm:pt modelId="{13DF959E-1C66-4067-AC7D-C59F456981A4}" type="pres">
-      <dgm:prSet presAssocID="{57AD7D23-1AC8-4274-88B5-D02014397898}" presName="parTxOnly" presStyleLbl="node1" presStyleIdx="2" presStyleCnt="3" custScaleX="31372">
+      <dgm:prSet presAssocID="{57AD7D23-1AC8-4274-88B5-D02014397898}" presName="parTxOnly" presStyleLbl="node1" presStyleIdx="2" presStyleCnt="3" custScaleX="32798">
         <dgm:presLayoutVars>
           <dgm:bulletEnabled val="1"/>
         </dgm:presLayoutVars>
@@ -3373,229 +2626,10 @@
         <a:bodyPr/>
         <a:lstStyle/>
         <a:p>
+          <a:pPr algn="just"/>
           <a:r>
             <a:rPr lang="fr-FR" sz="1600" b="0" dirty="0" smtClean="0"/>
-            <a:t>Architecture</a:t>
-          </a:r>
-          <a:endParaRPr lang="fr-FR" sz="1600" b="0" dirty="0"/>
-        </a:p>
-      </dgm:t>
-    </dgm:pt>
-    <dgm:pt modelId="{862AD4F2-7BCA-47E5-8381-5182F92E9FE3}" type="parTrans" cxnId="{A05470E4-6599-40D4-BA50-5E6B751FB238}">
-      <dgm:prSet/>
-      <dgm:spPr/>
-      <dgm:t>
-        <a:bodyPr/>
-        <a:lstStyle/>
-        <a:p>
-          <a:endParaRPr lang="fr-FR"/>
-        </a:p>
-      </dgm:t>
-    </dgm:pt>
-    <dgm:pt modelId="{9C941558-35F8-417D-ABB7-5EAACB2F8553}" type="sibTrans" cxnId="{A05470E4-6599-40D4-BA50-5E6B751FB238}">
-      <dgm:prSet/>
-      <dgm:spPr/>
-      <dgm:t>
-        <a:bodyPr/>
-        <a:lstStyle/>
-        <a:p>
-          <a:endParaRPr lang="fr-FR"/>
-        </a:p>
-      </dgm:t>
-    </dgm:pt>
-    <dgm:pt modelId="{721288D1-8B06-4E97-9180-5AF060D52B35}">
-      <dgm:prSet phldrT="[Texte]" custT="1"/>
-      <dgm:spPr/>
-      <dgm:t>
-        <a:bodyPr/>
-        <a:lstStyle/>
-        <a:p>
-          <a:r>
-            <a:rPr lang="fr-FR" sz="1600" b="0" dirty="0" smtClean="0"/>
-            <a:t>Découpage en couches</a:t>
-          </a:r>
-          <a:endParaRPr lang="fr-FR" sz="1600" b="0" dirty="0"/>
-        </a:p>
-      </dgm:t>
-    </dgm:pt>
-    <dgm:pt modelId="{EDA01FBC-43DE-42EA-BCB5-B789633E9531}" type="parTrans" cxnId="{CFEDC859-F6AA-413D-A509-A24082AC60F9}">
-      <dgm:prSet/>
-      <dgm:spPr/>
-      <dgm:t>
-        <a:bodyPr/>
-        <a:lstStyle/>
-        <a:p>
-          <a:endParaRPr lang="fr-FR"/>
-        </a:p>
-      </dgm:t>
-    </dgm:pt>
-    <dgm:pt modelId="{0C81F5C0-2E70-4B58-BF27-C362AE16E6C6}" type="sibTrans" cxnId="{CFEDC859-F6AA-413D-A509-A24082AC60F9}">
-      <dgm:prSet/>
-      <dgm:spPr/>
-      <dgm:t>
-        <a:bodyPr/>
-        <a:lstStyle/>
-        <a:p>
-          <a:endParaRPr lang="fr-FR"/>
-        </a:p>
-      </dgm:t>
-    </dgm:pt>
-    <dgm:pt modelId="{B3EC0F87-A051-4AD0-848B-B0A00E52CC9C}">
-      <dgm:prSet phldrT="[Texte]" custT="1"/>
-      <dgm:spPr>
-        <a:solidFill>
-          <a:schemeClr val="accent1">
-            <a:lumMod val="40000"/>
-            <a:lumOff val="60000"/>
-          </a:schemeClr>
-        </a:solidFill>
-      </dgm:spPr>
-      <dgm:t>
-        <a:bodyPr/>
-        <a:lstStyle/>
-        <a:p>
-          <a:r>
-            <a:rPr lang="fr-FR" sz="1600" b="1" baseline="0" dirty="0" smtClean="0">
-              <a:solidFill>
-                <a:srgbClr val="7030A0"/>
-              </a:solidFill>
-            </a:rPr>
-            <a:t>Illustration</a:t>
-          </a:r>
-          <a:endParaRPr lang="fr-FR" sz="1600" b="1" baseline="0" dirty="0">
-            <a:solidFill>
-              <a:srgbClr val="7030A0"/>
-            </a:solidFill>
-          </a:endParaRPr>
-        </a:p>
-      </dgm:t>
-    </dgm:pt>
-    <dgm:pt modelId="{433FFD42-A873-4041-842B-0DF31076AF42}" type="parTrans" cxnId="{3C5D8EB9-56F4-4DA6-A252-6B96CED3C9FD}">
-      <dgm:prSet/>
-      <dgm:spPr/>
-      <dgm:t>
-        <a:bodyPr/>
-        <a:lstStyle/>
-        <a:p>
-          <a:endParaRPr lang="fr-FR"/>
-        </a:p>
-      </dgm:t>
-    </dgm:pt>
-    <dgm:pt modelId="{EA44B95D-F415-49CC-BBD7-3043578F71F8}" type="sibTrans" cxnId="{3C5D8EB9-56F4-4DA6-A252-6B96CED3C9FD}">
-      <dgm:prSet/>
-      <dgm:spPr/>
-      <dgm:t>
-        <a:bodyPr/>
-        <a:lstStyle/>
-        <a:p>
-          <a:endParaRPr lang="fr-FR"/>
-        </a:p>
-      </dgm:t>
-    </dgm:pt>
-    <dgm:pt modelId="{EFD12A60-DD2F-457B-BA4C-414F19F80203}" type="pres">
-      <dgm:prSet presAssocID="{9E1D15D1-D802-4B27-ABA3-F6082429558C}" presName="Name0" presStyleCnt="0">
-        <dgm:presLayoutVars>
-          <dgm:dir/>
-          <dgm:resizeHandles val="exact"/>
-        </dgm:presLayoutVars>
-      </dgm:prSet>
-      <dgm:spPr/>
-    </dgm:pt>
-    <dgm:pt modelId="{21CD225C-E5D8-443D-9487-FBEBEA387181}" type="pres">
-      <dgm:prSet presAssocID="{37CD33AD-32EA-4017-B321-82D62883DA15}" presName="parTxOnly" presStyleLbl="node1" presStyleIdx="0" presStyleCnt="3" custScaleX="66807" custLinFactNeighborX="-4113">
-        <dgm:presLayoutVars>
-          <dgm:bulletEnabled val="1"/>
-        </dgm:presLayoutVars>
-      </dgm:prSet>
-      <dgm:spPr/>
-      <dgm:t>
-        <a:bodyPr/>
-        <a:lstStyle/>
-        <a:p>
-          <a:endParaRPr lang="fr-FR"/>
-        </a:p>
-      </dgm:t>
-    </dgm:pt>
-    <dgm:pt modelId="{85AD69C5-9A32-42BB-B4B6-102A56E68A92}" type="pres">
-      <dgm:prSet presAssocID="{9C941558-35F8-417D-ABB7-5EAACB2F8553}" presName="parSpace" presStyleCnt="0"/>
-      <dgm:spPr/>
-    </dgm:pt>
-    <dgm:pt modelId="{025469F2-067C-4199-9827-8EFE913C0E0F}" type="pres">
-      <dgm:prSet presAssocID="{721288D1-8B06-4E97-9180-5AF060D52B35}" presName="parTxOnly" presStyleLbl="node1" presStyleIdx="1" presStyleCnt="3" custScaleX="74632" custLinFactNeighborX="-4113">
-        <dgm:presLayoutVars>
-          <dgm:bulletEnabled val="1"/>
-        </dgm:presLayoutVars>
-      </dgm:prSet>
-      <dgm:spPr/>
-      <dgm:t>
-        <a:bodyPr/>
-        <a:lstStyle/>
-        <a:p>
-          <a:endParaRPr lang="fr-FR"/>
-        </a:p>
-      </dgm:t>
-    </dgm:pt>
-    <dgm:pt modelId="{73382D93-8C34-4A39-BF2A-9A9AF42B8686}" type="pres">
-      <dgm:prSet presAssocID="{0C81F5C0-2E70-4B58-BF27-C362AE16E6C6}" presName="parSpace" presStyleCnt="0"/>
-      <dgm:spPr/>
-    </dgm:pt>
-    <dgm:pt modelId="{68CFDE77-1DD0-430E-A494-1A48C963455C}" type="pres">
-      <dgm:prSet presAssocID="{B3EC0F87-A051-4AD0-848B-B0A00E52CC9C}" presName="parTxOnly" presStyleLbl="node1" presStyleIdx="2" presStyleCnt="3" custScaleX="43884" custLinFactNeighborY="-3403">
-        <dgm:presLayoutVars>
-          <dgm:bulletEnabled val="1"/>
-        </dgm:presLayoutVars>
-      </dgm:prSet>
-      <dgm:spPr/>
-      <dgm:t>
-        <a:bodyPr/>
-        <a:lstStyle/>
-        <a:p>
-          <a:endParaRPr lang="fr-FR"/>
-        </a:p>
-      </dgm:t>
-    </dgm:pt>
-  </dgm:ptLst>
-  <dgm:cxnLst>
-    <dgm:cxn modelId="{A3CBFA40-4452-4582-AFB9-D2C4A8CB443F}" type="presOf" srcId="{721288D1-8B06-4E97-9180-5AF060D52B35}" destId="{025469F2-067C-4199-9827-8EFE913C0E0F}" srcOrd="0" destOrd="0" presId="urn:microsoft.com/office/officeart/2005/8/layout/hChevron3"/>
-    <dgm:cxn modelId="{A05470E4-6599-40D4-BA50-5E6B751FB238}" srcId="{9E1D15D1-D802-4B27-ABA3-F6082429558C}" destId="{37CD33AD-32EA-4017-B321-82D62883DA15}" srcOrd="0" destOrd="0" parTransId="{862AD4F2-7BCA-47E5-8381-5182F92E9FE3}" sibTransId="{9C941558-35F8-417D-ABB7-5EAACB2F8553}"/>
-    <dgm:cxn modelId="{3C5D8EB9-56F4-4DA6-A252-6B96CED3C9FD}" srcId="{9E1D15D1-D802-4B27-ABA3-F6082429558C}" destId="{B3EC0F87-A051-4AD0-848B-B0A00E52CC9C}" srcOrd="2" destOrd="0" parTransId="{433FFD42-A873-4041-842B-0DF31076AF42}" sibTransId="{EA44B95D-F415-49CC-BBD7-3043578F71F8}"/>
-    <dgm:cxn modelId="{39EBDD6C-B3B8-4821-A54B-466EE4925FA5}" type="presOf" srcId="{B3EC0F87-A051-4AD0-848B-B0A00E52CC9C}" destId="{68CFDE77-1DD0-430E-A494-1A48C963455C}" srcOrd="0" destOrd="0" presId="urn:microsoft.com/office/officeart/2005/8/layout/hChevron3"/>
-    <dgm:cxn modelId="{CFEDC859-F6AA-413D-A509-A24082AC60F9}" srcId="{9E1D15D1-D802-4B27-ABA3-F6082429558C}" destId="{721288D1-8B06-4E97-9180-5AF060D52B35}" srcOrd="1" destOrd="0" parTransId="{EDA01FBC-43DE-42EA-BCB5-B789633E9531}" sibTransId="{0C81F5C0-2E70-4B58-BF27-C362AE16E6C6}"/>
-    <dgm:cxn modelId="{27FB2A35-239C-41C6-9142-7331466C4309}" type="presOf" srcId="{37CD33AD-32EA-4017-B321-82D62883DA15}" destId="{21CD225C-E5D8-443D-9487-FBEBEA387181}" srcOrd="0" destOrd="0" presId="urn:microsoft.com/office/officeart/2005/8/layout/hChevron3"/>
-    <dgm:cxn modelId="{E1F865C6-B530-4A14-8385-34E6133A6BE6}" type="presOf" srcId="{9E1D15D1-D802-4B27-ABA3-F6082429558C}" destId="{EFD12A60-DD2F-457B-BA4C-414F19F80203}" srcOrd="0" destOrd="0" presId="urn:microsoft.com/office/officeart/2005/8/layout/hChevron3"/>
-    <dgm:cxn modelId="{CA4FA2BA-7CDA-44F3-ACBB-9A63A10E3DB8}" type="presParOf" srcId="{EFD12A60-DD2F-457B-BA4C-414F19F80203}" destId="{21CD225C-E5D8-443D-9487-FBEBEA387181}" srcOrd="0" destOrd="0" presId="urn:microsoft.com/office/officeart/2005/8/layout/hChevron3"/>
-    <dgm:cxn modelId="{6310A26F-26C6-4785-8962-5914760FBBE6}" type="presParOf" srcId="{EFD12A60-DD2F-457B-BA4C-414F19F80203}" destId="{85AD69C5-9A32-42BB-B4B6-102A56E68A92}" srcOrd="1" destOrd="0" presId="urn:microsoft.com/office/officeart/2005/8/layout/hChevron3"/>
-    <dgm:cxn modelId="{E0BC2581-6BB1-49A8-A41F-3C1392F4BEDC}" type="presParOf" srcId="{EFD12A60-DD2F-457B-BA4C-414F19F80203}" destId="{025469F2-067C-4199-9827-8EFE913C0E0F}" srcOrd="2" destOrd="0" presId="urn:microsoft.com/office/officeart/2005/8/layout/hChevron3"/>
-    <dgm:cxn modelId="{D02AFEE6-27BF-45D0-A5B3-42FAB7B3DE5C}" type="presParOf" srcId="{EFD12A60-DD2F-457B-BA4C-414F19F80203}" destId="{73382D93-8C34-4A39-BF2A-9A9AF42B8686}" srcOrd="3" destOrd="0" presId="urn:microsoft.com/office/officeart/2005/8/layout/hChevron3"/>
-    <dgm:cxn modelId="{04658306-BE51-47A5-8629-4A2563205004}" type="presParOf" srcId="{EFD12A60-DD2F-457B-BA4C-414F19F80203}" destId="{68CFDE77-1DD0-430E-A494-1A48C963455C}" srcOrd="4" destOrd="0" presId="urn:microsoft.com/office/officeart/2005/8/layout/hChevron3"/>
-  </dgm:cxnLst>
-  <dgm:bg/>
-  <dgm:whole/>
-  <dgm:extLst>
-    <a:ext uri="http://schemas.microsoft.com/office/drawing/2008/diagram">
-      <dsp:dataModelExt xmlns:dsp="http://schemas.microsoft.com/office/drawing/2008/diagram" xmlns="" relId="rId7" minVer="http://schemas.openxmlformats.org/drawingml/2006/diagram"/>
-    </a:ext>
-  </dgm:extLst>
-</dgm:dataModel>
-</file>
-
-<file path=ppt/diagrams/data3.xml><?xml version="1.0" encoding="utf-8"?>
-<dgm:dataModel xmlns:dgm="http://schemas.openxmlformats.org/drawingml/2006/diagram" xmlns:a="http://schemas.openxmlformats.org/drawingml/2006/main">
-  <dgm:ptLst>
-    <dgm:pt modelId="{9E1D15D1-D802-4B27-ABA3-F6082429558C}" type="doc">
-      <dgm:prSet loTypeId="urn:microsoft.com/office/officeart/2005/8/layout/hChevron3" loCatId="process" qsTypeId="urn:microsoft.com/office/officeart/2005/8/quickstyle/simple5" qsCatId="simple" csTypeId="urn:microsoft.com/office/officeart/2005/8/colors/accent1_2" csCatId="accent1" phldr="1"/>
-      <dgm:spPr/>
-    </dgm:pt>
-    <dgm:pt modelId="{37CD33AD-32EA-4017-B321-82D62883DA15}">
-      <dgm:prSet phldrT="[Texte]" custT="1"/>
-      <dgm:spPr/>
-      <dgm:t>
-        <a:bodyPr/>
-        <a:lstStyle/>
-        <a:p>
-          <a:r>
-            <a:rPr lang="fr-FR" sz="1600" b="0" dirty="0" smtClean="0"/>
-            <a:t>Architecture</a:t>
+            <a:t>    Architecture logicielle</a:t>
           </a:r>
           <a:endParaRPr lang="fr-FR" sz="1600" b="0" dirty="0"/>
         </a:p>
@@ -3637,13 +2671,14 @@
         <a:bodyPr/>
         <a:lstStyle/>
         <a:p>
+          <a:pPr algn="just"/>
           <a:r>
             <a:rPr lang="fr-FR" sz="1600" b="1" dirty="0" smtClean="0">
               <a:solidFill>
                 <a:srgbClr val="7030A0"/>
               </a:solidFill>
             </a:rPr>
-            <a:t>Découpage en couches</a:t>
+            <a:t>    Découpage en couches</a:t>
           </a:r>
           <a:endParaRPr lang="fr-FR" sz="1600" b="1" dirty="0">
             <a:solidFill>
@@ -3799,7 +2834,7 @@
 </dgm:dataModel>
 </file>
 
-<file path=ppt/diagrams/data4.xml><?xml version="1.0" encoding="utf-8"?>
+<file path=ppt/diagrams/data3.xml><?xml version="1.0" encoding="utf-8"?>
 <dgm:dataModel xmlns:dgm="http://schemas.openxmlformats.org/drawingml/2006/diagram" xmlns:a="http://schemas.openxmlformats.org/drawingml/2006/main">
   <dgm:ptLst>
     <dgm:pt modelId="{9E1D15D1-D802-4B27-ABA3-F6082429558C}" type="doc">
@@ -4035,7 +3070,7 @@
       <dsp:spPr>
         <a:xfrm>
           <a:off x="0" y="0"/>
-          <a:ext cx="4281615" cy="447824"/>
+          <a:ext cx="4755769" cy="447824"/>
         </a:xfrm>
         <a:prstGeom prst="homePlate">
           <a:avLst/>
@@ -4088,7 +3123,7 @@
         </a:bodyPr>
         <a:lstStyle/>
         <a:p>
-          <a:pPr lvl="0" algn="ctr" defTabSz="711200">
+          <a:pPr lvl="0" algn="just" defTabSz="711200">
             <a:lnSpc>
               <a:spcPct val="90000"/>
             </a:lnSpc>
@@ -4105,7 +3140,7 @@
                 <a:srgbClr val="7030A0"/>
               </a:solidFill>
             </a:rPr>
-            <a:t>Architecture</a:t>
+            <a:t>     Architecture logicielle</a:t>
           </a:r>
           <a:endParaRPr lang="fr-FR" sz="1600" b="1" kern="1200" dirty="0">
             <a:solidFill>
@@ -4116,7 +3151,7 @@
       </dsp:txBody>
       <dsp:txXfrm>
         <a:off x="0" y="0"/>
-        <a:ext cx="4281615" cy="447824"/>
+        <a:ext cx="4755769" cy="447824"/>
       </dsp:txXfrm>
     </dsp:sp>
     <dsp:sp modelId="{68CFDE77-1DD0-430E-A494-1A48C963455C}">
@@ -4126,8 +3161,8 @@
       </dsp:nvSpPr>
       <dsp:spPr>
         <a:xfrm>
-          <a:off x="2647810" y="0"/>
-          <a:ext cx="5688501" cy="447824"/>
+          <a:off x="2942438" y="0"/>
+          <a:ext cx="5160100" cy="447824"/>
         </a:xfrm>
         <a:prstGeom prst="chevron">
           <a:avLst/>
@@ -4209,7 +3244,7 @@
         </a:bodyPr>
         <a:lstStyle/>
         <a:p>
-          <a:pPr lvl="0" algn="ctr" defTabSz="711200">
+          <a:pPr lvl="0" algn="just" defTabSz="711200">
             <a:lnSpc>
               <a:spcPct val="90000"/>
             </a:lnSpc>
@@ -4222,14 +3257,14 @@
           </a:pPr>
           <a:r>
             <a:rPr lang="fr-FR" sz="1600" kern="1200" baseline="0" dirty="0" smtClean="0"/>
-            <a:t>Découpage en couches</a:t>
+            <a:t>      Découpage en couches</a:t>
           </a:r>
           <a:endParaRPr lang="fr-FR" sz="1600" kern="1200" baseline="0" dirty="0"/>
         </a:p>
       </dsp:txBody>
       <dsp:txXfrm>
-        <a:off x="2647810" y="0"/>
-        <a:ext cx="5688501" cy="447824"/>
+        <a:off x="2942438" y="0"/>
+        <a:ext cx="5160100" cy="447824"/>
       </dsp:txXfrm>
     </dsp:sp>
     <dsp:sp modelId="{13DF959E-1C66-4067-AC7D-C59F456981A4}">
@@ -4239,8 +3274,8 @@
       </dsp:nvSpPr>
       <dsp:spPr>
         <a:xfrm>
-          <a:off x="6702107" y="0"/>
-          <a:ext cx="2563412" cy="447824"/>
+          <a:off x="6287359" y="0"/>
+          <a:ext cx="2976712" cy="447824"/>
         </a:xfrm>
         <a:prstGeom prst="chevron">
           <a:avLst/>
@@ -4341,8 +3376,8 @@
         </a:p>
       </dsp:txBody>
       <dsp:txXfrm>
-        <a:off x="6702107" y="0"/>
-        <a:ext cx="2563412" cy="447824"/>
+        <a:off x="6287359" y="0"/>
+        <a:ext cx="2976712" cy="447824"/>
       </dsp:txXfrm>
     </dsp:sp>
   </dsp:spTree>
@@ -4350,336 +3385,6 @@
 </file>
 
 <file path=ppt/diagrams/drawing2.xml><?xml version="1.0" encoding="utf-8"?>
-<dsp:drawing xmlns:dgm="http://schemas.openxmlformats.org/drawingml/2006/diagram" xmlns:a="http://schemas.openxmlformats.org/drawingml/2006/main" xmlns:dsp="http://schemas.microsoft.com/office/drawing/2008/diagram">
-  <dsp:spTree>
-    <dsp:nvGrpSpPr>
-      <dsp:cNvPr id="0" name=""/>
-      <dsp:cNvGrpSpPr/>
-    </dsp:nvGrpSpPr>
-    <dsp:grpSpPr/>
-    <dsp:sp modelId="{21CD225C-E5D8-443D-9487-FBEBEA387181}">
-      <dsp:nvSpPr>
-        <dsp:cNvPr id="0" name=""/>
-        <dsp:cNvSpPr/>
-      </dsp:nvSpPr>
-      <dsp:spPr>
-        <a:xfrm>
-          <a:off x="0" y="0"/>
-          <a:ext cx="4255819" cy="447824"/>
-        </a:xfrm>
-        <a:prstGeom prst="homePlate">
-          <a:avLst/>
-        </a:prstGeom>
-        <a:gradFill rotWithShape="0">
-          <a:gsLst>
-            <a:gs pos="0">
-              <a:schemeClr val="accent1">
-                <a:hueOff val="0"/>
-                <a:satOff val="0"/>
-                <a:lumOff val="0"/>
-                <a:alphaOff val="0"/>
-                <a:shade val="51000"/>
-                <a:satMod val="130000"/>
-              </a:schemeClr>
-            </a:gs>
-            <a:gs pos="80000">
-              <a:schemeClr val="accent1">
-                <a:hueOff val="0"/>
-                <a:satOff val="0"/>
-                <a:lumOff val="0"/>
-                <a:alphaOff val="0"/>
-                <a:shade val="93000"/>
-                <a:satMod val="130000"/>
-              </a:schemeClr>
-            </a:gs>
-            <a:gs pos="100000">
-              <a:schemeClr val="accent1">
-                <a:hueOff val="0"/>
-                <a:satOff val="0"/>
-                <a:lumOff val="0"/>
-                <a:alphaOff val="0"/>
-                <a:shade val="94000"/>
-                <a:satMod val="135000"/>
-              </a:schemeClr>
-            </a:gs>
-          </a:gsLst>
-          <a:lin ang="16200000" scaled="0"/>
-        </a:gradFill>
-        <a:ln>
-          <a:noFill/>
-        </a:ln>
-        <a:effectLst>
-          <a:outerShdw blurRad="40000" dist="23000" dir="5400000" rotWithShape="0">
-            <a:srgbClr val="000000">
-              <a:alpha val="35000"/>
-            </a:srgbClr>
-          </a:outerShdw>
-        </a:effectLst>
-        <a:scene3d>
-          <a:camera prst="orthographicFront">
-            <a:rot lat="0" lon="0" rev="0"/>
-          </a:camera>
-          <a:lightRig rig="threePt" dir="t">
-            <a:rot lat="0" lon="0" rev="1200000"/>
-          </a:lightRig>
-        </a:scene3d>
-        <a:sp3d>
-          <a:bevelT w="63500" h="25400"/>
-        </a:sp3d>
-      </dsp:spPr>
-      <dsp:style>
-        <a:lnRef idx="0">
-          <a:scrgbClr r="0" g="0" b="0"/>
-        </a:lnRef>
-        <a:fillRef idx="3">
-          <a:scrgbClr r="0" g="0" b="0"/>
-        </a:fillRef>
-        <a:effectRef idx="3">
-          <a:scrgbClr r="0" g="0" b="0"/>
-        </a:effectRef>
-        <a:fontRef idx="minor">
-          <a:schemeClr val="lt1"/>
-        </a:fontRef>
-      </dsp:style>
-      <dsp:txBody>
-        <a:bodyPr spcFirstLastPara="0" vert="horz" wrap="square" lIns="85344" tIns="42672" rIns="21336" bIns="42672" numCol="1" spcCol="1270" anchor="ctr" anchorCtr="0">
-          <a:noAutofit/>
-        </a:bodyPr>
-        <a:lstStyle/>
-        <a:p>
-          <a:pPr lvl="0" algn="ctr" defTabSz="711200">
-            <a:lnSpc>
-              <a:spcPct val="90000"/>
-            </a:lnSpc>
-            <a:spcBef>
-              <a:spcPct val="0"/>
-            </a:spcBef>
-            <a:spcAft>
-              <a:spcPct val="35000"/>
-            </a:spcAft>
-          </a:pPr>
-          <a:r>
-            <a:rPr lang="fr-FR" sz="1600" b="0" kern="1200" dirty="0" smtClean="0"/>
-            <a:t>Architecture</a:t>
-          </a:r>
-          <a:endParaRPr lang="fr-FR" sz="1600" b="0" kern="1200" dirty="0"/>
-        </a:p>
-      </dsp:txBody>
-      <dsp:txXfrm>
-        <a:off x="0" y="0"/>
-        <a:ext cx="4255819" cy="447824"/>
-      </dsp:txXfrm>
-    </dsp:sp>
-    <dsp:sp modelId="{025469F2-067C-4199-9827-8EFE913C0E0F}">
-      <dsp:nvSpPr>
-        <dsp:cNvPr id="0" name=""/>
-        <dsp:cNvSpPr/>
-      </dsp:nvSpPr>
-      <dsp:spPr>
-        <a:xfrm>
-          <a:off x="2933543" y="0"/>
-          <a:ext cx="4754297" cy="447824"/>
-        </a:xfrm>
-        <a:prstGeom prst="chevron">
-          <a:avLst/>
-        </a:prstGeom>
-        <a:gradFill rotWithShape="0">
-          <a:gsLst>
-            <a:gs pos="0">
-              <a:schemeClr val="accent1">
-                <a:hueOff val="0"/>
-                <a:satOff val="0"/>
-                <a:lumOff val="0"/>
-                <a:alphaOff val="0"/>
-                <a:shade val="51000"/>
-                <a:satMod val="130000"/>
-              </a:schemeClr>
-            </a:gs>
-            <a:gs pos="80000">
-              <a:schemeClr val="accent1">
-                <a:hueOff val="0"/>
-                <a:satOff val="0"/>
-                <a:lumOff val="0"/>
-                <a:alphaOff val="0"/>
-                <a:shade val="93000"/>
-                <a:satMod val="130000"/>
-              </a:schemeClr>
-            </a:gs>
-            <a:gs pos="100000">
-              <a:schemeClr val="accent1">
-                <a:hueOff val="0"/>
-                <a:satOff val="0"/>
-                <a:lumOff val="0"/>
-                <a:alphaOff val="0"/>
-                <a:shade val="94000"/>
-                <a:satMod val="135000"/>
-              </a:schemeClr>
-            </a:gs>
-          </a:gsLst>
-          <a:lin ang="16200000" scaled="0"/>
-        </a:gradFill>
-        <a:ln>
-          <a:noFill/>
-        </a:ln>
-        <a:effectLst>
-          <a:outerShdw blurRad="40000" dist="23000" dir="5400000" rotWithShape="0">
-            <a:srgbClr val="000000">
-              <a:alpha val="35000"/>
-            </a:srgbClr>
-          </a:outerShdw>
-        </a:effectLst>
-        <a:scene3d>
-          <a:camera prst="orthographicFront">
-            <a:rot lat="0" lon="0" rev="0"/>
-          </a:camera>
-          <a:lightRig rig="threePt" dir="t">
-            <a:rot lat="0" lon="0" rev="1200000"/>
-          </a:lightRig>
-        </a:scene3d>
-        <a:sp3d>
-          <a:bevelT w="63500" h="25400"/>
-        </a:sp3d>
-      </dsp:spPr>
-      <dsp:style>
-        <a:lnRef idx="0">
-          <a:scrgbClr r="0" g="0" b="0"/>
-        </a:lnRef>
-        <a:fillRef idx="3">
-          <a:scrgbClr r="0" g="0" b="0"/>
-        </a:fillRef>
-        <a:effectRef idx="3">
-          <a:scrgbClr r="0" g="0" b="0"/>
-        </a:effectRef>
-        <a:fontRef idx="minor">
-          <a:schemeClr val="lt1"/>
-        </a:fontRef>
-      </dsp:style>
-      <dsp:txBody>
-        <a:bodyPr spcFirstLastPara="0" vert="horz" wrap="square" lIns="64008" tIns="42672" rIns="21336" bIns="42672" numCol="1" spcCol="1270" anchor="ctr" anchorCtr="0">
-          <a:noAutofit/>
-        </a:bodyPr>
-        <a:lstStyle/>
-        <a:p>
-          <a:pPr lvl="0" algn="ctr" defTabSz="711200">
-            <a:lnSpc>
-              <a:spcPct val="90000"/>
-            </a:lnSpc>
-            <a:spcBef>
-              <a:spcPct val="0"/>
-            </a:spcBef>
-            <a:spcAft>
-              <a:spcPct val="35000"/>
-            </a:spcAft>
-          </a:pPr>
-          <a:r>
-            <a:rPr lang="fr-FR" sz="1600" b="0" kern="1200" dirty="0" smtClean="0"/>
-            <a:t>Découpage en couches</a:t>
-          </a:r>
-          <a:endParaRPr lang="fr-FR" sz="1600" b="0" kern="1200" dirty="0"/>
-        </a:p>
-      </dsp:txBody>
-      <dsp:txXfrm>
-        <a:off x="2933543" y="0"/>
-        <a:ext cx="4754297" cy="447824"/>
-      </dsp:txXfrm>
-    </dsp:sp>
-    <dsp:sp modelId="{68CFDE77-1DD0-430E-A494-1A48C963455C}">
-      <dsp:nvSpPr>
-        <dsp:cNvPr id="0" name=""/>
-        <dsp:cNvSpPr/>
-      </dsp:nvSpPr>
-      <dsp:spPr>
-        <a:xfrm>
-          <a:off x="6466178" y="0"/>
-          <a:ext cx="2795551" cy="447824"/>
-        </a:xfrm>
-        <a:prstGeom prst="chevron">
-          <a:avLst/>
-        </a:prstGeom>
-        <a:solidFill>
-          <a:schemeClr val="accent1">
-            <a:lumMod val="40000"/>
-            <a:lumOff val="60000"/>
-          </a:schemeClr>
-        </a:solidFill>
-        <a:ln>
-          <a:noFill/>
-        </a:ln>
-        <a:effectLst>
-          <a:outerShdw blurRad="40000" dist="23000" dir="5400000" rotWithShape="0">
-            <a:srgbClr val="000000">
-              <a:alpha val="35000"/>
-            </a:srgbClr>
-          </a:outerShdw>
-        </a:effectLst>
-        <a:scene3d>
-          <a:camera prst="orthographicFront">
-            <a:rot lat="0" lon="0" rev="0"/>
-          </a:camera>
-          <a:lightRig rig="threePt" dir="t">
-            <a:rot lat="0" lon="0" rev="1200000"/>
-          </a:lightRig>
-        </a:scene3d>
-        <a:sp3d>
-          <a:bevelT w="63500" h="25400"/>
-        </a:sp3d>
-      </dsp:spPr>
-      <dsp:style>
-        <a:lnRef idx="0">
-          <a:scrgbClr r="0" g="0" b="0"/>
-        </a:lnRef>
-        <a:fillRef idx="3">
-          <a:scrgbClr r="0" g="0" b="0"/>
-        </a:fillRef>
-        <a:effectRef idx="3">
-          <a:scrgbClr r="0" g="0" b="0"/>
-        </a:effectRef>
-        <a:fontRef idx="minor">
-          <a:schemeClr val="lt1"/>
-        </a:fontRef>
-      </dsp:style>
-      <dsp:txBody>
-        <a:bodyPr spcFirstLastPara="0" vert="horz" wrap="square" lIns="64008" tIns="42672" rIns="21336" bIns="42672" numCol="1" spcCol="1270" anchor="ctr" anchorCtr="0">
-          <a:noAutofit/>
-        </a:bodyPr>
-        <a:lstStyle/>
-        <a:p>
-          <a:pPr lvl="0" algn="ctr" defTabSz="711200">
-            <a:lnSpc>
-              <a:spcPct val="90000"/>
-            </a:lnSpc>
-            <a:spcBef>
-              <a:spcPct val="0"/>
-            </a:spcBef>
-            <a:spcAft>
-              <a:spcPct val="35000"/>
-            </a:spcAft>
-          </a:pPr>
-          <a:r>
-            <a:rPr lang="fr-FR" sz="1600" b="1" kern="1200" baseline="0" dirty="0" smtClean="0">
-              <a:solidFill>
-                <a:srgbClr val="7030A0"/>
-              </a:solidFill>
-            </a:rPr>
-            <a:t>Illustration</a:t>
-          </a:r>
-          <a:endParaRPr lang="fr-FR" sz="1600" b="1" kern="1200" baseline="0" dirty="0">
-            <a:solidFill>
-              <a:srgbClr val="7030A0"/>
-            </a:solidFill>
-          </a:endParaRPr>
-        </a:p>
-      </dsp:txBody>
-      <dsp:txXfrm>
-        <a:off x="6466178" y="0"/>
-        <a:ext cx="2795551" cy="447824"/>
-      </dsp:txXfrm>
-    </dsp:sp>
-  </dsp:spTree>
-</dsp:drawing>
-</file>
-
-<file path=ppt/diagrams/drawing3.xml><?xml version="1.0" encoding="utf-8"?>
 <dsp:drawing xmlns:dgm="http://schemas.openxmlformats.org/drawingml/2006/diagram" xmlns:a="http://schemas.openxmlformats.org/drawingml/2006/main" xmlns:dsp="http://schemas.microsoft.com/office/drawing/2008/diagram">
   <dsp:spTree>
     <dsp:nvGrpSpPr>
@@ -4777,7 +3482,7 @@
         </a:bodyPr>
         <a:lstStyle/>
         <a:p>
-          <a:pPr lvl="0" algn="ctr" defTabSz="711200">
+          <a:pPr lvl="0" algn="just" defTabSz="711200">
             <a:lnSpc>
               <a:spcPct val="90000"/>
             </a:lnSpc>
@@ -4790,7 +3495,7 @@
           </a:pPr>
           <a:r>
             <a:rPr lang="fr-FR" sz="1600" b="0" kern="1200" dirty="0" smtClean="0"/>
-            <a:t>Architecture</a:t>
+            <a:t>    Architecture logicielle</a:t>
           </a:r>
           <a:endParaRPr lang="fr-FR" sz="1600" b="0" kern="1200" dirty="0"/>
         </a:p>
@@ -4861,7 +3566,7 @@
         </a:bodyPr>
         <a:lstStyle/>
         <a:p>
-          <a:pPr lvl="0" algn="ctr" defTabSz="711200">
+          <a:pPr lvl="0" algn="just" defTabSz="711200">
             <a:lnSpc>
               <a:spcPct val="90000"/>
             </a:lnSpc>
@@ -4878,7 +3583,7 @@
                 <a:srgbClr val="7030A0"/>
               </a:solidFill>
             </a:rPr>
-            <a:t>Découpage en couches</a:t>
+            <a:t>    Découpage en couches</a:t>
           </a:r>
           <a:endParaRPr lang="fr-FR" sz="1600" b="1" kern="1200" dirty="0">
             <a:solidFill>
@@ -5009,7 +3714,7 @@
 </dsp:drawing>
 </file>
 
-<file path=ppt/diagrams/drawing4.xml><?xml version="1.0" encoding="utf-8"?>
+<file path=ppt/diagrams/drawing3.xml><?xml version="1.0" encoding="utf-8"?>
 <dsp:drawing xmlns:dgm="http://schemas.openxmlformats.org/drawingml/2006/diagram" xmlns:a="http://schemas.openxmlformats.org/drawingml/2006/main" xmlns:dsp="http://schemas.microsoft.com/office/drawing/2008/diagram">
   <dsp:spTree>
     <dsp:nvGrpSpPr>
@@ -6155,278 +4860,6 @@
 </dgm:layoutDef>
 </file>
 
-<file path=ppt/diagrams/layout4.xml><?xml version="1.0" encoding="utf-8"?>
-<dgm:layoutDef xmlns:dgm="http://schemas.openxmlformats.org/drawingml/2006/diagram" xmlns:a="http://schemas.openxmlformats.org/drawingml/2006/main" uniqueId="urn:microsoft.com/office/officeart/2005/8/layout/hChevron3">
-  <dgm:title val=""/>
-  <dgm:desc val=""/>
-  <dgm:catLst>
-    <dgm:cat type="process" pri="10000"/>
-  </dgm:catLst>
-  <dgm:sampData useDef="1">
-    <dgm:dataModel>
-      <dgm:ptLst/>
-      <dgm:bg/>
-      <dgm:whole/>
-    </dgm:dataModel>
-  </dgm:sampData>
-  <dgm:styleData>
-    <dgm:dataModel>
-      <dgm:ptLst>
-        <dgm:pt modelId="0" type="doc"/>
-        <dgm:pt modelId="1"/>
-        <dgm:pt modelId="2"/>
-      </dgm:ptLst>
-      <dgm:cxnLst>
-        <dgm:cxn modelId="3" srcId="0" destId="1" srcOrd="0" destOrd="0"/>
-        <dgm:cxn modelId="4" srcId="0" destId="2" srcOrd="1" destOrd="0"/>
-      </dgm:cxnLst>
-      <dgm:bg/>
-      <dgm:whole/>
-    </dgm:dataModel>
-  </dgm:styleData>
-  <dgm:clrData>
-    <dgm:dataModel>
-      <dgm:ptLst>
-        <dgm:pt modelId="0" type="doc"/>
-        <dgm:pt modelId="1"/>
-        <dgm:pt modelId="2"/>
-        <dgm:pt modelId="3"/>
-        <dgm:pt modelId="4"/>
-      </dgm:ptLst>
-      <dgm:cxnLst>
-        <dgm:cxn modelId="5" srcId="0" destId="1" srcOrd="0" destOrd="0"/>
-        <dgm:cxn modelId="6" srcId="0" destId="2" srcOrd="1" destOrd="0"/>
-        <dgm:cxn modelId="7" srcId="0" destId="3" srcOrd="2" destOrd="0"/>
-        <dgm:cxn modelId="8" srcId="0" destId="4" srcOrd="3" destOrd="0"/>
-      </dgm:cxnLst>
-      <dgm:bg/>
-      <dgm:whole/>
-    </dgm:dataModel>
-  </dgm:clrData>
-  <dgm:layoutNode name="Name0">
-    <dgm:varLst>
-      <dgm:dir/>
-      <dgm:resizeHandles val="exact"/>
-    </dgm:varLst>
-    <dgm:choose name="Name1">
-      <dgm:if name="Name2" func="var" arg="dir" op="equ" val="norm">
-        <dgm:alg type="lin"/>
-      </dgm:if>
-      <dgm:else name="Name3">
-        <dgm:alg type="lin">
-          <dgm:param type="linDir" val="fromR"/>
-        </dgm:alg>
-      </dgm:else>
-    </dgm:choose>
-    <dgm:shape xmlns:r="http://schemas.openxmlformats.org/officeDocument/2006/relationships" r:blip="">
-      <dgm:adjLst/>
-    </dgm:shape>
-    <dgm:presOf/>
-    <dgm:choose name="Name4">
-      <dgm:if name="Name5" axis="root des" func="maxDepth" op="gte" val="2">
-        <dgm:constrLst>
-          <dgm:constr type="w" for="ch" forName="parAndChTx" refType="w"/>
-          <dgm:constr type="primFontSz" for="ch" ptType="node" op="equ"/>
-          <dgm:constr type="w" for="ch" forName="parAndChSpace" refType="w" refFor="ch" refForName="parAndChTx" fact="-0.2"/>
-          <dgm:constr type="w" for="ch" ptType="sibTrans" op="equ"/>
-        </dgm:constrLst>
-        <dgm:ruleLst/>
-        <dgm:forEach name="Name6" axis="ch" ptType="node">
-          <dgm:layoutNode name="parAndChTx">
-            <dgm:varLst>
-              <dgm:bulletEnabled val="1"/>
-            </dgm:varLst>
-            <dgm:alg type="tx"/>
-            <dgm:choose name="Name7">
-              <dgm:if name="Name8" func="var" arg="dir" op="equ" val="norm">
-                <dgm:choose name="Name9">
-                  <dgm:if name="Name10" axis="self" ptType="node" func="pos" op="equ" val="1">
-                    <dgm:shape xmlns:r="http://schemas.openxmlformats.org/officeDocument/2006/relationships" type="homePlate" r:blip="">
-                      <dgm:adjLst>
-                        <dgm:adj idx="1" val="0.25"/>
-                      </dgm:adjLst>
-                    </dgm:shape>
-                    <dgm:presOf axis="desOrSelf" ptType="node"/>
-                    <dgm:constrLst>
-                      <dgm:constr type="h" refType="w" op="equ" fact="0.8"/>
-                      <dgm:constr type="primFontSz" val="65"/>
-                      <dgm:constr type="tMarg" refType="primFontSz" fact="0.2"/>
-                      <dgm:constr type="bMarg" refType="primFontSz" fact="0.2"/>
-                      <dgm:constr type="lMarg" refType="w" fact="0.1"/>
-                      <dgm:constr type="rMarg" refType="w" fact="0.4"/>
-                    </dgm:constrLst>
-                  </dgm:if>
-                  <dgm:else name="Name11">
-                    <dgm:shape xmlns:r="http://schemas.openxmlformats.org/officeDocument/2006/relationships" type="chevron" r:blip="">
-                      <dgm:adjLst>
-                        <dgm:adj idx="1" val="0.25"/>
-                      </dgm:adjLst>
-                    </dgm:shape>
-                    <dgm:presOf axis="desOrSelf" ptType="node"/>
-                    <dgm:constrLst>
-                      <dgm:constr type="h" refType="w" op="equ" fact="0.8"/>
-                      <dgm:constr type="primFontSz" val="65"/>
-                      <dgm:constr type="tMarg" refType="primFontSz" fact="0.2"/>
-                      <dgm:constr type="bMarg" refType="primFontSz" fact="0.2"/>
-                      <dgm:constr type="lMarg" refType="w" fact="0.1"/>
-                      <dgm:constr type="rMarg" refType="w" fact="0.1"/>
-                    </dgm:constrLst>
-                  </dgm:else>
-                </dgm:choose>
-              </dgm:if>
-              <dgm:else name="Name12">
-                <dgm:choose name="Name13">
-                  <dgm:if name="Name14" axis="self" ptType="node" func="pos" op="equ" val="1">
-                    <dgm:shape xmlns:r="http://schemas.openxmlformats.org/officeDocument/2006/relationships" rot="180" type="homePlate" r:blip="">
-                      <dgm:adjLst>
-                        <dgm:adj idx="1" val="0.25"/>
-                      </dgm:adjLst>
-                    </dgm:shape>
-                    <dgm:presOf axis="desOrSelf" ptType="node"/>
-                    <dgm:constrLst>
-                      <dgm:constr type="h" refType="w" op="equ" fact="0.8"/>
-                      <dgm:constr type="primFontSz" val="65"/>
-                      <dgm:constr type="tMarg" refType="primFontSz" fact="0.2"/>
-                      <dgm:constr type="bMarg" refType="primFontSz" fact="0.2"/>
-                      <dgm:constr type="lMarg" refType="w" fact="0.4"/>
-                      <dgm:constr type="rMarg" refType="w" fact="0.1"/>
-                    </dgm:constrLst>
-                  </dgm:if>
-                  <dgm:else name="Name15">
-                    <dgm:shape xmlns:r="http://schemas.openxmlformats.org/officeDocument/2006/relationships" rot="180" type="chevron" r:blip="">
-                      <dgm:adjLst>
-                        <dgm:adj idx="1" val="0.25"/>
-                      </dgm:adjLst>
-                    </dgm:shape>
-                    <dgm:presOf axis="desOrSelf" ptType="node"/>
-                    <dgm:constrLst>
-                      <dgm:constr type="h" refType="w" op="equ" fact="0.8"/>
-                      <dgm:constr type="primFontSz" val="65"/>
-                      <dgm:constr type="tMarg" refType="primFontSz" fact="0.2"/>
-                      <dgm:constr type="bMarg" refType="primFontSz" fact="0.2"/>
-                      <dgm:constr type="lMarg" refType="w" fact="0.1"/>
-                      <dgm:constr type="rMarg" refType="w" fact="0.1"/>
-                    </dgm:constrLst>
-                  </dgm:else>
-                </dgm:choose>
-              </dgm:else>
-            </dgm:choose>
-            <dgm:ruleLst>
-              <dgm:rule type="primFontSz" val="5" fact="NaN" max="NaN"/>
-            </dgm:ruleLst>
-          </dgm:layoutNode>
-          <dgm:forEach name="Name16" axis="followSib" ptType="sibTrans" cnt="1">
-            <dgm:layoutNode name="parAndChSpace">
-              <dgm:alg type="sp"/>
-              <dgm:shape xmlns:r="http://schemas.openxmlformats.org/officeDocument/2006/relationships" r:blip="">
-                <dgm:adjLst/>
-              </dgm:shape>
-              <dgm:presOf/>
-              <dgm:constrLst/>
-              <dgm:ruleLst/>
-            </dgm:layoutNode>
-          </dgm:forEach>
-        </dgm:forEach>
-      </dgm:if>
-      <dgm:else name="Name17">
-        <dgm:constrLst>
-          <dgm:constr type="w" for="ch" forName="parTxOnly" refType="w"/>
-          <dgm:constr type="primFontSz" for="ch" ptType="node" op="equ"/>
-          <dgm:constr type="w" for="ch" forName="parSpace" refType="w" refFor="ch" refForName="parTxOnly" fact="-0.2"/>
-          <dgm:constr type="w" for="ch" ptType="sibTrans" op="equ"/>
-        </dgm:constrLst>
-        <dgm:ruleLst/>
-        <dgm:forEach name="Name18" axis="ch" ptType="node">
-          <dgm:layoutNode name="parTxOnly">
-            <dgm:varLst>
-              <dgm:bulletEnabled val="1"/>
-            </dgm:varLst>
-            <dgm:alg type="tx"/>
-            <dgm:presOf axis="desOrSelf" ptType="node"/>
-            <dgm:choose name="Name19">
-              <dgm:if name="Name20" func="var" arg="dir" op="equ" val="norm">
-                <dgm:choose name="Name21">
-                  <dgm:if name="Name22" axis="self" ptType="node" func="pos" op="equ" val="1">
-                    <dgm:shape xmlns:r="http://schemas.openxmlformats.org/officeDocument/2006/relationships" type="homePlate" r:blip="">
-                      <dgm:adjLst/>
-                    </dgm:shape>
-                    <dgm:constrLst>
-                      <dgm:constr type="h" refType="w" op="equ" fact="0.4"/>
-                      <dgm:constr type="primFontSz" val="65"/>
-                      <dgm:constr type="tMarg" refType="primFontSz" fact="0.21"/>
-                      <dgm:constr type="bMarg" refType="primFontSz" fact="0.21"/>
-                      <dgm:constr type="lMarg" refType="primFontSz" fact="0.42"/>
-                      <dgm:constr type="rMarg" refType="primFontSz" fact="0.105"/>
-                    </dgm:constrLst>
-                  </dgm:if>
-                  <dgm:else name="Name23">
-                    <dgm:shape xmlns:r="http://schemas.openxmlformats.org/officeDocument/2006/relationships" type="chevron" r:blip="">
-                      <dgm:adjLst/>
-                    </dgm:shape>
-                    <dgm:constrLst>
-                      <dgm:constr type="h" refType="w" op="equ" fact="0.4"/>
-                      <dgm:constr type="primFontSz" val="65"/>
-                      <dgm:constr type="tMarg" refType="primFontSz" fact="0.21"/>
-                      <dgm:constr type="bMarg" refType="primFontSz" fact="0.21"/>
-                      <dgm:constr type="lMarg" refType="primFontSz" fact="0.315"/>
-                      <dgm:constr type="rMarg" refType="primFontSz" fact="0.105"/>
-                    </dgm:constrLst>
-                  </dgm:else>
-                </dgm:choose>
-              </dgm:if>
-              <dgm:else name="Name24">
-                <dgm:choose name="Name25">
-                  <dgm:if name="Name26" axis="self" ptType="node" func="pos" op="equ" val="1">
-                    <dgm:shape xmlns:r="http://schemas.openxmlformats.org/officeDocument/2006/relationships" rot="180" type="homePlate" r:blip="">
-                      <dgm:adjLst/>
-                    </dgm:shape>
-                    <dgm:constrLst>
-                      <dgm:constr type="h" refType="w" op="equ" fact="0.4"/>
-                      <dgm:constr type="primFontSz" val="65"/>
-                      <dgm:constr type="tMarg" refType="primFontSz" fact="0.21"/>
-                      <dgm:constr type="bMarg" refType="primFontSz" fact="0.21"/>
-                      <dgm:constr type="lMarg" refType="primFontSz" fact="0.105"/>
-                      <dgm:constr type="rMarg" refType="primFontSz" fact="0.42"/>
-                    </dgm:constrLst>
-                  </dgm:if>
-                  <dgm:else name="Name27">
-                    <dgm:shape xmlns:r="http://schemas.openxmlformats.org/officeDocument/2006/relationships" rot="180" type="chevron" r:blip="">
-                      <dgm:adjLst/>
-                    </dgm:shape>
-                    <dgm:constrLst>
-                      <dgm:constr type="h" refType="w" op="equ" fact="0.4"/>
-                      <dgm:constr type="primFontSz" val="65"/>
-                      <dgm:constr type="tMarg" refType="primFontSz" fact="0.21"/>
-                      <dgm:constr type="bMarg" refType="primFontSz" fact="0.21"/>
-                      <dgm:constr type="lMarg" refType="primFontSz" fact="0.105"/>
-                      <dgm:constr type="rMarg" refType="primFontSz" fact="0.315"/>
-                    </dgm:constrLst>
-                  </dgm:else>
-                </dgm:choose>
-              </dgm:else>
-            </dgm:choose>
-            <dgm:ruleLst>
-              <dgm:rule type="primFontSz" val="5" fact="NaN" max="NaN"/>
-            </dgm:ruleLst>
-          </dgm:layoutNode>
-          <dgm:forEach name="Name28" axis="followSib" ptType="sibTrans" cnt="1">
-            <dgm:layoutNode name="parSpace">
-              <dgm:alg type="sp"/>
-              <dgm:shape xmlns:r="http://schemas.openxmlformats.org/officeDocument/2006/relationships" r:blip="">
-                <dgm:adjLst/>
-              </dgm:shape>
-              <dgm:presOf/>
-              <dgm:constrLst/>
-              <dgm:ruleLst/>
-            </dgm:layoutNode>
-          </dgm:forEach>
-        </dgm:forEach>
-      </dgm:else>
-    </dgm:choose>
-  </dgm:layoutNode>
-</dgm:layoutDef>
-</file>
-
 <file path=ppt/diagrams/quickStyle1.xml><?xml version="1.0" encoding="utf-8"?>
 <dgm:styleDef xmlns:dgm="http://schemas.openxmlformats.org/drawingml/2006/diagram" xmlns:a="http://schemas.openxmlformats.org/drawingml/2006/main" uniqueId="urn:microsoft.com/office/officeart/2005/8/quickstyle/simple5">
   <dgm:title val=""/>
@@ -8496,1040 +6929,6 @@
 </file>
 
 <file path=ppt/diagrams/quickStyle3.xml><?xml version="1.0" encoding="utf-8"?>
-<dgm:styleDef xmlns:dgm="http://schemas.openxmlformats.org/drawingml/2006/diagram" xmlns:a="http://schemas.openxmlformats.org/drawingml/2006/main" uniqueId="urn:microsoft.com/office/officeart/2005/8/quickstyle/simple5">
-  <dgm:title val=""/>
-  <dgm:desc val=""/>
-  <dgm:catLst>
-    <dgm:cat type="simple" pri="10500"/>
-  </dgm:catLst>
-  <dgm:scene3d>
-    <a:camera prst="orthographicFront"/>
-    <a:lightRig rig="threePt" dir="t"/>
-  </dgm:scene3d>
-  <dgm:styleLbl name="node0">
-    <dgm:scene3d>
-      <a:camera prst="orthographicFront"/>
-      <a:lightRig rig="threePt" dir="t"/>
-    </dgm:scene3d>
-    <dgm:sp3d/>
-    <dgm:txPr/>
-    <dgm:style>
-      <a:lnRef idx="0">
-        <a:scrgbClr r="0" g="0" b="0"/>
-      </a:lnRef>
-      <a:fillRef idx="3">
-        <a:scrgbClr r="0" g="0" b="0"/>
-      </a:fillRef>
-      <a:effectRef idx="3">
-        <a:scrgbClr r="0" g="0" b="0"/>
-      </a:effectRef>
-      <a:fontRef idx="minor">
-        <a:schemeClr val="lt1"/>
-      </a:fontRef>
-    </dgm:style>
-  </dgm:styleLbl>
-  <dgm:styleLbl name="lnNode1">
-    <dgm:scene3d>
-      <a:camera prst="orthographicFront"/>
-      <a:lightRig rig="threePt" dir="t"/>
-    </dgm:scene3d>
-    <dgm:sp3d/>
-    <dgm:txPr/>
-    <dgm:style>
-      <a:lnRef idx="0">
-        <a:scrgbClr r="0" g="0" b="0"/>
-      </a:lnRef>
-      <a:fillRef idx="3">
-        <a:scrgbClr r="0" g="0" b="0"/>
-      </a:fillRef>
-      <a:effectRef idx="3">
-        <a:scrgbClr r="0" g="0" b="0"/>
-      </a:effectRef>
-      <a:fontRef idx="minor">
-        <a:schemeClr val="lt1"/>
-      </a:fontRef>
-    </dgm:style>
-  </dgm:styleLbl>
-  <dgm:styleLbl name="vennNode1">
-    <dgm:scene3d>
-      <a:camera prst="orthographicFront"/>
-      <a:lightRig rig="threePt" dir="t"/>
-    </dgm:scene3d>
-    <dgm:sp3d/>
-    <dgm:txPr/>
-    <dgm:style>
-      <a:lnRef idx="0">
-        <a:scrgbClr r="0" g="0" b="0"/>
-      </a:lnRef>
-      <a:fillRef idx="3">
-        <a:scrgbClr r="0" g="0" b="0"/>
-      </a:fillRef>
-      <a:effectRef idx="3">
-        <a:scrgbClr r="0" g="0" b="0"/>
-      </a:effectRef>
-      <a:fontRef idx="minor">
-        <a:schemeClr val="tx1"/>
-      </a:fontRef>
-    </dgm:style>
-  </dgm:styleLbl>
-  <dgm:styleLbl name="alignNode1">
-    <dgm:scene3d>
-      <a:camera prst="orthographicFront"/>
-      <a:lightRig rig="threePt" dir="t"/>
-    </dgm:scene3d>
-    <dgm:sp3d/>
-    <dgm:txPr/>
-    <dgm:style>
-      <a:lnRef idx="1">
-        <a:scrgbClr r="0" g="0" b="0"/>
-      </a:lnRef>
-      <a:fillRef idx="3">
-        <a:scrgbClr r="0" g="0" b="0"/>
-      </a:fillRef>
-      <a:effectRef idx="3">
-        <a:scrgbClr r="0" g="0" b="0"/>
-      </a:effectRef>
-      <a:fontRef idx="minor">
-        <a:schemeClr val="lt1"/>
-      </a:fontRef>
-    </dgm:style>
-  </dgm:styleLbl>
-  <dgm:styleLbl name="node1">
-    <dgm:scene3d>
-      <a:camera prst="orthographicFront"/>
-      <a:lightRig rig="threePt" dir="t"/>
-    </dgm:scene3d>
-    <dgm:sp3d/>
-    <dgm:txPr/>
-    <dgm:style>
-      <a:lnRef idx="0">
-        <a:scrgbClr r="0" g="0" b="0"/>
-      </a:lnRef>
-      <a:fillRef idx="3">
-        <a:scrgbClr r="0" g="0" b="0"/>
-      </a:fillRef>
-      <a:effectRef idx="3">
-        <a:scrgbClr r="0" g="0" b="0"/>
-      </a:effectRef>
-      <a:fontRef idx="minor">
-        <a:schemeClr val="lt1"/>
-      </a:fontRef>
-    </dgm:style>
-  </dgm:styleLbl>
-  <dgm:styleLbl name="node2">
-    <dgm:scene3d>
-      <a:camera prst="orthographicFront"/>
-      <a:lightRig rig="threePt" dir="t"/>
-    </dgm:scene3d>
-    <dgm:sp3d/>
-    <dgm:txPr/>
-    <dgm:style>
-      <a:lnRef idx="0">
-        <a:scrgbClr r="0" g="0" b="0"/>
-      </a:lnRef>
-      <a:fillRef idx="3">
-        <a:scrgbClr r="0" g="0" b="0"/>
-      </a:fillRef>
-      <a:effectRef idx="3">
-        <a:scrgbClr r="0" g="0" b="0"/>
-      </a:effectRef>
-      <a:fontRef idx="minor">
-        <a:schemeClr val="lt1"/>
-      </a:fontRef>
-    </dgm:style>
-  </dgm:styleLbl>
-  <dgm:styleLbl name="node3">
-    <dgm:scene3d>
-      <a:camera prst="orthographicFront"/>
-      <a:lightRig rig="threePt" dir="t"/>
-    </dgm:scene3d>
-    <dgm:sp3d/>
-    <dgm:txPr/>
-    <dgm:style>
-      <a:lnRef idx="0">
-        <a:scrgbClr r="0" g="0" b="0"/>
-      </a:lnRef>
-      <a:fillRef idx="3">
-        <a:scrgbClr r="0" g="0" b="0"/>
-      </a:fillRef>
-      <a:effectRef idx="3">
-        <a:scrgbClr r="0" g="0" b="0"/>
-      </a:effectRef>
-      <a:fontRef idx="minor">
-        <a:schemeClr val="lt1"/>
-      </a:fontRef>
-    </dgm:style>
-  </dgm:styleLbl>
-  <dgm:styleLbl name="node4">
-    <dgm:scene3d>
-      <a:camera prst="orthographicFront"/>
-      <a:lightRig rig="threePt" dir="t"/>
-    </dgm:scene3d>
-    <dgm:sp3d/>
-    <dgm:txPr/>
-    <dgm:style>
-      <a:lnRef idx="0">
-        <a:scrgbClr r="0" g="0" b="0"/>
-      </a:lnRef>
-      <a:fillRef idx="3">
-        <a:scrgbClr r="0" g="0" b="0"/>
-      </a:fillRef>
-      <a:effectRef idx="3">
-        <a:scrgbClr r="0" g="0" b="0"/>
-      </a:effectRef>
-      <a:fontRef idx="minor">
-        <a:schemeClr val="lt1"/>
-      </a:fontRef>
-    </dgm:style>
-  </dgm:styleLbl>
-  <dgm:styleLbl name="fgImgPlace1">
-    <dgm:scene3d>
-      <a:camera prst="orthographicFront"/>
-      <a:lightRig rig="threePt" dir="t"/>
-    </dgm:scene3d>
-    <dgm:sp3d/>
-    <dgm:txPr/>
-    <dgm:style>
-      <a:lnRef idx="0">
-        <a:scrgbClr r="0" g="0" b="0"/>
-      </a:lnRef>
-      <a:fillRef idx="1">
-        <a:scrgbClr r="0" g="0" b="0"/>
-      </a:fillRef>
-      <a:effectRef idx="3">
-        <a:scrgbClr r="0" g="0" b="0"/>
-      </a:effectRef>
-      <a:fontRef idx="minor"/>
-    </dgm:style>
-  </dgm:styleLbl>
-  <dgm:styleLbl name="alignImgPlace1">
-    <dgm:scene3d>
-      <a:camera prst="orthographicFront"/>
-      <a:lightRig rig="threePt" dir="t"/>
-    </dgm:scene3d>
-    <dgm:sp3d/>
-    <dgm:txPr/>
-    <dgm:style>
-      <a:lnRef idx="0">
-        <a:scrgbClr r="0" g="0" b="0"/>
-      </a:lnRef>
-      <a:fillRef idx="1">
-        <a:scrgbClr r="0" g="0" b="0"/>
-      </a:fillRef>
-      <a:effectRef idx="3">
-        <a:scrgbClr r="0" g="0" b="0"/>
-      </a:effectRef>
-      <a:fontRef idx="minor"/>
-    </dgm:style>
-  </dgm:styleLbl>
-  <dgm:styleLbl name="bgImgPlace1">
-    <dgm:scene3d>
-      <a:camera prst="orthographicFront"/>
-      <a:lightRig rig="threePt" dir="t"/>
-    </dgm:scene3d>
-    <dgm:sp3d/>
-    <dgm:txPr/>
-    <dgm:style>
-      <a:lnRef idx="0">
-        <a:scrgbClr r="0" g="0" b="0"/>
-      </a:lnRef>
-      <a:fillRef idx="1">
-        <a:scrgbClr r="0" g="0" b="0"/>
-      </a:fillRef>
-      <a:effectRef idx="3">
-        <a:scrgbClr r="0" g="0" b="0"/>
-      </a:effectRef>
-      <a:fontRef idx="minor"/>
-    </dgm:style>
-  </dgm:styleLbl>
-  <dgm:styleLbl name="sibTrans2D1">
-    <dgm:scene3d>
-      <a:camera prst="orthographicFront"/>
-      <a:lightRig rig="threePt" dir="t"/>
-    </dgm:scene3d>
-    <dgm:sp3d/>
-    <dgm:txPr/>
-    <dgm:style>
-      <a:lnRef idx="0">
-        <a:scrgbClr r="0" g="0" b="0"/>
-      </a:lnRef>
-      <a:fillRef idx="3">
-        <a:scrgbClr r="0" g="0" b="0"/>
-      </a:fillRef>
-      <a:effectRef idx="3">
-        <a:scrgbClr r="0" g="0" b="0"/>
-      </a:effectRef>
-      <a:fontRef idx="minor">
-        <a:schemeClr val="lt1"/>
-      </a:fontRef>
-    </dgm:style>
-  </dgm:styleLbl>
-  <dgm:styleLbl name="fgSibTrans2D1">
-    <dgm:scene3d>
-      <a:camera prst="orthographicFront"/>
-      <a:lightRig rig="threePt" dir="t"/>
-    </dgm:scene3d>
-    <dgm:sp3d/>
-    <dgm:txPr/>
-    <dgm:style>
-      <a:lnRef idx="0">
-        <a:scrgbClr r="0" g="0" b="0"/>
-      </a:lnRef>
-      <a:fillRef idx="3">
-        <a:scrgbClr r="0" g="0" b="0"/>
-      </a:fillRef>
-      <a:effectRef idx="3">
-        <a:scrgbClr r="0" g="0" b="0"/>
-      </a:effectRef>
-      <a:fontRef idx="minor">
-        <a:schemeClr val="lt1"/>
-      </a:fontRef>
-    </dgm:style>
-  </dgm:styleLbl>
-  <dgm:styleLbl name="bgSibTrans2D1">
-    <dgm:scene3d>
-      <a:camera prst="orthographicFront"/>
-      <a:lightRig rig="threePt" dir="t"/>
-    </dgm:scene3d>
-    <dgm:sp3d/>
-    <dgm:txPr/>
-    <dgm:style>
-      <a:lnRef idx="0">
-        <a:scrgbClr r="0" g="0" b="0"/>
-      </a:lnRef>
-      <a:fillRef idx="3">
-        <a:scrgbClr r="0" g="0" b="0"/>
-      </a:fillRef>
-      <a:effectRef idx="3">
-        <a:scrgbClr r="0" g="0" b="0"/>
-      </a:effectRef>
-      <a:fontRef idx="minor">
-        <a:schemeClr val="lt1"/>
-      </a:fontRef>
-    </dgm:style>
-  </dgm:styleLbl>
-  <dgm:styleLbl name="sibTrans1D1">
-    <dgm:scene3d>
-      <a:camera prst="orthographicFront"/>
-      <a:lightRig rig="threePt" dir="t"/>
-    </dgm:scene3d>
-    <dgm:sp3d/>
-    <dgm:txPr/>
-    <dgm:style>
-      <a:lnRef idx="1">
-        <a:scrgbClr r="0" g="0" b="0"/>
-      </a:lnRef>
-      <a:fillRef idx="0">
-        <a:scrgbClr r="0" g="0" b="0"/>
-      </a:fillRef>
-      <a:effectRef idx="0">
-        <a:scrgbClr r="0" g="0" b="0"/>
-      </a:effectRef>
-      <a:fontRef idx="minor"/>
-    </dgm:style>
-  </dgm:styleLbl>
-  <dgm:styleLbl name="callout">
-    <dgm:scene3d>
-      <a:camera prst="orthographicFront"/>
-      <a:lightRig rig="threePt" dir="t"/>
-    </dgm:scene3d>
-    <dgm:sp3d/>
-    <dgm:txPr/>
-    <dgm:style>
-      <a:lnRef idx="1">
-        <a:scrgbClr r="0" g="0" b="0"/>
-      </a:lnRef>
-      <a:fillRef idx="0">
-        <a:scrgbClr r="0" g="0" b="0"/>
-      </a:fillRef>
-      <a:effectRef idx="1">
-        <a:scrgbClr r="0" g="0" b="0"/>
-      </a:effectRef>
-      <a:fontRef idx="minor"/>
-    </dgm:style>
-  </dgm:styleLbl>
-  <dgm:styleLbl name="asst0">
-    <dgm:scene3d>
-      <a:camera prst="orthographicFront"/>
-      <a:lightRig rig="threePt" dir="t"/>
-    </dgm:scene3d>
-    <dgm:sp3d/>
-    <dgm:txPr/>
-    <dgm:style>
-      <a:lnRef idx="0">
-        <a:scrgbClr r="0" g="0" b="0"/>
-      </a:lnRef>
-      <a:fillRef idx="3">
-        <a:scrgbClr r="0" g="0" b="0"/>
-      </a:fillRef>
-      <a:effectRef idx="3">
-        <a:scrgbClr r="0" g="0" b="0"/>
-      </a:effectRef>
-      <a:fontRef idx="minor">
-        <a:schemeClr val="lt1"/>
-      </a:fontRef>
-    </dgm:style>
-  </dgm:styleLbl>
-  <dgm:styleLbl name="asst1">
-    <dgm:scene3d>
-      <a:camera prst="orthographicFront"/>
-      <a:lightRig rig="threePt" dir="t"/>
-    </dgm:scene3d>
-    <dgm:sp3d/>
-    <dgm:txPr/>
-    <dgm:style>
-      <a:lnRef idx="0">
-        <a:scrgbClr r="0" g="0" b="0"/>
-      </a:lnRef>
-      <a:fillRef idx="3">
-        <a:scrgbClr r="0" g="0" b="0"/>
-      </a:fillRef>
-      <a:effectRef idx="3">
-        <a:scrgbClr r="0" g="0" b="0"/>
-      </a:effectRef>
-      <a:fontRef idx="minor">
-        <a:schemeClr val="lt1"/>
-      </a:fontRef>
-    </dgm:style>
-  </dgm:styleLbl>
-  <dgm:styleLbl name="asst2">
-    <dgm:scene3d>
-      <a:camera prst="orthographicFront"/>
-      <a:lightRig rig="threePt" dir="t"/>
-    </dgm:scene3d>
-    <dgm:sp3d/>
-    <dgm:txPr/>
-    <dgm:style>
-      <a:lnRef idx="0">
-        <a:scrgbClr r="0" g="0" b="0"/>
-      </a:lnRef>
-      <a:fillRef idx="3">
-        <a:scrgbClr r="0" g="0" b="0"/>
-      </a:fillRef>
-      <a:effectRef idx="3">
-        <a:scrgbClr r="0" g="0" b="0"/>
-      </a:effectRef>
-      <a:fontRef idx="minor">
-        <a:schemeClr val="lt1"/>
-      </a:fontRef>
-    </dgm:style>
-  </dgm:styleLbl>
-  <dgm:styleLbl name="asst3">
-    <dgm:scene3d>
-      <a:camera prst="orthographicFront"/>
-      <a:lightRig rig="threePt" dir="t"/>
-    </dgm:scene3d>
-    <dgm:sp3d/>
-    <dgm:txPr/>
-    <dgm:style>
-      <a:lnRef idx="0">
-        <a:scrgbClr r="0" g="0" b="0"/>
-      </a:lnRef>
-      <a:fillRef idx="3">
-        <a:scrgbClr r="0" g="0" b="0"/>
-      </a:fillRef>
-      <a:effectRef idx="3">
-        <a:scrgbClr r="0" g="0" b="0"/>
-      </a:effectRef>
-      <a:fontRef idx="minor">
-        <a:schemeClr val="lt1"/>
-      </a:fontRef>
-    </dgm:style>
-  </dgm:styleLbl>
-  <dgm:styleLbl name="asst4">
-    <dgm:scene3d>
-      <a:camera prst="orthographicFront"/>
-      <a:lightRig rig="threePt" dir="t"/>
-    </dgm:scene3d>
-    <dgm:sp3d/>
-    <dgm:txPr/>
-    <dgm:style>
-      <a:lnRef idx="0">
-        <a:scrgbClr r="0" g="0" b="0"/>
-      </a:lnRef>
-      <a:fillRef idx="3">
-        <a:scrgbClr r="0" g="0" b="0"/>
-      </a:fillRef>
-      <a:effectRef idx="3">
-        <a:scrgbClr r="0" g="0" b="0"/>
-      </a:effectRef>
-      <a:fontRef idx="minor">
-        <a:schemeClr val="lt1"/>
-      </a:fontRef>
-    </dgm:style>
-  </dgm:styleLbl>
-  <dgm:styleLbl name="parChTrans2D1">
-    <dgm:scene3d>
-      <a:camera prst="orthographicFront"/>
-      <a:lightRig rig="threePt" dir="t"/>
-    </dgm:scene3d>
-    <dgm:sp3d/>
-    <dgm:txPr/>
-    <dgm:style>
-      <a:lnRef idx="0">
-        <a:scrgbClr r="0" g="0" b="0"/>
-      </a:lnRef>
-      <a:fillRef idx="3">
-        <a:scrgbClr r="0" g="0" b="0"/>
-      </a:fillRef>
-      <a:effectRef idx="3">
-        <a:scrgbClr r="0" g="0" b="0"/>
-      </a:effectRef>
-      <a:fontRef idx="minor">
-        <a:schemeClr val="lt1"/>
-      </a:fontRef>
-    </dgm:style>
-  </dgm:styleLbl>
-  <dgm:styleLbl name="parChTrans2D2">
-    <dgm:scene3d>
-      <a:camera prst="orthographicFront"/>
-      <a:lightRig rig="threePt" dir="t"/>
-    </dgm:scene3d>
-    <dgm:sp3d/>
-    <dgm:txPr/>
-    <dgm:style>
-      <a:lnRef idx="0">
-        <a:scrgbClr r="0" g="0" b="0"/>
-      </a:lnRef>
-      <a:fillRef idx="3">
-        <a:scrgbClr r="0" g="0" b="0"/>
-      </a:fillRef>
-      <a:effectRef idx="3">
-        <a:scrgbClr r="0" g="0" b="0"/>
-      </a:effectRef>
-      <a:fontRef idx="minor">
-        <a:schemeClr val="lt1"/>
-      </a:fontRef>
-    </dgm:style>
-  </dgm:styleLbl>
-  <dgm:styleLbl name="parChTrans2D3">
-    <dgm:scene3d>
-      <a:camera prst="orthographicFront"/>
-      <a:lightRig rig="threePt" dir="t"/>
-    </dgm:scene3d>
-    <dgm:sp3d/>
-    <dgm:txPr/>
-    <dgm:style>
-      <a:lnRef idx="0">
-        <a:scrgbClr r="0" g="0" b="0"/>
-      </a:lnRef>
-      <a:fillRef idx="3">
-        <a:scrgbClr r="0" g="0" b="0"/>
-      </a:fillRef>
-      <a:effectRef idx="3">
-        <a:scrgbClr r="0" g="0" b="0"/>
-      </a:effectRef>
-      <a:fontRef idx="minor">
-        <a:schemeClr val="lt1"/>
-      </a:fontRef>
-    </dgm:style>
-  </dgm:styleLbl>
-  <dgm:styleLbl name="parChTrans2D4">
-    <dgm:scene3d>
-      <a:camera prst="orthographicFront"/>
-      <a:lightRig rig="threePt" dir="t"/>
-    </dgm:scene3d>
-    <dgm:sp3d/>
-    <dgm:txPr/>
-    <dgm:style>
-      <a:lnRef idx="0">
-        <a:scrgbClr r="0" g="0" b="0"/>
-      </a:lnRef>
-      <a:fillRef idx="3">
-        <a:scrgbClr r="0" g="0" b="0"/>
-      </a:fillRef>
-      <a:effectRef idx="3">
-        <a:scrgbClr r="0" g="0" b="0"/>
-      </a:effectRef>
-      <a:fontRef idx="minor">
-        <a:schemeClr val="lt1"/>
-      </a:fontRef>
-    </dgm:style>
-  </dgm:styleLbl>
-  <dgm:styleLbl name="parChTrans1D1">
-    <dgm:scene3d>
-      <a:camera prst="orthographicFront"/>
-      <a:lightRig rig="threePt" dir="t"/>
-    </dgm:scene3d>
-    <dgm:sp3d/>
-    <dgm:txPr/>
-    <dgm:style>
-      <a:lnRef idx="2">
-        <a:scrgbClr r="0" g="0" b="0"/>
-      </a:lnRef>
-      <a:fillRef idx="0">
-        <a:scrgbClr r="0" g="0" b="0"/>
-      </a:fillRef>
-      <a:effectRef idx="0">
-        <a:scrgbClr r="0" g="0" b="0"/>
-      </a:effectRef>
-      <a:fontRef idx="minor"/>
-    </dgm:style>
-  </dgm:styleLbl>
-  <dgm:styleLbl name="parChTrans1D2">
-    <dgm:scene3d>
-      <a:camera prst="orthographicFront"/>
-      <a:lightRig rig="threePt" dir="t"/>
-    </dgm:scene3d>
-    <dgm:sp3d/>
-    <dgm:txPr/>
-    <dgm:style>
-      <a:lnRef idx="2">
-        <a:scrgbClr r="0" g="0" b="0"/>
-      </a:lnRef>
-      <a:fillRef idx="0">
-        <a:scrgbClr r="0" g="0" b="0"/>
-      </a:fillRef>
-      <a:effectRef idx="0">
-        <a:scrgbClr r="0" g="0" b="0"/>
-      </a:effectRef>
-      <a:fontRef idx="minor"/>
-    </dgm:style>
-  </dgm:styleLbl>
-  <dgm:styleLbl name="parChTrans1D3">
-    <dgm:scene3d>
-      <a:camera prst="orthographicFront"/>
-      <a:lightRig rig="threePt" dir="t"/>
-    </dgm:scene3d>
-    <dgm:sp3d/>
-    <dgm:txPr/>
-    <dgm:style>
-      <a:lnRef idx="2">
-        <a:scrgbClr r="0" g="0" b="0"/>
-      </a:lnRef>
-      <a:fillRef idx="0">
-        <a:scrgbClr r="0" g="0" b="0"/>
-      </a:fillRef>
-      <a:effectRef idx="0">
-        <a:scrgbClr r="0" g="0" b="0"/>
-      </a:effectRef>
-      <a:fontRef idx="minor"/>
-    </dgm:style>
-  </dgm:styleLbl>
-  <dgm:styleLbl name="parChTrans1D4">
-    <dgm:scene3d>
-      <a:camera prst="orthographicFront"/>
-      <a:lightRig rig="threePt" dir="t"/>
-    </dgm:scene3d>
-    <dgm:sp3d/>
-    <dgm:txPr/>
-    <dgm:style>
-      <a:lnRef idx="2">
-        <a:scrgbClr r="0" g="0" b="0"/>
-      </a:lnRef>
-      <a:fillRef idx="0">
-        <a:scrgbClr r="0" g="0" b="0"/>
-      </a:fillRef>
-      <a:effectRef idx="0">
-        <a:scrgbClr r="0" g="0" b="0"/>
-      </a:effectRef>
-      <a:fontRef idx="minor"/>
-    </dgm:style>
-  </dgm:styleLbl>
-  <dgm:styleLbl name="fgAcc1">
-    <dgm:scene3d>
-      <a:camera prst="orthographicFront"/>
-      <a:lightRig rig="threePt" dir="t"/>
-    </dgm:scene3d>
-    <dgm:sp3d/>
-    <dgm:txPr/>
-    <dgm:style>
-      <a:lnRef idx="1">
-        <a:scrgbClr r="0" g="0" b="0"/>
-      </a:lnRef>
-      <a:fillRef idx="1">
-        <a:scrgbClr r="0" g="0" b="0"/>
-      </a:fillRef>
-      <a:effectRef idx="2">
-        <a:scrgbClr r="0" g="0" b="0"/>
-      </a:effectRef>
-      <a:fontRef idx="minor"/>
-    </dgm:style>
-  </dgm:styleLbl>
-  <dgm:styleLbl name="conFgAcc1">
-    <dgm:scene3d>
-      <a:camera prst="orthographicFront"/>
-      <a:lightRig rig="threePt" dir="t"/>
-    </dgm:scene3d>
-    <dgm:sp3d/>
-    <dgm:txPr/>
-    <dgm:style>
-      <a:lnRef idx="1">
-        <a:scrgbClr r="0" g="0" b="0"/>
-      </a:lnRef>
-      <a:fillRef idx="1">
-        <a:scrgbClr r="0" g="0" b="0"/>
-      </a:fillRef>
-      <a:effectRef idx="2">
-        <a:scrgbClr r="0" g="0" b="0"/>
-      </a:effectRef>
-      <a:fontRef idx="minor"/>
-    </dgm:style>
-  </dgm:styleLbl>
-  <dgm:styleLbl name="alignAcc1">
-    <dgm:scene3d>
-      <a:camera prst="orthographicFront"/>
-      <a:lightRig rig="threePt" dir="t"/>
-    </dgm:scene3d>
-    <dgm:sp3d/>
-    <dgm:txPr/>
-    <dgm:style>
-      <a:lnRef idx="1">
-        <a:scrgbClr r="0" g="0" b="0"/>
-      </a:lnRef>
-      <a:fillRef idx="1">
-        <a:scrgbClr r="0" g="0" b="0"/>
-      </a:fillRef>
-      <a:effectRef idx="2">
-        <a:scrgbClr r="0" g="0" b="0"/>
-      </a:effectRef>
-      <a:fontRef idx="minor"/>
-    </dgm:style>
-  </dgm:styleLbl>
-  <dgm:styleLbl name="trAlignAcc1">
-    <dgm:scene3d>
-      <a:camera prst="orthographicFront"/>
-      <a:lightRig rig="threePt" dir="t"/>
-    </dgm:scene3d>
-    <dgm:sp3d/>
-    <dgm:txPr/>
-    <dgm:style>
-      <a:lnRef idx="1">
-        <a:scrgbClr r="0" g="0" b="0"/>
-      </a:lnRef>
-      <a:fillRef idx="1">
-        <a:scrgbClr r="0" g="0" b="0"/>
-      </a:fillRef>
-      <a:effectRef idx="0">
-        <a:scrgbClr r="0" g="0" b="0"/>
-      </a:effectRef>
-      <a:fontRef idx="minor"/>
-    </dgm:style>
-  </dgm:styleLbl>
-  <dgm:styleLbl name="bgAcc1">
-    <dgm:scene3d>
-      <a:camera prst="orthographicFront"/>
-      <a:lightRig rig="threePt" dir="t"/>
-    </dgm:scene3d>
-    <dgm:sp3d/>
-    <dgm:txPr/>
-    <dgm:style>
-      <a:lnRef idx="1">
-        <a:scrgbClr r="0" g="0" b="0"/>
-      </a:lnRef>
-      <a:fillRef idx="1">
-        <a:scrgbClr r="0" g="0" b="0"/>
-      </a:fillRef>
-      <a:effectRef idx="2">
-        <a:scrgbClr r="0" g="0" b="0"/>
-      </a:effectRef>
-      <a:fontRef idx="minor"/>
-    </dgm:style>
-  </dgm:styleLbl>
-  <dgm:styleLbl name="solidFgAcc1">
-    <dgm:scene3d>
-      <a:camera prst="orthographicFront"/>
-      <a:lightRig rig="threePt" dir="t"/>
-    </dgm:scene3d>
-    <dgm:sp3d/>
-    <dgm:txPr/>
-    <dgm:style>
-      <a:lnRef idx="1">
-        <a:scrgbClr r="0" g="0" b="0"/>
-      </a:lnRef>
-      <a:fillRef idx="1">
-        <a:scrgbClr r="0" g="0" b="0"/>
-      </a:fillRef>
-      <a:effectRef idx="2">
-        <a:scrgbClr r="0" g="0" b="0"/>
-      </a:effectRef>
-      <a:fontRef idx="minor"/>
-    </dgm:style>
-  </dgm:styleLbl>
-  <dgm:styleLbl name="solidAlignAcc1">
-    <dgm:scene3d>
-      <a:camera prst="orthographicFront"/>
-      <a:lightRig rig="threePt" dir="t"/>
-    </dgm:scene3d>
-    <dgm:sp3d/>
-    <dgm:txPr/>
-    <dgm:style>
-      <a:lnRef idx="1">
-        <a:scrgbClr r="0" g="0" b="0"/>
-      </a:lnRef>
-      <a:fillRef idx="1">
-        <a:scrgbClr r="0" g="0" b="0"/>
-      </a:fillRef>
-      <a:effectRef idx="3">
-        <a:scrgbClr r="0" g="0" b="0"/>
-      </a:effectRef>
-      <a:fontRef idx="minor"/>
-    </dgm:style>
-  </dgm:styleLbl>
-  <dgm:styleLbl name="solidBgAcc1">
-    <dgm:scene3d>
-      <a:camera prst="orthographicFront"/>
-      <a:lightRig rig="threePt" dir="t"/>
-    </dgm:scene3d>
-    <dgm:sp3d/>
-    <dgm:txPr/>
-    <dgm:style>
-      <a:lnRef idx="1">
-        <a:scrgbClr r="0" g="0" b="0"/>
-      </a:lnRef>
-      <a:fillRef idx="1">
-        <a:scrgbClr r="0" g="0" b="0"/>
-      </a:fillRef>
-      <a:effectRef idx="3">
-        <a:scrgbClr r="0" g="0" b="0"/>
-      </a:effectRef>
-      <a:fontRef idx="minor"/>
-    </dgm:style>
-  </dgm:styleLbl>
-  <dgm:styleLbl name="fgAccFollowNode1">
-    <dgm:scene3d>
-      <a:camera prst="orthographicFront"/>
-      <a:lightRig rig="threePt" dir="t"/>
-    </dgm:scene3d>
-    <dgm:sp3d/>
-    <dgm:txPr/>
-    <dgm:style>
-      <a:lnRef idx="1">
-        <a:scrgbClr r="0" g="0" b="0"/>
-      </a:lnRef>
-      <a:fillRef idx="1">
-        <a:scrgbClr r="0" g="0" b="0"/>
-      </a:fillRef>
-      <a:effectRef idx="2">
-        <a:scrgbClr r="0" g="0" b="0"/>
-      </a:effectRef>
-      <a:fontRef idx="minor"/>
-    </dgm:style>
-  </dgm:styleLbl>
-  <dgm:styleLbl name="alignAccFollowNode1">
-    <dgm:scene3d>
-      <a:camera prst="orthographicFront"/>
-      <a:lightRig rig="threePt" dir="t"/>
-    </dgm:scene3d>
-    <dgm:sp3d/>
-    <dgm:txPr/>
-    <dgm:style>
-      <a:lnRef idx="1">
-        <a:scrgbClr r="0" g="0" b="0"/>
-      </a:lnRef>
-      <a:fillRef idx="1">
-        <a:scrgbClr r="0" g="0" b="0"/>
-      </a:fillRef>
-      <a:effectRef idx="2">
-        <a:scrgbClr r="0" g="0" b="0"/>
-      </a:effectRef>
-      <a:fontRef idx="minor"/>
-    </dgm:style>
-  </dgm:styleLbl>
-  <dgm:styleLbl name="bgAccFollowNode1">
-    <dgm:scene3d>
-      <a:camera prst="orthographicFront"/>
-      <a:lightRig rig="threePt" dir="t"/>
-    </dgm:scene3d>
-    <dgm:sp3d/>
-    <dgm:txPr/>
-    <dgm:style>
-      <a:lnRef idx="1">
-        <a:scrgbClr r="0" g="0" b="0"/>
-      </a:lnRef>
-      <a:fillRef idx="1">
-        <a:scrgbClr r="0" g="0" b="0"/>
-      </a:fillRef>
-      <a:effectRef idx="2">
-        <a:scrgbClr r="0" g="0" b="0"/>
-      </a:effectRef>
-      <a:fontRef idx="minor"/>
-    </dgm:style>
-  </dgm:styleLbl>
-  <dgm:styleLbl name="fgAcc0">
-    <dgm:scene3d>
-      <a:camera prst="orthographicFront"/>
-      <a:lightRig rig="threePt" dir="t"/>
-    </dgm:scene3d>
-    <dgm:sp3d/>
-    <dgm:txPr/>
-    <dgm:style>
-      <a:lnRef idx="1">
-        <a:scrgbClr r="0" g="0" b="0"/>
-      </a:lnRef>
-      <a:fillRef idx="1">
-        <a:scrgbClr r="0" g="0" b="0"/>
-      </a:fillRef>
-      <a:effectRef idx="2">
-        <a:scrgbClr r="0" g="0" b="0"/>
-      </a:effectRef>
-      <a:fontRef idx="minor"/>
-    </dgm:style>
-  </dgm:styleLbl>
-  <dgm:styleLbl name="fgAcc2">
-    <dgm:scene3d>
-      <a:camera prst="orthographicFront"/>
-      <a:lightRig rig="threePt" dir="t"/>
-    </dgm:scene3d>
-    <dgm:sp3d/>
-    <dgm:txPr/>
-    <dgm:style>
-      <a:lnRef idx="1">
-        <a:scrgbClr r="0" g="0" b="0"/>
-      </a:lnRef>
-      <a:fillRef idx="1">
-        <a:scrgbClr r="0" g="0" b="0"/>
-      </a:fillRef>
-      <a:effectRef idx="2">
-        <a:scrgbClr r="0" g="0" b="0"/>
-      </a:effectRef>
-      <a:fontRef idx="minor"/>
-    </dgm:style>
-  </dgm:styleLbl>
-  <dgm:styleLbl name="fgAcc3">
-    <dgm:scene3d>
-      <a:camera prst="orthographicFront"/>
-      <a:lightRig rig="threePt" dir="t"/>
-    </dgm:scene3d>
-    <dgm:sp3d/>
-    <dgm:txPr/>
-    <dgm:style>
-      <a:lnRef idx="1">
-        <a:scrgbClr r="0" g="0" b="0"/>
-      </a:lnRef>
-      <a:fillRef idx="1">
-        <a:scrgbClr r="0" g="0" b="0"/>
-      </a:fillRef>
-      <a:effectRef idx="2">
-        <a:scrgbClr r="0" g="0" b="0"/>
-      </a:effectRef>
-      <a:fontRef idx="minor"/>
-    </dgm:style>
-  </dgm:styleLbl>
-  <dgm:styleLbl name="fgAcc4">
-    <dgm:scene3d>
-      <a:camera prst="orthographicFront"/>
-      <a:lightRig rig="threePt" dir="t"/>
-    </dgm:scene3d>
-    <dgm:sp3d/>
-    <dgm:txPr/>
-    <dgm:style>
-      <a:lnRef idx="1">
-        <a:scrgbClr r="0" g="0" b="0"/>
-      </a:lnRef>
-      <a:fillRef idx="1">
-        <a:scrgbClr r="0" g="0" b="0"/>
-      </a:fillRef>
-      <a:effectRef idx="2">
-        <a:scrgbClr r="0" g="0" b="0"/>
-      </a:effectRef>
-      <a:fontRef idx="minor"/>
-    </dgm:style>
-  </dgm:styleLbl>
-  <dgm:styleLbl name="bgShp">
-    <dgm:scene3d>
-      <a:camera prst="orthographicFront"/>
-      <a:lightRig rig="threePt" dir="t"/>
-    </dgm:scene3d>
-    <dgm:sp3d/>
-    <dgm:txPr/>
-    <dgm:style>
-      <a:lnRef idx="0">
-        <a:scrgbClr r="0" g="0" b="0"/>
-      </a:lnRef>
-      <a:fillRef idx="1">
-        <a:scrgbClr r="0" g="0" b="0"/>
-      </a:fillRef>
-      <a:effectRef idx="2">
-        <a:scrgbClr r="0" g="0" b="0"/>
-      </a:effectRef>
-      <a:fontRef idx="minor"/>
-    </dgm:style>
-  </dgm:styleLbl>
-  <dgm:styleLbl name="dkBgShp">
-    <dgm:scene3d>
-      <a:camera prst="orthographicFront"/>
-      <a:lightRig rig="threePt" dir="t"/>
-    </dgm:scene3d>
-    <dgm:sp3d/>
-    <dgm:txPr/>
-    <dgm:style>
-      <a:lnRef idx="0">
-        <a:scrgbClr r="0" g="0" b="0"/>
-      </a:lnRef>
-      <a:fillRef idx="1">
-        <a:scrgbClr r="0" g="0" b="0"/>
-      </a:fillRef>
-      <a:effectRef idx="3">
-        <a:scrgbClr r="0" g="0" b="0"/>
-      </a:effectRef>
-      <a:fontRef idx="minor"/>
-    </dgm:style>
-  </dgm:styleLbl>
-  <dgm:styleLbl name="trBgShp">
-    <dgm:scene3d>
-      <a:camera prst="orthographicFront"/>
-      <a:lightRig rig="threePt" dir="t"/>
-    </dgm:scene3d>
-    <dgm:sp3d/>
-    <dgm:txPr/>
-    <dgm:style>
-      <a:lnRef idx="0">
-        <a:scrgbClr r="0" g="0" b="0"/>
-      </a:lnRef>
-      <a:fillRef idx="1">
-        <a:scrgbClr r="0" g="0" b="0"/>
-      </a:fillRef>
-      <a:effectRef idx="0">
-        <a:scrgbClr r="0" g="0" b="0"/>
-      </a:effectRef>
-      <a:fontRef idx="minor"/>
-    </dgm:style>
-  </dgm:styleLbl>
-  <dgm:styleLbl name="fgShp">
-    <dgm:scene3d>
-      <a:camera prst="orthographicFront"/>
-      <a:lightRig rig="threePt" dir="t"/>
-    </dgm:scene3d>
-    <dgm:sp3d/>
-    <dgm:txPr/>
-    <dgm:style>
-      <a:lnRef idx="0">
-        <a:scrgbClr r="0" g="0" b="0"/>
-      </a:lnRef>
-      <a:fillRef idx="3">
-        <a:scrgbClr r="0" g="0" b="0"/>
-      </a:fillRef>
-      <a:effectRef idx="3">
-        <a:scrgbClr r="0" g="0" b="0"/>
-      </a:effectRef>
-      <a:fontRef idx="minor"/>
-    </dgm:style>
-  </dgm:styleLbl>
-  <dgm:styleLbl name="revTx">
-    <dgm:scene3d>
-      <a:camera prst="orthographicFront"/>
-      <a:lightRig rig="threePt" dir="t"/>
-    </dgm:scene3d>
-    <dgm:sp3d/>
-    <dgm:txPr/>
-    <dgm:style>
-      <a:lnRef idx="0">
-        <a:scrgbClr r="0" g="0" b="0"/>
-      </a:lnRef>
-      <a:fillRef idx="0">
-        <a:scrgbClr r="0" g="0" b="0"/>
-      </a:fillRef>
-      <a:effectRef idx="0">
-        <a:scrgbClr r="0" g="0" b="0"/>
-      </a:effectRef>
-      <a:fontRef idx="minor"/>
-    </dgm:style>
-  </dgm:styleLbl>
-</dgm:styleDef>
-</file>
-
-<file path=ppt/diagrams/quickStyle4.xml><?xml version="1.0" encoding="utf-8"?>
 <dgm:styleDef xmlns:dgm="http://schemas.openxmlformats.org/drawingml/2006/diagram" xmlns:a="http://schemas.openxmlformats.org/drawingml/2006/main" uniqueId="urn:microsoft.com/office/officeart/2005/8/quickstyle/simple5">
   <dgm:title val=""/>
   <dgm:desc val=""/>
@@ -11237,7 +8636,7 @@
                 </a:solidFill>
               </a:rPr>
               <a:pPr/>
-              <a:t>4</a:t>
+              <a:t>3</a:t>
             </a:fld>
             <a:endParaRPr lang="en-US" smtClean="0">
               <a:solidFill>
@@ -11338,7 +8737,7 @@
                 </a:solidFill>
               </a:rPr>
               <a:pPr/>
-              <a:t>5</a:t>
+              <a:t>4</a:t>
             </a:fld>
             <a:endParaRPr lang="en-US" smtClean="0">
               <a:solidFill>
@@ -11439,108 +8838,7 @@
                 </a:solidFill>
               </a:rPr>
               <a:pPr/>
-              <a:t>6</a:t>
-            </a:fld>
-            <a:endParaRPr lang="en-US" smtClean="0">
-              <a:solidFill>
-                <a:srgbClr val="000000"/>
-              </a:solidFill>
-            </a:endParaRPr>
-          </a:p>
-        </p:txBody>
-      </p:sp>
-      <p:sp>
-        <p:nvSpPr>
-          <p:cNvPr id="15363" name="Rectangle 2"/>
-          <p:cNvSpPr>
-            <a:spLocks noGrp="1" noRot="1" noChangeAspect="1" noChangeArrowheads="1" noTextEdit="1"/>
-          </p:cNvSpPr>
-          <p:nvPr>
-            <p:ph type="sldImg"/>
-          </p:nvPr>
-        </p:nvSpPr>
-        <p:spPr>
-          <a:xfrm>
-            <a:off x="712788" y="744538"/>
-            <a:ext cx="5386387" cy="3729037"/>
-          </a:xfrm>
-          <a:ln/>
-        </p:spPr>
-      </p:sp>
-      <p:sp>
-        <p:nvSpPr>
-          <p:cNvPr id="15364" name="Rectangle 3"/>
-          <p:cNvSpPr>
-            <a:spLocks noGrp="1" noChangeArrowheads="1"/>
-          </p:cNvSpPr>
-          <p:nvPr>
-            <p:ph type="body" idx="1"/>
-          </p:nvPr>
-        </p:nvSpPr>
-        <p:spPr>
-          <a:noFill/>
-          <a:ln/>
-        </p:spPr>
-        <p:txBody>
-          <a:bodyPr/>
-          <a:lstStyle/>
-          <a:p>
-            <a:endParaRPr lang="fr-FR" smtClean="0">
-              <a:ea typeface="MS PGothic" pitchFamily="34" charset="-128"/>
-            </a:endParaRPr>
-          </a:p>
-        </p:txBody>
-      </p:sp>
-    </p:spTree>
-  </p:cSld>
-  <p:clrMapOvr>
-    <a:masterClrMapping/>
-  </p:clrMapOvr>
-</p:notes>
-</file>
-
-<file path=ppt/notesSlides/notesSlide5.xml><?xml version="1.0" encoding="utf-8"?>
-<p:notes xmlns:a="http://schemas.openxmlformats.org/drawingml/2006/main" xmlns:r="http://schemas.openxmlformats.org/officeDocument/2006/relationships" xmlns:p="http://schemas.openxmlformats.org/presentationml/2006/main">
-  <p:cSld>
-    <p:spTree>
-      <p:nvGrpSpPr>
-        <p:cNvPr id="1" name=""/>
-        <p:cNvGrpSpPr/>
-        <p:nvPr/>
-      </p:nvGrpSpPr>
-      <p:grpSpPr>
-        <a:xfrm>
-          <a:off x="0" y="0"/>
-          <a:ext cx="0" cy="0"/>
-          <a:chOff x="0" y="0"/>
-          <a:chExt cx="0" cy="0"/>
-        </a:xfrm>
-      </p:grpSpPr>
-      <p:sp>
-        <p:nvSpPr>
-          <p:cNvPr id="15362" name="Rectangle 7"/>
-          <p:cNvSpPr>
-            <a:spLocks noGrp="1" noChangeArrowheads="1"/>
-          </p:cNvSpPr>
-          <p:nvPr>
-            <p:ph type="sldNum" sz="quarter" idx="5"/>
-          </p:nvPr>
-        </p:nvSpPr>
-        <p:spPr>
-          <a:noFill/>
-        </p:spPr>
-        <p:txBody>
-          <a:bodyPr/>
-          <a:lstStyle/>
-          <a:p>
-            <a:fld id="{0AA66428-96A2-4966-B047-49AFBC7E3CA1}" type="slidenum">
-              <a:rPr lang="en-US" smtClean="0">
-                <a:solidFill>
-                  <a:srgbClr val="000000"/>
-                </a:solidFill>
-              </a:rPr>
-              <a:pPr/>
-              <a:t>7</a:t>
+              <a:t>5</a:t>
             </a:fld>
             <a:endParaRPr lang="en-US" smtClean="0">
               <a:solidFill>
@@ -11600,7 +8898,7 @@
 </p:notes>
 </file>
 
-<file path=ppt/notesSlides/notesSlide6.xml><?xml version="1.0" encoding="utf-8"?>
+<file path=ppt/notesSlides/notesSlide5.xml><?xml version="1.0" encoding="utf-8"?>
 <p:notes xmlns:a="http://schemas.openxmlformats.org/drawingml/2006/main" xmlns:r="http://schemas.openxmlformats.org/officeDocument/2006/relationships" xmlns:p="http://schemas.openxmlformats.org/presentationml/2006/main">
   <p:cSld>
     <p:spTree>
@@ -11683,7 +8981,7 @@
                 <a:cs typeface="MS PGothic"/>
               </a:rPr>
               <a:pPr/>
-              <a:t>9</a:t>
+              <a:t>7</a:t>
             </a:fld>
             <a:endParaRPr lang="en-US" smtClean="0">
               <a:ea typeface="MS PGothic"/>
@@ -14544,8 +11842,8 @@
         </p:nvSpPr>
         <p:spPr>
           <a:xfrm>
-            <a:off x="526412" y="2415658"/>
-            <a:ext cx="8849818" cy="2653034"/>
+            <a:off x="526412" y="1964602"/>
+            <a:ext cx="8849818" cy="2893100"/>
           </a:xfrm>
         </p:spPr>
         <p:txBody>
@@ -14571,12 +11869,8 @@
                 <a:latin typeface="Century Gothic" pitchFamily="34" charset="0"/>
                 <a:cs typeface="Calibri" pitchFamily="34" charset="0"/>
               </a:rPr>
-              <a:t>Architecture </a:t>
-            </a:r>
-            <a:endParaRPr lang="fr-FR" sz="2400" dirty="0" smtClean="0">
-              <a:latin typeface="Century Gothic" pitchFamily="34" charset="0"/>
-              <a:cs typeface="Calibri" pitchFamily="34" charset="0"/>
-            </a:endParaRPr>
+              <a:t>Architecture logicielle </a:t>
+            </a:r>
           </a:p>
           <a:p>
             <a:pPr marL="365125" indent="0" algn="just">
@@ -14588,7 +11882,20 @@
                 <a:latin typeface="Century Gothic" pitchFamily="34" charset="0"/>
                 <a:cs typeface="Calibri" pitchFamily="34" charset="0"/>
               </a:rPr>
-              <a:t> Avantages </a:t>
+              <a:t>  Définition</a:t>
+            </a:r>
+          </a:p>
+          <a:p>
+            <a:pPr marL="365125" indent="0" algn="just">
+              <a:buFont typeface="Wingdings" pitchFamily="2" charset="2"/>
+              <a:buChar char="q"/>
+            </a:pPr>
+            <a:r>
+              <a:rPr lang="fr-FR" sz="1600" dirty="0" smtClean="0">
+                <a:latin typeface="Century Gothic" pitchFamily="34" charset="0"/>
+                <a:cs typeface="Calibri" pitchFamily="34" charset="0"/>
+              </a:rPr>
+              <a:t>  Avantages </a:t>
             </a:r>
             <a:endParaRPr lang="fr-FR" sz="1600" dirty="0" smtClean="0">
               <a:latin typeface="Century Gothic" pitchFamily="34" charset="0"/>
@@ -14639,7 +11946,7 @@
                 <a:latin typeface="Century Gothic" pitchFamily="34" charset="0"/>
                 <a:cs typeface="Calibri" pitchFamily="34" charset="0"/>
               </a:rPr>
-              <a:t> fonctionnalités</a:t>
+              <a:t> couches</a:t>
             </a:r>
             <a:r>
               <a:rPr lang="fr-FR" sz="1600" dirty="0" smtClean="0">
@@ -14702,7 +12009,7 @@
         </p:nvSpPr>
         <p:spPr>
           <a:xfrm>
-            <a:off x="2470023" y="1086416"/>
+            <a:off x="2470023" y="615660"/>
             <a:ext cx="4408227" cy="713999"/>
           </a:xfrm>
         </p:spPr>
@@ -14779,216 +12086,239 @@
           <a:chExt cx="0" cy="0"/>
         </a:xfrm>
       </p:grpSpPr>
+      <p:graphicFrame>
+        <p:nvGraphicFramePr>
+          <p:cNvPr id="15" name="Diagramme 14"/>
+          <p:cNvGraphicFramePr/>
+          <p:nvPr/>
+        </p:nvGraphicFramePr>
+        <p:xfrm>
+          <a:off x="335280" y="392238"/>
+          <a:ext cx="9265920" cy="447824"/>
+        </p:xfrm>
+        <a:graphic>
+          <a:graphicData uri="http://schemas.openxmlformats.org/drawingml/2006/diagram">
+            <dgm:relIds xmlns:dgm="http://schemas.openxmlformats.org/drawingml/2006/diagram" xmlns:r="http://schemas.openxmlformats.org/officeDocument/2006/relationships" r:dm="rId3" r:lo="rId4" r:qs="rId5" r:cs="rId6"/>
+          </a:graphicData>
+        </a:graphic>
+      </p:graphicFrame>
       <p:sp>
         <p:nvSpPr>
-          <p:cNvPr id="17410" name="Espace réservé du contenu 1"/>
-          <p:cNvSpPr>
-            <a:spLocks noGrp="1"/>
-          </p:cNvSpPr>
-          <p:nvPr>
-            <p:ph idx="1"/>
-          </p:nvPr>
+          <p:cNvPr id="44" name="Rectangle 43"/>
+          <p:cNvSpPr/>
+          <p:nvPr/>
         </p:nvSpPr>
         <p:spPr>
           <a:xfrm>
-            <a:off x="526412" y="2415658"/>
-            <a:ext cx="8849818" cy="3933384"/>
+            <a:off x="823864" y="1439535"/>
+            <a:ext cx="7948943" cy="4278094"/>
           </a:xfrm>
+          <a:prstGeom prst="rect">
+            <a:avLst/>
+          </a:prstGeom>
         </p:spPr>
         <p:txBody>
-          <a:bodyPr/>
+          <a:bodyPr wrap="square">
+            <a:spAutoFit/>
+          </a:bodyPr>
           <a:lstStyle/>
           <a:p>
-            <a:pPr marL="0" indent="0" algn="just">
+            <a:pPr>
               <a:buFont typeface="Wingdings" pitchFamily="2" charset="2"/>
               <a:buChar char="q"/>
             </a:pPr>
             <a:r>
-              <a:rPr lang="fr-FR" sz="2400" b="1" dirty="0" smtClean="0">
-                <a:solidFill>
-                  <a:srgbClr val="7030A0"/>
-                </a:solidFill>
+              <a:rPr lang="fr-FR" sz="1600" dirty="0" smtClean="0">
                 <a:latin typeface="Century Gothic" pitchFamily="34" charset="0"/>
-                <a:cs typeface="Calibri" pitchFamily="34" charset="0"/>
               </a:rPr>
-              <a:t>  </a:t>
-            </a:r>
-            <a:r>
-              <a:rPr lang="fr-FR" sz="2400" dirty="0" smtClean="0">
+              <a:t> Définition : Architecture logicielle introduit </a:t>
+            </a:r>
+            <a:r>
+              <a:rPr lang="fr-FR" sz="1600" dirty="0" smtClean="0">
                 <a:latin typeface="Century Gothic" pitchFamily="34" charset="0"/>
-                <a:cs typeface="Calibri" pitchFamily="34" charset="0"/>
               </a:rPr>
-              <a:t>Architecture </a:t>
-            </a:r>
+              <a:t>les notions et concepts de découpage en couches, modules, composants, design patterns </a:t>
+            </a:r>
+            <a:r>
+              <a:rPr lang="fr-FR" sz="1600" dirty="0" smtClean="0">
+                <a:latin typeface="Century Gothic" pitchFamily="34" charset="0"/>
+              </a:rPr>
+              <a:t>et </a:t>
+            </a:r>
+            <a:r>
+              <a:rPr lang="fr-FR" sz="1600" dirty="0" err="1" smtClean="0">
+                <a:latin typeface="Century Gothic" pitchFamily="34" charset="0"/>
+              </a:rPr>
+              <a:t>frameworks</a:t>
+            </a:r>
+            <a:endParaRPr lang="fr-FR" sz="1600" dirty="0" smtClean="0">
+              <a:latin typeface="Century Gothic" pitchFamily="34" charset="0"/>
+            </a:endParaRPr>
           </a:p>
           <a:p>
-            <a:pPr marL="365125" indent="0" algn="just">
+            <a:pPr>
               <a:buFont typeface="Wingdings" pitchFamily="2" charset="2"/>
               <a:buChar char="q"/>
             </a:pPr>
-            <a:r>
-              <a:rPr lang="fr-FR" sz="1600" dirty="0" smtClean="0">
-                <a:latin typeface="Century Gothic" pitchFamily="34" charset="0"/>
-                <a:cs typeface="Calibri" pitchFamily="34" charset="0"/>
-              </a:rPr>
-              <a:t> avantages :  SI de gestion d’une maison de soins,</a:t>
-            </a:r>
+            <a:endParaRPr lang="fr-FR" sz="1600" dirty="0" smtClean="0">
+              <a:latin typeface="Century Gothic" pitchFamily="34" charset="0"/>
+            </a:endParaRPr>
           </a:p>
           <a:p>
-            <a:pPr marL="365125" indent="0" algn="just">
+            <a:pPr>
               <a:buFont typeface="Wingdings" pitchFamily="2" charset="2"/>
               <a:buChar char="q"/>
             </a:pPr>
             <a:r>
-              <a:rPr lang="fr-FR" sz="1400" dirty="0" smtClean="0">
+              <a:rPr lang="fr-FR" sz="1600" dirty="0" smtClean="0">
                 <a:latin typeface="Century Gothic" pitchFamily="34" charset="0"/>
-                <a:cs typeface="Calibri" pitchFamily="34" charset="0"/>
+              </a:rPr>
+              <a:t>  Avantages: </a:t>
+            </a:r>
+          </a:p>
+          <a:p>
+            <a:pPr>
+              <a:buFont typeface="Wingdings" pitchFamily="2" charset="2"/>
+              <a:buChar char="§"/>
+            </a:pPr>
+            <a:r>
+              <a:rPr lang="fr-FR" sz="1600" dirty="0" smtClean="0">
+                <a:latin typeface="Century Gothic" pitchFamily="34" charset="0"/>
+              </a:rPr>
+              <a:t>  Maîtriser </a:t>
+            </a:r>
+            <a:r>
+              <a:rPr lang="fr-FR" sz="1600" dirty="0" smtClean="0">
+                <a:latin typeface="Century Gothic" pitchFamily="34" charset="0"/>
+              </a:rPr>
+              <a:t>la complexité </a:t>
+            </a:r>
+            <a:r>
+              <a:rPr lang="fr-FR" sz="1600" dirty="0" smtClean="0">
+                <a:latin typeface="Century Gothic" pitchFamily="34" charset="0"/>
+              </a:rPr>
+              <a:t>des applications(développement</a:t>
+            </a:r>
+            <a:r>
+              <a:rPr lang="fr-FR" sz="1600" dirty="0" smtClean="0">
+                <a:latin typeface="Century Gothic" pitchFamily="34" charset="0"/>
+              </a:rPr>
+              <a:t>, échanges entre les </a:t>
+            </a:r>
+            <a:r>
+              <a:rPr lang="fr-FR" sz="1600" dirty="0" smtClean="0">
+                <a:latin typeface="Century Gothic" pitchFamily="34" charset="0"/>
+              </a:rPr>
+              <a:t>applications et interactions entre </a:t>
+            </a:r>
+            <a:r>
+              <a:rPr lang="fr-FR" sz="1600" dirty="0" smtClean="0">
+                <a:latin typeface="Century Gothic" pitchFamily="34" charset="0"/>
+              </a:rPr>
+              <a:t>objets)</a:t>
+            </a:r>
+          </a:p>
+          <a:p>
+            <a:pPr>
+              <a:buFont typeface="Wingdings" pitchFamily="2" charset="2"/>
+              <a:buChar char="§"/>
+            </a:pPr>
+            <a:r>
+              <a:rPr lang="fr-FR" sz="1600" dirty="0" smtClean="0">
+                <a:latin typeface="Century Gothic" pitchFamily="34" charset="0"/>
               </a:rPr>
               <a:t> </a:t>
             </a:r>
             <a:r>
-              <a:rPr lang="fr-FR" sz="1400" dirty="0" smtClean="0"/>
-              <a:t>La structuration des applications en couches permet :</a:t>
+              <a:rPr lang="fr-FR" sz="1600" dirty="0" smtClean="0">
+                <a:latin typeface="Century Gothic" pitchFamily="34" charset="0"/>
+              </a:rPr>
+              <a:t> Optimiser </a:t>
+            </a:r>
+            <a:r>
+              <a:rPr lang="fr-FR" sz="1600" dirty="0" smtClean="0">
+                <a:latin typeface="Century Gothic" pitchFamily="34" charset="0"/>
+              </a:rPr>
+              <a:t>les temps de développement, en factorisant certaines briques applicatives</a:t>
             </a:r>
           </a:p>
           <a:p>
-            <a:r>
-              <a:rPr lang="fr-FR" sz="1400" dirty="0" smtClean="0"/>
-              <a:t>– de maîtriser la complexité des applications (développement, échanges entre les applications, interactions</a:t>
-            </a:r>
+            <a:pPr>
+              <a:buFont typeface="Wingdings" pitchFamily="2" charset="2"/>
+              <a:buChar char="§"/>
+            </a:pPr>
+            <a:r>
+              <a:rPr lang="fr-FR" sz="1600" dirty="0" smtClean="0">
+                <a:latin typeface="Century Gothic" pitchFamily="34" charset="0"/>
+              </a:rPr>
+              <a:t>  Structurer les appels entre objet en </a:t>
+            </a:r>
+            <a:r>
+              <a:rPr lang="fr-FR" sz="1600" dirty="0" smtClean="0">
+                <a:latin typeface="Century Gothic" pitchFamily="34" charset="0"/>
+              </a:rPr>
+              <a:t>délimitant le périmètre </a:t>
+            </a:r>
+            <a:r>
+              <a:rPr lang="fr-FR" sz="1600" dirty="0" smtClean="0">
+                <a:latin typeface="Century Gothic" pitchFamily="34" charset="0"/>
+              </a:rPr>
+              <a:t>de chaque Objet ou service</a:t>
+            </a:r>
+            <a:endParaRPr lang="fr-FR" sz="1600" dirty="0" smtClean="0">
+              <a:latin typeface="Century Gothic" pitchFamily="34" charset="0"/>
+            </a:endParaRPr>
           </a:p>
           <a:p>
-            <a:r>
-              <a:rPr lang="en-US" sz="1400" dirty="0" smtClean="0"/>
-              <a:t>entre </a:t>
-            </a:r>
-            <a:r>
-              <a:rPr lang="en-US" sz="1400" dirty="0" err="1" smtClean="0"/>
-              <a:t>objets</a:t>
-            </a:r>
-            <a:r>
-              <a:rPr lang="en-US" sz="1400" dirty="0" smtClean="0"/>
-              <a:t>)</a:t>
-            </a:r>
+            <a:endParaRPr lang="fr-FR" sz="1600" dirty="0" smtClean="0">
+              <a:latin typeface="Century Gothic" pitchFamily="34" charset="0"/>
+            </a:endParaRPr>
           </a:p>
           <a:p>
             <a:r>
-              <a:rPr lang="fr-FR" sz="1400" dirty="0" smtClean="0"/>
-              <a:t>– d’optimiser les temps de développement, en factorisant certaines briques applicatives</a:t>
+              <a:rPr lang="fr-FR" sz="1600" dirty="0" smtClean="0">
+                <a:latin typeface="Century Gothic" pitchFamily="34" charset="0"/>
+              </a:rPr>
+              <a:t>Elle favorise </a:t>
+            </a:r>
+            <a:r>
+              <a:rPr lang="fr-FR" sz="1600" dirty="0" smtClean="0">
+                <a:latin typeface="Century Gothic" pitchFamily="34" charset="0"/>
+              </a:rPr>
+              <a:t>la communication :</a:t>
             </a:r>
           </a:p>
           <a:p>
-            <a:r>
-              <a:rPr lang="fr-FR" sz="1400" dirty="0" smtClean="0"/>
-              <a:t>– d’isoler les problématiques d’enchaînements de processus en définissant et en délimitant le périmètre du</a:t>
+            <a:pPr>
+              <a:buFont typeface="Wingdings" pitchFamily="2" charset="2"/>
+              <a:buChar char="§"/>
+            </a:pPr>
+            <a:r>
+              <a:rPr lang="fr-FR" sz="1600" dirty="0" smtClean="0">
+                <a:latin typeface="Century Gothic" pitchFamily="34" charset="0"/>
+              </a:rPr>
+              <a:t> à l’intérieur d’une application, en structurant les échanges entre les différentes couches</a:t>
             </a:r>
           </a:p>
           <a:p>
-            <a:r>
-              <a:rPr lang="fr-FR" sz="1400" dirty="0" smtClean="0"/>
-              <a:t>contrôle de l’intégrité transactionnelle (locale et distribuée)</a:t>
-            </a:r>
-          </a:p>
-          <a:p>
-            <a:r>
-              <a:rPr lang="en-US" sz="1400" dirty="0" smtClean="0"/>
-              <a:t>– de </a:t>
-            </a:r>
-            <a:r>
-              <a:rPr lang="en-US" sz="1400" dirty="0" err="1" smtClean="0"/>
-              <a:t>favoriser</a:t>
-            </a:r>
-            <a:r>
-              <a:rPr lang="en-US" sz="1400" dirty="0" smtClean="0"/>
-              <a:t> la communication :</a:t>
-            </a:r>
-          </a:p>
-          <a:p>
-            <a:r>
-              <a:rPr lang="fr-FR" sz="1400" dirty="0" smtClean="0"/>
-              <a:t> à l’intérieur d’une application, en structurant les échanges entre les différentes couches</a:t>
-            </a:r>
-          </a:p>
-          <a:p>
-            <a:r>
-              <a:rPr lang="fr-FR" sz="1400" dirty="0" smtClean="0"/>
-              <a:t> entre les applications en précisant les principes de communication liée aux couches de diverses applications</a:t>
-            </a:r>
-          </a:p>
-          <a:p>
-            <a:r>
-              <a:rPr lang="fr-FR" sz="1400" dirty="0" smtClean="0"/>
-              <a:t> Le passage d’une couche vers une autre doit impérativement se faire via des interfaces qui</a:t>
-            </a:r>
-          </a:p>
-          <a:p>
-            <a:r>
-              <a:rPr lang="fr-FR" sz="1400" dirty="0" smtClean="0"/>
-              <a:t>représentent chacune un service d’accès (introduction de la notion de contrats de servi</a:t>
-            </a:r>
-            <a:r>
-              <a:rPr lang="fr-FR" sz="2400" dirty="0" smtClean="0"/>
-              <a:t>ces)</a:t>
-            </a:r>
-            <a:endParaRPr lang="fr-FR" sz="2400" dirty="0" smtClean="0">
+            <a:pPr>
+              <a:buFont typeface="Wingdings" pitchFamily="2" charset="2"/>
+              <a:buChar char="§"/>
+            </a:pPr>
+            <a:r>
+              <a:rPr lang="fr-FR" sz="1600" dirty="0" smtClean="0">
+                <a:latin typeface="Century Gothic" pitchFamily="34" charset="0"/>
+              </a:rPr>
+              <a:t> entre les applications en précisant les principes de communication liée aux couches de diverses </a:t>
+            </a:r>
+            <a:r>
+              <a:rPr lang="fr-FR" sz="1600" dirty="0" smtClean="0">
+                <a:latin typeface="Century Gothic" pitchFamily="34" charset="0"/>
+              </a:rPr>
+              <a:t>applications</a:t>
+            </a:r>
+            <a:endParaRPr lang="fr-FR" sz="1600" dirty="0" smtClean="0">
               <a:latin typeface="Century Gothic" pitchFamily="34" charset="0"/>
-              <a:cs typeface="Calibri" pitchFamily="34" charset="0"/>
-            </a:endParaRPr>
-          </a:p>
-        </p:txBody>
-      </p:sp>
-      <p:sp>
-        <p:nvSpPr>
-          <p:cNvPr id="10" name="Titre 2"/>
-          <p:cNvSpPr>
-            <a:spLocks noGrp="1"/>
-          </p:cNvSpPr>
-          <p:nvPr>
-            <p:ph type="title"/>
-          </p:nvPr>
-        </p:nvSpPr>
-        <p:spPr>
-          <a:xfrm>
-            <a:off x="2470023" y="1049788"/>
-            <a:ext cx="4408227" cy="750627"/>
-          </a:xfrm>
-        </p:spPr>
-        <p:txBody>
-          <a:bodyPr/>
-          <a:lstStyle/>
-          <a:p>
-            <a:pPr lvl="1" algn="ctr"/>
-            <a:r>
-              <a:rPr lang="fr-FR" i="1" dirty="0" smtClean="0">
-                <a:solidFill>
-                  <a:srgbClr val="00B050"/>
-                </a:solidFill>
-                <a:latin typeface="Georgia" pitchFamily="18" charset="0"/>
-              </a:rPr>
-              <a:t>	</a:t>
-            </a:r>
-            <a:br>
-              <a:rPr lang="fr-FR" i="1" dirty="0" smtClean="0">
-                <a:solidFill>
-                  <a:srgbClr val="00B050"/>
-                </a:solidFill>
-                <a:latin typeface="Georgia" pitchFamily="18" charset="0"/>
-              </a:rPr>
-            </a:br>
-            <a:r>
-              <a:rPr lang="fr-FR" sz="3200" b="0" dirty="0" smtClean="0">
-                <a:solidFill>
-                  <a:srgbClr val="7030A0"/>
-                </a:solidFill>
-                <a:latin typeface="Century" pitchFamily="18" charset="0"/>
-              </a:rPr>
-              <a:t>Présentation</a:t>
-            </a:r>
-            <a:endParaRPr lang="fr-FR" sz="3200" b="0" dirty="0">
-              <a:solidFill>
-                <a:srgbClr val="7030A0"/>
-              </a:solidFill>
-              <a:latin typeface="Century" pitchFamily="18" charset="0"/>
             </a:endParaRPr>
           </a:p>
         </p:txBody>
@@ -15033,7 +12363,7 @@
           <p:nvPr/>
         </p:nvGraphicFramePr>
         <p:xfrm>
-          <a:off x="335280" y="772464"/>
+          <a:off x="335280" y="383185"/>
           <a:ext cx="9265920" cy="447824"/>
         </p:xfrm>
         <a:graphic>
@@ -15042,950 +12372,6 @@
           </a:graphicData>
         </a:graphic>
       </p:graphicFrame>
-      <p:sp>
-        <p:nvSpPr>
-          <p:cNvPr id="5" name="Rogner un rectangle avec un coin diagonal 4"/>
-          <p:cNvSpPr/>
-          <p:nvPr/>
-        </p:nvSpPr>
-        <p:spPr bwMode="auto">
-          <a:xfrm flipH="1">
-            <a:off x="6778171" y="28888"/>
-            <a:ext cx="2731589" cy="685800"/>
-          </a:xfrm>
-          <a:prstGeom prst="snip2DiagRect">
-            <a:avLst>
-              <a:gd name="adj1" fmla="val 0"/>
-              <a:gd name="adj2" fmla="val 27958"/>
-            </a:avLst>
-          </a:prstGeom>
-          <a:solidFill>
-            <a:srgbClr val="FFFFCC"/>
-          </a:solidFill>
-          <a:ln w="9525" cap="flat" cmpd="sng" algn="ctr">
-            <a:noFill/>
-            <a:prstDash val="solid"/>
-            <a:round/>
-            <a:headEnd type="none" w="med" len="med"/>
-            <a:tailEnd type="none" w="med" len="med"/>
-          </a:ln>
-          <a:effectLst/>
-          <a:scene3d>
-            <a:camera prst="orthographicFront">
-              <a:rot lat="0" lon="0" rev="0"/>
-            </a:camera>
-            <a:lightRig rig="chilly" dir="t">
-              <a:rot lat="0" lon="0" rev="18480000"/>
-            </a:lightRig>
-          </a:scene3d>
-          <a:sp3d prstMaterial="clear">
-            <a:bevelT h="63500"/>
-          </a:sp3d>
-        </p:spPr>
-        <p:txBody>
-          <a:bodyPr vert="horz" wrap="none" lIns="91440" tIns="45720" rIns="91440" bIns="45720" numCol="1" rtlCol="0" anchor="ctr" anchorCtr="0" compatLnSpc="1">
-            <a:prstTxWarp prst="textNoShape">
-              <a:avLst/>
-            </a:prstTxWarp>
-            <a:scene3d>
-              <a:camera prst="perspectiveHeroicExtremeLeftFacing"/>
-              <a:lightRig rig="threePt" dir="t"/>
-            </a:scene3d>
-          </a:bodyPr>
-          <a:lstStyle/>
-          <a:p>
-            <a:pPr algn="ctr" eaLnBrk="0" hangingPunct="0"/>
-            <a:r>
-              <a:rPr lang="fr-FR" sz="2200" b="1" kern="0" dirty="0" smtClean="0">
-                <a:solidFill>
-                  <a:srgbClr val="FF0000"/>
-                </a:solidFill>
-              </a:rPr>
-              <a:t>Présentation CSC</a:t>
-            </a:r>
-            <a:endParaRPr lang="fr-FR" sz="2200" b="1" kern="0" dirty="0" smtClean="0">
-              <a:solidFill>
-                <a:srgbClr val="FF0000"/>
-              </a:solidFill>
-              <a:latin typeface="Arial" charset="0"/>
-            </a:endParaRPr>
-          </a:p>
-        </p:txBody>
-      </p:sp>
-    </p:spTree>
-  </p:cSld>
-  <p:clrMapOvr>
-    <a:masterClrMapping/>
-  </p:clrMapOvr>
-  <p:transition/>
-  <p:timing>
-    <p:tnLst>
-      <p:par>
-        <p:cTn id="1" dur="indefinite" restart="never" nodeType="tmRoot"/>
-      </p:par>
-    </p:tnLst>
-  </p:timing>
-</p:sld>
-</file>
-
-<file path=ppt/slides/slide5.xml><?xml version="1.0" encoding="utf-8"?>
-<p:sld xmlns:a="http://schemas.openxmlformats.org/drawingml/2006/main" xmlns:r="http://schemas.openxmlformats.org/officeDocument/2006/relationships" xmlns:p="http://schemas.openxmlformats.org/presentationml/2006/main">
-  <p:cSld>
-    <p:spTree>
-      <p:nvGrpSpPr>
-        <p:cNvPr id="1" name=""/>
-        <p:cNvGrpSpPr/>
-        <p:nvPr/>
-      </p:nvGrpSpPr>
-      <p:grpSpPr>
-        <a:xfrm>
-          <a:off x="0" y="0"/>
-          <a:ext cx="0" cy="0"/>
-          <a:chOff x="0" y="0"/>
-          <a:chExt cx="0" cy="0"/>
-        </a:xfrm>
-      </p:grpSpPr>
-      <p:graphicFrame>
-        <p:nvGraphicFramePr>
-          <p:cNvPr id="15" name="Diagramme 14"/>
-          <p:cNvGraphicFramePr/>
-          <p:nvPr/>
-        </p:nvGraphicFramePr>
-        <p:xfrm>
-          <a:off x="335280" y="772464"/>
-          <a:ext cx="9265920" cy="447824"/>
-        </p:xfrm>
-        <a:graphic>
-          <a:graphicData uri="http://schemas.openxmlformats.org/drawingml/2006/diagram">
-            <dgm:relIds xmlns:dgm="http://schemas.openxmlformats.org/drawingml/2006/diagram" xmlns:r="http://schemas.openxmlformats.org/officeDocument/2006/relationships" r:dm="rId3" r:lo="rId4" r:qs="rId5" r:cs="rId6"/>
-          </a:graphicData>
-        </a:graphic>
-      </p:graphicFrame>
-    </p:spTree>
-  </p:cSld>
-  <p:clrMapOvr>
-    <a:masterClrMapping/>
-  </p:clrMapOvr>
-  <p:transition/>
-  <p:timing>
-    <p:tnLst>
-      <p:par>
-        <p:cTn id="1" dur="indefinite" restart="never" nodeType="tmRoot"/>
-      </p:par>
-    </p:tnLst>
-  </p:timing>
-</p:sld>
-</file>
-
-<file path=ppt/slides/slide6.xml><?xml version="1.0" encoding="utf-8"?>
-<p:sld xmlns:a="http://schemas.openxmlformats.org/drawingml/2006/main" xmlns:r="http://schemas.openxmlformats.org/officeDocument/2006/relationships" xmlns:p="http://schemas.openxmlformats.org/presentationml/2006/main">
-  <p:cSld>
-    <p:spTree>
-      <p:nvGrpSpPr>
-        <p:cNvPr id="1" name=""/>
-        <p:cNvGrpSpPr/>
-        <p:nvPr/>
-      </p:nvGrpSpPr>
-      <p:grpSpPr>
-        <a:xfrm>
-          <a:off x="0" y="0"/>
-          <a:ext cx="0" cy="0"/>
-          <a:chOff x="0" y="0"/>
-          <a:chExt cx="0" cy="0"/>
-        </a:xfrm>
-      </p:grpSpPr>
-      <p:graphicFrame>
-        <p:nvGraphicFramePr>
-          <p:cNvPr id="15" name="Diagramme 14"/>
-          <p:cNvGraphicFramePr/>
-          <p:nvPr/>
-        </p:nvGraphicFramePr>
-        <p:xfrm>
-          <a:off x="335280" y="772464"/>
-          <a:ext cx="9265920" cy="447824"/>
-        </p:xfrm>
-        <a:graphic>
-          <a:graphicData uri="http://schemas.openxmlformats.org/drawingml/2006/diagram">
-            <dgm:relIds xmlns:dgm="http://schemas.openxmlformats.org/drawingml/2006/diagram" xmlns:r="http://schemas.openxmlformats.org/officeDocument/2006/relationships" r:dm="rId3" r:lo="rId4" r:qs="rId5" r:cs="rId6"/>
-          </a:graphicData>
-        </a:graphic>
-      </p:graphicFrame>
-      <p:sp>
-        <p:nvSpPr>
-          <p:cNvPr id="15385" name="Rectangle 25"/>
-          <p:cNvSpPr>
-            <a:spLocks noChangeArrowheads="1"/>
-          </p:cNvSpPr>
-          <p:nvPr/>
-        </p:nvSpPr>
-        <p:spPr bwMode="auto">
-          <a:xfrm>
-            <a:off x="8195945" y="2744470"/>
-            <a:ext cx="1374775" cy="334010"/>
-          </a:xfrm>
-          <a:prstGeom prst="rect">
-            <a:avLst/>
-          </a:prstGeom>
-          <a:solidFill>
-            <a:srgbClr val="FFFFFF"/>
-          </a:solidFill>
-          <a:ln w="9525">
-            <a:solidFill>
-              <a:srgbClr val="FFFFFF"/>
-            </a:solidFill>
-            <a:miter lim="800000"/>
-            <a:headEnd/>
-            <a:tailEnd/>
-          </a:ln>
-        </p:spPr>
-        <p:txBody>
-          <a:bodyPr vert="horz" wrap="square" lIns="91440" tIns="45720" rIns="91440" bIns="45720" numCol="1" anchor="t" anchorCtr="0" compatLnSpc="1">
-            <a:prstTxWarp prst="textNoShape">
-              <a:avLst/>
-            </a:prstTxWarp>
-          </a:bodyPr>
-          <a:lstStyle/>
-          <a:p>
-            <a:pPr marL="0" marR="0" lvl="0" indent="0" algn="ctr" defTabSz="914400" rtl="0" eaLnBrk="1" fontAlgn="base" latinLnBrk="0" hangingPunct="1">
-              <a:lnSpc>
-                <a:spcPct val="100000"/>
-              </a:lnSpc>
-              <a:spcBef>
-                <a:spcPct val="0"/>
-              </a:spcBef>
-              <a:spcAft>
-                <a:spcPct val="0"/>
-              </a:spcAft>
-              <a:buClrTx/>
-              <a:buSzTx/>
-              <a:buFontTx/>
-              <a:buNone/>
-              <a:tabLst/>
-            </a:pPr>
-            <a:r>
-              <a:rPr kumimoji="0" lang="fr-FR" sz="1200" b="1" i="0" u="none" strike="noStrike" cap="none" normalizeH="0" baseline="0" dirty="0" smtClean="0">
-                <a:ln>
-                  <a:noFill/>
-                </a:ln>
-                <a:solidFill>
-                  <a:srgbClr val="0070C0"/>
-                </a:solidFill>
-                <a:effectLst/>
-                <a:latin typeface="Arial" pitchFamily="34" charset="0"/>
-                <a:ea typeface="Calibri" pitchFamily="34" charset="0"/>
-                <a:cs typeface="Times New Roman" pitchFamily="18" charset="0"/>
-              </a:rPr>
-              <a:t>Consultation</a:t>
-            </a:r>
-            <a:endParaRPr kumimoji="0" lang="fr-FR" sz="1200" b="0" i="0" u="none" strike="noStrike" cap="none" normalizeH="0" baseline="0" dirty="0" smtClean="0">
-              <a:ln>
-                <a:noFill/>
-              </a:ln>
-              <a:solidFill>
-                <a:schemeClr val="tx1"/>
-              </a:solidFill>
-              <a:effectLst/>
-              <a:latin typeface="Arial" pitchFamily="34" charset="0"/>
-              <a:cs typeface="Arial" pitchFamily="34" charset="0"/>
-            </a:endParaRPr>
-          </a:p>
-        </p:txBody>
-      </p:sp>
-      <p:pic>
-        <p:nvPicPr>
-          <p:cNvPr id="15383" name="Image 4"/>
-          <p:cNvPicPr>
-            <a:picLocks noChangeAspect="1" noChangeArrowheads="1"/>
-          </p:cNvPicPr>
-          <p:nvPr/>
-        </p:nvPicPr>
-        <p:blipFill>
-          <a:blip r:embed="rId8" cstate="print"/>
-          <a:srcRect/>
-          <a:stretch>
-            <a:fillRect/>
-          </a:stretch>
-        </p:blipFill>
-        <p:spPr bwMode="auto">
-          <a:xfrm>
-            <a:off x="5885180" y="4416108"/>
-            <a:ext cx="652780" cy="719772"/>
-          </a:xfrm>
-          <a:prstGeom prst="rect">
-            <a:avLst/>
-          </a:prstGeom>
-          <a:noFill/>
-        </p:spPr>
-      </p:pic>
-      <p:sp>
-        <p:nvSpPr>
-          <p:cNvPr id="15377" name="Rectangle 17"/>
-          <p:cNvSpPr>
-            <a:spLocks noChangeArrowheads="1"/>
-          </p:cNvSpPr>
-          <p:nvPr/>
-        </p:nvSpPr>
-        <p:spPr bwMode="auto">
-          <a:xfrm>
-            <a:off x="5516880" y="5105400"/>
-            <a:ext cx="1569720" cy="518160"/>
-          </a:xfrm>
-          <a:prstGeom prst="rect">
-            <a:avLst/>
-          </a:prstGeom>
-          <a:solidFill>
-            <a:srgbClr val="FFFFFF"/>
-          </a:solidFill>
-          <a:ln w="9525">
-            <a:solidFill>
-              <a:srgbClr val="FFFFFF"/>
-            </a:solidFill>
-            <a:miter lim="800000"/>
-            <a:headEnd/>
-            <a:tailEnd/>
-          </a:ln>
-        </p:spPr>
-        <p:txBody>
-          <a:bodyPr vert="horz" wrap="square" lIns="91440" tIns="45720" rIns="91440" bIns="45720" numCol="1" anchor="t" anchorCtr="0" compatLnSpc="1">
-            <a:prstTxWarp prst="textNoShape">
-              <a:avLst/>
-            </a:prstTxWarp>
-          </a:bodyPr>
-          <a:lstStyle/>
-          <a:p>
-            <a:pPr marL="0" marR="0" lvl="0" indent="0" algn="ctr" defTabSz="914400" rtl="0" eaLnBrk="1" fontAlgn="base" latinLnBrk="0" hangingPunct="1">
-              <a:lnSpc>
-                <a:spcPct val="100000"/>
-              </a:lnSpc>
-              <a:spcBef>
-                <a:spcPct val="0"/>
-              </a:spcBef>
-              <a:spcAft>
-                <a:spcPct val="0"/>
-              </a:spcAft>
-              <a:buClrTx/>
-              <a:buSzTx/>
-              <a:buFontTx/>
-              <a:buNone/>
-              <a:tabLst/>
-            </a:pPr>
-            <a:r>
-              <a:rPr kumimoji="0" lang="fr-FR" sz="1200" b="1" i="0" u="none" strike="noStrike" cap="none" normalizeH="0" baseline="0" dirty="0" smtClean="0">
-                <a:ln>
-                  <a:noFill/>
-                </a:ln>
-                <a:solidFill>
-                  <a:srgbClr val="C00000"/>
-                </a:solidFill>
-                <a:effectLst/>
-                <a:latin typeface="Arial" pitchFamily="34" charset="0"/>
-                <a:ea typeface="Calibri" pitchFamily="34" charset="0"/>
-                <a:cs typeface="Times New Roman" pitchFamily="18" charset="0"/>
-              </a:rPr>
-              <a:t>Correction des fichiers</a:t>
-            </a:r>
-            <a:endParaRPr kumimoji="0" lang="fr-FR" sz="1200" b="0" i="0" u="none" strike="noStrike" cap="none" normalizeH="0" baseline="0" dirty="0" smtClean="0">
-              <a:ln>
-                <a:noFill/>
-              </a:ln>
-              <a:solidFill>
-                <a:schemeClr val="tx1"/>
-              </a:solidFill>
-              <a:effectLst/>
-              <a:latin typeface="Arial" pitchFamily="34" charset="0"/>
-              <a:cs typeface="Arial" pitchFamily="34" charset="0"/>
-            </a:endParaRPr>
-          </a:p>
-        </p:txBody>
-      </p:sp>
-      <p:grpSp>
-        <p:nvGrpSpPr>
-          <p:cNvPr id="58" name="Groupe 57"/>
-          <p:cNvGrpSpPr/>
-          <p:nvPr/>
-        </p:nvGrpSpPr>
-        <p:grpSpPr>
-          <a:xfrm>
-            <a:off x="1463040" y="1600200"/>
-            <a:ext cx="6461760" cy="1524000"/>
-            <a:chOff x="1463040" y="1600200"/>
-            <a:chExt cx="6461760" cy="1524000"/>
-          </a:xfrm>
-        </p:grpSpPr>
-        <p:sp>
-          <p:nvSpPr>
-            <p:cNvPr id="15389" name="Rectangle 29"/>
-            <p:cNvSpPr>
-              <a:spLocks noChangeArrowheads="1"/>
-            </p:cNvSpPr>
-            <p:nvPr/>
-          </p:nvSpPr>
-          <p:spPr bwMode="auto">
-            <a:xfrm>
-              <a:off x="1463040" y="1600200"/>
-              <a:ext cx="6461760" cy="1524000"/>
-            </a:xfrm>
-            <a:prstGeom prst="rect">
-              <a:avLst/>
-            </a:prstGeom>
-            <a:solidFill>
-              <a:srgbClr val="FCF4C6"/>
-            </a:solidFill>
-            <a:ln w="9525">
-              <a:solidFill>
-                <a:srgbClr val="00B050"/>
-              </a:solidFill>
-              <a:miter lim="800000"/>
-              <a:headEnd/>
-              <a:tailEnd/>
-            </a:ln>
-            <a:effectLst>
-              <a:prstShdw prst="shdw17" dist="17961" dir="2700000">
-                <a:srgbClr val="00B050">
-                  <a:gamma/>
-                  <a:shade val="60000"/>
-                  <a:invGamma/>
-                </a:srgbClr>
-              </a:prstShdw>
-            </a:effectLst>
-          </p:spPr>
-          <p:txBody>
-            <a:bodyPr vert="horz" wrap="square" lIns="91440" tIns="45720" rIns="91440" bIns="45720" numCol="1" anchor="t" anchorCtr="0" compatLnSpc="1">
-              <a:prstTxWarp prst="textNoShape">
-                <a:avLst/>
-              </a:prstTxWarp>
-            </a:bodyPr>
-            <a:lstStyle/>
-            <a:p>
-              <a:pPr marL="0" marR="0" lvl="0" indent="0" algn="l" defTabSz="914400" rtl="0" eaLnBrk="1" fontAlgn="base" latinLnBrk="0" hangingPunct="1">
-                <a:lnSpc>
-                  <a:spcPct val="100000"/>
-                </a:lnSpc>
-                <a:spcBef>
-                  <a:spcPct val="0"/>
-                </a:spcBef>
-                <a:spcAft>
-                  <a:spcPct val="0"/>
-                </a:spcAft>
-                <a:buClrTx/>
-                <a:buSzTx/>
-                <a:buFontTx/>
-                <a:buNone/>
-                <a:tabLst/>
-              </a:pPr>
-              <a:r>
-                <a:rPr kumimoji="0" lang="fr-FR" sz="1200" b="1" i="0" u="none" strike="noStrike" cap="none" normalizeH="0" baseline="0" dirty="0" smtClean="0">
-                  <a:ln>
-                    <a:noFill/>
-                  </a:ln>
-                  <a:solidFill>
-                    <a:schemeClr val="tx1"/>
-                  </a:solidFill>
-                  <a:effectLst/>
-                  <a:latin typeface="Arial" pitchFamily="34" charset="0"/>
-                  <a:ea typeface="Calibri" pitchFamily="34" charset="0"/>
-                  <a:cs typeface="Times New Roman" pitchFamily="18" charset="0"/>
-                </a:rPr>
-                <a:t>SI  Capsailor</a:t>
-              </a:r>
-              <a:endParaRPr kumimoji="0" lang="fr-FR" sz="1200" b="0" i="0" u="none" strike="noStrike" cap="none" normalizeH="0" baseline="0" dirty="0" smtClean="0">
-                <a:ln>
-                  <a:noFill/>
-                </a:ln>
-                <a:solidFill>
-                  <a:schemeClr val="tx1"/>
-                </a:solidFill>
-                <a:effectLst/>
-                <a:latin typeface="Arial" pitchFamily="34" charset="0"/>
-                <a:cs typeface="Arial" pitchFamily="34" charset="0"/>
-              </a:endParaRPr>
-            </a:p>
-          </p:txBody>
-        </p:sp>
-        <p:pic>
-          <p:nvPicPr>
-            <p:cNvPr id="15387" name="Image 312"/>
-            <p:cNvPicPr>
-              <a:picLocks noChangeAspect="1" noChangeArrowheads="1"/>
-            </p:cNvPicPr>
-            <p:nvPr/>
-          </p:nvPicPr>
-          <p:blipFill>
-            <a:blip r:embed="rId9" cstate="print"/>
-            <a:srcRect/>
-            <a:stretch>
-              <a:fillRect/>
-            </a:stretch>
-          </p:blipFill>
-          <p:spPr bwMode="auto">
-            <a:xfrm>
-              <a:off x="1554480" y="1828800"/>
-              <a:ext cx="1112520" cy="363856"/>
-            </a:xfrm>
-            <a:prstGeom prst="rect">
-              <a:avLst/>
-            </a:prstGeom>
-            <a:noFill/>
-          </p:spPr>
-        </p:pic>
-        <p:sp>
-          <p:nvSpPr>
-            <p:cNvPr id="15388" name="AutoShape 28"/>
-            <p:cNvSpPr>
-              <a:spLocks noChangeArrowheads="1"/>
-            </p:cNvSpPr>
-            <p:nvPr/>
-          </p:nvSpPr>
-          <p:spPr bwMode="auto">
-            <a:xfrm>
-              <a:off x="3680460" y="1828800"/>
-              <a:ext cx="800100" cy="790575"/>
-            </a:xfrm>
-            <a:prstGeom prst="can">
-              <a:avLst>
-                <a:gd name="adj" fmla="val 25000"/>
-              </a:avLst>
-            </a:prstGeom>
-            <a:gradFill rotWithShape="0">
-              <a:gsLst>
-                <a:gs pos="0">
-                  <a:srgbClr val="A7C5CF"/>
-                </a:gs>
-                <a:gs pos="50000">
-                  <a:srgbClr val="E1EBEF"/>
-                </a:gs>
-                <a:gs pos="100000">
-                  <a:srgbClr val="A7C5CF"/>
-                </a:gs>
-              </a:gsLst>
-              <a:lin ang="18900000" scaled="1"/>
-            </a:gradFill>
-            <a:ln w="12700">
-              <a:solidFill>
-                <a:srgbClr val="A7C5CF"/>
-              </a:solidFill>
-              <a:round/>
-              <a:headEnd/>
-              <a:tailEnd/>
-            </a:ln>
-            <a:effectLst>
-              <a:outerShdw dist="28398" dir="3806097" algn="ctr" rotWithShape="0">
-                <a:srgbClr val="32515C">
-                  <a:alpha val="50000"/>
-                </a:srgbClr>
-              </a:outerShdw>
-            </a:effectLst>
-          </p:spPr>
-          <p:txBody>
-            <a:bodyPr vert="horz" wrap="square" lIns="91440" tIns="45720" rIns="91440" bIns="45720" numCol="1" anchor="t" anchorCtr="0" compatLnSpc="1">
-              <a:prstTxWarp prst="textNoShape">
-                <a:avLst/>
-              </a:prstTxWarp>
-            </a:bodyPr>
-            <a:lstStyle/>
-            <a:p>
-              <a:pPr marL="0" marR="0" lvl="0" indent="0" algn="ctr" defTabSz="914400" rtl="0" eaLnBrk="1" fontAlgn="base" latinLnBrk="0" hangingPunct="1">
-                <a:lnSpc>
-                  <a:spcPct val="100000"/>
-                </a:lnSpc>
-                <a:spcBef>
-                  <a:spcPct val="0"/>
-                </a:spcBef>
-                <a:spcAft>
-                  <a:spcPct val="0"/>
-                </a:spcAft>
-                <a:buClrTx/>
-                <a:buSzTx/>
-                <a:buFontTx/>
-                <a:buNone/>
-                <a:tabLst/>
-              </a:pPr>
-              <a:r>
-                <a:rPr kumimoji="0" lang="fr-FR" sz="1200" b="1" i="0" u="none" strike="noStrike" cap="none" normalizeH="0" baseline="0" dirty="0" smtClean="0">
-                  <a:ln>
-                    <a:noFill/>
-                  </a:ln>
-                  <a:solidFill>
-                    <a:srgbClr val="C00000"/>
-                  </a:solidFill>
-                  <a:effectLst/>
-                  <a:latin typeface="Arial" pitchFamily="34" charset="0"/>
-                  <a:ea typeface="Calibri" pitchFamily="34" charset="0"/>
-                  <a:cs typeface="Times New Roman" pitchFamily="18" charset="0"/>
-                </a:rPr>
-                <a:t>MYSQL</a:t>
-              </a:r>
-              <a:endParaRPr kumimoji="0" lang="fr-FR" sz="1200" b="0" i="0" u="none" strike="noStrike" cap="none" normalizeH="0" baseline="0" dirty="0" smtClean="0">
-                <a:ln>
-                  <a:noFill/>
-                </a:ln>
-                <a:solidFill>
-                  <a:schemeClr val="tx1"/>
-                </a:solidFill>
-                <a:effectLst/>
-                <a:latin typeface="Arial" pitchFamily="34" charset="0"/>
-                <a:cs typeface="Arial" pitchFamily="34" charset="0"/>
-              </a:endParaRPr>
-            </a:p>
-          </p:txBody>
-        </p:sp>
-        <p:sp>
-          <p:nvSpPr>
-            <p:cNvPr id="15376" name="AutoShape 16"/>
-            <p:cNvSpPr>
-              <a:spLocks noChangeArrowheads="1"/>
-            </p:cNvSpPr>
-            <p:nvPr/>
-          </p:nvSpPr>
-          <p:spPr bwMode="auto">
-            <a:xfrm>
-              <a:off x="1554480" y="2484120"/>
-              <a:ext cx="1798320" cy="570230"/>
-            </a:xfrm>
-            <a:prstGeom prst="bevel">
-              <a:avLst>
-                <a:gd name="adj" fmla="val 12500"/>
-              </a:avLst>
-            </a:prstGeom>
-            <a:solidFill>
-              <a:srgbClr val="92D050"/>
-            </a:solidFill>
-            <a:ln w="9525">
-              <a:noFill/>
-              <a:miter lim="800000"/>
-              <a:headEnd/>
-              <a:tailEnd/>
-            </a:ln>
-            <a:effectLst>
-              <a:prstShdw prst="shdw17" dist="17961" dir="2700000">
-                <a:srgbClr val="92D050">
-                  <a:gamma/>
-                  <a:shade val="60000"/>
-                  <a:invGamma/>
-                </a:srgbClr>
-              </a:prstShdw>
-            </a:effectLst>
-          </p:spPr>
-          <p:txBody>
-            <a:bodyPr vert="horz" wrap="square" lIns="91440" tIns="45720" rIns="91440" bIns="45720" numCol="1" anchor="t" anchorCtr="0" compatLnSpc="1">
-              <a:prstTxWarp prst="textNoShape">
-                <a:avLst/>
-              </a:prstTxWarp>
-            </a:bodyPr>
-            <a:lstStyle/>
-            <a:p>
-              <a:pPr marL="0" marR="0" lvl="0" indent="0" algn="ctr" defTabSz="914400" rtl="0" eaLnBrk="1" fontAlgn="base" latinLnBrk="0" hangingPunct="1">
-                <a:lnSpc>
-                  <a:spcPct val="100000"/>
-                </a:lnSpc>
-                <a:spcBef>
-                  <a:spcPct val="0"/>
-                </a:spcBef>
-                <a:spcAft>
-                  <a:spcPct val="0"/>
-                </a:spcAft>
-                <a:buClrTx/>
-                <a:buSzTx/>
-                <a:buFontTx/>
-                <a:buNone/>
-                <a:tabLst/>
-              </a:pPr>
-              <a:r>
-                <a:rPr kumimoji="0" lang="fr-FR" sz="1200" b="1" i="0" u="none" strike="noStrike" cap="none" normalizeH="0" baseline="0" dirty="0" smtClean="0">
-                  <a:ln>
-                    <a:noFill/>
-                  </a:ln>
-                  <a:solidFill>
-                    <a:srgbClr val="FFFFFF"/>
-                  </a:solidFill>
-                  <a:effectLst/>
-                  <a:latin typeface="Arial" pitchFamily="34" charset="0"/>
-                  <a:ea typeface="Calibri" pitchFamily="34" charset="0"/>
-                  <a:cs typeface="Times New Roman" pitchFamily="18" charset="0"/>
-                </a:rPr>
-                <a:t>Commissions Calculées</a:t>
-              </a:r>
-              <a:endParaRPr kumimoji="0" lang="fr-FR" sz="1200" b="0" i="0" u="none" strike="noStrike" cap="none" normalizeH="0" baseline="0" dirty="0" smtClean="0">
-                <a:ln>
-                  <a:noFill/>
-                </a:ln>
-                <a:solidFill>
-                  <a:schemeClr val="tx1"/>
-                </a:solidFill>
-                <a:effectLst/>
-                <a:latin typeface="Arial" pitchFamily="34" charset="0"/>
-                <a:cs typeface="Arial" pitchFamily="34" charset="0"/>
-              </a:endParaRPr>
-            </a:p>
-          </p:txBody>
-        </p:sp>
-        <p:sp>
-          <p:nvSpPr>
-            <p:cNvPr id="15372" name="AutoShape 12"/>
-            <p:cNvSpPr>
-              <a:spLocks noChangeArrowheads="1"/>
-            </p:cNvSpPr>
-            <p:nvPr/>
-          </p:nvSpPr>
-          <p:spPr bwMode="auto">
-            <a:xfrm>
-              <a:off x="6433185" y="2468880"/>
-              <a:ext cx="1415415" cy="547053"/>
-            </a:xfrm>
-            <a:prstGeom prst="bevel">
-              <a:avLst>
-                <a:gd name="adj" fmla="val 12500"/>
-              </a:avLst>
-            </a:prstGeom>
-            <a:solidFill>
-              <a:srgbClr val="92D050"/>
-            </a:solidFill>
-            <a:ln w="9525">
-              <a:noFill/>
-              <a:miter lim="800000"/>
-              <a:headEnd/>
-              <a:tailEnd/>
-            </a:ln>
-            <a:effectLst>
-              <a:prstShdw prst="shdw17" dist="17961" dir="2700000">
-                <a:srgbClr val="92D050">
-                  <a:gamma/>
-                  <a:shade val="60000"/>
-                  <a:invGamma/>
-                </a:srgbClr>
-              </a:prstShdw>
-            </a:effectLst>
-          </p:spPr>
-          <p:txBody>
-            <a:bodyPr vert="horz" wrap="square" lIns="91440" tIns="45720" rIns="91440" bIns="45720" numCol="1" anchor="t" anchorCtr="0" compatLnSpc="1">
-              <a:prstTxWarp prst="textNoShape">
-                <a:avLst/>
-              </a:prstTxWarp>
-            </a:bodyPr>
-            <a:lstStyle/>
-            <a:p>
-              <a:pPr marL="0" marR="0" lvl="0" indent="0" algn="ctr" defTabSz="914400" rtl="0" eaLnBrk="1" fontAlgn="base" latinLnBrk="0" hangingPunct="1">
-                <a:lnSpc>
-                  <a:spcPct val="100000"/>
-                </a:lnSpc>
-                <a:spcBef>
-                  <a:spcPct val="0"/>
-                </a:spcBef>
-                <a:spcAft>
-                  <a:spcPct val="0"/>
-                </a:spcAft>
-                <a:buClrTx/>
-                <a:buSzTx/>
-                <a:buFontTx/>
-                <a:buNone/>
-                <a:tabLst/>
-              </a:pPr>
-              <a:r>
-                <a:rPr kumimoji="0" lang="fr-FR" sz="1200" b="1" i="0" u="none" strike="noStrike" cap="none" normalizeH="0" baseline="0" dirty="0" smtClean="0">
-                  <a:ln>
-                    <a:noFill/>
-                  </a:ln>
-                  <a:solidFill>
-                    <a:srgbClr val="FFFFFF"/>
-                  </a:solidFill>
-                  <a:effectLst/>
-                  <a:latin typeface="Arial" pitchFamily="34" charset="0"/>
-                  <a:ea typeface="Calibri" pitchFamily="34" charset="0"/>
-                  <a:cs typeface="Times New Roman" pitchFamily="18" charset="0"/>
-                </a:rPr>
-                <a:t>Validation</a:t>
-              </a:r>
-              <a:endParaRPr kumimoji="0" lang="fr-FR" sz="1200" b="0" i="0" u="none" strike="noStrike" cap="none" normalizeH="0" baseline="0" dirty="0" smtClean="0">
-                <a:ln>
-                  <a:noFill/>
-                </a:ln>
-                <a:solidFill>
-                  <a:schemeClr val="tx1"/>
-                </a:solidFill>
-                <a:effectLst/>
-                <a:latin typeface="Arial" pitchFamily="34" charset="0"/>
-                <a:cs typeface="Arial" pitchFamily="34" charset="0"/>
-              </a:endParaRPr>
-            </a:p>
-          </p:txBody>
-        </p:sp>
-      </p:grpSp>
-      <p:grpSp>
-        <p:nvGrpSpPr>
-          <p:cNvPr id="37" name="Groupe 36"/>
-          <p:cNvGrpSpPr/>
-          <p:nvPr/>
-        </p:nvGrpSpPr>
-        <p:grpSpPr>
-          <a:xfrm>
-            <a:off x="2929890" y="4112260"/>
-            <a:ext cx="1748790" cy="1054100"/>
-            <a:chOff x="1695450" y="1612900"/>
-            <a:chExt cx="1314450" cy="609600"/>
-          </a:xfrm>
-        </p:grpSpPr>
-        <p:sp>
-          <p:nvSpPr>
-            <p:cNvPr id="15384" name="AutoShape 24"/>
-            <p:cNvSpPr>
-              <a:spLocks noChangeArrowheads="1"/>
-            </p:cNvSpPr>
-            <p:nvPr/>
-          </p:nvSpPr>
-          <p:spPr bwMode="auto">
-            <a:xfrm>
-              <a:off x="1695450" y="1612900"/>
-              <a:ext cx="1314450" cy="609600"/>
-            </a:xfrm>
-            <a:prstGeom prst="foldedCorner">
-              <a:avLst>
-                <a:gd name="adj" fmla="val 17940"/>
-              </a:avLst>
-            </a:prstGeom>
-            <a:solidFill>
-              <a:srgbClr val="FFFFFF"/>
-            </a:solidFill>
-            <a:ln w="9525">
-              <a:solidFill>
-                <a:srgbClr val="000000"/>
-              </a:solidFill>
-              <a:round/>
-              <a:headEnd/>
-              <a:tailEnd/>
-            </a:ln>
-          </p:spPr>
-          <p:txBody>
-            <a:bodyPr vert="horz" wrap="square" lIns="91440" tIns="45720" rIns="91440" bIns="45720" numCol="1" anchor="t" anchorCtr="0" compatLnSpc="1">
-              <a:prstTxWarp prst="textNoShape">
-                <a:avLst/>
-              </a:prstTxWarp>
-            </a:bodyPr>
-            <a:lstStyle/>
-            <a:p>
-              <a:pPr marL="0" marR="0" lvl="0" indent="0" algn="ctr" defTabSz="914400" rtl="0" eaLnBrk="1" fontAlgn="base" latinLnBrk="0" hangingPunct="1">
-                <a:lnSpc>
-                  <a:spcPct val="100000"/>
-                </a:lnSpc>
-                <a:spcBef>
-                  <a:spcPct val="0"/>
-                </a:spcBef>
-                <a:spcAft>
-                  <a:spcPct val="0"/>
-                </a:spcAft>
-                <a:buClrTx/>
-                <a:buSzTx/>
-                <a:buFontTx/>
-                <a:buNone/>
-                <a:tabLst/>
-              </a:pPr>
-              <a:r>
-                <a:rPr kumimoji="0" lang="fr-FR" sz="1200" b="1" i="0" u="none" strike="noStrike" cap="none" normalizeH="0" baseline="0" dirty="0" smtClean="0">
-                  <a:ln>
-                    <a:noFill/>
-                  </a:ln>
-                  <a:solidFill>
-                    <a:schemeClr val="tx1"/>
-                  </a:solidFill>
-                  <a:effectLst/>
-                  <a:latin typeface="Arial" pitchFamily="34" charset="0"/>
-                  <a:ea typeface="Calibri" pitchFamily="34" charset="0"/>
-                  <a:cs typeface="Times New Roman" pitchFamily="18" charset="0"/>
-                </a:rPr>
-                <a:t>Commissions calculées</a:t>
-              </a:r>
-              <a:endParaRPr kumimoji="0" lang="fr-FR" sz="1200" b="0" i="0" u="none" strike="noStrike" cap="none" normalizeH="0" baseline="0" dirty="0" smtClean="0">
-                <a:ln>
-                  <a:noFill/>
-                </a:ln>
-                <a:solidFill>
-                  <a:schemeClr val="tx1"/>
-                </a:solidFill>
-                <a:effectLst/>
-                <a:latin typeface="Arial" pitchFamily="34" charset="0"/>
-                <a:cs typeface="Arial" pitchFamily="34" charset="0"/>
-              </a:endParaRPr>
-            </a:p>
-          </p:txBody>
-        </p:sp>
-        <p:pic>
-          <p:nvPicPr>
-            <p:cNvPr id="15363" name="Picture 3" descr="excel"/>
-            <p:cNvPicPr>
-              <a:picLocks noChangeAspect="1" noChangeArrowheads="1"/>
-            </p:cNvPicPr>
-            <p:nvPr/>
-          </p:nvPicPr>
-          <p:blipFill>
-            <a:blip r:embed="rId10" cstate="print"/>
-            <a:srcRect/>
-            <a:stretch>
-              <a:fillRect/>
-            </a:stretch>
-          </p:blipFill>
-          <p:spPr bwMode="auto">
-            <a:xfrm>
-              <a:off x="1816100" y="1895475"/>
-              <a:ext cx="269875" cy="260350"/>
-            </a:xfrm>
-            <a:prstGeom prst="rect">
-              <a:avLst/>
-            </a:prstGeom>
-            <a:noFill/>
-          </p:spPr>
-        </p:pic>
-        <p:pic>
-          <p:nvPicPr>
-            <p:cNvPr id="15362" name="Picture 2" descr="excel"/>
-            <p:cNvPicPr>
-              <a:picLocks noChangeAspect="1" noChangeArrowheads="1"/>
-            </p:cNvPicPr>
-            <p:nvPr/>
-          </p:nvPicPr>
-          <p:blipFill>
-            <a:blip r:embed="rId10" cstate="print"/>
-            <a:srcRect/>
-            <a:stretch>
-              <a:fillRect/>
-            </a:stretch>
-          </p:blipFill>
-          <p:spPr bwMode="auto">
-            <a:xfrm>
-              <a:off x="2187575" y="1895475"/>
-              <a:ext cx="269875" cy="260350"/>
-            </a:xfrm>
-            <a:prstGeom prst="rect">
-              <a:avLst/>
-            </a:prstGeom>
-            <a:noFill/>
-          </p:spPr>
-        </p:pic>
-        <p:pic>
-          <p:nvPicPr>
-            <p:cNvPr id="15361" name="Picture 1" descr="excel"/>
-            <p:cNvPicPr>
-              <a:picLocks noChangeAspect="1" noChangeArrowheads="1"/>
-            </p:cNvPicPr>
-            <p:nvPr/>
-          </p:nvPicPr>
-          <p:blipFill>
-            <a:blip r:embed="rId10" cstate="print"/>
-            <a:srcRect/>
-            <a:stretch>
-              <a:fillRect/>
-            </a:stretch>
-          </p:blipFill>
-          <p:spPr bwMode="auto">
-            <a:xfrm>
-              <a:off x="2552700" y="1895475"/>
-              <a:ext cx="269875" cy="260350"/>
-            </a:xfrm>
-            <a:prstGeom prst="rect">
-              <a:avLst/>
-            </a:prstGeom>
-            <a:noFill/>
-          </p:spPr>
-        </p:pic>
-      </p:grpSp>
       <p:sp>
         <p:nvSpPr>
           <p:cNvPr id="15390" name="Rectangle 30"/>
@@ -16188,9 +12574,405 @@
           </a:p>
         </p:txBody>
       </p:sp>
+      <p:sp>
+        <p:nvSpPr>
+          <p:cNvPr id="36" name="Rectangle 35"/>
+          <p:cNvSpPr/>
+          <p:nvPr/>
+        </p:nvSpPr>
+        <p:spPr bwMode="auto">
+          <a:xfrm>
+            <a:off x="914400" y="1593410"/>
+            <a:ext cx="1195057" cy="1656784"/>
+          </a:xfrm>
+          <a:prstGeom prst="rect">
+            <a:avLst/>
+          </a:prstGeom>
+          <a:solidFill>
+            <a:schemeClr val="accent1"/>
+          </a:solidFill>
+          <a:ln w="9525" cap="flat" cmpd="sng" algn="ctr">
+            <a:solidFill>
+              <a:schemeClr val="tx1"/>
+            </a:solidFill>
+            <a:prstDash val="solid"/>
+            <a:round/>
+            <a:headEnd type="none" w="med" len="med"/>
+            <a:tailEnd type="none" w="med" len="med"/>
+          </a:ln>
+          <a:effectLst/>
+        </p:spPr>
+        <p:txBody>
+          <a:bodyPr vert="horz" wrap="square" lIns="91440" tIns="45720" rIns="91440" bIns="45720" numCol="1" rtlCol="0" anchor="t" anchorCtr="0" compatLnSpc="1">
+            <a:prstTxWarp prst="textNoShape">
+              <a:avLst/>
+            </a:prstTxWarp>
+          </a:bodyPr>
+          <a:lstStyle/>
+          <a:p>
+            <a:pPr marL="0" marR="0" indent="0" algn="ctr" defTabSz="914400" rtl="0" eaLnBrk="0" fontAlgn="base" latinLnBrk="0" hangingPunct="0">
+              <a:lnSpc>
+                <a:spcPct val="100000"/>
+              </a:lnSpc>
+              <a:spcBef>
+                <a:spcPct val="0"/>
+              </a:spcBef>
+              <a:spcAft>
+                <a:spcPct val="0"/>
+              </a:spcAft>
+              <a:buClrTx/>
+              <a:buSzTx/>
+              <a:buFontTx/>
+              <a:buNone/>
+              <a:tabLst/>
+            </a:pPr>
+            <a:endParaRPr kumimoji="0" lang="fr-FR" sz="2400" b="0" i="0" u="none" strike="noStrike" cap="none" normalizeH="0" baseline="0" smtClean="0">
+              <a:ln>
+                <a:noFill/>
+              </a:ln>
+              <a:solidFill>
+                <a:schemeClr val="tx1"/>
+              </a:solidFill>
+              <a:effectLst/>
+              <a:latin typeface="Arial" pitchFamily="34" charset="0"/>
+              <a:ea typeface="MS PGothic" pitchFamily="34" charset="-128"/>
+            </a:endParaRPr>
+          </a:p>
+        </p:txBody>
+      </p:sp>
+      <p:sp>
+        <p:nvSpPr>
+          <p:cNvPr id="41" name="Rectangle 40"/>
+          <p:cNvSpPr/>
+          <p:nvPr/>
+        </p:nvSpPr>
+        <p:spPr bwMode="auto">
+          <a:xfrm>
+            <a:off x="2433867" y="1591900"/>
+            <a:ext cx="1004934" cy="1649241"/>
+          </a:xfrm>
+          <a:prstGeom prst="rect">
+            <a:avLst/>
+          </a:prstGeom>
+          <a:solidFill>
+            <a:schemeClr val="accent1"/>
+          </a:solidFill>
+          <a:ln w="9525" cap="flat" cmpd="sng" algn="ctr">
+            <a:solidFill>
+              <a:schemeClr val="tx1"/>
+            </a:solidFill>
+            <a:prstDash val="solid"/>
+            <a:round/>
+            <a:headEnd type="none" w="med" len="med"/>
+            <a:tailEnd type="none" w="med" len="med"/>
+          </a:ln>
+          <a:effectLst/>
+        </p:spPr>
+        <p:txBody>
+          <a:bodyPr vert="horz" wrap="square" lIns="91440" tIns="45720" rIns="91440" bIns="45720" numCol="1" rtlCol="0" anchor="t" anchorCtr="0" compatLnSpc="1">
+            <a:prstTxWarp prst="textNoShape">
+              <a:avLst/>
+            </a:prstTxWarp>
+          </a:bodyPr>
+          <a:lstStyle/>
+          <a:p>
+            <a:pPr marL="0" marR="0" indent="0" algn="ctr" defTabSz="914400" rtl="0" eaLnBrk="0" fontAlgn="base" latinLnBrk="0" hangingPunct="0">
+              <a:lnSpc>
+                <a:spcPct val="100000"/>
+              </a:lnSpc>
+              <a:spcBef>
+                <a:spcPct val="0"/>
+              </a:spcBef>
+              <a:spcAft>
+                <a:spcPct val="0"/>
+              </a:spcAft>
+              <a:buClrTx/>
+              <a:buSzTx/>
+              <a:buFontTx/>
+              <a:buNone/>
+              <a:tabLst/>
+            </a:pPr>
+            <a:endParaRPr kumimoji="0" lang="fr-FR" sz="2400" b="0" i="0" u="none" strike="noStrike" cap="none" normalizeH="0" baseline="0" smtClean="0">
+              <a:ln>
+                <a:noFill/>
+              </a:ln>
+              <a:solidFill>
+                <a:schemeClr val="tx1"/>
+              </a:solidFill>
+              <a:effectLst/>
+              <a:latin typeface="Arial" pitchFamily="34" charset="0"/>
+              <a:ea typeface="MS PGothic" pitchFamily="34" charset="-128"/>
+            </a:endParaRPr>
+          </a:p>
+        </p:txBody>
+      </p:sp>
+      <p:sp>
+        <p:nvSpPr>
+          <p:cNvPr id="42" name="Rectangle 41"/>
+          <p:cNvSpPr/>
+          <p:nvPr/>
+        </p:nvSpPr>
+        <p:spPr bwMode="auto">
+          <a:xfrm>
+            <a:off x="3819041" y="1591901"/>
+            <a:ext cx="1004934" cy="1640186"/>
+          </a:xfrm>
+          <a:prstGeom prst="rect">
+            <a:avLst/>
+          </a:prstGeom>
+          <a:solidFill>
+            <a:schemeClr val="accent1"/>
+          </a:solidFill>
+          <a:ln w="9525" cap="flat" cmpd="sng" algn="ctr">
+            <a:solidFill>
+              <a:schemeClr val="tx1"/>
+            </a:solidFill>
+            <a:prstDash val="solid"/>
+            <a:round/>
+            <a:headEnd type="none" w="med" len="med"/>
+            <a:tailEnd type="none" w="med" len="med"/>
+          </a:ln>
+          <a:effectLst/>
+        </p:spPr>
+        <p:txBody>
+          <a:bodyPr vert="horz" wrap="square" lIns="91440" tIns="45720" rIns="91440" bIns="45720" numCol="1" rtlCol="0" anchor="t" anchorCtr="0" compatLnSpc="1">
+            <a:prstTxWarp prst="textNoShape">
+              <a:avLst/>
+            </a:prstTxWarp>
+          </a:bodyPr>
+          <a:lstStyle/>
+          <a:p>
+            <a:pPr marL="0" marR="0" indent="0" algn="ctr" defTabSz="914400" rtl="0" eaLnBrk="0" fontAlgn="base" latinLnBrk="0" hangingPunct="0">
+              <a:lnSpc>
+                <a:spcPct val="100000"/>
+              </a:lnSpc>
+              <a:spcBef>
+                <a:spcPct val="0"/>
+              </a:spcBef>
+              <a:spcAft>
+                <a:spcPct val="0"/>
+              </a:spcAft>
+              <a:buClrTx/>
+              <a:buSzTx/>
+              <a:buFontTx/>
+              <a:buNone/>
+              <a:tabLst/>
+            </a:pPr>
+            <a:endParaRPr kumimoji="0" lang="fr-FR" sz="2400" b="0" i="0" u="none" strike="noStrike" cap="none" normalizeH="0" baseline="0" smtClean="0">
+              <a:ln>
+                <a:noFill/>
+              </a:ln>
+              <a:solidFill>
+                <a:schemeClr val="tx1"/>
+              </a:solidFill>
+              <a:effectLst/>
+              <a:latin typeface="Arial" pitchFamily="34" charset="0"/>
+              <a:ea typeface="MS PGothic" pitchFamily="34" charset="-128"/>
+            </a:endParaRPr>
+          </a:p>
+        </p:txBody>
+      </p:sp>
+      <p:sp>
+        <p:nvSpPr>
+          <p:cNvPr id="43" name="Rectangle 42"/>
+          <p:cNvSpPr/>
+          <p:nvPr/>
+        </p:nvSpPr>
+        <p:spPr bwMode="auto">
+          <a:xfrm>
+            <a:off x="5204213" y="1582846"/>
+            <a:ext cx="1004934" cy="1640188"/>
+          </a:xfrm>
+          <a:prstGeom prst="rect">
+            <a:avLst/>
+          </a:prstGeom>
+          <a:solidFill>
+            <a:schemeClr val="accent1"/>
+          </a:solidFill>
+          <a:ln w="9525" cap="flat" cmpd="sng" algn="ctr">
+            <a:solidFill>
+              <a:schemeClr val="tx1"/>
+            </a:solidFill>
+            <a:prstDash val="solid"/>
+            <a:round/>
+            <a:headEnd type="none" w="med" len="med"/>
+            <a:tailEnd type="none" w="med" len="med"/>
+          </a:ln>
+          <a:effectLst/>
+        </p:spPr>
+        <p:txBody>
+          <a:bodyPr vert="horz" wrap="square" lIns="91440" tIns="45720" rIns="91440" bIns="45720" numCol="1" rtlCol="0" anchor="t" anchorCtr="0" compatLnSpc="1">
+            <a:prstTxWarp prst="textNoShape">
+              <a:avLst/>
+            </a:prstTxWarp>
+          </a:bodyPr>
+          <a:lstStyle/>
+          <a:p>
+            <a:pPr marL="0" marR="0" indent="0" algn="ctr" defTabSz="914400" rtl="0" eaLnBrk="0" fontAlgn="base" latinLnBrk="0" hangingPunct="0">
+              <a:lnSpc>
+                <a:spcPct val="100000"/>
+              </a:lnSpc>
+              <a:spcBef>
+                <a:spcPct val="0"/>
+              </a:spcBef>
+              <a:spcAft>
+                <a:spcPct val="0"/>
+              </a:spcAft>
+              <a:buClrTx/>
+              <a:buSzTx/>
+              <a:buFontTx/>
+              <a:buNone/>
+              <a:tabLst/>
+            </a:pPr>
+            <a:endParaRPr kumimoji="0" lang="fr-FR" sz="2400" b="0" i="0" u="none" strike="noStrike" cap="none" normalizeH="0" baseline="0" smtClean="0">
+              <a:ln>
+                <a:noFill/>
+              </a:ln>
+              <a:solidFill>
+                <a:schemeClr val="tx1"/>
+              </a:solidFill>
+              <a:effectLst/>
+              <a:latin typeface="Arial" pitchFamily="34" charset="0"/>
+              <a:ea typeface="MS PGothic" pitchFamily="34" charset="-128"/>
+            </a:endParaRPr>
+          </a:p>
+        </p:txBody>
+      </p:sp>
+      <p:sp>
+        <p:nvSpPr>
+          <p:cNvPr id="45" name="Rectangle 44"/>
+          <p:cNvSpPr/>
+          <p:nvPr/>
+        </p:nvSpPr>
+        <p:spPr bwMode="auto">
+          <a:xfrm>
+            <a:off x="6833816" y="1582844"/>
+            <a:ext cx="1004934" cy="1631136"/>
+          </a:xfrm>
+          <a:prstGeom prst="rect">
+            <a:avLst/>
+          </a:prstGeom>
+          <a:solidFill>
+            <a:schemeClr val="accent1"/>
+          </a:solidFill>
+          <a:ln w="9525" cap="flat" cmpd="sng" algn="ctr">
+            <a:solidFill>
+              <a:schemeClr val="tx1"/>
+            </a:solidFill>
+            <a:prstDash val="solid"/>
+            <a:round/>
+            <a:headEnd type="none" w="med" len="med"/>
+            <a:tailEnd type="none" w="med" len="med"/>
+          </a:ln>
+          <a:effectLst/>
+        </p:spPr>
+        <p:txBody>
+          <a:bodyPr vert="horz" wrap="square" lIns="91440" tIns="45720" rIns="91440" bIns="45720" numCol="1" rtlCol="0" anchor="t" anchorCtr="0" compatLnSpc="1">
+            <a:prstTxWarp prst="textNoShape">
+              <a:avLst/>
+            </a:prstTxWarp>
+          </a:bodyPr>
+          <a:lstStyle/>
+          <a:p>
+            <a:pPr marL="0" marR="0" indent="0" algn="ctr" defTabSz="914400" rtl="0" eaLnBrk="0" fontAlgn="base" latinLnBrk="0" hangingPunct="0">
+              <a:lnSpc>
+                <a:spcPct val="100000"/>
+              </a:lnSpc>
+              <a:spcBef>
+                <a:spcPct val="0"/>
+              </a:spcBef>
+              <a:spcAft>
+                <a:spcPct val="0"/>
+              </a:spcAft>
+              <a:buClrTx/>
+              <a:buSzTx/>
+              <a:buFontTx/>
+              <a:buNone/>
+              <a:tabLst/>
+            </a:pPr>
+            <a:endParaRPr kumimoji="0" lang="fr-FR" sz="2400" b="0" i="0" u="none" strike="noStrike" cap="none" normalizeH="0" baseline="0" smtClean="0">
+              <a:ln>
+                <a:noFill/>
+              </a:ln>
+              <a:solidFill>
+                <a:schemeClr val="tx1"/>
+              </a:solidFill>
+              <a:effectLst/>
+              <a:latin typeface="Arial" pitchFamily="34" charset="0"/>
+              <a:ea typeface="MS PGothic" pitchFamily="34" charset="-128"/>
+            </a:endParaRPr>
+          </a:p>
+        </p:txBody>
+      </p:sp>
+      <p:sp>
+        <p:nvSpPr>
+          <p:cNvPr id="46" name="Organigramme : Disque magnétique 45"/>
+          <p:cNvSpPr/>
+          <p:nvPr/>
+        </p:nvSpPr>
+        <p:spPr bwMode="auto">
+          <a:xfrm>
+            <a:off x="2127565" y="3757189"/>
+            <a:ext cx="805759" cy="823865"/>
+          </a:xfrm>
+          <a:prstGeom prst="flowChartMagneticDisk">
+            <a:avLst/>
+          </a:prstGeom>
+          <a:solidFill>
+            <a:schemeClr val="accent1"/>
+          </a:solidFill>
+          <a:ln w="9525" cap="flat" cmpd="sng" algn="ctr">
+            <a:solidFill>
+              <a:schemeClr val="tx1"/>
+            </a:solidFill>
+            <a:prstDash val="solid"/>
+            <a:round/>
+            <a:headEnd type="none" w="med" len="med"/>
+            <a:tailEnd type="none" w="med" len="med"/>
+          </a:ln>
+          <a:effectLst/>
+        </p:spPr>
+        <p:txBody>
+          <a:bodyPr vert="horz" wrap="square" lIns="91440" tIns="45720" rIns="91440" bIns="45720" numCol="1" rtlCol="0" anchor="t" anchorCtr="0" compatLnSpc="1">
+            <a:prstTxWarp prst="textNoShape">
+              <a:avLst/>
+            </a:prstTxWarp>
+          </a:bodyPr>
+          <a:lstStyle/>
+          <a:p>
+            <a:pPr marL="0" marR="0" indent="0" algn="ctr" defTabSz="914400" rtl="0" eaLnBrk="0" fontAlgn="base" latinLnBrk="0" hangingPunct="0">
+              <a:lnSpc>
+                <a:spcPct val="100000"/>
+              </a:lnSpc>
+              <a:spcBef>
+                <a:spcPct val="0"/>
+              </a:spcBef>
+              <a:spcAft>
+                <a:spcPct val="0"/>
+              </a:spcAft>
+              <a:buClrTx/>
+              <a:buSzTx/>
+              <a:buFontTx/>
+              <a:buNone/>
+              <a:tabLst/>
+            </a:pPr>
+            <a:endParaRPr kumimoji="0" lang="fr-FR" sz="2400" b="0" i="0" u="none" strike="noStrike" cap="none" normalizeH="0" baseline="0" smtClean="0">
+              <a:ln>
+                <a:noFill/>
+              </a:ln>
+              <a:solidFill>
+                <a:schemeClr val="tx1"/>
+              </a:solidFill>
+              <a:effectLst/>
+              <a:latin typeface="Arial" pitchFamily="34" charset="0"/>
+              <a:ea typeface="MS PGothic" pitchFamily="34" charset="-128"/>
+            </a:endParaRPr>
+          </a:p>
+        </p:txBody>
+      </p:sp>
       <p:pic>
         <p:nvPicPr>
-          <p:cNvPr id="38" name="Image 4"/>
+          <p:cNvPr id="47" name="Image 4"/>
           <p:cNvPicPr>
             <a:picLocks noChangeAspect="1" noChangeArrowheads="1"/>
           </p:cNvPicPr>
@@ -16214,126 +12996,225 @@
           <a:noFill/>
         </p:spPr>
       </p:pic>
+      <p:sp>
+        <p:nvSpPr>
+          <p:cNvPr id="48" name="AutoShape 28"/>
+          <p:cNvSpPr>
+            <a:spLocks noChangeArrowheads="1"/>
+          </p:cNvSpPr>
+          <p:nvPr/>
+        </p:nvSpPr>
+        <p:spPr bwMode="auto">
+          <a:xfrm>
+            <a:off x="5011319" y="4209861"/>
+            <a:ext cx="800100" cy="790575"/>
+          </a:xfrm>
+          <a:prstGeom prst="can">
+            <a:avLst>
+              <a:gd name="adj" fmla="val 25000"/>
+            </a:avLst>
+          </a:prstGeom>
+          <a:gradFill rotWithShape="0">
+            <a:gsLst>
+              <a:gs pos="0">
+                <a:srgbClr val="A7C5CF"/>
+              </a:gs>
+              <a:gs pos="50000">
+                <a:srgbClr val="E1EBEF"/>
+              </a:gs>
+              <a:gs pos="100000">
+                <a:srgbClr val="A7C5CF"/>
+              </a:gs>
+            </a:gsLst>
+            <a:lin ang="18900000" scaled="1"/>
+          </a:gradFill>
+          <a:ln w="12700">
+            <a:solidFill>
+              <a:srgbClr val="A7C5CF"/>
+            </a:solidFill>
+            <a:round/>
+            <a:headEnd/>
+            <a:tailEnd/>
+          </a:ln>
+          <a:effectLst>
+            <a:outerShdw dist="28398" dir="3806097" algn="ctr" rotWithShape="0">
+              <a:srgbClr val="32515C">
+                <a:alpha val="50000"/>
+              </a:srgbClr>
+            </a:outerShdw>
+          </a:effectLst>
+        </p:spPr>
+        <p:txBody>
+          <a:bodyPr vert="horz" wrap="square" lIns="91440" tIns="45720" rIns="91440" bIns="45720" numCol="1" anchor="t" anchorCtr="0" compatLnSpc="1">
+            <a:prstTxWarp prst="textNoShape">
+              <a:avLst/>
+            </a:prstTxWarp>
+          </a:bodyPr>
+          <a:lstStyle/>
+          <a:p>
+            <a:pPr marL="0" marR="0" lvl="0" indent="0" algn="ctr" defTabSz="914400" rtl="0" eaLnBrk="1" fontAlgn="base" latinLnBrk="0" hangingPunct="1">
+              <a:lnSpc>
+                <a:spcPct val="100000"/>
+              </a:lnSpc>
+              <a:spcBef>
+                <a:spcPct val="0"/>
+              </a:spcBef>
+              <a:spcAft>
+                <a:spcPct val="0"/>
+              </a:spcAft>
+              <a:buClrTx/>
+              <a:buSzTx/>
+              <a:buFontTx/>
+              <a:buNone/>
+              <a:tabLst/>
+            </a:pPr>
+            <a:r>
+              <a:rPr kumimoji="0" lang="fr-FR" sz="1200" b="1" i="0" u="none" strike="noStrike" cap="none" normalizeH="0" baseline="0" dirty="0" smtClean="0">
+                <a:ln>
+                  <a:noFill/>
+                </a:ln>
+                <a:solidFill>
+                  <a:srgbClr val="C00000"/>
+                </a:solidFill>
+                <a:effectLst/>
+                <a:latin typeface="Arial" pitchFamily="34" charset="0"/>
+                <a:ea typeface="Calibri" pitchFamily="34" charset="0"/>
+                <a:cs typeface="Times New Roman" pitchFamily="18" charset="0"/>
+              </a:rPr>
+              <a:t>MYSQL</a:t>
+            </a:r>
+            <a:endParaRPr kumimoji="0" lang="fr-FR" sz="1200" b="0" i="0" u="none" strike="noStrike" cap="none" normalizeH="0" baseline="0" dirty="0" smtClean="0">
+              <a:ln>
+                <a:noFill/>
+              </a:ln>
+              <a:solidFill>
+                <a:schemeClr val="tx1"/>
+              </a:solidFill>
+              <a:effectLst/>
+              <a:latin typeface="Arial" pitchFamily="34" charset="0"/>
+              <a:cs typeface="Arial" pitchFamily="34" charset="0"/>
+            </a:endParaRPr>
+          </a:p>
+        </p:txBody>
+      </p:sp>
+      <p:sp>
+        <p:nvSpPr>
+          <p:cNvPr id="49" name="AutoShape 9"/>
+          <p:cNvSpPr>
+            <a:spLocks noChangeArrowheads="1"/>
+          </p:cNvSpPr>
+          <p:nvPr/>
+        </p:nvSpPr>
+        <p:spPr bwMode="auto">
+          <a:xfrm>
+            <a:off x="7099017" y="4036159"/>
+            <a:ext cx="1308735" cy="712153"/>
+          </a:xfrm>
+          <a:prstGeom prst="foldedCorner">
+            <a:avLst>
+              <a:gd name="adj" fmla="val 12500"/>
+            </a:avLst>
+          </a:prstGeom>
+          <a:solidFill>
+            <a:srgbClr val="FFFFFF"/>
+          </a:solidFill>
+          <a:ln w="9525">
+            <a:solidFill>
+              <a:srgbClr val="000000"/>
+            </a:solidFill>
+            <a:round/>
+            <a:headEnd/>
+            <a:tailEnd/>
+          </a:ln>
+        </p:spPr>
+        <p:txBody>
+          <a:bodyPr vert="horz" wrap="square" lIns="91440" tIns="45720" rIns="91440" bIns="45720" numCol="1" anchor="t" anchorCtr="0" compatLnSpc="1">
+            <a:prstTxWarp prst="textNoShape">
+              <a:avLst/>
+            </a:prstTxWarp>
+          </a:bodyPr>
+          <a:lstStyle/>
+          <a:p>
+            <a:pPr marL="0" marR="0" lvl="0" indent="0" algn="l" defTabSz="914400" rtl="0" eaLnBrk="1" fontAlgn="base" latinLnBrk="0" hangingPunct="1">
+              <a:lnSpc>
+                <a:spcPct val="100000"/>
+              </a:lnSpc>
+              <a:spcBef>
+                <a:spcPct val="0"/>
+              </a:spcBef>
+              <a:spcAft>
+                <a:spcPct val="0"/>
+              </a:spcAft>
+              <a:buClrTx/>
+              <a:buSzTx/>
+              <a:buFontTx/>
+              <a:buNone/>
+              <a:tabLst/>
+            </a:pPr>
+            <a:r>
+              <a:rPr kumimoji="0" lang="fr-FR" sz="800" b="0" i="0" u="none" strike="noStrike" cap="none" normalizeH="0" baseline="0" dirty="0" smtClean="0">
+                <a:ln>
+                  <a:noFill/>
+                </a:ln>
+                <a:solidFill>
+                  <a:schemeClr val="tx1"/>
+                </a:solidFill>
+                <a:effectLst/>
+                <a:latin typeface="Arial" pitchFamily="34" charset="0"/>
+                <a:ea typeface="Calibri" pitchFamily="34" charset="0"/>
+                <a:cs typeface="Times New Roman" pitchFamily="18" charset="0"/>
+              </a:rPr>
+              <a:t>  Décompression</a:t>
+            </a:r>
+            <a:endParaRPr kumimoji="0" lang="fr-FR" sz="1800" b="0" i="0" u="none" strike="noStrike" cap="none" normalizeH="0" baseline="0" dirty="0" smtClean="0">
+              <a:ln>
+                <a:noFill/>
+              </a:ln>
+              <a:solidFill>
+                <a:schemeClr val="tx1"/>
+              </a:solidFill>
+              <a:effectLst/>
+              <a:latin typeface="Arial" pitchFamily="34" charset="0"/>
+              <a:cs typeface="Arial" pitchFamily="34" charset="0"/>
+            </a:endParaRPr>
+          </a:p>
+        </p:txBody>
+      </p:sp>
+      <p:pic>
+        <p:nvPicPr>
+          <p:cNvPr id="51" name="Image 16" descr="param"/>
+          <p:cNvPicPr>
+            <a:picLocks noChangeAspect="1" noChangeArrowheads="1"/>
+          </p:cNvPicPr>
+          <p:nvPr/>
+        </p:nvPicPr>
+        <p:blipFill>
+          <a:blip r:embed="rId9" cstate="print"/>
+          <a:srcRect/>
+          <a:stretch>
+            <a:fillRect/>
+          </a:stretch>
+        </p:blipFill>
+        <p:spPr bwMode="auto">
+          <a:xfrm>
+            <a:off x="7887260" y="4387253"/>
+            <a:ext cx="439803" cy="329275"/>
+          </a:xfrm>
+          <a:prstGeom prst="rect">
+            <a:avLst/>
+          </a:prstGeom>
+          <a:noFill/>
+        </p:spPr>
+      </p:pic>
       <p:cxnSp>
         <p:nvCxnSpPr>
-          <p:cNvPr id="44" name="Connecteur droit avec flèche 43"/>
+          <p:cNvPr id="52" name="Connecteur droit avec flèche 51"/>
           <p:cNvCxnSpPr/>
           <p:nvPr/>
         </p:nvCxnSpPr>
         <p:spPr bwMode="auto">
           <a:xfrm>
-            <a:off x="2087880" y="3032760"/>
-            <a:ext cx="792480" cy="1341120"/>
-          </a:xfrm>
-          <a:prstGeom prst="straightConnector1">
-            <a:avLst/>
-          </a:prstGeom>
-          <a:ln w="57150">
-            <a:solidFill>
-              <a:srgbClr val="EE2525"/>
-            </a:solidFill>
-            <a:headEnd type="none" w="med" len="med"/>
-            <a:tailEnd type="arrow"/>
-          </a:ln>
-        </p:spPr>
-        <p:style>
-          <a:lnRef idx="3">
-            <a:schemeClr val="accent6"/>
-          </a:lnRef>
-          <a:fillRef idx="0">
-            <a:schemeClr val="accent6"/>
-          </a:fillRef>
-          <a:effectRef idx="2">
-            <a:schemeClr val="accent6"/>
-          </a:effectRef>
-          <a:fontRef idx="minor">
-            <a:schemeClr val="tx1"/>
-          </a:fontRef>
-        </p:style>
-      </p:cxnSp>
-      <p:cxnSp>
-        <p:nvCxnSpPr>
-          <p:cNvPr id="50" name="Connecteur droit avec flèche 49"/>
-          <p:cNvCxnSpPr/>
-          <p:nvPr/>
-        </p:nvCxnSpPr>
-        <p:spPr bwMode="auto">
-          <a:xfrm>
-            <a:off x="4770120" y="4739640"/>
-            <a:ext cx="1036320" cy="0"/>
-          </a:xfrm>
-          <a:prstGeom prst="straightConnector1">
-            <a:avLst/>
-          </a:prstGeom>
-          <a:ln w="57150">
-            <a:solidFill>
-              <a:srgbClr val="EE2525"/>
-            </a:solidFill>
-            <a:headEnd type="none" w="med" len="med"/>
-            <a:tailEnd type="arrow"/>
-          </a:ln>
-        </p:spPr>
-        <p:style>
-          <a:lnRef idx="3">
-            <a:schemeClr val="accent6"/>
-          </a:lnRef>
-          <a:fillRef idx="0">
-            <a:schemeClr val="accent6"/>
-          </a:fillRef>
-          <a:effectRef idx="2">
-            <a:schemeClr val="accent6"/>
-          </a:effectRef>
-          <a:fontRef idx="minor">
-            <a:schemeClr val="tx1"/>
-          </a:fontRef>
-        </p:style>
-      </p:cxnSp>
-      <p:cxnSp>
-        <p:nvCxnSpPr>
-          <p:cNvPr id="55" name="Connecteur droit avec flèche 54"/>
-          <p:cNvCxnSpPr/>
-          <p:nvPr/>
-        </p:nvCxnSpPr>
-        <p:spPr bwMode="auto">
-          <a:xfrm flipV="1">
-            <a:off x="6568440" y="3108960"/>
-            <a:ext cx="289560" cy="1417320"/>
-          </a:xfrm>
-          <a:prstGeom prst="straightConnector1">
-            <a:avLst/>
-          </a:prstGeom>
-          <a:ln w="57150">
-            <a:solidFill>
-              <a:srgbClr val="EE2525"/>
-            </a:solidFill>
-            <a:headEnd type="none" w="med" len="med"/>
-            <a:tailEnd type="arrow"/>
-          </a:ln>
-        </p:spPr>
-        <p:style>
-          <a:lnRef idx="3">
-            <a:schemeClr val="accent6"/>
-          </a:lnRef>
-          <a:fillRef idx="0">
-            <a:schemeClr val="accent6"/>
-          </a:fillRef>
-          <a:effectRef idx="2">
-            <a:schemeClr val="accent6"/>
-          </a:effectRef>
-          <a:fontRef idx="minor">
-            <a:schemeClr val="tx1"/>
-          </a:fontRef>
-        </p:style>
-      </p:cxnSp>
-      <p:cxnSp>
-        <p:nvCxnSpPr>
-          <p:cNvPr id="59" name="Connecteur droit avec flèche 58"/>
-          <p:cNvCxnSpPr/>
-          <p:nvPr/>
-        </p:nvCxnSpPr>
-        <p:spPr bwMode="auto">
-          <a:xfrm>
-            <a:off x="2087880" y="3032760"/>
+            <a:off x="3636022" y="3920000"/>
             <a:ext cx="792480" cy="1341120"/>
           </a:xfrm>
           <a:prstGeom prst="straightConnector1">
@@ -16364,124 +13245,13 @@
       </p:cxnSp>
       <p:cxnSp>
         <p:nvCxnSpPr>
-          <p:cNvPr id="60" name="Connecteur droit avec flèche 59"/>
-          <p:cNvCxnSpPr/>
-          <p:nvPr/>
-        </p:nvCxnSpPr>
-        <p:spPr bwMode="auto">
-          <a:xfrm flipV="1">
-            <a:off x="6553200" y="3124200"/>
-            <a:ext cx="304800" cy="1402080"/>
-          </a:xfrm>
-          <a:prstGeom prst="straightConnector1">
-            <a:avLst/>
-          </a:prstGeom>
-          <a:ln w="57150">
-            <a:solidFill>
-              <a:srgbClr val="777777"/>
-            </a:solidFill>
-            <a:headEnd type="none" w="med" len="med"/>
-            <a:tailEnd type="arrow"/>
-          </a:ln>
-        </p:spPr>
-        <p:style>
-          <a:lnRef idx="3">
-            <a:schemeClr val="accent6"/>
-          </a:lnRef>
-          <a:fillRef idx="0">
-            <a:schemeClr val="accent6"/>
-          </a:fillRef>
-          <a:effectRef idx="2">
-            <a:schemeClr val="accent6"/>
-          </a:effectRef>
-          <a:fontRef idx="minor">
-            <a:schemeClr val="tx1"/>
-          </a:fontRef>
-        </p:style>
-      </p:cxnSp>
-      <p:cxnSp>
-        <p:nvCxnSpPr>
-          <p:cNvPr id="66" name="Connecteur droit avec flèche 65"/>
-          <p:cNvCxnSpPr/>
-          <p:nvPr/>
-        </p:nvCxnSpPr>
-        <p:spPr bwMode="auto">
-          <a:xfrm>
-            <a:off x="4770120" y="4739640"/>
-            <a:ext cx="1036320" cy="0"/>
-          </a:xfrm>
-          <a:prstGeom prst="straightConnector1">
-            <a:avLst/>
-          </a:prstGeom>
-          <a:ln w="57150">
-            <a:solidFill>
-              <a:srgbClr val="777777"/>
-            </a:solidFill>
-            <a:headEnd type="none" w="med" len="med"/>
-            <a:tailEnd type="arrow"/>
-          </a:ln>
-        </p:spPr>
-        <p:style>
-          <a:lnRef idx="3">
-            <a:schemeClr val="accent6"/>
-          </a:lnRef>
-          <a:fillRef idx="0">
-            <a:schemeClr val="accent6"/>
-          </a:fillRef>
-          <a:effectRef idx="2">
-            <a:schemeClr val="accent6"/>
-          </a:effectRef>
-          <a:fontRef idx="minor">
-            <a:schemeClr val="tx1"/>
-          </a:fontRef>
-        </p:style>
-      </p:cxnSp>
-      <p:cxnSp>
-        <p:nvCxnSpPr>
-          <p:cNvPr id="68" name="Connecteur droit avec flèche 67"/>
+          <p:cNvPr id="53" name="Connecteur droit avec flèche 52"/>
           <p:cNvCxnSpPr/>
           <p:nvPr/>
         </p:nvCxnSpPr>
         <p:spPr bwMode="auto">
           <a:xfrm flipH="1" flipV="1">
-            <a:off x="4541520" y="2484120"/>
-            <a:ext cx="1874520" cy="30480"/>
-          </a:xfrm>
-          <a:prstGeom prst="straightConnector1">
-            <a:avLst/>
-          </a:prstGeom>
-          <a:ln w="57150">
-            <a:solidFill>
-              <a:srgbClr val="EE2424"/>
-            </a:solidFill>
-            <a:headEnd type="none" w="med" len="med"/>
-            <a:tailEnd type="arrow"/>
-          </a:ln>
-        </p:spPr>
-        <p:style>
-          <a:lnRef idx="3">
-            <a:schemeClr val="accent6"/>
-          </a:lnRef>
-          <a:fillRef idx="0">
-            <a:schemeClr val="accent6"/>
-          </a:fillRef>
-          <a:effectRef idx="2">
-            <a:schemeClr val="accent6"/>
-          </a:effectRef>
-          <a:fontRef idx="minor">
-            <a:schemeClr val="tx1"/>
-          </a:fontRef>
-        </p:style>
-      </p:cxnSp>
-      <p:cxnSp>
-        <p:nvCxnSpPr>
-          <p:cNvPr id="76" name="Connecteur droit avec flèche 75"/>
-          <p:cNvCxnSpPr/>
-          <p:nvPr/>
-        </p:nvCxnSpPr>
-        <p:spPr bwMode="auto">
-          <a:xfrm flipH="1" flipV="1">
-            <a:off x="4541520" y="2468880"/>
+            <a:off x="4586788" y="3953648"/>
             <a:ext cx="1874520" cy="30480"/>
           </a:xfrm>
           <a:prstGeom prst="straightConnector1">
@@ -16510,234 +13280,264 @@
           </a:fontRef>
         </p:style>
       </p:cxnSp>
-      <p:cxnSp>
-        <p:nvCxnSpPr>
-          <p:cNvPr id="77" name="Connecteur droit avec flèche 76"/>
-          <p:cNvCxnSpPr/>
+      <p:sp>
+        <p:nvSpPr>
+          <p:cNvPr id="54" name="Rectangle 53"/>
+          <p:cNvSpPr/>
           <p:nvPr/>
-        </p:nvCxnSpPr>
-        <p:spPr bwMode="auto">
-          <a:xfrm flipH="1" flipV="1">
-            <a:off x="7973423" y="2497908"/>
-            <a:ext cx="487680" cy="5874"/>
+        </p:nvSpPr>
+        <p:spPr>
+          <a:xfrm>
+            <a:off x="479177" y="1016283"/>
+            <a:ext cx="2162772" cy="338554"/>
           </a:xfrm>
-          <a:prstGeom prst="straightConnector1">
+          <a:prstGeom prst="rect">
             <a:avLst/>
           </a:prstGeom>
-          <a:ln w="57150">
-            <a:solidFill>
-              <a:srgbClr val="EE2424"/>
-            </a:solidFill>
-            <a:headEnd type="none" w="med" len="med"/>
-            <a:tailEnd type="arrow"/>
-          </a:ln>
         </p:spPr>
-        <p:style>
-          <a:lnRef idx="3">
-            <a:schemeClr val="accent6"/>
-          </a:lnRef>
-          <a:fillRef idx="0">
-            <a:schemeClr val="accent6"/>
-          </a:fillRef>
-          <a:effectRef idx="2">
-            <a:schemeClr val="accent6"/>
-          </a:effectRef>
-          <a:fontRef idx="minor">
-            <a:schemeClr val="tx1"/>
-          </a:fontRef>
-        </p:style>
-      </p:cxnSp>
-      <p:grpSp>
-        <p:nvGrpSpPr>
-          <p:cNvPr id="40" name="Groupe 39"/>
-          <p:cNvGrpSpPr/>
+        <p:txBody>
+          <a:bodyPr wrap="none">
+            <a:spAutoFit/>
+          </a:bodyPr>
+          <a:lstStyle/>
+          <a:p>
+            <a:r>
+              <a:rPr lang="fr-FR" sz="1600" dirty="0" smtClean="0">
+                <a:latin typeface="Century Gothic" pitchFamily="34" charset="0"/>
+                <a:cs typeface="Calibri" pitchFamily="34" charset="0"/>
+              </a:rPr>
+              <a:t>Différentes couches</a:t>
+            </a:r>
+            <a:endParaRPr lang="fr-FR" sz="1600" dirty="0"/>
+          </a:p>
+        </p:txBody>
+      </p:sp>
+      <p:sp>
+        <p:nvSpPr>
+          <p:cNvPr id="56" name="Rectangle 55"/>
+          <p:cNvSpPr/>
           <p:nvPr/>
-        </p:nvGrpSpPr>
-        <p:grpSpPr>
+        </p:nvSpPr>
+        <p:spPr>
           <a:xfrm>
-            <a:off x="7261980" y="4090481"/>
-            <a:ext cx="1308735" cy="712153"/>
-            <a:chOff x="4314825" y="2250440"/>
-            <a:chExt cx="973138" cy="442913"/>
+            <a:off x="713058" y="5668256"/>
+            <a:ext cx="1887055" cy="338554"/>
           </a:xfrm>
-        </p:grpSpPr>
-        <p:sp>
-          <p:nvSpPr>
-            <p:cNvPr id="15369" name="AutoShape 9"/>
-            <p:cNvSpPr>
-              <a:spLocks noChangeArrowheads="1"/>
-            </p:cNvSpPr>
-            <p:nvPr/>
-          </p:nvSpPr>
-          <p:spPr bwMode="auto">
-            <a:xfrm>
-              <a:off x="4314825" y="2250440"/>
-              <a:ext cx="973138" cy="442913"/>
-            </a:xfrm>
-            <a:prstGeom prst="foldedCorner">
-              <a:avLst>
-                <a:gd name="adj" fmla="val 12500"/>
-              </a:avLst>
-            </a:prstGeom>
-            <a:solidFill>
-              <a:srgbClr val="FFFFFF"/>
-            </a:solidFill>
-            <a:ln w="9525">
-              <a:solidFill>
-                <a:srgbClr val="000000"/>
-              </a:solidFill>
-              <a:round/>
-              <a:headEnd/>
-              <a:tailEnd/>
-            </a:ln>
-          </p:spPr>
-          <p:txBody>
-            <a:bodyPr vert="horz" wrap="square" lIns="91440" tIns="45720" rIns="91440" bIns="45720" numCol="1" anchor="t" anchorCtr="0" compatLnSpc="1">
-              <a:prstTxWarp prst="textNoShape">
-                <a:avLst/>
-              </a:prstTxWarp>
-            </a:bodyPr>
-            <a:lstStyle/>
-            <a:p>
-              <a:pPr marL="0" marR="0" lvl="0" indent="0" algn="l" defTabSz="914400" rtl="0" eaLnBrk="1" fontAlgn="base" latinLnBrk="0" hangingPunct="1">
-                <a:lnSpc>
-                  <a:spcPct val="100000"/>
-                </a:lnSpc>
-                <a:spcBef>
-                  <a:spcPct val="0"/>
-                </a:spcBef>
-                <a:spcAft>
-                  <a:spcPct val="0"/>
-                </a:spcAft>
-                <a:buClrTx/>
-                <a:buSzTx/>
-                <a:buFontTx/>
-                <a:buNone/>
-                <a:tabLst/>
-              </a:pPr>
-              <a:r>
-                <a:rPr kumimoji="0" lang="fr-FR" sz="800" b="0" i="0" u="none" strike="noStrike" cap="none" normalizeH="0" baseline="0" dirty="0" smtClean="0">
-                  <a:ln>
-                    <a:noFill/>
-                  </a:ln>
-                  <a:solidFill>
-                    <a:schemeClr val="tx1"/>
-                  </a:solidFill>
-                  <a:effectLst/>
-                  <a:latin typeface="Arial" pitchFamily="34" charset="0"/>
-                  <a:ea typeface="Calibri" pitchFamily="34" charset="0"/>
-                  <a:cs typeface="Times New Roman" pitchFamily="18" charset="0"/>
-                </a:rPr>
-                <a:t>  Décompression</a:t>
-              </a:r>
-              <a:endParaRPr kumimoji="0" lang="fr-FR" sz="1800" b="0" i="0" u="none" strike="noStrike" cap="none" normalizeH="0" baseline="0" dirty="0" smtClean="0">
-                <a:ln>
-                  <a:noFill/>
-                </a:ln>
-                <a:solidFill>
-                  <a:schemeClr val="tx1"/>
-                </a:solidFill>
-                <a:effectLst/>
-                <a:latin typeface="Arial" pitchFamily="34" charset="0"/>
-                <a:cs typeface="Arial" pitchFamily="34" charset="0"/>
-              </a:endParaRPr>
-            </a:p>
-          </p:txBody>
-        </p:sp>
-        <p:grpSp>
-          <p:nvGrpSpPr>
-            <p:cNvPr id="39" name="Groupe 38"/>
-            <p:cNvGrpSpPr/>
-            <p:nvPr/>
-          </p:nvGrpSpPr>
-          <p:grpSpPr>
-            <a:xfrm>
-              <a:off x="4419600" y="2463165"/>
-              <a:ext cx="774700" cy="204788"/>
-              <a:chOff x="4419600" y="2463165"/>
-              <a:chExt cx="774700" cy="204788"/>
-            </a:xfrm>
-          </p:grpSpPr>
-          <p:pic>
-            <p:nvPicPr>
-              <p:cNvPr id="15366" name="Image 3" descr="excel"/>
-              <p:cNvPicPr>
-                <a:picLocks noChangeAspect="1" noChangeArrowheads="1"/>
-              </p:cNvPicPr>
-              <p:nvPr/>
-            </p:nvPicPr>
-            <p:blipFill>
-              <a:blip r:embed="rId10" cstate="print"/>
-              <a:srcRect/>
-              <a:stretch>
-                <a:fillRect/>
-              </a:stretch>
-            </p:blipFill>
-            <p:spPr bwMode="auto">
-              <a:xfrm>
-                <a:off x="4419600" y="2499678"/>
-                <a:ext cx="195263" cy="149225"/>
-              </a:xfrm>
-              <a:prstGeom prst="rect">
-                <a:avLst/>
-              </a:prstGeom>
-              <a:noFill/>
-            </p:spPr>
-          </p:pic>
-          <p:pic>
-            <p:nvPicPr>
-              <p:cNvPr id="15365" name="Image 16" descr="param"/>
-              <p:cNvPicPr>
-                <a:picLocks noChangeAspect="1" noChangeArrowheads="1"/>
-              </p:cNvPicPr>
-              <p:nvPr/>
-            </p:nvPicPr>
-            <p:blipFill>
-              <a:blip r:embed="rId11" cstate="print"/>
-              <a:srcRect/>
-              <a:stretch>
-                <a:fillRect/>
-              </a:stretch>
-            </p:blipFill>
-            <p:spPr bwMode="auto">
-              <a:xfrm>
-                <a:off x="4867275" y="2463165"/>
-                <a:ext cx="327025" cy="204788"/>
-              </a:xfrm>
-              <a:prstGeom prst="rect">
-                <a:avLst/>
-              </a:prstGeom>
-              <a:noFill/>
-            </p:spPr>
-          </p:pic>
-          <p:pic>
-            <p:nvPicPr>
-              <p:cNvPr id="15364" name="Picture 4" descr="excel"/>
-              <p:cNvPicPr>
-                <a:picLocks noChangeAspect="1" noChangeArrowheads="1"/>
-              </p:cNvPicPr>
-              <p:nvPr/>
-            </p:nvPicPr>
-            <p:blipFill>
-              <a:blip r:embed="rId10" cstate="print"/>
-              <a:srcRect/>
-              <a:stretch>
-                <a:fillRect/>
-              </a:stretch>
-            </p:blipFill>
-            <p:spPr bwMode="auto">
-              <a:xfrm>
-                <a:off x="4633913" y="2498090"/>
-                <a:ext cx="195262" cy="149225"/>
-              </a:xfrm>
-              <a:prstGeom prst="rect">
-                <a:avLst/>
-              </a:prstGeom>
-              <a:noFill/>
-            </p:spPr>
-          </p:pic>
-        </p:grpSp>
-      </p:grpSp>
+          <a:prstGeom prst="rect">
+            <a:avLst/>
+          </a:prstGeom>
+        </p:spPr>
+        <p:txBody>
+          <a:bodyPr wrap="none">
+            <a:spAutoFit/>
+          </a:bodyPr>
+          <a:lstStyle/>
+          <a:p>
+            <a:r>
+              <a:rPr lang="fr-FR" sz="1600" dirty="0" smtClean="0">
+                <a:latin typeface="Century Gothic" pitchFamily="34" charset="0"/>
+                <a:cs typeface="Calibri" pitchFamily="34" charset="0"/>
+              </a:rPr>
+              <a:t>Bonnes pratiques</a:t>
+            </a:r>
+            <a:endParaRPr lang="fr-FR" sz="1600" dirty="0"/>
+          </a:p>
+        </p:txBody>
+      </p:sp>
+      <p:sp>
+        <p:nvSpPr>
+          <p:cNvPr id="61" name="Rectangle 60"/>
+          <p:cNvSpPr/>
+          <p:nvPr/>
+        </p:nvSpPr>
+        <p:spPr>
+          <a:xfrm>
+            <a:off x="531988" y="4382663"/>
+            <a:ext cx="8612012" cy="1323439"/>
+          </a:xfrm>
+          <a:prstGeom prst="rect">
+            <a:avLst/>
+          </a:prstGeom>
+        </p:spPr>
+        <p:txBody>
+          <a:bodyPr wrap="square">
+            <a:spAutoFit/>
+          </a:bodyPr>
+          <a:lstStyle/>
+          <a:p>
+            <a:r>
+              <a:rPr lang="fr-FR" sz="1600" dirty="0" err="1" smtClean="0">
+                <a:latin typeface="Century Gothic" pitchFamily="34" charset="0"/>
+                <a:cs typeface="Calibri" pitchFamily="34" charset="0"/>
+              </a:rPr>
+              <a:t>Securite</a:t>
+            </a:r>
+            <a:r>
+              <a:rPr lang="fr-FR" sz="1600" dirty="0" smtClean="0">
+                <a:latin typeface="Century Gothic" pitchFamily="34" charset="0"/>
+                <a:cs typeface="Calibri" pitchFamily="34" charset="0"/>
+              </a:rPr>
+              <a:t>, services, dao, </a:t>
+            </a:r>
+            <a:r>
+              <a:rPr lang="fr-FR" sz="1600" dirty="0" err="1" smtClean="0">
+                <a:latin typeface="Century Gothic" pitchFamily="34" charset="0"/>
+                <a:cs typeface="Calibri" pitchFamily="34" charset="0"/>
+              </a:rPr>
+              <a:t>common</a:t>
+            </a:r>
+            <a:r>
+              <a:rPr lang="fr-FR" sz="1600" dirty="0" smtClean="0">
+                <a:latin typeface="Century Gothic" pitchFamily="34" charset="0"/>
+                <a:cs typeface="Calibri" pitchFamily="34" charset="0"/>
+              </a:rPr>
+              <a:t> api, </a:t>
+            </a:r>
+            <a:r>
+              <a:rPr lang="fr-FR" sz="1600" dirty="0" err="1" smtClean="0">
+                <a:latin typeface="Century Gothic" pitchFamily="34" charset="0"/>
+                <a:cs typeface="Calibri" pitchFamily="34" charset="0"/>
+              </a:rPr>
+              <a:t>rest</a:t>
+            </a:r>
+            <a:r>
+              <a:rPr lang="fr-FR" sz="1600" dirty="0" smtClean="0">
+                <a:latin typeface="Century Gothic" pitchFamily="34" charset="0"/>
+                <a:cs typeface="Calibri" pitchFamily="34" charset="0"/>
+              </a:rPr>
+              <a:t>, mapper, </a:t>
+            </a:r>
+            <a:r>
+              <a:rPr lang="fr-FR" sz="1600" dirty="0" err="1" smtClean="0">
+                <a:latin typeface="Century Gothic" pitchFamily="34" charset="0"/>
+                <a:cs typeface="Calibri" pitchFamily="34" charset="0"/>
+              </a:rPr>
+              <a:t>dto</a:t>
+            </a:r>
+            <a:r>
+              <a:rPr lang="fr-FR" sz="1600" dirty="0" smtClean="0">
+                <a:latin typeface="Century Gothic" pitchFamily="34" charset="0"/>
+                <a:cs typeface="Calibri" pitchFamily="34" charset="0"/>
+              </a:rPr>
+              <a:t>, </a:t>
+            </a:r>
+            <a:r>
+              <a:rPr lang="fr-FR" sz="1600" dirty="0" err="1" smtClean="0">
+                <a:latin typeface="Century Gothic" pitchFamily="34" charset="0"/>
+                <a:cs typeface="Calibri" pitchFamily="34" charset="0"/>
+              </a:rPr>
+              <a:t>excepionmapper</a:t>
+            </a:r>
+            <a:r>
+              <a:rPr lang="fr-FR" sz="1600" dirty="0" smtClean="0">
+                <a:latin typeface="Century Gothic" pitchFamily="34" charset="0"/>
+                <a:cs typeface="Calibri" pitchFamily="34" charset="0"/>
+              </a:rPr>
+              <a:t> et codes </a:t>
+            </a:r>
+            <a:r>
+              <a:rPr lang="fr-FR" sz="1600" dirty="0" err="1" smtClean="0">
+                <a:latin typeface="Century Gothic" pitchFamily="34" charset="0"/>
+                <a:cs typeface="Calibri" pitchFamily="34" charset="0"/>
+              </a:rPr>
+              <a:t>restour</a:t>
+            </a:r>
+            <a:r>
+              <a:rPr lang="fr-FR" sz="1600" dirty="0" smtClean="0">
+                <a:latin typeface="Century Gothic" pitchFamily="34" charset="0"/>
+                <a:cs typeface="Calibri" pitchFamily="34" charset="0"/>
+              </a:rPr>
+              <a:t>, le </a:t>
+            </a:r>
+            <a:r>
+              <a:rPr lang="fr-FR" sz="1600" dirty="0" err="1" smtClean="0">
+                <a:latin typeface="Century Gothic" pitchFamily="34" charset="0"/>
+                <a:cs typeface="Calibri" pitchFamily="34" charset="0"/>
+              </a:rPr>
+              <a:t>converter</a:t>
+            </a:r>
+            <a:r>
+              <a:rPr lang="fr-FR" sz="1600" dirty="0" smtClean="0">
+                <a:latin typeface="Century Gothic" pitchFamily="34" charset="0"/>
+                <a:cs typeface="Calibri" pitchFamily="34" charset="0"/>
+              </a:rPr>
+              <a:t>, principes de nommage </a:t>
+            </a:r>
+            <a:r>
+              <a:rPr lang="fr-FR" sz="1600" smtClean="0">
+                <a:latin typeface="Century Gothic" pitchFamily="34" charset="0"/>
+                <a:cs typeface="Calibri" pitchFamily="34" charset="0"/>
+              </a:rPr>
+              <a:t>des services</a:t>
+            </a:r>
+            <a:endParaRPr lang="fr-FR" sz="1600" dirty="0" smtClean="0">
+              <a:latin typeface="Century Gothic" pitchFamily="34" charset="0"/>
+              <a:cs typeface="Calibri" pitchFamily="34" charset="0"/>
+            </a:endParaRPr>
+          </a:p>
+          <a:p>
+            <a:r>
+              <a:rPr lang="fr-FR" sz="1600" dirty="0" smtClean="0">
+                <a:latin typeface="Century Gothic" pitchFamily="34" charset="0"/>
+                <a:cs typeface="Calibri" pitchFamily="34" charset="0"/>
+              </a:rPr>
+              <a:t>, business </a:t>
+            </a:r>
+            <a:r>
+              <a:rPr lang="fr-FR" sz="1600" dirty="0" err="1" smtClean="0">
+                <a:latin typeface="Century Gothic" pitchFamily="34" charset="0"/>
+                <a:cs typeface="Calibri" pitchFamily="34" charset="0"/>
+              </a:rPr>
+              <a:t>rules</a:t>
+            </a:r>
+            <a:r>
+              <a:rPr lang="fr-FR" sz="1600" dirty="0" smtClean="0">
+                <a:latin typeface="Century Gothic" pitchFamily="34" charset="0"/>
+                <a:cs typeface="Calibri" pitchFamily="34" charset="0"/>
+              </a:rPr>
+              <a:t>, ressources libelles et code erreur, validation </a:t>
+            </a:r>
+            <a:r>
+              <a:rPr lang="fr-FR" sz="1600" dirty="0" err="1" smtClean="0">
+                <a:latin typeface="Century Gothic" pitchFamily="34" charset="0"/>
+                <a:cs typeface="Calibri" pitchFamily="34" charset="0"/>
+              </a:rPr>
+              <a:t>bean</a:t>
+            </a:r>
+            <a:r>
+              <a:rPr lang="fr-FR" sz="1600" dirty="0" smtClean="0">
+                <a:latin typeface="Century Gothic" pitchFamily="34" charset="0"/>
+                <a:cs typeface="Calibri" pitchFamily="34" charset="0"/>
+              </a:rPr>
+              <a:t>, respecter les annotations,</a:t>
+            </a:r>
+          </a:p>
+          <a:p>
+            <a:r>
+              <a:rPr lang="fr-FR" sz="1600" dirty="0" smtClean="0">
+                <a:latin typeface="Century Gothic" pitchFamily="34" charset="0"/>
+                <a:cs typeface="Calibri" pitchFamily="34" charset="0"/>
+              </a:rPr>
+              <a:t>Base de </a:t>
+            </a:r>
+            <a:r>
+              <a:rPr lang="fr-FR" sz="1600" dirty="0" err="1" smtClean="0">
+                <a:latin typeface="Century Gothic" pitchFamily="34" charset="0"/>
+                <a:cs typeface="Calibri" pitchFamily="34" charset="0"/>
+              </a:rPr>
+              <a:t>donnees</a:t>
+            </a:r>
+            <a:r>
+              <a:rPr lang="fr-FR" sz="1600" dirty="0" smtClean="0">
+                <a:latin typeface="Century Gothic" pitchFamily="34" charset="0"/>
+                <a:cs typeface="Calibri" pitchFamily="34" charset="0"/>
+              </a:rPr>
+              <a:t> test, test unitaire pour chaque couche, test intégration </a:t>
+            </a:r>
+            <a:endParaRPr lang="fr-FR" sz="1600" dirty="0"/>
+          </a:p>
+        </p:txBody>
+      </p:sp>
     </p:spTree>
   </p:cSld>
   <p:clrMapOvr>
@@ -16756,9 +13556,6 @@
                     <p:cTn id="3" fill="hold">
                       <p:stCondLst>
                         <p:cond delay="indefinite"/>
-                        <p:cond evt="onBegin" delay="0">
-                          <p:tn val="2"/>
-                        </p:cond>
                       </p:stCondLst>
                       <p:childTnLst>
                         <p:par>
@@ -16768,7 +13565,7 @@
                             </p:stCondLst>
                             <p:childTnLst>
                               <p:par>
-                                <p:cTn id="5" presetID="4" presetClass="entr" presetSubtype="16" fill="hold" nodeType="withEffect">
+                                <p:cTn id="5" presetID="4" presetClass="entr" presetSubtype="16" fill="hold" nodeType="clickEffect">
                                   <p:stCondLst>
                                     <p:cond delay="0"/>
                                   </p:stCondLst>
@@ -16781,7 +13578,7 @@
                                           </p:stCondLst>
                                         </p:cTn>
                                         <p:tgtEl>
-                                          <p:spTgt spid="44"/>
+                                          <p:spTgt spid="52"/>
                                         </p:tgtEl>
                                         <p:attrNameLst>
                                           <p:attrName>style.visibility</p:attrName>
@@ -16795,7 +13592,7 @@
                                       <p:cBhvr>
                                         <p:cTn id="7" dur="500"/>
                                         <p:tgtEl>
-                                          <p:spTgt spid="44"/>
+                                          <p:spTgt spid="52"/>
                                         </p:tgtEl>
                                       </p:cBhvr>
                                     </p:animEffect>
@@ -16821,73 +13618,20 @@
                             </p:stCondLst>
                             <p:childTnLst>
                               <p:par>
-                                <p:cTn id="10" presetID="4" presetClass="exit" presetSubtype="16" fill="hold" nodeType="clickEffect">
-                                  <p:stCondLst>
-                                    <p:cond delay="0"/>
-                                  </p:stCondLst>
-                                  <p:childTnLst>
-                                    <p:animEffect transition="out" filter="box(in)">
-                                      <p:cBhvr>
-                                        <p:cTn id="11" dur="500"/>
-                                        <p:tgtEl>
-                                          <p:spTgt spid="44"/>
-                                        </p:tgtEl>
-                                      </p:cBhvr>
-                                    </p:animEffect>
-                                    <p:set>
-                                      <p:cBhvr>
-                                        <p:cTn id="12" dur="1" fill="hold">
-                                          <p:stCondLst>
-                                            <p:cond delay="499"/>
-                                          </p:stCondLst>
-                                        </p:cTn>
-                                        <p:tgtEl>
-                                          <p:spTgt spid="44"/>
-                                        </p:tgtEl>
-                                        <p:attrNameLst>
-                                          <p:attrName>style.visibility</p:attrName>
-                                        </p:attrNameLst>
-                                      </p:cBhvr>
-                                      <p:to>
-                                        <p:strVal val="hidden"/>
-                                      </p:to>
-                                    </p:set>
-                                  </p:childTnLst>
-                                </p:cTn>
-                              </p:par>
-                            </p:childTnLst>
-                          </p:cTn>
-                        </p:par>
-                      </p:childTnLst>
-                    </p:cTn>
-                  </p:par>
-                  <p:par>
-                    <p:cTn id="13" fill="hold">
-                      <p:stCondLst>
-                        <p:cond delay="indefinite"/>
-                      </p:stCondLst>
-                      <p:childTnLst>
-                        <p:par>
-                          <p:cTn id="14" fill="hold">
-                            <p:stCondLst>
-                              <p:cond delay="0"/>
-                            </p:stCondLst>
-                            <p:childTnLst>
-                              <p:par>
-                                <p:cTn id="15" presetID="4" presetClass="entr" presetSubtype="16" fill="hold" nodeType="clickEffect">
+                                <p:cTn id="10" presetID="4" presetClass="entr" presetSubtype="16" fill="hold" nodeType="clickEffect">
                                   <p:stCondLst>
                                     <p:cond delay="0"/>
                                   </p:stCondLst>
                                   <p:childTnLst>
                                     <p:set>
                                       <p:cBhvr>
-                                        <p:cTn id="16" dur="1" fill="hold">
+                                        <p:cTn id="11" dur="1" fill="hold">
                                           <p:stCondLst>
                                             <p:cond delay="0"/>
                                           </p:stCondLst>
                                         </p:cTn>
                                         <p:tgtEl>
-                                          <p:spTgt spid="59"/>
+                                          <p:spTgt spid="53"/>
                                         </p:tgtEl>
                                         <p:attrNameLst>
                                           <p:attrName>style.visibility</p:attrName>
@@ -16899,756 +13643,12 @@
                                     </p:set>
                                     <p:animEffect transition="in" filter="box(in)">
                                       <p:cBhvr>
-                                        <p:cTn id="17" dur="500"/>
+                                        <p:cTn id="12" dur="500"/>
                                         <p:tgtEl>
-                                          <p:spTgt spid="59"/>
+                                          <p:spTgt spid="53"/>
                                         </p:tgtEl>
                                       </p:cBhvr>
                                     </p:animEffect>
-                                  </p:childTnLst>
-                                </p:cTn>
-                              </p:par>
-                            </p:childTnLst>
-                          </p:cTn>
-                        </p:par>
-                      </p:childTnLst>
-                    </p:cTn>
-                  </p:par>
-                  <p:par>
-                    <p:cTn id="18" fill="hold">
-                      <p:stCondLst>
-                        <p:cond delay="indefinite"/>
-                      </p:stCondLst>
-                      <p:childTnLst>
-                        <p:par>
-                          <p:cTn id="19" fill="hold">
-                            <p:stCondLst>
-                              <p:cond delay="0"/>
-                            </p:stCondLst>
-                            <p:childTnLst>
-                              <p:par>
-                                <p:cTn id="20" presetID="5" presetClass="entr" presetSubtype="10" fill="hold" nodeType="clickEffect">
-                                  <p:stCondLst>
-                                    <p:cond delay="0"/>
-                                  </p:stCondLst>
-                                  <p:childTnLst>
-                                    <p:set>
-                                      <p:cBhvr>
-                                        <p:cTn id="21" dur="1" fill="hold">
-                                          <p:stCondLst>
-                                            <p:cond delay="0"/>
-                                          </p:stCondLst>
-                                        </p:cTn>
-                                        <p:tgtEl>
-                                          <p:spTgt spid="37"/>
-                                        </p:tgtEl>
-                                        <p:attrNameLst>
-                                          <p:attrName>style.visibility</p:attrName>
-                                        </p:attrNameLst>
-                                      </p:cBhvr>
-                                      <p:to>
-                                        <p:strVal val="visible"/>
-                                      </p:to>
-                                    </p:set>
-                                    <p:animEffect transition="in" filter="checkerboard(across)">
-                                      <p:cBhvr>
-                                        <p:cTn id="22" dur="500"/>
-                                        <p:tgtEl>
-                                          <p:spTgt spid="37"/>
-                                        </p:tgtEl>
-                                      </p:cBhvr>
-                                    </p:animEffect>
-                                  </p:childTnLst>
-                                </p:cTn>
-                              </p:par>
-                            </p:childTnLst>
-                          </p:cTn>
-                        </p:par>
-                      </p:childTnLst>
-                    </p:cTn>
-                  </p:par>
-                  <p:par>
-                    <p:cTn id="23" fill="hold">
-                      <p:stCondLst>
-                        <p:cond delay="indefinite"/>
-                      </p:stCondLst>
-                      <p:childTnLst>
-                        <p:par>
-                          <p:cTn id="24" fill="hold">
-                            <p:stCondLst>
-                              <p:cond delay="0"/>
-                            </p:stCondLst>
-                            <p:childTnLst>
-                              <p:par>
-                                <p:cTn id="25" presetID="4" presetClass="entr" presetSubtype="16" fill="hold" nodeType="clickEffect">
-                                  <p:stCondLst>
-                                    <p:cond delay="0"/>
-                                  </p:stCondLst>
-                                  <p:childTnLst>
-                                    <p:set>
-                                      <p:cBhvr>
-                                        <p:cTn id="26" dur="1" fill="hold">
-                                          <p:stCondLst>
-                                            <p:cond delay="0"/>
-                                          </p:stCondLst>
-                                        </p:cTn>
-                                        <p:tgtEl>
-                                          <p:spTgt spid="50"/>
-                                        </p:tgtEl>
-                                        <p:attrNameLst>
-                                          <p:attrName>style.visibility</p:attrName>
-                                        </p:attrNameLst>
-                                      </p:cBhvr>
-                                      <p:to>
-                                        <p:strVal val="visible"/>
-                                      </p:to>
-                                    </p:set>
-                                    <p:animEffect transition="in" filter="box(in)">
-                                      <p:cBhvr>
-                                        <p:cTn id="27" dur="500"/>
-                                        <p:tgtEl>
-                                          <p:spTgt spid="50"/>
-                                        </p:tgtEl>
-                                      </p:cBhvr>
-                                    </p:animEffect>
-                                  </p:childTnLst>
-                                </p:cTn>
-                              </p:par>
-                              <p:par>
-                                <p:cTn id="28" presetID="4" presetClass="entr" presetSubtype="16" fill="hold" nodeType="withEffect">
-                                  <p:stCondLst>
-                                    <p:cond delay="0"/>
-                                  </p:stCondLst>
-                                  <p:childTnLst>
-                                    <p:set>
-                                      <p:cBhvr>
-                                        <p:cTn id="29" dur="1" fill="hold">
-                                          <p:stCondLst>
-                                            <p:cond delay="0"/>
-                                          </p:stCondLst>
-                                        </p:cTn>
-                                        <p:tgtEl>
-                                          <p:spTgt spid="15383"/>
-                                        </p:tgtEl>
-                                        <p:attrNameLst>
-                                          <p:attrName>style.visibility</p:attrName>
-                                        </p:attrNameLst>
-                                      </p:cBhvr>
-                                      <p:to>
-                                        <p:strVal val="visible"/>
-                                      </p:to>
-                                    </p:set>
-                                    <p:animEffect transition="in" filter="box(in)">
-                                      <p:cBhvr>
-                                        <p:cTn id="30" dur="500"/>
-                                        <p:tgtEl>
-                                          <p:spTgt spid="15383"/>
-                                        </p:tgtEl>
-                                      </p:cBhvr>
-                                    </p:animEffect>
-                                  </p:childTnLst>
-                                </p:cTn>
-                              </p:par>
-                            </p:childTnLst>
-                          </p:cTn>
-                        </p:par>
-                      </p:childTnLst>
-                    </p:cTn>
-                  </p:par>
-                  <p:par>
-                    <p:cTn id="31" fill="hold">
-                      <p:stCondLst>
-                        <p:cond delay="indefinite"/>
-                      </p:stCondLst>
-                      <p:childTnLst>
-                        <p:par>
-                          <p:cTn id="32" fill="hold">
-                            <p:stCondLst>
-                              <p:cond delay="0"/>
-                            </p:stCondLst>
-                            <p:childTnLst>
-                              <p:par>
-                                <p:cTn id="33" presetID="4" presetClass="exit" presetSubtype="16" fill="hold" nodeType="clickEffect">
-                                  <p:stCondLst>
-                                    <p:cond delay="0"/>
-                                  </p:stCondLst>
-                                  <p:childTnLst>
-                                    <p:animEffect transition="out" filter="box(in)">
-                                      <p:cBhvr>
-                                        <p:cTn id="34" dur="500"/>
-                                        <p:tgtEl>
-                                          <p:spTgt spid="50"/>
-                                        </p:tgtEl>
-                                      </p:cBhvr>
-                                    </p:animEffect>
-                                    <p:set>
-                                      <p:cBhvr>
-                                        <p:cTn id="35" dur="1" fill="hold">
-                                          <p:stCondLst>
-                                            <p:cond delay="499"/>
-                                          </p:stCondLst>
-                                        </p:cTn>
-                                        <p:tgtEl>
-                                          <p:spTgt spid="50"/>
-                                        </p:tgtEl>
-                                        <p:attrNameLst>
-                                          <p:attrName>style.visibility</p:attrName>
-                                        </p:attrNameLst>
-                                      </p:cBhvr>
-                                      <p:to>
-                                        <p:strVal val="hidden"/>
-                                      </p:to>
-                                    </p:set>
-                                  </p:childTnLst>
-                                </p:cTn>
-                              </p:par>
-                            </p:childTnLst>
-                          </p:cTn>
-                        </p:par>
-                      </p:childTnLst>
-                    </p:cTn>
-                  </p:par>
-                  <p:par>
-                    <p:cTn id="36" fill="hold">
-                      <p:stCondLst>
-                        <p:cond delay="indefinite"/>
-                      </p:stCondLst>
-                      <p:childTnLst>
-                        <p:par>
-                          <p:cTn id="37" fill="hold">
-                            <p:stCondLst>
-                              <p:cond delay="0"/>
-                            </p:stCondLst>
-                            <p:childTnLst>
-                              <p:par>
-                                <p:cTn id="38" presetID="4" presetClass="entr" presetSubtype="16" fill="hold" nodeType="clickEffect">
-                                  <p:stCondLst>
-                                    <p:cond delay="0"/>
-                                  </p:stCondLst>
-                                  <p:childTnLst>
-                                    <p:set>
-                                      <p:cBhvr>
-                                        <p:cTn id="39" dur="1" fill="hold">
-                                          <p:stCondLst>
-                                            <p:cond delay="0"/>
-                                          </p:stCondLst>
-                                        </p:cTn>
-                                        <p:tgtEl>
-                                          <p:spTgt spid="66"/>
-                                        </p:tgtEl>
-                                        <p:attrNameLst>
-                                          <p:attrName>style.visibility</p:attrName>
-                                        </p:attrNameLst>
-                                      </p:cBhvr>
-                                      <p:to>
-                                        <p:strVal val="visible"/>
-                                      </p:to>
-                                    </p:set>
-                                    <p:animEffect transition="in" filter="box(in)">
-                                      <p:cBhvr>
-                                        <p:cTn id="40" dur="500"/>
-                                        <p:tgtEl>
-                                          <p:spTgt spid="66"/>
-                                        </p:tgtEl>
-                                      </p:cBhvr>
-                                    </p:animEffect>
-                                  </p:childTnLst>
-                                </p:cTn>
-                              </p:par>
-                            </p:childTnLst>
-                          </p:cTn>
-                        </p:par>
-                      </p:childTnLst>
-                    </p:cTn>
-                  </p:par>
-                  <p:par>
-                    <p:cTn id="41" fill="hold">
-                      <p:stCondLst>
-                        <p:cond delay="indefinite"/>
-                      </p:stCondLst>
-                      <p:childTnLst>
-                        <p:par>
-                          <p:cTn id="42" fill="hold">
-                            <p:stCondLst>
-                              <p:cond delay="0"/>
-                            </p:stCondLst>
-                            <p:childTnLst>
-                              <p:par>
-                                <p:cTn id="43" presetID="4" presetClass="entr" presetSubtype="16" fill="hold" grpId="0" nodeType="clickEffect">
-                                  <p:stCondLst>
-                                    <p:cond delay="0"/>
-                                  </p:stCondLst>
-                                  <p:childTnLst>
-                                    <p:set>
-                                      <p:cBhvr>
-                                        <p:cTn id="44" dur="1" fill="hold">
-                                          <p:stCondLst>
-                                            <p:cond delay="0"/>
-                                          </p:stCondLst>
-                                        </p:cTn>
-                                        <p:tgtEl>
-                                          <p:spTgt spid="15377"/>
-                                        </p:tgtEl>
-                                        <p:attrNameLst>
-                                          <p:attrName>style.visibility</p:attrName>
-                                        </p:attrNameLst>
-                                      </p:cBhvr>
-                                      <p:to>
-                                        <p:strVal val="visible"/>
-                                      </p:to>
-                                    </p:set>
-                                    <p:animEffect transition="in" filter="box(in)">
-                                      <p:cBhvr>
-                                        <p:cTn id="45" dur="500"/>
-                                        <p:tgtEl>
-                                          <p:spTgt spid="15377"/>
-                                        </p:tgtEl>
-                                      </p:cBhvr>
-                                    </p:animEffect>
-                                  </p:childTnLst>
-                                </p:cTn>
-                              </p:par>
-                            </p:childTnLst>
-                          </p:cTn>
-                        </p:par>
-                      </p:childTnLst>
-                    </p:cTn>
-                  </p:par>
-                  <p:par>
-                    <p:cTn id="46" fill="hold">
-                      <p:stCondLst>
-                        <p:cond delay="indefinite"/>
-                      </p:stCondLst>
-                      <p:childTnLst>
-                        <p:par>
-                          <p:cTn id="47" fill="hold">
-                            <p:stCondLst>
-                              <p:cond delay="0"/>
-                            </p:stCondLst>
-                            <p:childTnLst>
-                              <p:par>
-                                <p:cTn id="48" presetID="4" presetClass="entr" presetSubtype="16" fill="hold" nodeType="clickEffect">
-                                  <p:stCondLst>
-                                    <p:cond delay="0"/>
-                                  </p:stCondLst>
-                                  <p:childTnLst>
-                                    <p:set>
-                                      <p:cBhvr>
-                                        <p:cTn id="49" dur="1" fill="hold">
-                                          <p:stCondLst>
-                                            <p:cond delay="0"/>
-                                          </p:stCondLst>
-                                        </p:cTn>
-                                        <p:tgtEl>
-                                          <p:spTgt spid="55"/>
-                                        </p:tgtEl>
-                                        <p:attrNameLst>
-                                          <p:attrName>style.visibility</p:attrName>
-                                        </p:attrNameLst>
-                                      </p:cBhvr>
-                                      <p:to>
-                                        <p:strVal val="visible"/>
-                                      </p:to>
-                                    </p:set>
-                                    <p:animEffect transition="in" filter="box(in)">
-                                      <p:cBhvr>
-                                        <p:cTn id="50" dur="500"/>
-                                        <p:tgtEl>
-                                          <p:spTgt spid="55"/>
-                                        </p:tgtEl>
-                                      </p:cBhvr>
-                                    </p:animEffect>
-                                  </p:childTnLst>
-                                </p:cTn>
-                              </p:par>
-                            </p:childTnLst>
-                          </p:cTn>
-                        </p:par>
-                      </p:childTnLst>
-                    </p:cTn>
-                  </p:par>
-                  <p:par>
-                    <p:cTn id="51" fill="hold">
-                      <p:stCondLst>
-                        <p:cond delay="indefinite"/>
-                      </p:stCondLst>
-                      <p:childTnLst>
-                        <p:par>
-                          <p:cTn id="52" fill="hold">
-                            <p:stCondLst>
-                              <p:cond delay="0"/>
-                            </p:stCondLst>
-                            <p:childTnLst>
-                              <p:par>
-                                <p:cTn id="53" presetID="4" presetClass="exit" presetSubtype="16" fill="hold" nodeType="clickEffect">
-                                  <p:stCondLst>
-                                    <p:cond delay="0"/>
-                                  </p:stCondLst>
-                                  <p:childTnLst>
-                                    <p:animEffect transition="out" filter="box(in)">
-                                      <p:cBhvr>
-                                        <p:cTn id="54" dur="500"/>
-                                        <p:tgtEl>
-                                          <p:spTgt spid="55"/>
-                                        </p:tgtEl>
-                                      </p:cBhvr>
-                                    </p:animEffect>
-                                    <p:set>
-                                      <p:cBhvr>
-                                        <p:cTn id="55" dur="1" fill="hold">
-                                          <p:stCondLst>
-                                            <p:cond delay="499"/>
-                                          </p:stCondLst>
-                                        </p:cTn>
-                                        <p:tgtEl>
-                                          <p:spTgt spid="55"/>
-                                        </p:tgtEl>
-                                        <p:attrNameLst>
-                                          <p:attrName>style.visibility</p:attrName>
-                                        </p:attrNameLst>
-                                      </p:cBhvr>
-                                      <p:to>
-                                        <p:strVal val="hidden"/>
-                                      </p:to>
-                                    </p:set>
-                                  </p:childTnLst>
-                                </p:cTn>
-                              </p:par>
-                            </p:childTnLst>
-                          </p:cTn>
-                        </p:par>
-                      </p:childTnLst>
-                    </p:cTn>
-                  </p:par>
-                  <p:par>
-                    <p:cTn id="56" fill="hold">
-                      <p:stCondLst>
-                        <p:cond delay="indefinite"/>
-                      </p:stCondLst>
-                      <p:childTnLst>
-                        <p:par>
-                          <p:cTn id="57" fill="hold">
-                            <p:stCondLst>
-                              <p:cond delay="0"/>
-                            </p:stCondLst>
-                            <p:childTnLst>
-                              <p:par>
-                                <p:cTn id="58" presetID="4" presetClass="entr" presetSubtype="16" fill="hold" nodeType="clickEffect">
-                                  <p:stCondLst>
-                                    <p:cond delay="0"/>
-                                  </p:stCondLst>
-                                  <p:childTnLst>
-                                    <p:set>
-                                      <p:cBhvr>
-                                        <p:cTn id="59" dur="1" fill="hold">
-                                          <p:stCondLst>
-                                            <p:cond delay="0"/>
-                                          </p:stCondLst>
-                                        </p:cTn>
-                                        <p:tgtEl>
-                                          <p:spTgt spid="60"/>
-                                        </p:tgtEl>
-                                        <p:attrNameLst>
-                                          <p:attrName>style.visibility</p:attrName>
-                                        </p:attrNameLst>
-                                      </p:cBhvr>
-                                      <p:to>
-                                        <p:strVal val="visible"/>
-                                      </p:to>
-                                    </p:set>
-                                    <p:animEffect transition="in" filter="box(in)">
-                                      <p:cBhvr>
-                                        <p:cTn id="60" dur="500"/>
-                                        <p:tgtEl>
-                                          <p:spTgt spid="60"/>
-                                        </p:tgtEl>
-                                      </p:cBhvr>
-                                    </p:animEffect>
-                                  </p:childTnLst>
-                                </p:cTn>
-                              </p:par>
-                            </p:childTnLst>
-                          </p:cTn>
-                        </p:par>
-                      </p:childTnLst>
-                    </p:cTn>
-                  </p:par>
-                  <p:par>
-                    <p:cTn id="61" fill="hold">
-                      <p:stCondLst>
-                        <p:cond delay="indefinite"/>
-                      </p:stCondLst>
-                      <p:childTnLst>
-                        <p:par>
-                          <p:cTn id="62" fill="hold">
-                            <p:stCondLst>
-                              <p:cond delay="0"/>
-                            </p:stCondLst>
-                            <p:childTnLst>
-                              <p:par>
-                                <p:cTn id="63" presetID="4" presetClass="entr" presetSubtype="16" fill="hold" nodeType="clickEffect">
-                                  <p:stCondLst>
-                                    <p:cond delay="0"/>
-                                  </p:stCondLst>
-                                  <p:childTnLst>
-                                    <p:set>
-                                      <p:cBhvr>
-                                        <p:cTn id="64" dur="1" fill="hold">
-                                          <p:stCondLst>
-                                            <p:cond delay="0"/>
-                                          </p:stCondLst>
-                                        </p:cTn>
-                                        <p:tgtEl>
-                                          <p:spTgt spid="68"/>
-                                        </p:tgtEl>
-                                        <p:attrNameLst>
-                                          <p:attrName>style.visibility</p:attrName>
-                                        </p:attrNameLst>
-                                      </p:cBhvr>
-                                      <p:to>
-                                        <p:strVal val="visible"/>
-                                      </p:to>
-                                    </p:set>
-                                    <p:animEffect transition="in" filter="box(in)">
-                                      <p:cBhvr>
-                                        <p:cTn id="65" dur="500"/>
-                                        <p:tgtEl>
-                                          <p:spTgt spid="68"/>
-                                        </p:tgtEl>
-                                      </p:cBhvr>
-                                    </p:animEffect>
-                                  </p:childTnLst>
-                                </p:cTn>
-                              </p:par>
-                              <p:par>
-                                <p:cTn id="66" presetID="4" presetClass="entr" presetSubtype="16" fill="hold" nodeType="withEffect">
-                                  <p:stCondLst>
-                                    <p:cond delay="0"/>
-                                  </p:stCondLst>
-                                  <p:childTnLst>
-                                    <p:set>
-                                      <p:cBhvr>
-                                        <p:cTn id="67" dur="1" fill="hold">
-                                          <p:stCondLst>
-                                            <p:cond delay="0"/>
-                                          </p:stCondLst>
-                                        </p:cTn>
-                                        <p:tgtEl>
-                                          <p:spTgt spid="40"/>
-                                        </p:tgtEl>
-                                        <p:attrNameLst>
-                                          <p:attrName>style.visibility</p:attrName>
-                                        </p:attrNameLst>
-                                      </p:cBhvr>
-                                      <p:to>
-                                        <p:strVal val="visible"/>
-                                      </p:to>
-                                    </p:set>
-                                    <p:animEffect transition="in" filter="box(in)">
-                                      <p:cBhvr>
-                                        <p:cTn id="68" dur="500"/>
-                                        <p:tgtEl>
-                                          <p:spTgt spid="40"/>
-                                        </p:tgtEl>
-                                      </p:cBhvr>
-                                    </p:animEffect>
-                                  </p:childTnLst>
-                                </p:cTn>
-                              </p:par>
-                            </p:childTnLst>
-                          </p:cTn>
-                        </p:par>
-                      </p:childTnLst>
-                    </p:cTn>
-                  </p:par>
-                  <p:par>
-                    <p:cTn id="69" fill="hold">
-                      <p:stCondLst>
-                        <p:cond delay="indefinite"/>
-                      </p:stCondLst>
-                      <p:childTnLst>
-                        <p:par>
-                          <p:cTn id="70" fill="hold">
-                            <p:stCondLst>
-                              <p:cond delay="0"/>
-                            </p:stCondLst>
-                            <p:childTnLst>
-                              <p:par>
-                                <p:cTn id="71" presetID="4" presetClass="exit" presetSubtype="16" fill="hold" nodeType="clickEffect">
-                                  <p:stCondLst>
-                                    <p:cond delay="0"/>
-                                  </p:stCondLst>
-                                  <p:childTnLst>
-                                    <p:animEffect transition="out" filter="box(in)">
-                                      <p:cBhvr>
-                                        <p:cTn id="72" dur="500"/>
-                                        <p:tgtEl>
-                                          <p:spTgt spid="68"/>
-                                        </p:tgtEl>
-                                      </p:cBhvr>
-                                    </p:animEffect>
-                                    <p:set>
-                                      <p:cBhvr>
-                                        <p:cTn id="73" dur="1" fill="hold">
-                                          <p:stCondLst>
-                                            <p:cond delay="499"/>
-                                          </p:stCondLst>
-                                        </p:cTn>
-                                        <p:tgtEl>
-                                          <p:spTgt spid="68"/>
-                                        </p:tgtEl>
-                                        <p:attrNameLst>
-                                          <p:attrName>style.visibility</p:attrName>
-                                        </p:attrNameLst>
-                                      </p:cBhvr>
-                                      <p:to>
-                                        <p:strVal val="hidden"/>
-                                      </p:to>
-                                    </p:set>
-                                  </p:childTnLst>
-                                </p:cTn>
-                              </p:par>
-                            </p:childTnLst>
-                          </p:cTn>
-                        </p:par>
-                      </p:childTnLst>
-                    </p:cTn>
-                  </p:par>
-                  <p:par>
-                    <p:cTn id="74" fill="hold">
-                      <p:stCondLst>
-                        <p:cond delay="indefinite"/>
-                      </p:stCondLst>
-                      <p:childTnLst>
-                        <p:par>
-                          <p:cTn id="75" fill="hold">
-                            <p:stCondLst>
-                              <p:cond delay="0"/>
-                            </p:stCondLst>
-                            <p:childTnLst>
-                              <p:par>
-                                <p:cTn id="76" presetID="4" presetClass="entr" presetSubtype="16" fill="hold" nodeType="clickEffect">
-                                  <p:stCondLst>
-                                    <p:cond delay="0"/>
-                                  </p:stCondLst>
-                                  <p:childTnLst>
-                                    <p:set>
-                                      <p:cBhvr>
-                                        <p:cTn id="77" dur="1" fill="hold">
-                                          <p:stCondLst>
-                                            <p:cond delay="0"/>
-                                          </p:stCondLst>
-                                        </p:cTn>
-                                        <p:tgtEl>
-                                          <p:spTgt spid="76"/>
-                                        </p:tgtEl>
-                                        <p:attrNameLst>
-                                          <p:attrName>style.visibility</p:attrName>
-                                        </p:attrNameLst>
-                                      </p:cBhvr>
-                                      <p:to>
-                                        <p:strVal val="visible"/>
-                                      </p:to>
-                                    </p:set>
-                                    <p:animEffect transition="in" filter="box(in)">
-                                      <p:cBhvr>
-                                        <p:cTn id="78" dur="500"/>
-                                        <p:tgtEl>
-                                          <p:spTgt spid="76"/>
-                                        </p:tgtEl>
-                                      </p:cBhvr>
-                                    </p:animEffect>
-                                  </p:childTnLst>
-                                </p:cTn>
-                              </p:par>
-                            </p:childTnLst>
-                          </p:cTn>
-                        </p:par>
-                      </p:childTnLst>
-                    </p:cTn>
-                  </p:par>
-                  <p:par>
-                    <p:cTn id="79" fill="hold">
-                      <p:stCondLst>
-                        <p:cond delay="indefinite"/>
-                      </p:stCondLst>
-                      <p:childTnLst>
-                        <p:par>
-                          <p:cTn id="80" fill="hold">
-                            <p:stCondLst>
-                              <p:cond delay="0"/>
-                            </p:stCondLst>
-                            <p:childTnLst>
-                              <p:par>
-                                <p:cTn id="81" presetID="2" presetClass="entr" presetSubtype="4" fill="hold" nodeType="clickEffect">
-                                  <p:stCondLst>
-                                    <p:cond delay="0"/>
-                                  </p:stCondLst>
-                                  <p:childTnLst>
-                                    <p:set>
-                                      <p:cBhvr>
-                                        <p:cTn id="82" dur="1" fill="hold">
-                                          <p:stCondLst>
-                                            <p:cond delay="0"/>
-                                          </p:stCondLst>
-                                        </p:cTn>
-                                        <p:tgtEl>
-                                          <p:spTgt spid="77"/>
-                                        </p:tgtEl>
-                                        <p:attrNameLst>
-                                          <p:attrName>style.visibility</p:attrName>
-                                        </p:attrNameLst>
-                                      </p:cBhvr>
-                                      <p:to>
-                                        <p:strVal val="visible"/>
-                                      </p:to>
-                                    </p:set>
-                                    <p:anim calcmode="lin" valueType="num">
-                                      <p:cBhvr additive="base">
-                                        <p:cTn id="83" dur="500" fill="hold"/>
-                                        <p:tgtEl>
-                                          <p:spTgt spid="77"/>
-                                        </p:tgtEl>
-                                        <p:attrNameLst>
-                                          <p:attrName>ppt_x</p:attrName>
-                                        </p:attrNameLst>
-                                      </p:cBhvr>
-                                      <p:tavLst>
-                                        <p:tav tm="0">
-                                          <p:val>
-                                            <p:strVal val="#ppt_x"/>
-                                          </p:val>
-                                        </p:tav>
-                                        <p:tav tm="100000">
-                                          <p:val>
-                                            <p:strVal val="#ppt_x"/>
-                                          </p:val>
-                                        </p:tav>
-                                      </p:tavLst>
-                                    </p:anim>
-                                    <p:anim calcmode="lin" valueType="num">
-                                      <p:cBhvr additive="base">
-                                        <p:cTn id="84" dur="500" fill="hold"/>
-                                        <p:tgtEl>
-                                          <p:spTgt spid="77"/>
-                                        </p:tgtEl>
-                                        <p:attrNameLst>
-                                          <p:attrName>ppt_y</p:attrName>
-                                        </p:attrNameLst>
-                                      </p:cBhvr>
-                                      <p:tavLst>
-                                        <p:tav tm="0">
-                                          <p:val>
-                                            <p:strVal val="1+#ppt_h/2"/>
-                                          </p:val>
-                                        </p:tav>
-                                        <p:tav tm="100000">
-                                          <p:val>
-                                            <p:strVal val="#ppt_y"/>
-                                          </p:val>
-                                        </p:tav>
-                                      </p:tavLst>
-                                    </p:anim>
                                   </p:childTnLst>
                                 </p:cTn>
                               </p:par>
@@ -17679,14 +13679,11 @@
         </p:cTn>
       </p:par>
     </p:tnLst>
-    <p:bldLst>
-      <p:bldP spid="15377" grpId="0" animBg="1"/>
-    </p:bldLst>
   </p:timing>
 </p:sld>
 </file>
 
-<file path=ppt/slides/slide7.xml><?xml version="1.0" encoding="utf-8"?>
+<file path=ppt/slides/slide5.xml><?xml version="1.0" encoding="utf-8"?>
 <p:sld xmlns:a="http://schemas.openxmlformats.org/drawingml/2006/main" xmlns:r="http://schemas.openxmlformats.org/officeDocument/2006/relationships" xmlns:p="http://schemas.openxmlformats.org/presentationml/2006/main">
   <p:cSld>
     <p:spTree>
@@ -17710,7 +13707,7 @@
           <p:nvPr/>
         </p:nvGraphicFramePr>
         <p:xfrm>
-          <a:off x="335280" y="772464"/>
+          <a:off x="335280" y="383185"/>
           <a:ext cx="9265920" cy="447824"/>
         </p:xfrm>
         <a:graphic>
@@ -18051,7 +14048,7 @@
 </p:sld>
 </file>
 
-<file path=ppt/slides/slide8.xml><?xml version="1.0" encoding="utf-8"?>
+<file path=ppt/slides/slide6.xml><?xml version="1.0" encoding="utf-8"?>
 <p:sld xmlns:a="http://schemas.openxmlformats.org/drawingml/2006/main" xmlns:r="http://schemas.openxmlformats.org/officeDocument/2006/relationships" xmlns:p="http://schemas.openxmlformats.org/presentationml/2006/main">
   <p:cSld>
     <p:spTree>
@@ -18337,7 +14334,7 @@
 </p:sld>
 </file>
 
-<file path=ppt/slides/slide9.xml><?xml version="1.0" encoding="utf-8"?>
+<file path=ppt/slides/slide7.xml><?xml version="1.0" encoding="utf-8"?>
 <p:sld xmlns:a="http://schemas.openxmlformats.org/drawingml/2006/main" xmlns:r="http://schemas.openxmlformats.org/officeDocument/2006/relationships" xmlns:p="http://schemas.openxmlformats.org/presentationml/2006/main">
   <p:cSld>
     <p:spTree>

--- a/Wylson_Dibinga_Diapo.pptx
+++ b/Wylson_Dibinga_Diapo.pptx
@@ -5,10 +5,10 @@
     <p:sldMasterId id="2147483658" r:id="rId1"/>
   </p:sldMasterIdLst>
   <p:notesMasterIdLst>
-    <p:notesMasterId r:id="rId10"/>
+    <p:notesMasterId r:id="rId11"/>
   </p:notesMasterIdLst>
   <p:handoutMasterIdLst>
-    <p:handoutMasterId r:id="rId11"/>
+    <p:handoutMasterId r:id="rId12"/>
   </p:handoutMasterIdLst>
   <p:sldIdLst>
     <p:sldId id="467" r:id="rId2"/>
@@ -17,8 +17,9 @@
     <p:sldId id="665" r:id="rId5"/>
     <p:sldId id="661" r:id="rId6"/>
     <p:sldId id="654" r:id="rId7"/>
-    <p:sldId id="636" r:id="rId8"/>
-    <p:sldId id="475" r:id="rId9"/>
+    <p:sldId id="667" r:id="rId8"/>
+    <p:sldId id="636" r:id="rId9"/>
+    <p:sldId id="475" r:id="rId10"/>
   </p:sldIdLst>
   <p:sldSz cx="9906000" cy="6858000" type="A4"/>
   <p:notesSz cx="6810375" cy="9942513"/>
@@ -3138,6 +3139,753 @@
 </dgm:colorsDef>
 </file>
 
+<file path=ppt/diagrams/colors5.xml><?xml version="1.0" encoding="utf-8"?>
+<dgm:colorsDef xmlns:dgm="http://schemas.openxmlformats.org/drawingml/2006/diagram" xmlns:a="http://schemas.openxmlformats.org/drawingml/2006/main" uniqueId="urn:microsoft.com/office/officeart/2005/8/colors/accent1_2">
+  <dgm:title val=""/>
+  <dgm:desc val=""/>
+  <dgm:catLst>
+    <dgm:cat type="accent1" pri="11200"/>
+  </dgm:catLst>
+  <dgm:styleLbl name="node0">
+    <dgm:fillClrLst meth="repeat">
+      <a:schemeClr val="accent1"/>
+    </dgm:fillClrLst>
+    <dgm:linClrLst meth="repeat">
+      <a:schemeClr val="lt1"/>
+    </dgm:linClrLst>
+    <dgm:effectClrLst/>
+    <dgm:txLinClrLst/>
+    <dgm:txFillClrLst/>
+    <dgm:txEffectClrLst/>
+  </dgm:styleLbl>
+  <dgm:styleLbl name="alignNode1">
+    <dgm:fillClrLst meth="repeat">
+      <a:schemeClr val="accent1"/>
+    </dgm:fillClrLst>
+    <dgm:linClrLst meth="repeat">
+      <a:schemeClr val="accent1"/>
+    </dgm:linClrLst>
+    <dgm:effectClrLst/>
+    <dgm:txLinClrLst/>
+    <dgm:txFillClrLst/>
+    <dgm:txEffectClrLst/>
+  </dgm:styleLbl>
+  <dgm:styleLbl name="node1">
+    <dgm:fillClrLst meth="repeat">
+      <a:schemeClr val="accent1"/>
+    </dgm:fillClrLst>
+    <dgm:linClrLst meth="repeat">
+      <a:schemeClr val="lt1"/>
+    </dgm:linClrLst>
+    <dgm:effectClrLst/>
+    <dgm:txLinClrLst/>
+    <dgm:txFillClrLst/>
+    <dgm:txEffectClrLst/>
+  </dgm:styleLbl>
+  <dgm:styleLbl name="lnNode1">
+    <dgm:fillClrLst meth="repeat">
+      <a:schemeClr val="accent1"/>
+    </dgm:fillClrLst>
+    <dgm:linClrLst meth="repeat">
+      <a:schemeClr val="lt1"/>
+    </dgm:linClrLst>
+    <dgm:effectClrLst/>
+    <dgm:txLinClrLst/>
+    <dgm:txFillClrLst/>
+    <dgm:txEffectClrLst/>
+  </dgm:styleLbl>
+  <dgm:styleLbl name="vennNode1">
+    <dgm:fillClrLst meth="repeat">
+      <a:schemeClr val="accent1">
+        <a:alpha val="50000"/>
+      </a:schemeClr>
+    </dgm:fillClrLst>
+    <dgm:linClrLst meth="repeat">
+      <a:schemeClr val="lt1"/>
+    </dgm:linClrLst>
+    <dgm:effectClrLst/>
+    <dgm:txLinClrLst/>
+    <dgm:txFillClrLst/>
+    <dgm:txEffectClrLst/>
+  </dgm:styleLbl>
+  <dgm:styleLbl name="node2">
+    <dgm:fillClrLst meth="repeat">
+      <a:schemeClr val="accent1"/>
+    </dgm:fillClrLst>
+    <dgm:linClrLst meth="repeat">
+      <a:schemeClr val="lt1"/>
+    </dgm:linClrLst>
+    <dgm:effectClrLst/>
+    <dgm:txLinClrLst/>
+    <dgm:txFillClrLst/>
+    <dgm:txEffectClrLst/>
+  </dgm:styleLbl>
+  <dgm:styleLbl name="node3">
+    <dgm:fillClrLst meth="repeat">
+      <a:schemeClr val="accent1"/>
+    </dgm:fillClrLst>
+    <dgm:linClrLst meth="repeat">
+      <a:schemeClr val="lt1"/>
+    </dgm:linClrLst>
+    <dgm:effectClrLst/>
+    <dgm:txLinClrLst/>
+    <dgm:txFillClrLst/>
+    <dgm:txEffectClrLst/>
+  </dgm:styleLbl>
+  <dgm:styleLbl name="node4">
+    <dgm:fillClrLst meth="repeat">
+      <a:schemeClr val="accent1"/>
+    </dgm:fillClrLst>
+    <dgm:linClrLst meth="repeat">
+      <a:schemeClr val="lt1"/>
+    </dgm:linClrLst>
+    <dgm:effectClrLst/>
+    <dgm:txLinClrLst/>
+    <dgm:txFillClrLst/>
+    <dgm:txEffectClrLst/>
+  </dgm:styleLbl>
+  <dgm:styleLbl name="fgImgPlace1">
+    <dgm:fillClrLst meth="repeat">
+      <a:schemeClr val="accent1">
+        <a:tint val="50000"/>
+      </a:schemeClr>
+    </dgm:fillClrLst>
+    <dgm:linClrLst meth="repeat">
+      <a:schemeClr val="lt1"/>
+    </dgm:linClrLst>
+    <dgm:effectClrLst/>
+    <dgm:txLinClrLst/>
+    <dgm:txFillClrLst meth="repeat">
+      <a:schemeClr val="lt1"/>
+    </dgm:txFillClrLst>
+    <dgm:txEffectClrLst/>
+  </dgm:styleLbl>
+  <dgm:styleLbl name="alignImgPlace1">
+    <dgm:fillClrLst meth="repeat">
+      <a:schemeClr val="accent1">
+        <a:tint val="50000"/>
+      </a:schemeClr>
+    </dgm:fillClrLst>
+    <dgm:linClrLst meth="repeat">
+      <a:schemeClr val="lt1"/>
+    </dgm:linClrLst>
+    <dgm:effectClrLst/>
+    <dgm:txLinClrLst/>
+    <dgm:txFillClrLst meth="repeat">
+      <a:schemeClr val="lt1"/>
+    </dgm:txFillClrLst>
+    <dgm:txEffectClrLst/>
+  </dgm:styleLbl>
+  <dgm:styleLbl name="bgImgPlace1">
+    <dgm:fillClrLst meth="repeat">
+      <a:schemeClr val="accent1">
+        <a:tint val="50000"/>
+      </a:schemeClr>
+    </dgm:fillClrLst>
+    <dgm:linClrLst meth="repeat">
+      <a:schemeClr val="lt1"/>
+    </dgm:linClrLst>
+    <dgm:effectClrLst/>
+    <dgm:txLinClrLst/>
+    <dgm:txFillClrLst meth="repeat">
+      <a:schemeClr val="lt1"/>
+    </dgm:txFillClrLst>
+    <dgm:txEffectClrLst/>
+  </dgm:styleLbl>
+  <dgm:styleLbl name="sibTrans2D1">
+    <dgm:fillClrLst meth="repeat">
+      <a:schemeClr val="accent1">
+        <a:tint val="60000"/>
+      </a:schemeClr>
+    </dgm:fillClrLst>
+    <dgm:linClrLst meth="repeat">
+      <a:schemeClr val="accent1">
+        <a:tint val="60000"/>
+      </a:schemeClr>
+    </dgm:linClrLst>
+    <dgm:effectClrLst/>
+    <dgm:txLinClrLst/>
+    <dgm:txFillClrLst/>
+    <dgm:txEffectClrLst/>
+  </dgm:styleLbl>
+  <dgm:styleLbl name="fgSibTrans2D1">
+    <dgm:fillClrLst meth="repeat">
+      <a:schemeClr val="accent1">
+        <a:tint val="60000"/>
+      </a:schemeClr>
+    </dgm:fillClrLst>
+    <dgm:linClrLst meth="repeat">
+      <a:schemeClr val="accent1">
+        <a:tint val="60000"/>
+      </a:schemeClr>
+    </dgm:linClrLst>
+    <dgm:effectClrLst/>
+    <dgm:txLinClrLst/>
+    <dgm:txFillClrLst/>
+    <dgm:txEffectClrLst/>
+  </dgm:styleLbl>
+  <dgm:styleLbl name="bgSibTrans2D1">
+    <dgm:fillClrLst meth="repeat">
+      <a:schemeClr val="accent1">
+        <a:tint val="60000"/>
+      </a:schemeClr>
+    </dgm:fillClrLst>
+    <dgm:linClrLst meth="repeat">
+      <a:schemeClr val="accent1">
+        <a:tint val="60000"/>
+      </a:schemeClr>
+    </dgm:linClrLst>
+    <dgm:effectClrLst/>
+    <dgm:txLinClrLst/>
+    <dgm:txFillClrLst/>
+    <dgm:txEffectClrLst/>
+  </dgm:styleLbl>
+  <dgm:styleLbl name="sibTrans1D1">
+    <dgm:fillClrLst meth="repeat">
+      <a:schemeClr val="accent1"/>
+    </dgm:fillClrLst>
+    <dgm:linClrLst meth="repeat">
+      <a:schemeClr val="accent1"/>
+    </dgm:linClrLst>
+    <dgm:effectClrLst/>
+    <dgm:txLinClrLst/>
+    <dgm:txFillClrLst meth="repeat">
+      <a:schemeClr val="tx1"/>
+    </dgm:txFillClrLst>
+    <dgm:txEffectClrLst/>
+  </dgm:styleLbl>
+  <dgm:styleLbl name="callout">
+    <dgm:fillClrLst meth="repeat">
+      <a:schemeClr val="accent1"/>
+    </dgm:fillClrLst>
+    <dgm:linClrLst meth="repeat">
+      <a:schemeClr val="accent1">
+        <a:tint val="50000"/>
+      </a:schemeClr>
+    </dgm:linClrLst>
+    <dgm:effectClrLst/>
+    <dgm:txLinClrLst/>
+    <dgm:txFillClrLst meth="repeat">
+      <a:schemeClr val="tx1"/>
+    </dgm:txFillClrLst>
+    <dgm:txEffectClrLst/>
+  </dgm:styleLbl>
+  <dgm:styleLbl name="asst0">
+    <dgm:fillClrLst meth="repeat">
+      <a:schemeClr val="accent1"/>
+    </dgm:fillClrLst>
+    <dgm:linClrLst meth="repeat">
+      <a:schemeClr val="lt1"/>
+    </dgm:linClrLst>
+    <dgm:effectClrLst/>
+    <dgm:txLinClrLst/>
+    <dgm:txFillClrLst/>
+    <dgm:txEffectClrLst/>
+  </dgm:styleLbl>
+  <dgm:styleLbl name="asst1">
+    <dgm:fillClrLst meth="repeat">
+      <a:schemeClr val="accent1"/>
+    </dgm:fillClrLst>
+    <dgm:linClrLst meth="repeat">
+      <a:schemeClr val="lt1"/>
+    </dgm:linClrLst>
+    <dgm:effectClrLst/>
+    <dgm:txLinClrLst/>
+    <dgm:txFillClrLst/>
+    <dgm:txEffectClrLst/>
+  </dgm:styleLbl>
+  <dgm:styleLbl name="asst2">
+    <dgm:fillClrLst meth="repeat">
+      <a:schemeClr val="accent1"/>
+    </dgm:fillClrLst>
+    <dgm:linClrLst meth="repeat">
+      <a:schemeClr val="lt1"/>
+    </dgm:linClrLst>
+    <dgm:effectClrLst/>
+    <dgm:txLinClrLst/>
+    <dgm:txFillClrLst/>
+    <dgm:txEffectClrLst/>
+  </dgm:styleLbl>
+  <dgm:styleLbl name="asst3">
+    <dgm:fillClrLst meth="repeat">
+      <a:schemeClr val="accent1"/>
+    </dgm:fillClrLst>
+    <dgm:linClrLst meth="repeat">
+      <a:schemeClr val="lt1"/>
+    </dgm:linClrLst>
+    <dgm:effectClrLst/>
+    <dgm:txLinClrLst/>
+    <dgm:txFillClrLst/>
+    <dgm:txEffectClrLst/>
+  </dgm:styleLbl>
+  <dgm:styleLbl name="asst4">
+    <dgm:fillClrLst meth="repeat">
+      <a:schemeClr val="accent1"/>
+    </dgm:fillClrLst>
+    <dgm:linClrLst meth="repeat">
+      <a:schemeClr val="lt1"/>
+    </dgm:linClrLst>
+    <dgm:effectClrLst/>
+    <dgm:txLinClrLst/>
+    <dgm:txFillClrLst/>
+    <dgm:txEffectClrLst/>
+  </dgm:styleLbl>
+  <dgm:styleLbl name="parChTrans2D1">
+    <dgm:fillClrLst meth="repeat">
+      <a:schemeClr val="accent1">
+        <a:tint val="60000"/>
+      </a:schemeClr>
+    </dgm:fillClrLst>
+    <dgm:linClrLst meth="repeat">
+      <a:schemeClr val="accent1">
+        <a:tint val="60000"/>
+      </a:schemeClr>
+    </dgm:linClrLst>
+    <dgm:effectClrLst/>
+    <dgm:txLinClrLst/>
+    <dgm:txFillClrLst meth="repeat">
+      <a:schemeClr val="lt1"/>
+    </dgm:txFillClrLst>
+    <dgm:txEffectClrLst/>
+  </dgm:styleLbl>
+  <dgm:styleLbl name="parChTrans2D2">
+    <dgm:fillClrLst meth="repeat">
+      <a:schemeClr val="accent1"/>
+    </dgm:fillClrLst>
+    <dgm:linClrLst meth="repeat">
+      <a:schemeClr val="accent1"/>
+    </dgm:linClrLst>
+    <dgm:effectClrLst/>
+    <dgm:txLinClrLst/>
+    <dgm:txFillClrLst meth="repeat">
+      <a:schemeClr val="lt1"/>
+    </dgm:txFillClrLst>
+    <dgm:txEffectClrLst/>
+  </dgm:styleLbl>
+  <dgm:styleLbl name="parChTrans2D3">
+    <dgm:fillClrLst meth="repeat">
+      <a:schemeClr val="accent1"/>
+    </dgm:fillClrLst>
+    <dgm:linClrLst meth="repeat">
+      <a:schemeClr val="accent1"/>
+    </dgm:linClrLst>
+    <dgm:effectClrLst/>
+    <dgm:txLinClrLst/>
+    <dgm:txFillClrLst meth="repeat">
+      <a:schemeClr val="lt1"/>
+    </dgm:txFillClrLst>
+    <dgm:txEffectClrLst/>
+  </dgm:styleLbl>
+  <dgm:styleLbl name="parChTrans2D4">
+    <dgm:fillClrLst meth="repeat">
+      <a:schemeClr val="accent1"/>
+    </dgm:fillClrLst>
+    <dgm:linClrLst meth="repeat">
+      <a:schemeClr val="accent1"/>
+    </dgm:linClrLst>
+    <dgm:effectClrLst/>
+    <dgm:txLinClrLst/>
+    <dgm:txFillClrLst meth="repeat">
+      <a:schemeClr val="lt1"/>
+    </dgm:txFillClrLst>
+    <dgm:txEffectClrLst/>
+  </dgm:styleLbl>
+  <dgm:styleLbl name="parChTrans1D1">
+    <dgm:fillClrLst meth="repeat">
+      <a:schemeClr val="accent1"/>
+    </dgm:fillClrLst>
+    <dgm:linClrLst meth="repeat">
+      <a:schemeClr val="accent1">
+        <a:shade val="60000"/>
+      </a:schemeClr>
+    </dgm:linClrLst>
+    <dgm:effectClrLst/>
+    <dgm:txLinClrLst/>
+    <dgm:txFillClrLst meth="repeat">
+      <a:schemeClr val="tx1"/>
+    </dgm:txFillClrLst>
+    <dgm:txEffectClrLst/>
+  </dgm:styleLbl>
+  <dgm:styleLbl name="parChTrans1D2">
+    <dgm:fillClrLst meth="repeat">
+      <a:schemeClr val="accent1"/>
+    </dgm:fillClrLst>
+    <dgm:linClrLst meth="repeat">
+      <a:schemeClr val="accent1">
+        <a:shade val="60000"/>
+      </a:schemeClr>
+    </dgm:linClrLst>
+    <dgm:effectClrLst/>
+    <dgm:txLinClrLst/>
+    <dgm:txFillClrLst meth="repeat">
+      <a:schemeClr val="tx1"/>
+    </dgm:txFillClrLst>
+    <dgm:txEffectClrLst/>
+  </dgm:styleLbl>
+  <dgm:styleLbl name="parChTrans1D3">
+    <dgm:fillClrLst meth="repeat">
+      <a:schemeClr val="accent1"/>
+    </dgm:fillClrLst>
+    <dgm:linClrLst meth="repeat">
+      <a:schemeClr val="accent1">
+        <a:shade val="80000"/>
+      </a:schemeClr>
+    </dgm:linClrLst>
+    <dgm:effectClrLst/>
+    <dgm:txLinClrLst/>
+    <dgm:txFillClrLst meth="repeat">
+      <a:schemeClr val="tx1"/>
+    </dgm:txFillClrLst>
+    <dgm:txEffectClrLst/>
+  </dgm:styleLbl>
+  <dgm:styleLbl name="parChTrans1D4">
+    <dgm:fillClrLst meth="repeat">
+      <a:schemeClr val="accent1"/>
+    </dgm:fillClrLst>
+    <dgm:linClrLst meth="repeat">
+      <a:schemeClr val="accent1">
+        <a:shade val="80000"/>
+      </a:schemeClr>
+    </dgm:linClrLst>
+    <dgm:effectClrLst/>
+    <dgm:txLinClrLst/>
+    <dgm:txFillClrLst meth="repeat">
+      <a:schemeClr val="tx1"/>
+    </dgm:txFillClrLst>
+    <dgm:txEffectClrLst/>
+  </dgm:styleLbl>
+  <dgm:styleLbl name="fgAcc1">
+    <dgm:fillClrLst meth="repeat">
+      <a:schemeClr val="lt1">
+        <a:alpha val="90000"/>
+      </a:schemeClr>
+    </dgm:fillClrLst>
+    <dgm:linClrLst meth="repeat">
+      <a:schemeClr val="accent1"/>
+    </dgm:linClrLst>
+    <dgm:effectClrLst/>
+    <dgm:txLinClrLst/>
+    <dgm:txFillClrLst meth="repeat">
+      <a:schemeClr val="dk1"/>
+    </dgm:txFillClrLst>
+    <dgm:txEffectClrLst/>
+  </dgm:styleLbl>
+  <dgm:styleLbl name="conFgAcc1">
+    <dgm:fillClrLst meth="repeat">
+      <a:schemeClr val="lt1">
+        <a:alpha val="90000"/>
+      </a:schemeClr>
+    </dgm:fillClrLst>
+    <dgm:linClrLst meth="repeat">
+      <a:schemeClr val="accent1"/>
+    </dgm:linClrLst>
+    <dgm:effectClrLst/>
+    <dgm:txLinClrLst/>
+    <dgm:txFillClrLst meth="repeat">
+      <a:schemeClr val="dk1"/>
+    </dgm:txFillClrLst>
+    <dgm:txEffectClrLst/>
+  </dgm:styleLbl>
+  <dgm:styleLbl name="alignAcc1">
+    <dgm:fillClrLst meth="repeat">
+      <a:schemeClr val="lt1">
+        <a:alpha val="90000"/>
+      </a:schemeClr>
+    </dgm:fillClrLst>
+    <dgm:linClrLst meth="repeat">
+      <a:schemeClr val="accent1"/>
+    </dgm:linClrLst>
+    <dgm:effectClrLst/>
+    <dgm:txLinClrLst/>
+    <dgm:txFillClrLst meth="repeat">
+      <a:schemeClr val="dk1"/>
+    </dgm:txFillClrLst>
+    <dgm:txEffectClrLst/>
+  </dgm:styleLbl>
+  <dgm:styleLbl name="trAlignAcc1">
+    <dgm:fillClrLst meth="repeat">
+      <a:schemeClr val="lt1">
+        <a:alpha val="40000"/>
+      </a:schemeClr>
+    </dgm:fillClrLst>
+    <dgm:linClrLst meth="repeat">
+      <a:schemeClr val="accent1"/>
+    </dgm:linClrLst>
+    <dgm:effectClrLst/>
+    <dgm:txLinClrLst/>
+    <dgm:txFillClrLst meth="repeat">
+      <a:schemeClr val="dk1"/>
+    </dgm:txFillClrLst>
+    <dgm:txEffectClrLst/>
+  </dgm:styleLbl>
+  <dgm:styleLbl name="bgAcc1">
+    <dgm:fillClrLst meth="repeat">
+      <a:schemeClr val="lt1">
+        <a:alpha val="90000"/>
+      </a:schemeClr>
+    </dgm:fillClrLst>
+    <dgm:linClrLst meth="repeat">
+      <a:schemeClr val="accent1"/>
+    </dgm:linClrLst>
+    <dgm:effectClrLst/>
+    <dgm:txLinClrLst/>
+    <dgm:txFillClrLst meth="repeat">
+      <a:schemeClr val="dk1"/>
+    </dgm:txFillClrLst>
+    <dgm:txEffectClrLst/>
+  </dgm:styleLbl>
+  <dgm:styleLbl name="solidFgAcc1">
+    <dgm:fillClrLst meth="repeat">
+      <a:schemeClr val="lt1"/>
+    </dgm:fillClrLst>
+    <dgm:linClrLst meth="repeat">
+      <a:schemeClr val="accent1"/>
+    </dgm:linClrLst>
+    <dgm:effectClrLst/>
+    <dgm:txLinClrLst/>
+    <dgm:txFillClrLst meth="repeat">
+      <a:schemeClr val="dk1"/>
+    </dgm:txFillClrLst>
+    <dgm:txEffectClrLst/>
+  </dgm:styleLbl>
+  <dgm:styleLbl name="solidAlignAcc1">
+    <dgm:fillClrLst meth="repeat">
+      <a:schemeClr val="lt1"/>
+    </dgm:fillClrLst>
+    <dgm:linClrLst meth="repeat">
+      <a:schemeClr val="accent1"/>
+    </dgm:linClrLst>
+    <dgm:effectClrLst/>
+    <dgm:txLinClrLst/>
+    <dgm:txFillClrLst meth="repeat">
+      <a:schemeClr val="dk1"/>
+    </dgm:txFillClrLst>
+    <dgm:txEffectClrLst/>
+  </dgm:styleLbl>
+  <dgm:styleLbl name="solidBgAcc1">
+    <dgm:fillClrLst meth="repeat">
+      <a:schemeClr val="lt1"/>
+    </dgm:fillClrLst>
+    <dgm:linClrLst meth="repeat">
+      <a:schemeClr val="accent1"/>
+    </dgm:linClrLst>
+    <dgm:effectClrLst/>
+    <dgm:txLinClrLst/>
+    <dgm:txFillClrLst meth="repeat">
+      <a:schemeClr val="dk1"/>
+    </dgm:txFillClrLst>
+    <dgm:txEffectClrLst/>
+  </dgm:styleLbl>
+  <dgm:styleLbl name="fgAccFollowNode1">
+    <dgm:fillClrLst meth="repeat">
+      <a:schemeClr val="accent1">
+        <a:alpha val="90000"/>
+        <a:tint val="40000"/>
+      </a:schemeClr>
+    </dgm:fillClrLst>
+    <dgm:linClrLst meth="repeat">
+      <a:schemeClr val="accent1">
+        <a:alpha val="90000"/>
+        <a:tint val="40000"/>
+      </a:schemeClr>
+    </dgm:linClrLst>
+    <dgm:effectClrLst/>
+    <dgm:txLinClrLst/>
+    <dgm:txFillClrLst meth="repeat">
+      <a:schemeClr val="dk1"/>
+    </dgm:txFillClrLst>
+    <dgm:txEffectClrLst/>
+  </dgm:styleLbl>
+  <dgm:styleLbl name="alignAccFollowNode1">
+    <dgm:fillClrLst meth="repeat">
+      <a:schemeClr val="accent1">
+        <a:alpha val="90000"/>
+        <a:tint val="40000"/>
+      </a:schemeClr>
+    </dgm:fillClrLst>
+    <dgm:linClrLst meth="repeat">
+      <a:schemeClr val="accent1">
+        <a:alpha val="90000"/>
+        <a:tint val="40000"/>
+      </a:schemeClr>
+    </dgm:linClrLst>
+    <dgm:effectClrLst/>
+    <dgm:txLinClrLst/>
+    <dgm:txFillClrLst meth="repeat">
+      <a:schemeClr val="dk1"/>
+    </dgm:txFillClrLst>
+    <dgm:txEffectClrLst/>
+  </dgm:styleLbl>
+  <dgm:styleLbl name="bgAccFollowNode1">
+    <dgm:fillClrLst meth="repeat">
+      <a:schemeClr val="accent1">
+        <a:alpha val="90000"/>
+        <a:tint val="40000"/>
+      </a:schemeClr>
+    </dgm:fillClrLst>
+    <dgm:linClrLst meth="repeat">
+      <a:schemeClr val="accent1">
+        <a:alpha val="90000"/>
+        <a:tint val="40000"/>
+      </a:schemeClr>
+    </dgm:linClrLst>
+    <dgm:effectClrLst/>
+    <dgm:txLinClrLst/>
+    <dgm:txFillClrLst meth="repeat">
+      <a:schemeClr val="dk1"/>
+    </dgm:txFillClrLst>
+    <dgm:txEffectClrLst/>
+  </dgm:styleLbl>
+  <dgm:styleLbl name="fgAcc0">
+    <dgm:fillClrLst meth="repeat">
+      <a:schemeClr val="lt1">
+        <a:alpha val="90000"/>
+      </a:schemeClr>
+    </dgm:fillClrLst>
+    <dgm:linClrLst meth="repeat">
+      <a:schemeClr val="accent1"/>
+    </dgm:linClrLst>
+    <dgm:effectClrLst/>
+    <dgm:txLinClrLst/>
+    <dgm:txFillClrLst meth="repeat">
+      <a:schemeClr val="dk1"/>
+    </dgm:txFillClrLst>
+    <dgm:txEffectClrLst/>
+  </dgm:styleLbl>
+  <dgm:styleLbl name="fgAcc2">
+    <dgm:fillClrLst meth="repeat">
+      <a:schemeClr val="lt1">
+        <a:alpha val="90000"/>
+      </a:schemeClr>
+    </dgm:fillClrLst>
+    <dgm:linClrLst meth="repeat">
+      <a:schemeClr val="accent1"/>
+    </dgm:linClrLst>
+    <dgm:effectClrLst/>
+    <dgm:txLinClrLst/>
+    <dgm:txFillClrLst meth="repeat">
+      <a:schemeClr val="dk1"/>
+    </dgm:txFillClrLst>
+    <dgm:txEffectClrLst/>
+  </dgm:styleLbl>
+  <dgm:styleLbl name="fgAcc3">
+    <dgm:fillClrLst meth="repeat">
+      <a:schemeClr val="lt1">
+        <a:alpha val="90000"/>
+      </a:schemeClr>
+    </dgm:fillClrLst>
+    <dgm:linClrLst meth="repeat">
+      <a:schemeClr val="accent1"/>
+    </dgm:linClrLst>
+    <dgm:effectClrLst/>
+    <dgm:txLinClrLst/>
+    <dgm:txFillClrLst meth="repeat">
+      <a:schemeClr val="dk1"/>
+    </dgm:txFillClrLst>
+    <dgm:txEffectClrLst/>
+  </dgm:styleLbl>
+  <dgm:styleLbl name="fgAcc4">
+    <dgm:fillClrLst meth="repeat">
+      <a:schemeClr val="lt1">
+        <a:alpha val="90000"/>
+      </a:schemeClr>
+    </dgm:fillClrLst>
+    <dgm:linClrLst meth="repeat">
+      <a:schemeClr val="accent1"/>
+    </dgm:linClrLst>
+    <dgm:effectClrLst/>
+    <dgm:txLinClrLst/>
+    <dgm:txFillClrLst meth="repeat">
+      <a:schemeClr val="dk1"/>
+    </dgm:txFillClrLst>
+    <dgm:txEffectClrLst/>
+  </dgm:styleLbl>
+  <dgm:styleLbl name="bgShp">
+    <dgm:fillClrLst meth="repeat">
+      <a:schemeClr val="accent1">
+        <a:tint val="40000"/>
+      </a:schemeClr>
+    </dgm:fillClrLst>
+    <dgm:linClrLst meth="repeat">
+      <a:schemeClr val="accent1"/>
+    </dgm:linClrLst>
+    <dgm:effectClrLst/>
+    <dgm:txLinClrLst/>
+    <dgm:txFillClrLst meth="repeat">
+      <a:schemeClr val="dk1"/>
+    </dgm:txFillClrLst>
+    <dgm:txEffectClrLst/>
+  </dgm:styleLbl>
+  <dgm:styleLbl name="dkBgShp">
+    <dgm:fillClrLst meth="repeat">
+      <a:schemeClr val="accent1">
+        <a:shade val="80000"/>
+      </a:schemeClr>
+    </dgm:fillClrLst>
+    <dgm:linClrLst meth="repeat">
+      <a:schemeClr val="accent1"/>
+    </dgm:linClrLst>
+    <dgm:effectClrLst/>
+    <dgm:txLinClrLst/>
+    <dgm:txFillClrLst meth="repeat">
+      <a:schemeClr val="lt1"/>
+    </dgm:txFillClrLst>
+    <dgm:txEffectClrLst/>
+  </dgm:styleLbl>
+  <dgm:styleLbl name="trBgShp">
+    <dgm:fillClrLst meth="repeat">
+      <a:schemeClr val="accent1">
+        <a:tint val="50000"/>
+        <a:alpha val="40000"/>
+      </a:schemeClr>
+    </dgm:fillClrLst>
+    <dgm:linClrLst meth="repeat">
+      <a:schemeClr val="accent1"/>
+    </dgm:linClrLst>
+    <dgm:effectClrLst/>
+    <dgm:txLinClrLst/>
+    <dgm:txFillClrLst meth="repeat">
+      <a:schemeClr val="lt1"/>
+    </dgm:txFillClrLst>
+    <dgm:txEffectClrLst/>
+  </dgm:styleLbl>
+  <dgm:styleLbl name="fgShp">
+    <dgm:fillClrLst meth="repeat">
+      <a:schemeClr val="accent1">
+        <a:tint val="60000"/>
+      </a:schemeClr>
+    </dgm:fillClrLst>
+    <dgm:linClrLst meth="repeat">
+      <a:schemeClr val="lt1"/>
+    </dgm:linClrLst>
+    <dgm:effectClrLst/>
+    <dgm:txLinClrLst/>
+    <dgm:txFillClrLst meth="repeat">
+      <a:schemeClr val="dk1"/>
+    </dgm:txFillClrLst>
+    <dgm:txEffectClrLst/>
+  </dgm:styleLbl>
+  <dgm:styleLbl name="revTx">
+    <dgm:fillClrLst meth="repeat">
+      <a:schemeClr val="lt1">
+        <a:alpha val="0"/>
+      </a:schemeClr>
+    </dgm:fillClrLst>
+    <dgm:linClrLst meth="repeat">
+      <a:schemeClr val="dk1">
+        <a:alpha val="0"/>
+      </a:schemeClr>
+    </dgm:linClrLst>
+    <dgm:effectClrLst/>
+    <dgm:txLinClrLst/>
+    <dgm:txFillClrLst meth="repeat">
+      <a:schemeClr val="tx1"/>
+    </dgm:txFillClrLst>
+    <dgm:txEffectClrLst/>
+  </dgm:styleLbl>
+</dgm:colorsDef>
+</file>
+
 <file path=ppt/diagrams/data1.xml><?xml version="1.0" encoding="utf-8"?>
 <dgm:dataModel xmlns:dgm="http://schemas.openxmlformats.org/drawingml/2006/diagram" xmlns:a="http://schemas.openxmlformats.org/drawingml/2006/main">
   <dgm:ptLst>
@@ -3207,7 +3955,7 @@
         <a:p>
           <a:r>
             <a:rPr lang="fr-FR" sz="1600" dirty="0" smtClean="0"/>
-            <a:t>Illustration</a:t>
+            <a:t>Bonnes pratiques</a:t>
           </a:r>
           <a:endParaRPr lang="fr-FR" sz="1600" dirty="0"/>
         </a:p>
@@ -3429,7 +4177,7 @@
         <a:p>
           <a:r>
             <a:rPr lang="fr-FR" sz="1600" dirty="0" smtClean="0"/>
-            <a:t>Illustration</a:t>
+            <a:t>Bonnes pratiques</a:t>
           </a:r>
           <a:endParaRPr lang="fr-FR" sz="1600" dirty="0"/>
         </a:p>
@@ -3560,8 +4308,8 @@
   </dgm:ptLst>
   <dgm:cxnLst>
     <dgm:cxn modelId="{E382E76D-9F17-455B-9D47-3EFF64EC3285}" type="presOf" srcId="{37CD33AD-32EA-4017-B321-82D62883DA15}" destId="{21CD225C-E5D8-443D-9487-FBEBEA387181}" srcOrd="0" destOrd="0" presId="urn:microsoft.com/office/officeart/2005/8/layout/hChevron3"/>
+    <dgm:cxn modelId="{A05470E4-6599-40D4-BA50-5E6B751FB238}" srcId="{9E1D15D1-D802-4B27-ABA3-F6082429558C}" destId="{37CD33AD-32EA-4017-B321-82D62883DA15}" srcOrd="0" destOrd="0" parTransId="{862AD4F2-7BCA-47E5-8381-5182F92E9FE3}" sibTransId="{9C941558-35F8-417D-ABB7-5EAACB2F8553}"/>
     <dgm:cxn modelId="{85720F7F-81C3-45CE-A5C7-36C72779377D}" type="presOf" srcId="{57AD7D23-1AC8-4274-88B5-D02014397898}" destId="{13DF959E-1C66-4067-AC7D-C59F456981A4}" srcOrd="0" destOrd="0" presId="urn:microsoft.com/office/officeart/2005/8/layout/hChevron3"/>
-    <dgm:cxn modelId="{A05470E4-6599-40D4-BA50-5E6B751FB238}" srcId="{9E1D15D1-D802-4B27-ABA3-F6082429558C}" destId="{37CD33AD-32EA-4017-B321-82D62883DA15}" srcOrd="0" destOrd="0" parTransId="{862AD4F2-7BCA-47E5-8381-5182F92E9FE3}" sibTransId="{9C941558-35F8-417D-ABB7-5EAACB2F8553}"/>
     <dgm:cxn modelId="{3C5D8EB9-56F4-4DA6-A252-6B96CED3C9FD}" srcId="{9E1D15D1-D802-4B27-ABA3-F6082429558C}" destId="{B3EC0F87-A051-4AD0-848B-B0A00E52CC9C}" srcOrd="1" destOrd="0" parTransId="{433FFD42-A873-4041-842B-0DF31076AF42}" sibTransId="{EA44B95D-F415-49CC-BBD7-3043578F71F8}"/>
     <dgm:cxn modelId="{1B56B2E7-6EB4-446D-9BDA-10B71A2EDD46}" type="presOf" srcId="{B3EC0F87-A051-4AD0-848B-B0A00E52CC9C}" destId="{68CFDE77-1DD0-430E-A494-1A48C963455C}" srcOrd="0" destOrd="0" presId="urn:microsoft.com/office/officeart/2005/8/layout/hChevron3"/>
     <dgm:cxn modelId="{15FF1C69-7E5F-48C0-840E-454AFC4A18F4}" type="presOf" srcId="{9E1D15D1-D802-4B27-ABA3-F6082429558C}" destId="{EFD12A60-DD2F-457B-BA4C-414F19F80203}" srcOrd="0" destOrd="0" presId="urn:microsoft.com/office/officeart/2005/8/layout/hChevron3"/>
@@ -3689,7 +4437,7 @@
         <a:p>
           <a:r>
             <a:rPr lang="fr-FR" sz="1600" dirty="0" smtClean="0"/>
-            <a:t>Illustration</a:t>
+            <a:t>Bonnes pratiques</a:t>
           </a:r>
           <a:endParaRPr lang="fr-FR" sz="1600" dirty="0"/>
         </a:p>
@@ -3727,7 +4475,7 @@
       <dgm:spPr/>
     </dgm:pt>
     <dgm:pt modelId="{21CD225C-E5D8-443D-9487-FBEBEA387181}" type="pres">
-      <dgm:prSet presAssocID="{37CD33AD-32EA-4017-B321-82D62883DA15}" presName="parTxOnly" presStyleLbl="node1" presStyleIdx="0" presStyleCnt="3" custLinFactNeighborX="-4113">
+      <dgm:prSet presAssocID="{37CD33AD-32EA-4017-B321-82D62883DA15}" presName="parTxOnly" presStyleLbl="node1" presStyleIdx="0" presStyleCnt="3" custLinFactNeighborX="-14480">
         <dgm:presLayoutVars>
           <dgm:bulletEnabled val="1"/>
         </dgm:presLayoutVars>
@@ -3783,9 +4531,9 @@
   <dgm:cxnLst>
     <dgm:cxn modelId="{7BF3E8D5-B469-49D7-BE92-FD1F4F1781A2}" srcId="{9E1D15D1-D802-4B27-ABA3-F6082429558C}" destId="{1F534F94-C1FB-49D2-B900-F3F34AF6EA67}" srcOrd="2" destOrd="0" parTransId="{0D924933-63C1-4AA6-A632-431BFBAAB57D}" sibTransId="{3338D4F9-930D-48F5-B152-7153B225E2A2}"/>
     <dgm:cxn modelId="{E502C00A-98E9-4CEC-ADB3-E6B39DFC1F52}" type="presOf" srcId="{1F534F94-C1FB-49D2-B900-F3F34AF6EA67}" destId="{FD4C7143-43FC-4DDF-A6BC-B63B039931B7}" srcOrd="0" destOrd="0" presId="urn:microsoft.com/office/officeart/2005/8/layout/hChevron3"/>
+    <dgm:cxn modelId="{3095DFAC-E819-44C0-8D09-5F9D4B0F9FC3}" type="presOf" srcId="{37CD33AD-32EA-4017-B321-82D62883DA15}" destId="{21CD225C-E5D8-443D-9487-FBEBEA387181}" srcOrd="0" destOrd="0" presId="urn:microsoft.com/office/officeart/2005/8/layout/hChevron3"/>
+    <dgm:cxn modelId="{4AC4F008-481E-4E31-A043-B6FAB04EF2E9}" type="presOf" srcId="{721288D1-8B06-4E97-9180-5AF060D52B35}" destId="{025469F2-067C-4199-9827-8EFE913C0E0F}" srcOrd="0" destOrd="0" presId="urn:microsoft.com/office/officeart/2005/8/layout/hChevron3"/>
     <dgm:cxn modelId="{A05470E4-6599-40D4-BA50-5E6B751FB238}" srcId="{9E1D15D1-D802-4B27-ABA3-F6082429558C}" destId="{37CD33AD-32EA-4017-B321-82D62883DA15}" srcOrd="0" destOrd="0" parTransId="{862AD4F2-7BCA-47E5-8381-5182F92E9FE3}" sibTransId="{9C941558-35F8-417D-ABB7-5EAACB2F8553}"/>
-    <dgm:cxn modelId="{4AC4F008-481E-4E31-A043-B6FAB04EF2E9}" type="presOf" srcId="{721288D1-8B06-4E97-9180-5AF060D52B35}" destId="{025469F2-067C-4199-9827-8EFE913C0E0F}" srcOrd="0" destOrd="0" presId="urn:microsoft.com/office/officeart/2005/8/layout/hChevron3"/>
-    <dgm:cxn modelId="{3095DFAC-E819-44C0-8D09-5F9D4B0F9FC3}" type="presOf" srcId="{37CD33AD-32EA-4017-B321-82D62883DA15}" destId="{21CD225C-E5D8-443D-9487-FBEBEA387181}" srcOrd="0" destOrd="0" presId="urn:microsoft.com/office/officeart/2005/8/layout/hChevron3"/>
     <dgm:cxn modelId="{CFEDC859-F6AA-413D-A509-A24082AC60F9}" srcId="{9E1D15D1-D802-4B27-ABA3-F6082429558C}" destId="{721288D1-8B06-4E97-9180-5AF060D52B35}" srcOrd="1" destOrd="0" parTransId="{EDA01FBC-43DE-42EA-BCB5-B789633E9531}" sibTransId="{0C81F5C0-2E70-4B58-BF27-C362AE16E6C6}"/>
     <dgm:cxn modelId="{F0472310-4CC9-49AF-AFAB-09F5A9317D38}" type="presOf" srcId="{9E1D15D1-D802-4B27-ABA3-F6082429558C}" destId="{EFD12A60-DD2F-457B-BA4C-414F19F80203}" srcOrd="0" destOrd="0" presId="urn:microsoft.com/office/officeart/2005/8/layout/hChevron3"/>
     <dgm:cxn modelId="{0967E836-8E2C-4BAC-AEB2-F3A38FA27E4A}" type="presParOf" srcId="{EFD12A60-DD2F-457B-BA4C-414F19F80203}" destId="{21CD225C-E5D8-443D-9487-FBEBEA387181}" srcOrd="0" destOrd="0" presId="urn:microsoft.com/office/officeart/2005/8/layout/hChevron3"/>
@@ -3820,7 +4568,7 @@
         <a:p>
           <a:r>
             <a:rPr lang="fr-FR" sz="1600" b="0" dirty="0" smtClean="0"/>
-            <a:t>xx</a:t>
+            <a:t>Architecture logicielle</a:t>
           </a:r>
           <a:endParaRPr lang="fr-FR" sz="1600" b="0" dirty="0"/>
         </a:p>
@@ -3856,8 +4604,8 @@
         <a:lstStyle/>
         <a:p>
           <a:r>
-            <a:rPr lang="fr-FR" sz="1600" b="0" dirty="0" smtClean="0"/>
-            <a:t>xx</a:t>
+            <a:rPr lang="fr-FR" sz="1600" baseline="0" dirty="0" smtClean="0"/>
+            <a:t>Découpage en couches</a:t>
           </a:r>
           <a:endParaRPr lang="fr-FR" sz="1600" b="0" dirty="0"/>
         </a:p>
@@ -3905,7 +4653,7 @@
                 <a:srgbClr val="7030A0"/>
               </a:solidFill>
             </a:rPr>
-            <a:t>xx</a:t>
+            <a:t>Bonnes pratiques</a:t>
           </a:r>
           <a:endParaRPr lang="fr-FR" sz="1600" b="1" dirty="0">
             <a:solidFill>
@@ -3947,7 +4695,7 @@
       <dgm:spPr/>
     </dgm:pt>
     <dgm:pt modelId="{21CD225C-E5D8-443D-9487-FBEBEA387181}" type="pres">
-      <dgm:prSet presAssocID="{37CD33AD-32EA-4017-B321-82D62883DA15}" presName="parTxOnly" presStyleLbl="node1" presStyleIdx="0" presStyleCnt="3" custLinFactNeighborX="-4113">
+      <dgm:prSet presAssocID="{37CD33AD-32EA-4017-B321-82D62883DA15}" presName="parTxOnly" presStyleLbl="node1" presStyleIdx="0" presStyleCnt="3" custLinFactNeighborX="-47653" custLinFactNeighborY="-4043">
         <dgm:presLayoutVars>
           <dgm:bulletEnabled val="1"/>
         </dgm:presLayoutVars>
@@ -4013,6 +4761,226 @@
     <dgm:cxn modelId="{2E1CD8D2-8B5C-4D98-A988-2960D42293A1}" type="presParOf" srcId="{EFD12A60-DD2F-457B-BA4C-414F19F80203}" destId="{025469F2-067C-4199-9827-8EFE913C0E0F}" srcOrd="2" destOrd="0" presId="urn:microsoft.com/office/officeart/2005/8/layout/hChevron3"/>
     <dgm:cxn modelId="{0FF21ED4-8398-4A3E-8DF0-A9AEE5FC787F}" type="presParOf" srcId="{EFD12A60-DD2F-457B-BA4C-414F19F80203}" destId="{73382D93-8C34-4A39-BF2A-9A9AF42B8686}" srcOrd="3" destOrd="0" presId="urn:microsoft.com/office/officeart/2005/8/layout/hChevron3"/>
     <dgm:cxn modelId="{1212DD8A-E771-4F70-AC13-78F77E1E2F25}" type="presParOf" srcId="{EFD12A60-DD2F-457B-BA4C-414F19F80203}" destId="{FD4C7143-43FC-4DDF-A6BC-B63B039931B7}" srcOrd="4" destOrd="0" presId="urn:microsoft.com/office/officeart/2005/8/layout/hChevron3"/>
+  </dgm:cxnLst>
+  <dgm:bg/>
+  <dgm:whole/>
+  <dgm:extLst>
+    <a:ext uri="http://schemas.microsoft.com/office/drawing/2008/diagram">
+      <dsp:dataModelExt xmlns:dsp="http://schemas.microsoft.com/office/drawing/2008/diagram" xmlns="" relId="rId7" minVer="http://schemas.openxmlformats.org/drawingml/2006/diagram"/>
+    </a:ext>
+  </dgm:extLst>
+</dgm:dataModel>
+</file>
+
+<file path=ppt/diagrams/data5.xml><?xml version="1.0" encoding="utf-8"?>
+<dgm:dataModel xmlns:dgm="http://schemas.openxmlformats.org/drawingml/2006/diagram" xmlns:a="http://schemas.openxmlformats.org/drawingml/2006/main">
+  <dgm:ptLst>
+    <dgm:pt modelId="{9E1D15D1-D802-4B27-ABA3-F6082429558C}" type="doc">
+      <dgm:prSet loTypeId="urn:microsoft.com/office/officeart/2005/8/layout/hChevron3" loCatId="process" qsTypeId="urn:microsoft.com/office/officeart/2005/8/quickstyle/simple5" qsCatId="simple" csTypeId="urn:microsoft.com/office/officeart/2005/8/colors/accent1_2" csCatId="accent1" phldr="1"/>
+      <dgm:spPr/>
+    </dgm:pt>
+    <dgm:pt modelId="{37CD33AD-32EA-4017-B321-82D62883DA15}">
+      <dgm:prSet phldrT="[Texte]" custT="1"/>
+      <dgm:spPr/>
+      <dgm:t>
+        <a:bodyPr/>
+        <a:lstStyle/>
+        <a:p>
+          <a:r>
+            <a:rPr lang="fr-FR" sz="1600" b="0" dirty="0" smtClean="0"/>
+            <a:t>Architecture logicielle</a:t>
+          </a:r>
+          <a:endParaRPr lang="fr-FR" sz="1600" b="0" dirty="0"/>
+        </a:p>
+      </dgm:t>
+    </dgm:pt>
+    <dgm:pt modelId="{862AD4F2-7BCA-47E5-8381-5182F92E9FE3}" type="parTrans" cxnId="{A05470E4-6599-40D4-BA50-5E6B751FB238}">
+      <dgm:prSet/>
+      <dgm:spPr/>
+      <dgm:t>
+        <a:bodyPr/>
+        <a:lstStyle/>
+        <a:p>
+          <a:endParaRPr lang="fr-FR"/>
+        </a:p>
+      </dgm:t>
+    </dgm:pt>
+    <dgm:pt modelId="{9C941558-35F8-417D-ABB7-5EAACB2F8553}" type="sibTrans" cxnId="{A05470E4-6599-40D4-BA50-5E6B751FB238}">
+      <dgm:prSet/>
+      <dgm:spPr/>
+      <dgm:t>
+        <a:bodyPr/>
+        <a:lstStyle/>
+        <a:p>
+          <a:endParaRPr lang="fr-FR"/>
+        </a:p>
+      </dgm:t>
+    </dgm:pt>
+    <dgm:pt modelId="{721288D1-8B06-4E97-9180-5AF060D52B35}">
+      <dgm:prSet phldrT="[Texte]" custT="1"/>
+      <dgm:spPr/>
+      <dgm:t>
+        <a:bodyPr/>
+        <a:lstStyle/>
+        <a:p>
+          <a:r>
+            <a:rPr lang="fr-FR" sz="1600" baseline="0" dirty="0" smtClean="0"/>
+            <a:t>Découpage en couches</a:t>
+          </a:r>
+          <a:endParaRPr lang="fr-FR" sz="1600" b="0" dirty="0"/>
+        </a:p>
+      </dgm:t>
+    </dgm:pt>
+    <dgm:pt modelId="{EDA01FBC-43DE-42EA-BCB5-B789633E9531}" type="parTrans" cxnId="{CFEDC859-F6AA-413D-A509-A24082AC60F9}">
+      <dgm:prSet/>
+      <dgm:spPr/>
+      <dgm:t>
+        <a:bodyPr/>
+        <a:lstStyle/>
+        <a:p>
+          <a:endParaRPr lang="fr-FR"/>
+        </a:p>
+      </dgm:t>
+    </dgm:pt>
+    <dgm:pt modelId="{0C81F5C0-2E70-4B58-BF27-C362AE16E6C6}" type="sibTrans" cxnId="{CFEDC859-F6AA-413D-A509-A24082AC60F9}">
+      <dgm:prSet/>
+      <dgm:spPr/>
+      <dgm:t>
+        <a:bodyPr/>
+        <a:lstStyle/>
+        <a:p>
+          <a:endParaRPr lang="fr-FR"/>
+        </a:p>
+      </dgm:t>
+    </dgm:pt>
+    <dgm:pt modelId="{1F534F94-C1FB-49D2-B900-F3F34AF6EA67}">
+      <dgm:prSet phldrT="[Texte]" custT="1"/>
+      <dgm:spPr>
+        <a:solidFill>
+          <a:schemeClr val="accent1">
+            <a:lumMod val="40000"/>
+            <a:lumOff val="60000"/>
+          </a:schemeClr>
+        </a:solidFill>
+      </dgm:spPr>
+      <dgm:t>
+        <a:bodyPr/>
+        <a:lstStyle/>
+        <a:p>
+          <a:r>
+            <a:rPr lang="fr-FR" sz="1600" b="1" dirty="0" smtClean="0">
+              <a:solidFill>
+                <a:srgbClr val="7030A0"/>
+              </a:solidFill>
+            </a:rPr>
+            <a:t>Bonnes pratiques</a:t>
+          </a:r>
+          <a:endParaRPr lang="fr-FR" sz="1600" b="1" dirty="0">
+            <a:solidFill>
+              <a:srgbClr val="7030A0"/>
+            </a:solidFill>
+          </a:endParaRPr>
+        </a:p>
+      </dgm:t>
+    </dgm:pt>
+    <dgm:pt modelId="{0D924933-63C1-4AA6-A632-431BFBAAB57D}" type="parTrans" cxnId="{7BF3E8D5-B469-49D7-BE92-FD1F4F1781A2}">
+      <dgm:prSet/>
+      <dgm:spPr/>
+      <dgm:t>
+        <a:bodyPr/>
+        <a:lstStyle/>
+        <a:p>
+          <a:endParaRPr lang="fr-FR"/>
+        </a:p>
+      </dgm:t>
+    </dgm:pt>
+    <dgm:pt modelId="{3338D4F9-930D-48F5-B152-7153B225E2A2}" type="sibTrans" cxnId="{7BF3E8D5-B469-49D7-BE92-FD1F4F1781A2}">
+      <dgm:prSet/>
+      <dgm:spPr/>
+      <dgm:t>
+        <a:bodyPr/>
+        <a:lstStyle/>
+        <a:p>
+          <a:endParaRPr lang="fr-FR"/>
+        </a:p>
+      </dgm:t>
+    </dgm:pt>
+    <dgm:pt modelId="{EFD12A60-DD2F-457B-BA4C-414F19F80203}" type="pres">
+      <dgm:prSet presAssocID="{9E1D15D1-D802-4B27-ABA3-F6082429558C}" presName="Name0" presStyleCnt="0">
+        <dgm:presLayoutVars>
+          <dgm:dir/>
+          <dgm:resizeHandles val="exact"/>
+        </dgm:presLayoutVars>
+      </dgm:prSet>
+      <dgm:spPr/>
+    </dgm:pt>
+    <dgm:pt modelId="{21CD225C-E5D8-443D-9487-FBEBEA387181}" type="pres">
+      <dgm:prSet presAssocID="{37CD33AD-32EA-4017-B321-82D62883DA15}" presName="parTxOnly" presStyleLbl="node1" presStyleIdx="0" presStyleCnt="3" custLinFactNeighborX="-47653" custLinFactNeighborY="-4043">
+        <dgm:presLayoutVars>
+          <dgm:bulletEnabled val="1"/>
+        </dgm:presLayoutVars>
+      </dgm:prSet>
+      <dgm:spPr/>
+      <dgm:t>
+        <a:bodyPr/>
+        <a:lstStyle/>
+        <a:p>
+          <a:endParaRPr lang="fr-FR"/>
+        </a:p>
+      </dgm:t>
+    </dgm:pt>
+    <dgm:pt modelId="{85AD69C5-9A32-42BB-B4B6-102A56E68A92}" type="pres">
+      <dgm:prSet presAssocID="{9C941558-35F8-417D-ABB7-5EAACB2F8553}" presName="parSpace" presStyleCnt="0"/>
+      <dgm:spPr/>
+    </dgm:pt>
+    <dgm:pt modelId="{025469F2-067C-4199-9827-8EFE913C0E0F}" type="pres">
+      <dgm:prSet presAssocID="{721288D1-8B06-4E97-9180-5AF060D52B35}" presName="parTxOnly" presStyleLbl="node1" presStyleIdx="1" presStyleCnt="3" custLinFactNeighborX="-4113">
+        <dgm:presLayoutVars>
+          <dgm:bulletEnabled val="1"/>
+        </dgm:presLayoutVars>
+      </dgm:prSet>
+      <dgm:spPr/>
+      <dgm:t>
+        <a:bodyPr/>
+        <a:lstStyle/>
+        <a:p>
+          <a:endParaRPr lang="fr-FR"/>
+        </a:p>
+      </dgm:t>
+    </dgm:pt>
+    <dgm:pt modelId="{73382D93-8C34-4A39-BF2A-9A9AF42B8686}" type="pres">
+      <dgm:prSet presAssocID="{0C81F5C0-2E70-4B58-BF27-C362AE16E6C6}" presName="parSpace" presStyleCnt="0"/>
+      <dgm:spPr/>
+    </dgm:pt>
+    <dgm:pt modelId="{FD4C7143-43FC-4DDF-A6BC-B63B039931B7}" type="pres">
+      <dgm:prSet presAssocID="{1F534F94-C1FB-49D2-B900-F3F34AF6EA67}" presName="parTxOnly" presStyleLbl="node1" presStyleIdx="2" presStyleCnt="3" custLinFactNeighborX="-4113">
+        <dgm:presLayoutVars>
+          <dgm:bulletEnabled val="1"/>
+        </dgm:presLayoutVars>
+      </dgm:prSet>
+      <dgm:spPr/>
+      <dgm:t>
+        <a:bodyPr/>
+        <a:lstStyle/>
+        <a:p>
+          <a:endParaRPr lang="fr-FR"/>
+        </a:p>
+      </dgm:t>
+    </dgm:pt>
+  </dgm:ptLst>
+  <dgm:cxnLst>
+    <dgm:cxn modelId="{7BF3E8D5-B469-49D7-BE92-FD1F4F1781A2}" srcId="{9E1D15D1-D802-4B27-ABA3-F6082429558C}" destId="{1F534F94-C1FB-49D2-B900-F3F34AF6EA67}" srcOrd="2" destOrd="0" parTransId="{0D924933-63C1-4AA6-A632-431BFBAAB57D}" sibTransId="{3338D4F9-930D-48F5-B152-7153B225E2A2}"/>
+    <dgm:cxn modelId="{810F3BA2-DB83-4DC3-B905-74905E942069}" type="presOf" srcId="{721288D1-8B06-4E97-9180-5AF060D52B35}" destId="{025469F2-067C-4199-9827-8EFE913C0E0F}" srcOrd="0" destOrd="0" presId="urn:microsoft.com/office/officeart/2005/8/layout/hChevron3"/>
+    <dgm:cxn modelId="{A05470E4-6599-40D4-BA50-5E6B751FB238}" srcId="{9E1D15D1-D802-4B27-ABA3-F6082429558C}" destId="{37CD33AD-32EA-4017-B321-82D62883DA15}" srcOrd="0" destOrd="0" parTransId="{862AD4F2-7BCA-47E5-8381-5182F92E9FE3}" sibTransId="{9C941558-35F8-417D-ABB7-5EAACB2F8553}"/>
+    <dgm:cxn modelId="{CFEDC859-F6AA-413D-A509-A24082AC60F9}" srcId="{9E1D15D1-D802-4B27-ABA3-F6082429558C}" destId="{721288D1-8B06-4E97-9180-5AF060D52B35}" srcOrd="1" destOrd="0" parTransId="{EDA01FBC-43DE-42EA-BCB5-B789633E9531}" sibTransId="{0C81F5C0-2E70-4B58-BF27-C362AE16E6C6}"/>
+    <dgm:cxn modelId="{1CAFD456-94B0-492D-B786-7BCD97964AA3}" type="presOf" srcId="{37CD33AD-32EA-4017-B321-82D62883DA15}" destId="{21CD225C-E5D8-443D-9487-FBEBEA387181}" srcOrd="0" destOrd="0" presId="urn:microsoft.com/office/officeart/2005/8/layout/hChevron3"/>
+    <dgm:cxn modelId="{DEDDB827-9463-4C2B-9447-8CBFB467B70B}" type="presOf" srcId="{9E1D15D1-D802-4B27-ABA3-F6082429558C}" destId="{EFD12A60-DD2F-457B-BA4C-414F19F80203}" srcOrd="0" destOrd="0" presId="urn:microsoft.com/office/officeart/2005/8/layout/hChevron3"/>
+    <dgm:cxn modelId="{BBDF39F6-47AB-47E7-B5D8-B5B7A84B08EC}" type="presOf" srcId="{1F534F94-C1FB-49D2-B900-F3F34AF6EA67}" destId="{FD4C7143-43FC-4DDF-A6BC-B63B039931B7}" srcOrd="0" destOrd="0" presId="urn:microsoft.com/office/officeart/2005/8/layout/hChevron3"/>
+    <dgm:cxn modelId="{81C5C5E8-D814-4FB8-8320-D050FDA922A1}" type="presParOf" srcId="{EFD12A60-DD2F-457B-BA4C-414F19F80203}" destId="{21CD225C-E5D8-443D-9487-FBEBEA387181}" srcOrd="0" destOrd="0" presId="urn:microsoft.com/office/officeart/2005/8/layout/hChevron3"/>
+    <dgm:cxn modelId="{F6649803-4EC0-4953-B432-75D7B36831FC}" type="presParOf" srcId="{EFD12A60-DD2F-457B-BA4C-414F19F80203}" destId="{85AD69C5-9A32-42BB-B4B6-102A56E68A92}" srcOrd="1" destOrd="0" presId="urn:microsoft.com/office/officeart/2005/8/layout/hChevron3"/>
+    <dgm:cxn modelId="{37FB85B8-14FA-482A-89F9-91F96C72BD00}" type="presParOf" srcId="{EFD12A60-DD2F-457B-BA4C-414F19F80203}" destId="{025469F2-067C-4199-9827-8EFE913C0E0F}" srcOrd="2" destOrd="0" presId="urn:microsoft.com/office/officeart/2005/8/layout/hChevron3"/>
+    <dgm:cxn modelId="{D8DE7F6C-7ACC-4A02-8063-13D9338AFDEB}" type="presParOf" srcId="{EFD12A60-DD2F-457B-BA4C-414F19F80203}" destId="{73382D93-8C34-4A39-BF2A-9A9AF42B8686}" srcOrd="3" destOrd="0" presId="urn:microsoft.com/office/officeart/2005/8/layout/hChevron3"/>
+    <dgm:cxn modelId="{7DC526D3-4DA2-4B07-8D13-5EC05229D6D9}" type="presParOf" srcId="{EFD12A60-DD2F-457B-BA4C-414F19F80203}" destId="{FD4C7143-43FC-4DDF-A6BC-B63B039931B7}" srcOrd="4" destOrd="0" presId="urn:microsoft.com/office/officeart/2005/8/layout/hChevron3"/>
   </dgm:cxnLst>
   <dgm:bg/>
   <dgm:whole/>
@@ -4340,7 +5308,7 @@
           </a:pPr>
           <a:r>
             <a:rPr lang="fr-FR" sz="1600" kern="1200" dirty="0" smtClean="0"/>
-            <a:t>Illustration</a:t>
+            <a:t>Bonnes pratiques</a:t>
           </a:r>
           <a:endParaRPr lang="fr-FR" sz="1600" kern="1200" dirty="0"/>
         </a:p>
@@ -4670,7 +5638,7 @@
           </a:pPr>
           <a:r>
             <a:rPr lang="fr-FR" sz="1600" kern="1200" dirty="0" smtClean="0"/>
-            <a:t>Illustration</a:t>
+            <a:t>Bonnes pratiques</a:t>
           </a:r>
           <a:endParaRPr lang="fr-FR" sz="1600" kern="1200" dirty="0"/>
         </a:p>
@@ -5000,7 +5968,7 @@
           </a:pPr>
           <a:r>
             <a:rPr lang="fr-FR" sz="1600" kern="1200" dirty="0" smtClean="0"/>
-            <a:t>Illustration</a:t>
+            <a:t>Bonnes pratiques</a:t>
           </a:r>
           <a:endParaRPr lang="fr-FR" sz="1600" kern="1200" dirty="0"/>
         </a:p>
@@ -5125,7 +6093,7 @@
           </a:pPr>
           <a:r>
             <a:rPr lang="fr-FR" sz="1600" b="0" kern="1200" dirty="0" smtClean="0"/>
-            <a:t>xx</a:t>
+            <a:t>Architecture logicielle</a:t>
           </a:r>
           <a:endParaRPr lang="fr-FR" sz="1600" b="0" kern="1200" dirty="0"/>
         </a:p>
@@ -5237,8 +6205,8 @@
             </a:spcAft>
           </a:pPr>
           <a:r>
-            <a:rPr lang="fr-FR" sz="1600" b="0" kern="1200" dirty="0" smtClean="0"/>
-            <a:t>xx</a:t>
+            <a:rPr lang="fr-FR" sz="1600" kern="1200" baseline="0" dirty="0" smtClean="0"/>
+            <a:t>Découpage en couches</a:t>
           </a:r>
           <a:endParaRPr lang="fr-FR" sz="1600" b="0" kern="1200" dirty="0"/>
         </a:p>
@@ -5326,7 +6294,337 @@
                 <a:srgbClr val="7030A0"/>
               </a:solidFill>
             </a:rPr>
-            <a:t>xx</a:t>
+            <a:t>Bonnes pratiques</a:t>
+          </a:r>
+          <a:endParaRPr lang="fr-FR" sz="1600" b="1" kern="1200" dirty="0">
+            <a:solidFill>
+              <a:srgbClr val="7030A0"/>
+            </a:solidFill>
+          </a:endParaRPr>
+        </a:p>
+      </dsp:txBody>
+      <dsp:txXfrm>
+        <a:off x="5671874" y="0"/>
+        <a:ext cx="3560683" cy="447824"/>
+      </dsp:txXfrm>
+    </dsp:sp>
+  </dsp:spTree>
+</dsp:drawing>
+</file>
+
+<file path=ppt/diagrams/drawing5.xml><?xml version="1.0" encoding="utf-8"?>
+<dsp:drawing xmlns:dgm="http://schemas.openxmlformats.org/drawingml/2006/diagram" xmlns:a="http://schemas.openxmlformats.org/drawingml/2006/main" xmlns:dsp="http://schemas.microsoft.com/office/drawing/2008/diagram">
+  <dsp:spTree>
+    <dsp:nvGrpSpPr>
+      <dsp:cNvPr id="0" name=""/>
+      <dsp:cNvGrpSpPr/>
+    </dsp:nvGrpSpPr>
+    <dsp:grpSpPr/>
+    <dsp:sp modelId="{21CD225C-E5D8-443D-9487-FBEBEA387181}">
+      <dsp:nvSpPr>
+        <dsp:cNvPr id="0" name=""/>
+        <dsp:cNvSpPr/>
+      </dsp:nvSpPr>
+      <dsp:spPr>
+        <a:xfrm>
+          <a:off x="0" y="0"/>
+          <a:ext cx="3560683" cy="447824"/>
+        </a:xfrm>
+        <a:prstGeom prst="homePlate">
+          <a:avLst/>
+        </a:prstGeom>
+        <a:gradFill rotWithShape="0">
+          <a:gsLst>
+            <a:gs pos="0">
+              <a:schemeClr val="accent1">
+                <a:hueOff val="0"/>
+                <a:satOff val="0"/>
+                <a:lumOff val="0"/>
+                <a:alphaOff val="0"/>
+                <a:shade val="51000"/>
+                <a:satMod val="130000"/>
+              </a:schemeClr>
+            </a:gs>
+            <a:gs pos="80000">
+              <a:schemeClr val="accent1">
+                <a:hueOff val="0"/>
+                <a:satOff val="0"/>
+                <a:lumOff val="0"/>
+                <a:alphaOff val="0"/>
+                <a:shade val="93000"/>
+                <a:satMod val="130000"/>
+              </a:schemeClr>
+            </a:gs>
+            <a:gs pos="100000">
+              <a:schemeClr val="accent1">
+                <a:hueOff val="0"/>
+                <a:satOff val="0"/>
+                <a:lumOff val="0"/>
+                <a:alphaOff val="0"/>
+                <a:shade val="94000"/>
+                <a:satMod val="135000"/>
+              </a:schemeClr>
+            </a:gs>
+          </a:gsLst>
+          <a:lin ang="16200000" scaled="0"/>
+        </a:gradFill>
+        <a:ln>
+          <a:noFill/>
+        </a:ln>
+        <a:effectLst>
+          <a:outerShdw blurRad="40000" dist="23000" dir="5400000" rotWithShape="0">
+            <a:srgbClr val="000000">
+              <a:alpha val="35000"/>
+            </a:srgbClr>
+          </a:outerShdw>
+        </a:effectLst>
+        <a:scene3d>
+          <a:camera prst="orthographicFront">
+            <a:rot lat="0" lon="0" rev="0"/>
+          </a:camera>
+          <a:lightRig rig="threePt" dir="t">
+            <a:rot lat="0" lon="0" rev="1200000"/>
+          </a:lightRig>
+        </a:scene3d>
+        <a:sp3d>
+          <a:bevelT w="63500" h="25400"/>
+        </a:sp3d>
+      </dsp:spPr>
+      <dsp:style>
+        <a:lnRef idx="0">
+          <a:scrgbClr r="0" g="0" b="0"/>
+        </a:lnRef>
+        <a:fillRef idx="3">
+          <a:scrgbClr r="0" g="0" b="0"/>
+        </a:fillRef>
+        <a:effectRef idx="3">
+          <a:scrgbClr r="0" g="0" b="0"/>
+        </a:effectRef>
+        <a:fontRef idx="minor">
+          <a:schemeClr val="lt1"/>
+        </a:fontRef>
+      </dsp:style>
+      <dsp:txBody>
+        <a:bodyPr spcFirstLastPara="0" vert="horz" wrap="square" lIns="85344" tIns="42672" rIns="21336" bIns="42672" numCol="1" spcCol="1270" anchor="ctr" anchorCtr="0">
+          <a:noAutofit/>
+        </a:bodyPr>
+        <a:lstStyle/>
+        <a:p>
+          <a:pPr lvl="0" algn="ctr" defTabSz="711200">
+            <a:lnSpc>
+              <a:spcPct val="90000"/>
+            </a:lnSpc>
+            <a:spcBef>
+              <a:spcPct val="0"/>
+            </a:spcBef>
+            <a:spcAft>
+              <a:spcPct val="35000"/>
+            </a:spcAft>
+          </a:pPr>
+          <a:r>
+            <a:rPr lang="fr-FR" sz="1600" b="0" kern="1200" dirty="0" smtClean="0"/>
+            <a:t>Architecture logicielle</a:t>
+          </a:r>
+          <a:endParaRPr lang="fr-FR" sz="1600" b="0" kern="1200" dirty="0"/>
+        </a:p>
+      </dsp:txBody>
+      <dsp:txXfrm>
+        <a:off x="0" y="0"/>
+        <a:ext cx="3560683" cy="447824"/>
+      </dsp:txXfrm>
+    </dsp:sp>
+    <dsp:sp modelId="{025469F2-067C-4199-9827-8EFE913C0E0F}">
+      <dsp:nvSpPr>
+        <dsp:cNvPr id="0" name=""/>
+        <dsp:cNvSpPr/>
+      </dsp:nvSpPr>
+      <dsp:spPr>
+        <a:xfrm>
+          <a:off x="2823328" y="0"/>
+          <a:ext cx="3560683" cy="447824"/>
+        </a:xfrm>
+        <a:prstGeom prst="chevron">
+          <a:avLst/>
+        </a:prstGeom>
+        <a:gradFill rotWithShape="0">
+          <a:gsLst>
+            <a:gs pos="0">
+              <a:schemeClr val="accent1">
+                <a:hueOff val="0"/>
+                <a:satOff val="0"/>
+                <a:lumOff val="0"/>
+                <a:alphaOff val="0"/>
+                <a:shade val="51000"/>
+                <a:satMod val="130000"/>
+              </a:schemeClr>
+            </a:gs>
+            <a:gs pos="80000">
+              <a:schemeClr val="accent1">
+                <a:hueOff val="0"/>
+                <a:satOff val="0"/>
+                <a:lumOff val="0"/>
+                <a:alphaOff val="0"/>
+                <a:shade val="93000"/>
+                <a:satMod val="130000"/>
+              </a:schemeClr>
+            </a:gs>
+            <a:gs pos="100000">
+              <a:schemeClr val="accent1">
+                <a:hueOff val="0"/>
+                <a:satOff val="0"/>
+                <a:lumOff val="0"/>
+                <a:alphaOff val="0"/>
+                <a:shade val="94000"/>
+                <a:satMod val="135000"/>
+              </a:schemeClr>
+            </a:gs>
+          </a:gsLst>
+          <a:lin ang="16200000" scaled="0"/>
+        </a:gradFill>
+        <a:ln>
+          <a:noFill/>
+        </a:ln>
+        <a:effectLst>
+          <a:outerShdw blurRad="40000" dist="23000" dir="5400000" rotWithShape="0">
+            <a:srgbClr val="000000">
+              <a:alpha val="35000"/>
+            </a:srgbClr>
+          </a:outerShdw>
+        </a:effectLst>
+        <a:scene3d>
+          <a:camera prst="orthographicFront">
+            <a:rot lat="0" lon="0" rev="0"/>
+          </a:camera>
+          <a:lightRig rig="threePt" dir="t">
+            <a:rot lat="0" lon="0" rev="1200000"/>
+          </a:lightRig>
+        </a:scene3d>
+        <a:sp3d>
+          <a:bevelT w="63500" h="25400"/>
+        </a:sp3d>
+      </dsp:spPr>
+      <dsp:style>
+        <a:lnRef idx="0">
+          <a:scrgbClr r="0" g="0" b="0"/>
+        </a:lnRef>
+        <a:fillRef idx="3">
+          <a:scrgbClr r="0" g="0" b="0"/>
+        </a:fillRef>
+        <a:effectRef idx="3">
+          <a:scrgbClr r="0" g="0" b="0"/>
+        </a:effectRef>
+        <a:fontRef idx="minor">
+          <a:schemeClr val="lt1"/>
+        </a:fontRef>
+      </dsp:style>
+      <dsp:txBody>
+        <a:bodyPr spcFirstLastPara="0" vert="horz" wrap="square" lIns="64008" tIns="42672" rIns="21336" bIns="42672" numCol="1" spcCol="1270" anchor="ctr" anchorCtr="0">
+          <a:noAutofit/>
+        </a:bodyPr>
+        <a:lstStyle/>
+        <a:p>
+          <a:pPr lvl="0" algn="ctr" defTabSz="711200">
+            <a:lnSpc>
+              <a:spcPct val="90000"/>
+            </a:lnSpc>
+            <a:spcBef>
+              <a:spcPct val="0"/>
+            </a:spcBef>
+            <a:spcAft>
+              <a:spcPct val="35000"/>
+            </a:spcAft>
+          </a:pPr>
+          <a:r>
+            <a:rPr lang="fr-FR" sz="1600" kern="1200" baseline="0" dirty="0" smtClean="0"/>
+            <a:t>Découpage en couches</a:t>
+          </a:r>
+          <a:endParaRPr lang="fr-FR" sz="1600" b="0" kern="1200" dirty="0"/>
+        </a:p>
+      </dsp:txBody>
+      <dsp:txXfrm>
+        <a:off x="2823328" y="0"/>
+        <a:ext cx="3560683" cy="447824"/>
+      </dsp:txXfrm>
+    </dsp:sp>
+    <dsp:sp modelId="{FD4C7143-43FC-4DDF-A6BC-B63B039931B7}">
+      <dsp:nvSpPr>
+        <dsp:cNvPr id="0" name=""/>
+        <dsp:cNvSpPr/>
+      </dsp:nvSpPr>
+      <dsp:spPr>
+        <a:xfrm>
+          <a:off x="5671874" y="0"/>
+          <a:ext cx="3560683" cy="447824"/>
+        </a:xfrm>
+        <a:prstGeom prst="chevron">
+          <a:avLst/>
+        </a:prstGeom>
+        <a:solidFill>
+          <a:schemeClr val="accent1">
+            <a:lumMod val="40000"/>
+            <a:lumOff val="60000"/>
+          </a:schemeClr>
+        </a:solidFill>
+        <a:ln>
+          <a:noFill/>
+        </a:ln>
+        <a:effectLst>
+          <a:outerShdw blurRad="40000" dist="23000" dir="5400000" rotWithShape="0">
+            <a:srgbClr val="000000">
+              <a:alpha val="35000"/>
+            </a:srgbClr>
+          </a:outerShdw>
+        </a:effectLst>
+        <a:scene3d>
+          <a:camera prst="orthographicFront">
+            <a:rot lat="0" lon="0" rev="0"/>
+          </a:camera>
+          <a:lightRig rig="threePt" dir="t">
+            <a:rot lat="0" lon="0" rev="1200000"/>
+          </a:lightRig>
+        </a:scene3d>
+        <a:sp3d>
+          <a:bevelT w="63500" h="25400"/>
+        </a:sp3d>
+      </dsp:spPr>
+      <dsp:style>
+        <a:lnRef idx="0">
+          <a:scrgbClr r="0" g="0" b="0"/>
+        </a:lnRef>
+        <a:fillRef idx="3">
+          <a:scrgbClr r="0" g="0" b="0"/>
+        </a:fillRef>
+        <a:effectRef idx="3">
+          <a:scrgbClr r="0" g="0" b="0"/>
+        </a:effectRef>
+        <a:fontRef idx="minor">
+          <a:schemeClr val="lt1"/>
+        </a:fontRef>
+      </dsp:style>
+      <dsp:txBody>
+        <a:bodyPr spcFirstLastPara="0" vert="horz" wrap="square" lIns="64008" tIns="42672" rIns="21336" bIns="42672" numCol="1" spcCol="1270" anchor="ctr" anchorCtr="0">
+          <a:noAutofit/>
+        </a:bodyPr>
+        <a:lstStyle/>
+        <a:p>
+          <a:pPr lvl="0" algn="ctr" defTabSz="711200">
+            <a:lnSpc>
+              <a:spcPct val="90000"/>
+            </a:lnSpc>
+            <a:spcBef>
+              <a:spcPct val="0"/>
+            </a:spcBef>
+            <a:spcAft>
+              <a:spcPct val="35000"/>
+            </a:spcAft>
+          </a:pPr>
+          <a:r>
+            <a:rPr lang="fr-FR" sz="1600" b="1" kern="1200" dirty="0" smtClean="0">
+              <a:solidFill>
+                <a:srgbClr val="7030A0"/>
+              </a:solidFill>
+            </a:rPr>
+            <a:t>Bonnes pratiques</a:t>
           </a:r>
           <a:endParaRPr lang="fr-FR" sz="1600" b="1" kern="1200" dirty="0">
             <a:solidFill>
@@ -6432,6 +7730,278 @@
 </dgm:layoutDef>
 </file>
 
+<file path=ppt/diagrams/layout5.xml><?xml version="1.0" encoding="utf-8"?>
+<dgm:layoutDef xmlns:dgm="http://schemas.openxmlformats.org/drawingml/2006/diagram" xmlns:a="http://schemas.openxmlformats.org/drawingml/2006/main" uniqueId="urn:microsoft.com/office/officeart/2005/8/layout/hChevron3">
+  <dgm:title val=""/>
+  <dgm:desc val=""/>
+  <dgm:catLst>
+    <dgm:cat type="process" pri="10000"/>
+  </dgm:catLst>
+  <dgm:sampData useDef="1">
+    <dgm:dataModel>
+      <dgm:ptLst/>
+      <dgm:bg/>
+      <dgm:whole/>
+    </dgm:dataModel>
+  </dgm:sampData>
+  <dgm:styleData>
+    <dgm:dataModel>
+      <dgm:ptLst>
+        <dgm:pt modelId="0" type="doc"/>
+        <dgm:pt modelId="1"/>
+        <dgm:pt modelId="2"/>
+      </dgm:ptLst>
+      <dgm:cxnLst>
+        <dgm:cxn modelId="3" srcId="0" destId="1" srcOrd="0" destOrd="0"/>
+        <dgm:cxn modelId="4" srcId="0" destId="2" srcOrd="1" destOrd="0"/>
+      </dgm:cxnLst>
+      <dgm:bg/>
+      <dgm:whole/>
+    </dgm:dataModel>
+  </dgm:styleData>
+  <dgm:clrData>
+    <dgm:dataModel>
+      <dgm:ptLst>
+        <dgm:pt modelId="0" type="doc"/>
+        <dgm:pt modelId="1"/>
+        <dgm:pt modelId="2"/>
+        <dgm:pt modelId="3"/>
+        <dgm:pt modelId="4"/>
+      </dgm:ptLst>
+      <dgm:cxnLst>
+        <dgm:cxn modelId="5" srcId="0" destId="1" srcOrd="0" destOrd="0"/>
+        <dgm:cxn modelId="6" srcId="0" destId="2" srcOrd="1" destOrd="0"/>
+        <dgm:cxn modelId="7" srcId="0" destId="3" srcOrd="2" destOrd="0"/>
+        <dgm:cxn modelId="8" srcId="0" destId="4" srcOrd="3" destOrd="0"/>
+      </dgm:cxnLst>
+      <dgm:bg/>
+      <dgm:whole/>
+    </dgm:dataModel>
+  </dgm:clrData>
+  <dgm:layoutNode name="Name0">
+    <dgm:varLst>
+      <dgm:dir/>
+      <dgm:resizeHandles val="exact"/>
+    </dgm:varLst>
+    <dgm:choose name="Name1">
+      <dgm:if name="Name2" func="var" arg="dir" op="equ" val="norm">
+        <dgm:alg type="lin"/>
+      </dgm:if>
+      <dgm:else name="Name3">
+        <dgm:alg type="lin">
+          <dgm:param type="linDir" val="fromR"/>
+        </dgm:alg>
+      </dgm:else>
+    </dgm:choose>
+    <dgm:shape xmlns:r="http://schemas.openxmlformats.org/officeDocument/2006/relationships" r:blip="">
+      <dgm:adjLst/>
+    </dgm:shape>
+    <dgm:presOf/>
+    <dgm:choose name="Name4">
+      <dgm:if name="Name5" axis="root des" func="maxDepth" op="gte" val="2">
+        <dgm:constrLst>
+          <dgm:constr type="w" for="ch" forName="parAndChTx" refType="w"/>
+          <dgm:constr type="primFontSz" for="ch" ptType="node" op="equ"/>
+          <dgm:constr type="w" for="ch" forName="parAndChSpace" refType="w" refFor="ch" refForName="parAndChTx" fact="-0.2"/>
+          <dgm:constr type="w" for="ch" ptType="sibTrans" op="equ"/>
+        </dgm:constrLst>
+        <dgm:ruleLst/>
+        <dgm:forEach name="Name6" axis="ch" ptType="node">
+          <dgm:layoutNode name="parAndChTx">
+            <dgm:varLst>
+              <dgm:bulletEnabled val="1"/>
+            </dgm:varLst>
+            <dgm:alg type="tx"/>
+            <dgm:choose name="Name7">
+              <dgm:if name="Name8" func="var" arg="dir" op="equ" val="norm">
+                <dgm:choose name="Name9">
+                  <dgm:if name="Name10" axis="self" ptType="node" func="pos" op="equ" val="1">
+                    <dgm:shape xmlns:r="http://schemas.openxmlformats.org/officeDocument/2006/relationships" type="homePlate" r:blip="">
+                      <dgm:adjLst>
+                        <dgm:adj idx="1" val="0.25"/>
+                      </dgm:adjLst>
+                    </dgm:shape>
+                    <dgm:presOf axis="desOrSelf" ptType="node"/>
+                    <dgm:constrLst>
+                      <dgm:constr type="h" refType="w" op="equ" fact="0.8"/>
+                      <dgm:constr type="primFontSz" val="65"/>
+                      <dgm:constr type="tMarg" refType="primFontSz" fact="0.2"/>
+                      <dgm:constr type="bMarg" refType="primFontSz" fact="0.2"/>
+                      <dgm:constr type="lMarg" refType="w" fact="0.1"/>
+                      <dgm:constr type="rMarg" refType="w" fact="0.4"/>
+                    </dgm:constrLst>
+                  </dgm:if>
+                  <dgm:else name="Name11">
+                    <dgm:shape xmlns:r="http://schemas.openxmlformats.org/officeDocument/2006/relationships" type="chevron" r:blip="">
+                      <dgm:adjLst>
+                        <dgm:adj idx="1" val="0.25"/>
+                      </dgm:adjLst>
+                    </dgm:shape>
+                    <dgm:presOf axis="desOrSelf" ptType="node"/>
+                    <dgm:constrLst>
+                      <dgm:constr type="h" refType="w" op="equ" fact="0.8"/>
+                      <dgm:constr type="primFontSz" val="65"/>
+                      <dgm:constr type="tMarg" refType="primFontSz" fact="0.2"/>
+                      <dgm:constr type="bMarg" refType="primFontSz" fact="0.2"/>
+                      <dgm:constr type="lMarg" refType="w" fact="0.1"/>
+                      <dgm:constr type="rMarg" refType="w" fact="0.1"/>
+                    </dgm:constrLst>
+                  </dgm:else>
+                </dgm:choose>
+              </dgm:if>
+              <dgm:else name="Name12">
+                <dgm:choose name="Name13">
+                  <dgm:if name="Name14" axis="self" ptType="node" func="pos" op="equ" val="1">
+                    <dgm:shape xmlns:r="http://schemas.openxmlformats.org/officeDocument/2006/relationships" rot="180" type="homePlate" r:blip="">
+                      <dgm:adjLst>
+                        <dgm:adj idx="1" val="0.25"/>
+                      </dgm:adjLst>
+                    </dgm:shape>
+                    <dgm:presOf axis="desOrSelf" ptType="node"/>
+                    <dgm:constrLst>
+                      <dgm:constr type="h" refType="w" op="equ" fact="0.8"/>
+                      <dgm:constr type="primFontSz" val="65"/>
+                      <dgm:constr type="tMarg" refType="primFontSz" fact="0.2"/>
+                      <dgm:constr type="bMarg" refType="primFontSz" fact="0.2"/>
+                      <dgm:constr type="lMarg" refType="w" fact="0.4"/>
+                      <dgm:constr type="rMarg" refType="w" fact="0.1"/>
+                    </dgm:constrLst>
+                  </dgm:if>
+                  <dgm:else name="Name15">
+                    <dgm:shape xmlns:r="http://schemas.openxmlformats.org/officeDocument/2006/relationships" rot="180" type="chevron" r:blip="">
+                      <dgm:adjLst>
+                        <dgm:adj idx="1" val="0.25"/>
+                      </dgm:adjLst>
+                    </dgm:shape>
+                    <dgm:presOf axis="desOrSelf" ptType="node"/>
+                    <dgm:constrLst>
+                      <dgm:constr type="h" refType="w" op="equ" fact="0.8"/>
+                      <dgm:constr type="primFontSz" val="65"/>
+                      <dgm:constr type="tMarg" refType="primFontSz" fact="0.2"/>
+                      <dgm:constr type="bMarg" refType="primFontSz" fact="0.2"/>
+                      <dgm:constr type="lMarg" refType="w" fact="0.1"/>
+                      <dgm:constr type="rMarg" refType="w" fact="0.1"/>
+                    </dgm:constrLst>
+                  </dgm:else>
+                </dgm:choose>
+              </dgm:else>
+            </dgm:choose>
+            <dgm:ruleLst>
+              <dgm:rule type="primFontSz" val="5" fact="NaN" max="NaN"/>
+            </dgm:ruleLst>
+          </dgm:layoutNode>
+          <dgm:forEach name="Name16" axis="followSib" ptType="sibTrans" cnt="1">
+            <dgm:layoutNode name="parAndChSpace">
+              <dgm:alg type="sp"/>
+              <dgm:shape xmlns:r="http://schemas.openxmlformats.org/officeDocument/2006/relationships" r:blip="">
+                <dgm:adjLst/>
+              </dgm:shape>
+              <dgm:presOf/>
+              <dgm:constrLst/>
+              <dgm:ruleLst/>
+            </dgm:layoutNode>
+          </dgm:forEach>
+        </dgm:forEach>
+      </dgm:if>
+      <dgm:else name="Name17">
+        <dgm:constrLst>
+          <dgm:constr type="w" for="ch" forName="parTxOnly" refType="w"/>
+          <dgm:constr type="primFontSz" for="ch" ptType="node" op="equ"/>
+          <dgm:constr type="w" for="ch" forName="parSpace" refType="w" refFor="ch" refForName="parTxOnly" fact="-0.2"/>
+          <dgm:constr type="w" for="ch" ptType="sibTrans" op="equ"/>
+        </dgm:constrLst>
+        <dgm:ruleLst/>
+        <dgm:forEach name="Name18" axis="ch" ptType="node">
+          <dgm:layoutNode name="parTxOnly">
+            <dgm:varLst>
+              <dgm:bulletEnabled val="1"/>
+            </dgm:varLst>
+            <dgm:alg type="tx"/>
+            <dgm:presOf axis="desOrSelf" ptType="node"/>
+            <dgm:choose name="Name19">
+              <dgm:if name="Name20" func="var" arg="dir" op="equ" val="norm">
+                <dgm:choose name="Name21">
+                  <dgm:if name="Name22" axis="self" ptType="node" func="pos" op="equ" val="1">
+                    <dgm:shape xmlns:r="http://schemas.openxmlformats.org/officeDocument/2006/relationships" type="homePlate" r:blip="">
+                      <dgm:adjLst/>
+                    </dgm:shape>
+                    <dgm:constrLst>
+                      <dgm:constr type="h" refType="w" op="equ" fact="0.4"/>
+                      <dgm:constr type="primFontSz" val="65"/>
+                      <dgm:constr type="tMarg" refType="primFontSz" fact="0.21"/>
+                      <dgm:constr type="bMarg" refType="primFontSz" fact="0.21"/>
+                      <dgm:constr type="lMarg" refType="primFontSz" fact="0.42"/>
+                      <dgm:constr type="rMarg" refType="primFontSz" fact="0.105"/>
+                    </dgm:constrLst>
+                  </dgm:if>
+                  <dgm:else name="Name23">
+                    <dgm:shape xmlns:r="http://schemas.openxmlformats.org/officeDocument/2006/relationships" type="chevron" r:blip="">
+                      <dgm:adjLst/>
+                    </dgm:shape>
+                    <dgm:constrLst>
+                      <dgm:constr type="h" refType="w" op="equ" fact="0.4"/>
+                      <dgm:constr type="primFontSz" val="65"/>
+                      <dgm:constr type="tMarg" refType="primFontSz" fact="0.21"/>
+                      <dgm:constr type="bMarg" refType="primFontSz" fact="0.21"/>
+                      <dgm:constr type="lMarg" refType="primFontSz" fact="0.315"/>
+                      <dgm:constr type="rMarg" refType="primFontSz" fact="0.105"/>
+                    </dgm:constrLst>
+                  </dgm:else>
+                </dgm:choose>
+              </dgm:if>
+              <dgm:else name="Name24">
+                <dgm:choose name="Name25">
+                  <dgm:if name="Name26" axis="self" ptType="node" func="pos" op="equ" val="1">
+                    <dgm:shape xmlns:r="http://schemas.openxmlformats.org/officeDocument/2006/relationships" rot="180" type="homePlate" r:blip="">
+                      <dgm:adjLst/>
+                    </dgm:shape>
+                    <dgm:constrLst>
+                      <dgm:constr type="h" refType="w" op="equ" fact="0.4"/>
+                      <dgm:constr type="primFontSz" val="65"/>
+                      <dgm:constr type="tMarg" refType="primFontSz" fact="0.21"/>
+                      <dgm:constr type="bMarg" refType="primFontSz" fact="0.21"/>
+                      <dgm:constr type="lMarg" refType="primFontSz" fact="0.105"/>
+                      <dgm:constr type="rMarg" refType="primFontSz" fact="0.42"/>
+                    </dgm:constrLst>
+                  </dgm:if>
+                  <dgm:else name="Name27">
+                    <dgm:shape xmlns:r="http://schemas.openxmlformats.org/officeDocument/2006/relationships" rot="180" type="chevron" r:blip="">
+                      <dgm:adjLst/>
+                    </dgm:shape>
+                    <dgm:constrLst>
+                      <dgm:constr type="h" refType="w" op="equ" fact="0.4"/>
+                      <dgm:constr type="primFontSz" val="65"/>
+                      <dgm:constr type="tMarg" refType="primFontSz" fact="0.21"/>
+                      <dgm:constr type="bMarg" refType="primFontSz" fact="0.21"/>
+                      <dgm:constr type="lMarg" refType="primFontSz" fact="0.105"/>
+                      <dgm:constr type="rMarg" refType="primFontSz" fact="0.315"/>
+                    </dgm:constrLst>
+                  </dgm:else>
+                </dgm:choose>
+              </dgm:else>
+            </dgm:choose>
+            <dgm:ruleLst>
+              <dgm:rule type="primFontSz" val="5" fact="NaN" max="NaN"/>
+            </dgm:ruleLst>
+          </dgm:layoutNode>
+          <dgm:forEach name="Name28" axis="followSib" ptType="sibTrans" cnt="1">
+            <dgm:layoutNode name="parSpace">
+              <dgm:alg type="sp"/>
+              <dgm:shape xmlns:r="http://schemas.openxmlformats.org/officeDocument/2006/relationships" r:blip="">
+                <dgm:adjLst/>
+              </dgm:shape>
+              <dgm:presOf/>
+              <dgm:constrLst/>
+              <dgm:ruleLst/>
+            </dgm:layoutNode>
+          </dgm:forEach>
+        </dgm:forEach>
+      </dgm:else>
+    </dgm:choose>
+  </dgm:layoutNode>
+</dgm:layoutDef>
+</file>
+
 <file path=ppt/diagrams/quickStyle1.xml><?xml version="1.0" encoding="utf-8"?>
 <dgm:styleDef xmlns:dgm="http://schemas.openxmlformats.org/drawingml/2006/diagram" xmlns:a="http://schemas.openxmlformats.org/drawingml/2006/main" uniqueId="urn:microsoft.com/office/officeart/2005/8/quickstyle/simple5">
   <dgm:title val=""/>
@@ -9535,6 +11105,1040 @@
 </file>
 
 <file path=ppt/diagrams/quickStyle4.xml><?xml version="1.0" encoding="utf-8"?>
+<dgm:styleDef xmlns:dgm="http://schemas.openxmlformats.org/drawingml/2006/diagram" xmlns:a="http://schemas.openxmlformats.org/drawingml/2006/main" uniqueId="urn:microsoft.com/office/officeart/2005/8/quickstyle/simple5">
+  <dgm:title val=""/>
+  <dgm:desc val=""/>
+  <dgm:catLst>
+    <dgm:cat type="simple" pri="10500"/>
+  </dgm:catLst>
+  <dgm:scene3d>
+    <a:camera prst="orthographicFront"/>
+    <a:lightRig rig="threePt" dir="t"/>
+  </dgm:scene3d>
+  <dgm:styleLbl name="node0">
+    <dgm:scene3d>
+      <a:camera prst="orthographicFront"/>
+      <a:lightRig rig="threePt" dir="t"/>
+    </dgm:scene3d>
+    <dgm:sp3d/>
+    <dgm:txPr/>
+    <dgm:style>
+      <a:lnRef idx="0">
+        <a:scrgbClr r="0" g="0" b="0"/>
+      </a:lnRef>
+      <a:fillRef idx="3">
+        <a:scrgbClr r="0" g="0" b="0"/>
+      </a:fillRef>
+      <a:effectRef idx="3">
+        <a:scrgbClr r="0" g="0" b="0"/>
+      </a:effectRef>
+      <a:fontRef idx="minor">
+        <a:schemeClr val="lt1"/>
+      </a:fontRef>
+    </dgm:style>
+  </dgm:styleLbl>
+  <dgm:styleLbl name="lnNode1">
+    <dgm:scene3d>
+      <a:camera prst="orthographicFront"/>
+      <a:lightRig rig="threePt" dir="t"/>
+    </dgm:scene3d>
+    <dgm:sp3d/>
+    <dgm:txPr/>
+    <dgm:style>
+      <a:lnRef idx="0">
+        <a:scrgbClr r="0" g="0" b="0"/>
+      </a:lnRef>
+      <a:fillRef idx="3">
+        <a:scrgbClr r="0" g="0" b="0"/>
+      </a:fillRef>
+      <a:effectRef idx="3">
+        <a:scrgbClr r="0" g="0" b="0"/>
+      </a:effectRef>
+      <a:fontRef idx="minor">
+        <a:schemeClr val="lt1"/>
+      </a:fontRef>
+    </dgm:style>
+  </dgm:styleLbl>
+  <dgm:styleLbl name="vennNode1">
+    <dgm:scene3d>
+      <a:camera prst="orthographicFront"/>
+      <a:lightRig rig="threePt" dir="t"/>
+    </dgm:scene3d>
+    <dgm:sp3d/>
+    <dgm:txPr/>
+    <dgm:style>
+      <a:lnRef idx="0">
+        <a:scrgbClr r="0" g="0" b="0"/>
+      </a:lnRef>
+      <a:fillRef idx="3">
+        <a:scrgbClr r="0" g="0" b="0"/>
+      </a:fillRef>
+      <a:effectRef idx="3">
+        <a:scrgbClr r="0" g="0" b="0"/>
+      </a:effectRef>
+      <a:fontRef idx="minor">
+        <a:schemeClr val="tx1"/>
+      </a:fontRef>
+    </dgm:style>
+  </dgm:styleLbl>
+  <dgm:styleLbl name="alignNode1">
+    <dgm:scene3d>
+      <a:camera prst="orthographicFront"/>
+      <a:lightRig rig="threePt" dir="t"/>
+    </dgm:scene3d>
+    <dgm:sp3d/>
+    <dgm:txPr/>
+    <dgm:style>
+      <a:lnRef idx="1">
+        <a:scrgbClr r="0" g="0" b="0"/>
+      </a:lnRef>
+      <a:fillRef idx="3">
+        <a:scrgbClr r="0" g="0" b="0"/>
+      </a:fillRef>
+      <a:effectRef idx="3">
+        <a:scrgbClr r="0" g="0" b="0"/>
+      </a:effectRef>
+      <a:fontRef idx="minor">
+        <a:schemeClr val="lt1"/>
+      </a:fontRef>
+    </dgm:style>
+  </dgm:styleLbl>
+  <dgm:styleLbl name="node1">
+    <dgm:scene3d>
+      <a:camera prst="orthographicFront"/>
+      <a:lightRig rig="threePt" dir="t"/>
+    </dgm:scene3d>
+    <dgm:sp3d/>
+    <dgm:txPr/>
+    <dgm:style>
+      <a:lnRef idx="0">
+        <a:scrgbClr r="0" g="0" b="0"/>
+      </a:lnRef>
+      <a:fillRef idx="3">
+        <a:scrgbClr r="0" g="0" b="0"/>
+      </a:fillRef>
+      <a:effectRef idx="3">
+        <a:scrgbClr r="0" g="0" b="0"/>
+      </a:effectRef>
+      <a:fontRef idx="minor">
+        <a:schemeClr val="lt1"/>
+      </a:fontRef>
+    </dgm:style>
+  </dgm:styleLbl>
+  <dgm:styleLbl name="node2">
+    <dgm:scene3d>
+      <a:camera prst="orthographicFront"/>
+      <a:lightRig rig="threePt" dir="t"/>
+    </dgm:scene3d>
+    <dgm:sp3d/>
+    <dgm:txPr/>
+    <dgm:style>
+      <a:lnRef idx="0">
+        <a:scrgbClr r="0" g="0" b="0"/>
+      </a:lnRef>
+      <a:fillRef idx="3">
+        <a:scrgbClr r="0" g="0" b="0"/>
+      </a:fillRef>
+      <a:effectRef idx="3">
+        <a:scrgbClr r="0" g="0" b="0"/>
+      </a:effectRef>
+      <a:fontRef idx="minor">
+        <a:schemeClr val="lt1"/>
+      </a:fontRef>
+    </dgm:style>
+  </dgm:styleLbl>
+  <dgm:styleLbl name="node3">
+    <dgm:scene3d>
+      <a:camera prst="orthographicFront"/>
+      <a:lightRig rig="threePt" dir="t"/>
+    </dgm:scene3d>
+    <dgm:sp3d/>
+    <dgm:txPr/>
+    <dgm:style>
+      <a:lnRef idx="0">
+        <a:scrgbClr r="0" g="0" b="0"/>
+      </a:lnRef>
+      <a:fillRef idx="3">
+        <a:scrgbClr r="0" g="0" b="0"/>
+      </a:fillRef>
+      <a:effectRef idx="3">
+        <a:scrgbClr r="0" g="0" b="0"/>
+      </a:effectRef>
+      <a:fontRef idx="minor">
+        <a:schemeClr val="lt1"/>
+      </a:fontRef>
+    </dgm:style>
+  </dgm:styleLbl>
+  <dgm:styleLbl name="node4">
+    <dgm:scene3d>
+      <a:camera prst="orthographicFront"/>
+      <a:lightRig rig="threePt" dir="t"/>
+    </dgm:scene3d>
+    <dgm:sp3d/>
+    <dgm:txPr/>
+    <dgm:style>
+      <a:lnRef idx="0">
+        <a:scrgbClr r="0" g="0" b="0"/>
+      </a:lnRef>
+      <a:fillRef idx="3">
+        <a:scrgbClr r="0" g="0" b="0"/>
+      </a:fillRef>
+      <a:effectRef idx="3">
+        <a:scrgbClr r="0" g="0" b="0"/>
+      </a:effectRef>
+      <a:fontRef idx="minor">
+        <a:schemeClr val="lt1"/>
+      </a:fontRef>
+    </dgm:style>
+  </dgm:styleLbl>
+  <dgm:styleLbl name="fgImgPlace1">
+    <dgm:scene3d>
+      <a:camera prst="orthographicFront"/>
+      <a:lightRig rig="threePt" dir="t"/>
+    </dgm:scene3d>
+    <dgm:sp3d/>
+    <dgm:txPr/>
+    <dgm:style>
+      <a:lnRef idx="0">
+        <a:scrgbClr r="0" g="0" b="0"/>
+      </a:lnRef>
+      <a:fillRef idx="1">
+        <a:scrgbClr r="0" g="0" b="0"/>
+      </a:fillRef>
+      <a:effectRef idx="3">
+        <a:scrgbClr r="0" g="0" b="0"/>
+      </a:effectRef>
+      <a:fontRef idx="minor"/>
+    </dgm:style>
+  </dgm:styleLbl>
+  <dgm:styleLbl name="alignImgPlace1">
+    <dgm:scene3d>
+      <a:camera prst="orthographicFront"/>
+      <a:lightRig rig="threePt" dir="t"/>
+    </dgm:scene3d>
+    <dgm:sp3d/>
+    <dgm:txPr/>
+    <dgm:style>
+      <a:lnRef idx="0">
+        <a:scrgbClr r="0" g="0" b="0"/>
+      </a:lnRef>
+      <a:fillRef idx="1">
+        <a:scrgbClr r="0" g="0" b="0"/>
+      </a:fillRef>
+      <a:effectRef idx="3">
+        <a:scrgbClr r="0" g="0" b="0"/>
+      </a:effectRef>
+      <a:fontRef idx="minor"/>
+    </dgm:style>
+  </dgm:styleLbl>
+  <dgm:styleLbl name="bgImgPlace1">
+    <dgm:scene3d>
+      <a:camera prst="orthographicFront"/>
+      <a:lightRig rig="threePt" dir="t"/>
+    </dgm:scene3d>
+    <dgm:sp3d/>
+    <dgm:txPr/>
+    <dgm:style>
+      <a:lnRef idx="0">
+        <a:scrgbClr r="0" g="0" b="0"/>
+      </a:lnRef>
+      <a:fillRef idx="1">
+        <a:scrgbClr r="0" g="0" b="0"/>
+      </a:fillRef>
+      <a:effectRef idx="3">
+        <a:scrgbClr r="0" g="0" b="0"/>
+      </a:effectRef>
+      <a:fontRef idx="minor"/>
+    </dgm:style>
+  </dgm:styleLbl>
+  <dgm:styleLbl name="sibTrans2D1">
+    <dgm:scene3d>
+      <a:camera prst="orthographicFront"/>
+      <a:lightRig rig="threePt" dir="t"/>
+    </dgm:scene3d>
+    <dgm:sp3d/>
+    <dgm:txPr/>
+    <dgm:style>
+      <a:lnRef idx="0">
+        <a:scrgbClr r="0" g="0" b="0"/>
+      </a:lnRef>
+      <a:fillRef idx="3">
+        <a:scrgbClr r="0" g="0" b="0"/>
+      </a:fillRef>
+      <a:effectRef idx="3">
+        <a:scrgbClr r="0" g="0" b="0"/>
+      </a:effectRef>
+      <a:fontRef idx="minor">
+        <a:schemeClr val="lt1"/>
+      </a:fontRef>
+    </dgm:style>
+  </dgm:styleLbl>
+  <dgm:styleLbl name="fgSibTrans2D1">
+    <dgm:scene3d>
+      <a:camera prst="orthographicFront"/>
+      <a:lightRig rig="threePt" dir="t"/>
+    </dgm:scene3d>
+    <dgm:sp3d/>
+    <dgm:txPr/>
+    <dgm:style>
+      <a:lnRef idx="0">
+        <a:scrgbClr r="0" g="0" b="0"/>
+      </a:lnRef>
+      <a:fillRef idx="3">
+        <a:scrgbClr r="0" g="0" b="0"/>
+      </a:fillRef>
+      <a:effectRef idx="3">
+        <a:scrgbClr r="0" g="0" b="0"/>
+      </a:effectRef>
+      <a:fontRef idx="minor">
+        <a:schemeClr val="lt1"/>
+      </a:fontRef>
+    </dgm:style>
+  </dgm:styleLbl>
+  <dgm:styleLbl name="bgSibTrans2D1">
+    <dgm:scene3d>
+      <a:camera prst="orthographicFront"/>
+      <a:lightRig rig="threePt" dir="t"/>
+    </dgm:scene3d>
+    <dgm:sp3d/>
+    <dgm:txPr/>
+    <dgm:style>
+      <a:lnRef idx="0">
+        <a:scrgbClr r="0" g="0" b="0"/>
+      </a:lnRef>
+      <a:fillRef idx="3">
+        <a:scrgbClr r="0" g="0" b="0"/>
+      </a:fillRef>
+      <a:effectRef idx="3">
+        <a:scrgbClr r="0" g="0" b="0"/>
+      </a:effectRef>
+      <a:fontRef idx="minor">
+        <a:schemeClr val="lt1"/>
+      </a:fontRef>
+    </dgm:style>
+  </dgm:styleLbl>
+  <dgm:styleLbl name="sibTrans1D1">
+    <dgm:scene3d>
+      <a:camera prst="orthographicFront"/>
+      <a:lightRig rig="threePt" dir="t"/>
+    </dgm:scene3d>
+    <dgm:sp3d/>
+    <dgm:txPr/>
+    <dgm:style>
+      <a:lnRef idx="1">
+        <a:scrgbClr r="0" g="0" b="0"/>
+      </a:lnRef>
+      <a:fillRef idx="0">
+        <a:scrgbClr r="0" g="0" b="0"/>
+      </a:fillRef>
+      <a:effectRef idx="0">
+        <a:scrgbClr r="0" g="0" b="0"/>
+      </a:effectRef>
+      <a:fontRef idx="minor"/>
+    </dgm:style>
+  </dgm:styleLbl>
+  <dgm:styleLbl name="callout">
+    <dgm:scene3d>
+      <a:camera prst="orthographicFront"/>
+      <a:lightRig rig="threePt" dir="t"/>
+    </dgm:scene3d>
+    <dgm:sp3d/>
+    <dgm:txPr/>
+    <dgm:style>
+      <a:lnRef idx="1">
+        <a:scrgbClr r="0" g="0" b="0"/>
+      </a:lnRef>
+      <a:fillRef idx="0">
+        <a:scrgbClr r="0" g="0" b="0"/>
+      </a:fillRef>
+      <a:effectRef idx="1">
+        <a:scrgbClr r="0" g="0" b="0"/>
+      </a:effectRef>
+      <a:fontRef idx="minor"/>
+    </dgm:style>
+  </dgm:styleLbl>
+  <dgm:styleLbl name="asst0">
+    <dgm:scene3d>
+      <a:camera prst="orthographicFront"/>
+      <a:lightRig rig="threePt" dir="t"/>
+    </dgm:scene3d>
+    <dgm:sp3d/>
+    <dgm:txPr/>
+    <dgm:style>
+      <a:lnRef idx="0">
+        <a:scrgbClr r="0" g="0" b="0"/>
+      </a:lnRef>
+      <a:fillRef idx="3">
+        <a:scrgbClr r="0" g="0" b="0"/>
+      </a:fillRef>
+      <a:effectRef idx="3">
+        <a:scrgbClr r="0" g="0" b="0"/>
+      </a:effectRef>
+      <a:fontRef idx="minor">
+        <a:schemeClr val="lt1"/>
+      </a:fontRef>
+    </dgm:style>
+  </dgm:styleLbl>
+  <dgm:styleLbl name="asst1">
+    <dgm:scene3d>
+      <a:camera prst="orthographicFront"/>
+      <a:lightRig rig="threePt" dir="t"/>
+    </dgm:scene3d>
+    <dgm:sp3d/>
+    <dgm:txPr/>
+    <dgm:style>
+      <a:lnRef idx="0">
+        <a:scrgbClr r="0" g="0" b="0"/>
+      </a:lnRef>
+      <a:fillRef idx="3">
+        <a:scrgbClr r="0" g="0" b="0"/>
+      </a:fillRef>
+      <a:effectRef idx="3">
+        <a:scrgbClr r="0" g="0" b="0"/>
+      </a:effectRef>
+      <a:fontRef idx="minor">
+        <a:schemeClr val="lt1"/>
+      </a:fontRef>
+    </dgm:style>
+  </dgm:styleLbl>
+  <dgm:styleLbl name="asst2">
+    <dgm:scene3d>
+      <a:camera prst="orthographicFront"/>
+      <a:lightRig rig="threePt" dir="t"/>
+    </dgm:scene3d>
+    <dgm:sp3d/>
+    <dgm:txPr/>
+    <dgm:style>
+      <a:lnRef idx="0">
+        <a:scrgbClr r="0" g="0" b="0"/>
+      </a:lnRef>
+      <a:fillRef idx="3">
+        <a:scrgbClr r="0" g="0" b="0"/>
+      </a:fillRef>
+      <a:effectRef idx="3">
+        <a:scrgbClr r="0" g="0" b="0"/>
+      </a:effectRef>
+      <a:fontRef idx="minor">
+        <a:schemeClr val="lt1"/>
+      </a:fontRef>
+    </dgm:style>
+  </dgm:styleLbl>
+  <dgm:styleLbl name="asst3">
+    <dgm:scene3d>
+      <a:camera prst="orthographicFront"/>
+      <a:lightRig rig="threePt" dir="t"/>
+    </dgm:scene3d>
+    <dgm:sp3d/>
+    <dgm:txPr/>
+    <dgm:style>
+      <a:lnRef idx="0">
+        <a:scrgbClr r="0" g="0" b="0"/>
+      </a:lnRef>
+      <a:fillRef idx="3">
+        <a:scrgbClr r="0" g="0" b="0"/>
+      </a:fillRef>
+      <a:effectRef idx="3">
+        <a:scrgbClr r="0" g="0" b="0"/>
+      </a:effectRef>
+      <a:fontRef idx="minor">
+        <a:schemeClr val="lt1"/>
+      </a:fontRef>
+    </dgm:style>
+  </dgm:styleLbl>
+  <dgm:styleLbl name="asst4">
+    <dgm:scene3d>
+      <a:camera prst="orthographicFront"/>
+      <a:lightRig rig="threePt" dir="t"/>
+    </dgm:scene3d>
+    <dgm:sp3d/>
+    <dgm:txPr/>
+    <dgm:style>
+      <a:lnRef idx="0">
+        <a:scrgbClr r="0" g="0" b="0"/>
+      </a:lnRef>
+      <a:fillRef idx="3">
+        <a:scrgbClr r="0" g="0" b="0"/>
+      </a:fillRef>
+      <a:effectRef idx="3">
+        <a:scrgbClr r="0" g="0" b="0"/>
+      </a:effectRef>
+      <a:fontRef idx="minor">
+        <a:schemeClr val="lt1"/>
+      </a:fontRef>
+    </dgm:style>
+  </dgm:styleLbl>
+  <dgm:styleLbl name="parChTrans2D1">
+    <dgm:scene3d>
+      <a:camera prst="orthographicFront"/>
+      <a:lightRig rig="threePt" dir="t"/>
+    </dgm:scene3d>
+    <dgm:sp3d/>
+    <dgm:txPr/>
+    <dgm:style>
+      <a:lnRef idx="0">
+        <a:scrgbClr r="0" g="0" b="0"/>
+      </a:lnRef>
+      <a:fillRef idx="3">
+        <a:scrgbClr r="0" g="0" b="0"/>
+      </a:fillRef>
+      <a:effectRef idx="3">
+        <a:scrgbClr r="0" g="0" b="0"/>
+      </a:effectRef>
+      <a:fontRef idx="minor">
+        <a:schemeClr val="lt1"/>
+      </a:fontRef>
+    </dgm:style>
+  </dgm:styleLbl>
+  <dgm:styleLbl name="parChTrans2D2">
+    <dgm:scene3d>
+      <a:camera prst="orthographicFront"/>
+      <a:lightRig rig="threePt" dir="t"/>
+    </dgm:scene3d>
+    <dgm:sp3d/>
+    <dgm:txPr/>
+    <dgm:style>
+      <a:lnRef idx="0">
+        <a:scrgbClr r="0" g="0" b="0"/>
+      </a:lnRef>
+      <a:fillRef idx="3">
+        <a:scrgbClr r="0" g="0" b="0"/>
+      </a:fillRef>
+      <a:effectRef idx="3">
+        <a:scrgbClr r="0" g="0" b="0"/>
+      </a:effectRef>
+      <a:fontRef idx="minor">
+        <a:schemeClr val="lt1"/>
+      </a:fontRef>
+    </dgm:style>
+  </dgm:styleLbl>
+  <dgm:styleLbl name="parChTrans2D3">
+    <dgm:scene3d>
+      <a:camera prst="orthographicFront"/>
+      <a:lightRig rig="threePt" dir="t"/>
+    </dgm:scene3d>
+    <dgm:sp3d/>
+    <dgm:txPr/>
+    <dgm:style>
+      <a:lnRef idx="0">
+        <a:scrgbClr r="0" g="0" b="0"/>
+      </a:lnRef>
+      <a:fillRef idx="3">
+        <a:scrgbClr r="0" g="0" b="0"/>
+      </a:fillRef>
+      <a:effectRef idx="3">
+        <a:scrgbClr r="0" g="0" b="0"/>
+      </a:effectRef>
+      <a:fontRef idx="minor">
+        <a:schemeClr val="lt1"/>
+      </a:fontRef>
+    </dgm:style>
+  </dgm:styleLbl>
+  <dgm:styleLbl name="parChTrans2D4">
+    <dgm:scene3d>
+      <a:camera prst="orthographicFront"/>
+      <a:lightRig rig="threePt" dir="t"/>
+    </dgm:scene3d>
+    <dgm:sp3d/>
+    <dgm:txPr/>
+    <dgm:style>
+      <a:lnRef idx="0">
+        <a:scrgbClr r="0" g="0" b="0"/>
+      </a:lnRef>
+      <a:fillRef idx="3">
+        <a:scrgbClr r="0" g="0" b="0"/>
+      </a:fillRef>
+      <a:effectRef idx="3">
+        <a:scrgbClr r="0" g="0" b="0"/>
+      </a:effectRef>
+      <a:fontRef idx="minor">
+        <a:schemeClr val="lt1"/>
+      </a:fontRef>
+    </dgm:style>
+  </dgm:styleLbl>
+  <dgm:styleLbl name="parChTrans1D1">
+    <dgm:scene3d>
+      <a:camera prst="orthographicFront"/>
+      <a:lightRig rig="threePt" dir="t"/>
+    </dgm:scene3d>
+    <dgm:sp3d/>
+    <dgm:txPr/>
+    <dgm:style>
+      <a:lnRef idx="2">
+        <a:scrgbClr r="0" g="0" b="0"/>
+      </a:lnRef>
+      <a:fillRef idx="0">
+        <a:scrgbClr r="0" g="0" b="0"/>
+      </a:fillRef>
+      <a:effectRef idx="0">
+        <a:scrgbClr r="0" g="0" b="0"/>
+      </a:effectRef>
+      <a:fontRef idx="minor"/>
+    </dgm:style>
+  </dgm:styleLbl>
+  <dgm:styleLbl name="parChTrans1D2">
+    <dgm:scene3d>
+      <a:camera prst="orthographicFront"/>
+      <a:lightRig rig="threePt" dir="t"/>
+    </dgm:scene3d>
+    <dgm:sp3d/>
+    <dgm:txPr/>
+    <dgm:style>
+      <a:lnRef idx="2">
+        <a:scrgbClr r="0" g="0" b="0"/>
+      </a:lnRef>
+      <a:fillRef idx="0">
+        <a:scrgbClr r="0" g="0" b="0"/>
+      </a:fillRef>
+      <a:effectRef idx="0">
+        <a:scrgbClr r="0" g="0" b="0"/>
+      </a:effectRef>
+      <a:fontRef idx="minor"/>
+    </dgm:style>
+  </dgm:styleLbl>
+  <dgm:styleLbl name="parChTrans1D3">
+    <dgm:scene3d>
+      <a:camera prst="orthographicFront"/>
+      <a:lightRig rig="threePt" dir="t"/>
+    </dgm:scene3d>
+    <dgm:sp3d/>
+    <dgm:txPr/>
+    <dgm:style>
+      <a:lnRef idx="2">
+        <a:scrgbClr r="0" g="0" b="0"/>
+      </a:lnRef>
+      <a:fillRef idx="0">
+        <a:scrgbClr r="0" g="0" b="0"/>
+      </a:fillRef>
+      <a:effectRef idx="0">
+        <a:scrgbClr r="0" g="0" b="0"/>
+      </a:effectRef>
+      <a:fontRef idx="minor"/>
+    </dgm:style>
+  </dgm:styleLbl>
+  <dgm:styleLbl name="parChTrans1D4">
+    <dgm:scene3d>
+      <a:camera prst="orthographicFront"/>
+      <a:lightRig rig="threePt" dir="t"/>
+    </dgm:scene3d>
+    <dgm:sp3d/>
+    <dgm:txPr/>
+    <dgm:style>
+      <a:lnRef idx="2">
+        <a:scrgbClr r="0" g="0" b="0"/>
+      </a:lnRef>
+      <a:fillRef idx="0">
+        <a:scrgbClr r="0" g="0" b="0"/>
+      </a:fillRef>
+      <a:effectRef idx="0">
+        <a:scrgbClr r="0" g="0" b="0"/>
+      </a:effectRef>
+      <a:fontRef idx="minor"/>
+    </dgm:style>
+  </dgm:styleLbl>
+  <dgm:styleLbl name="fgAcc1">
+    <dgm:scene3d>
+      <a:camera prst="orthographicFront"/>
+      <a:lightRig rig="threePt" dir="t"/>
+    </dgm:scene3d>
+    <dgm:sp3d/>
+    <dgm:txPr/>
+    <dgm:style>
+      <a:lnRef idx="1">
+        <a:scrgbClr r="0" g="0" b="0"/>
+      </a:lnRef>
+      <a:fillRef idx="1">
+        <a:scrgbClr r="0" g="0" b="0"/>
+      </a:fillRef>
+      <a:effectRef idx="2">
+        <a:scrgbClr r="0" g="0" b="0"/>
+      </a:effectRef>
+      <a:fontRef idx="minor"/>
+    </dgm:style>
+  </dgm:styleLbl>
+  <dgm:styleLbl name="conFgAcc1">
+    <dgm:scene3d>
+      <a:camera prst="orthographicFront"/>
+      <a:lightRig rig="threePt" dir="t"/>
+    </dgm:scene3d>
+    <dgm:sp3d/>
+    <dgm:txPr/>
+    <dgm:style>
+      <a:lnRef idx="1">
+        <a:scrgbClr r="0" g="0" b="0"/>
+      </a:lnRef>
+      <a:fillRef idx="1">
+        <a:scrgbClr r="0" g="0" b="0"/>
+      </a:fillRef>
+      <a:effectRef idx="2">
+        <a:scrgbClr r="0" g="0" b="0"/>
+      </a:effectRef>
+      <a:fontRef idx="minor"/>
+    </dgm:style>
+  </dgm:styleLbl>
+  <dgm:styleLbl name="alignAcc1">
+    <dgm:scene3d>
+      <a:camera prst="orthographicFront"/>
+      <a:lightRig rig="threePt" dir="t"/>
+    </dgm:scene3d>
+    <dgm:sp3d/>
+    <dgm:txPr/>
+    <dgm:style>
+      <a:lnRef idx="1">
+        <a:scrgbClr r="0" g="0" b="0"/>
+      </a:lnRef>
+      <a:fillRef idx="1">
+        <a:scrgbClr r="0" g="0" b="0"/>
+      </a:fillRef>
+      <a:effectRef idx="2">
+        <a:scrgbClr r="0" g="0" b="0"/>
+      </a:effectRef>
+      <a:fontRef idx="minor"/>
+    </dgm:style>
+  </dgm:styleLbl>
+  <dgm:styleLbl name="trAlignAcc1">
+    <dgm:scene3d>
+      <a:camera prst="orthographicFront"/>
+      <a:lightRig rig="threePt" dir="t"/>
+    </dgm:scene3d>
+    <dgm:sp3d/>
+    <dgm:txPr/>
+    <dgm:style>
+      <a:lnRef idx="1">
+        <a:scrgbClr r="0" g="0" b="0"/>
+      </a:lnRef>
+      <a:fillRef idx="1">
+        <a:scrgbClr r="0" g="0" b="0"/>
+      </a:fillRef>
+      <a:effectRef idx="0">
+        <a:scrgbClr r="0" g="0" b="0"/>
+      </a:effectRef>
+      <a:fontRef idx="minor"/>
+    </dgm:style>
+  </dgm:styleLbl>
+  <dgm:styleLbl name="bgAcc1">
+    <dgm:scene3d>
+      <a:camera prst="orthographicFront"/>
+      <a:lightRig rig="threePt" dir="t"/>
+    </dgm:scene3d>
+    <dgm:sp3d/>
+    <dgm:txPr/>
+    <dgm:style>
+      <a:lnRef idx="1">
+        <a:scrgbClr r="0" g="0" b="0"/>
+      </a:lnRef>
+      <a:fillRef idx="1">
+        <a:scrgbClr r="0" g="0" b="0"/>
+      </a:fillRef>
+      <a:effectRef idx="2">
+        <a:scrgbClr r="0" g="0" b="0"/>
+      </a:effectRef>
+      <a:fontRef idx="minor"/>
+    </dgm:style>
+  </dgm:styleLbl>
+  <dgm:styleLbl name="solidFgAcc1">
+    <dgm:scene3d>
+      <a:camera prst="orthographicFront"/>
+      <a:lightRig rig="threePt" dir="t"/>
+    </dgm:scene3d>
+    <dgm:sp3d/>
+    <dgm:txPr/>
+    <dgm:style>
+      <a:lnRef idx="1">
+        <a:scrgbClr r="0" g="0" b="0"/>
+      </a:lnRef>
+      <a:fillRef idx="1">
+        <a:scrgbClr r="0" g="0" b="0"/>
+      </a:fillRef>
+      <a:effectRef idx="2">
+        <a:scrgbClr r="0" g="0" b="0"/>
+      </a:effectRef>
+      <a:fontRef idx="minor"/>
+    </dgm:style>
+  </dgm:styleLbl>
+  <dgm:styleLbl name="solidAlignAcc1">
+    <dgm:scene3d>
+      <a:camera prst="orthographicFront"/>
+      <a:lightRig rig="threePt" dir="t"/>
+    </dgm:scene3d>
+    <dgm:sp3d/>
+    <dgm:txPr/>
+    <dgm:style>
+      <a:lnRef idx="1">
+        <a:scrgbClr r="0" g="0" b="0"/>
+      </a:lnRef>
+      <a:fillRef idx="1">
+        <a:scrgbClr r="0" g="0" b="0"/>
+      </a:fillRef>
+      <a:effectRef idx="3">
+        <a:scrgbClr r="0" g="0" b="0"/>
+      </a:effectRef>
+      <a:fontRef idx="minor"/>
+    </dgm:style>
+  </dgm:styleLbl>
+  <dgm:styleLbl name="solidBgAcc1">
+    <dgm:scene3d>
+      <a:camera prst="orthographicFront"/>
+      <a:lightRig rig="threePt" dir="t"/>
+    </dgm:scene3d>
+    <dgm:sp3d/>
+    <dgm:txPr/>
+    <dgm:style>
+      <a:lnRef idx="1">
+        <a:scrgbClr r="0" g="0" b="0"/>
+      </a:lnRef>
+      <a:fillRef idx="1">
+        <a:scrgbClr r="0" g="0" b="0"/>
+      </a:fillRef>
+      <a:effectRef idx="3">
+        <a:scrgbClr r="0" g="0" b="0"/>
+      </a:effectRef>
+      <a:fontRef idx="minor"/>
+    </dgm:style>
+  </dgm:styleLbl>
+  <dgm:styleLbl name="fgAccFollowNode1">
+    <dgm:scene3d>
+      <a:camera prst="orthographicFront"/>
+      <a:lightRig rig="threePt" dir="t"/>
+    </dgm:scene3d>
+    <dgm:sp3d/>
+    <dgm:txPr/>
+    <dgm:style>
+      <a:lnRef idx="1">
+        <a:scrgbClr r="0" g="0" b="0"/>
+      </a:lnRef>
+      <a:fillRef idx="1">
+        <a:scrgbClr r="0" g="0" b="0"/>
+      </a:fillRef>
+      <a:effectRef idx="2">
+        <a:scrgbClr r="0" g="0" b="0"/>
+      </a:effectRef>
+      <a:fontRef idx="minor"/>
+    </dgm:style>
+  </dgm:styleLbl>
+  <dgm:styleLbl name="alignAccFollowNode1">
+    <dgm:scene3d>
+      <a:camera prst="orthographicFront"/>
+      <a:lightRig rig="threePt" dir="t"/>
+    </dgm:scene3d>
+    <dgm:sp3d/>
+    <dgm:txPr/>
+    <dgm:style>
+      <a:lnRef idx="1">
+        <a:scrgbClr r="0" g="0" b="0"/>
+      </a:lnRef>
+      <a:fillRef idx="1">
+        <a:scrgbClr r="0" g="0" b="0"/>
+      </a:fillRef>
+      <a:effectRef idx="2">
+        <a:scrgbClr r="0" g="0" b="0"/>
+      </a:effectRef>
+      <a:fontRef idx="minor"/>
+    </dgm:style>
+  </dgm:styleLbl>
+  <dgm:styleLbl name="bgAccFollowNode1">
+    <dgm:scene3d>
+      <a:camera prst="orthographicFront"/>
+      <a:lightRig rig="threePt" dir="t"/>
+    </dgm:scene3d>
+    <dgm:sp3d/>
+    <dgm:txPr/>
+    <dgm:style>
+      <a:lnRef idx="1">
+        <a:scrgbClr r="0" g="0" b="0"/>
+      </a:lnRef>
+      <a:fillRef idx="1">
+        <a:scrgbClr r="0" g="0" b="0"/>
+      </a:fillRef>
+      <a:effectRef idx="2">
+        <a:scrgbClr r="0" g="0" b="0"/>
+      </a:effectRef>
+      <a:fontRef idx="minor"/>
+    </dgm:style>
+  </dgm:styleLbl>
+  <dgm:styleLbl name="fgAcc0">
+    <dgm:scene3d>
+      <a:camera prst="orthographicFront"/>
+      <a:lightRig rig="threePt" dir="t"/>
+    </dgm:scene3d>
+    <dgm:sp3d/>
+    <dgm:txPr/>
+    <dgm:style>
+      <a:lnRef idx="1">
+        <a:scrgbClr r="0" g="0" b="0"/>
+      </a:lnRef>
+      <a:fillRef idx="1">
+        <a:scrgbClr r="0" g="0" b="0"/>
+      </a:fillRef>
+      <a:effectRef idx="2">
+        <a:scrgbClr r="0" g="0" b="0"/>
+      </a:effectRef>
+      <a:fontRef idx="minor"/>
+    </dgm:style>
+  </dgm:styleLbl>
+  <dgm:styleLbl name="fgAcc2">
+    <dgm:scene3d>
+      <a:camera prst="orthographicFront"/>
+      <a:lightRig rig="threePt" dir="t"/>
+    </dgm:scene3d>
+    <dgm:sp3d/>
+    <dgm:txPr/>
+    <dgm:style>
+      <a:lnRef idx="1">
+        <a:scrgbClr r="0" g="0" b="0"/>
+      </a:lnRef>
+      <a:fillRef idx="1">
+        <a:scrgbClr r="0" g="0" b="0"/>
+      </a:fillRef>
+      <a:effectRef idx="2">
+        <a:scrgbClr r="0" g="0" b="0"/>
+      </a:effectRef>
+      <a:fontRef idx="minor"/>
+    </dgm:style>
+  </dgm:styleLbl>
+  <dgm:styleLbl name="fgAcc3">
+    <dgm:scene3d>
+      <a:camera prst="orthographicFront"/>
+      <a:lightRig rig="threePt" dir="t"/>
+    </dgm:scene3d>
+    <dgm:sp3d/>
+    <dgm:txPr/>
+    <dgm:style>
+      <a:lnRef idx="1">
+        <a:scrgbClr r="0" g="0" b="0"/>
+      </a:lnRef>
+      <a:fillRef idx="1">
+        <a:scrgbClr r="0" g="0" b="0"/>
+      </a:fillRef>
+      <a:effectRef idx="2">
+        <a:scrgbClr r="0" g="0" b="0"/>
+      </a:effectRef>
+      <a:fontRef idx="minor"/>
+    </dgm:style>
+  </dgm:styleLbl>
+  <dgm:styleLbl name="fgAcc4">
+    <dgm:scene3d>
+      <a:camera prst="orthographicFront"/>
+      <a:lightRig rig="threePt" dir="t"/>
+    </dgm:scene3d>
+    <dgm:sp3d/>
+    <dgm:txPr/>
+    <dgm:style>
+      <a:lnRef idx="1">
+        <a:scrgbClr r="0" g="0" b="0"/>
+      </a:lnRef>
+      <a:fillRef idx="1">
+        <a:scrgbClr r="0" g="0" b="0"/>
+      </a:fillRef>
+      <a:effectRef idx="2">
+        <a:scrgbClr r="0" g="0" b="0"/>
+      </a:effectRef>
+      <a:fontRef idx="minor"/>
+    </dgm:style>
+  </dgm:styleLbl>
+  <dgm:styleLbl name="bgShp">
+    <dgm:scene3d>
+      <a:camera prst="orthographicFront"/>
+      <a:lightRig rig="threePt" dir="t"/>
+    </dgm:scene3d>
+    <dgm:sp3d/>
+    <dgm:txPr/>
+    <dgm:style>
+      <a:lnRef idx="0">
+        <a:scrgbClr r="0" g="0" b="0"/>
+      </a:lnRef>
+      <a:fillRef idx="1">
+        <a:scrgbClr r="0" g="0" b="0"/>
+      </a:fillRef>
+      <a:effectRef idx="2">
+        <a:scrgbClr r="0" g="0" b="0"/>
+      </a:effectRef>
+      <a:fontRef idx="minor"/>
+    </dgm:style>
+  </dgm:styleLbl>
+  <dgm:styleLbl name="dkBgShp">
+    <dgm:scene3d>
+      <a:camera prst="orthographicFront"/>
+      <a:lightRig rig="threePt" dir="t"/>
+    </dgm:scene3d>
+    <dgm:sp3d/>
+    <dgm:txPr/>
+    <dgm:style>
+      <a:lnRef idx="0">
+        <a:scrgbClr r="0" g="0" b="0"/>
+      </a:lnRef>
+      <a:fillRef idx="1">
+        <a:scrgbClr r="0" g="0" b="0"/>
+      </a:fillRef>
+      <a:effectRef idx="3">
+        <a:scrgbClr r="0" g="0" b="0"/>
+      </a:effectRef>
+      <a:fontRef idx="minor"/>
+    </dgm:style>
+  </dgm:styleLbl>
+  <dgm:styleLbl name="trBgShp">
+    <dgm:scene3d>
+      <a:camera prst="orthographicFront"/>
+      <a:lightRig rig="threePt" dir="t"/>
+    </dgm:scene3d>
+    <dgm:sp3d/>
+    <dgm:txPr/>
+    <dgm:style>
+      <a:lnRef idx="0">
+        <a:scrgbClr r="0" g="0" b="0"/>
+      </a:lnRef>
+      <a:fillRef idx="1">
+        <a:scrgbClr r="0" g="0" b="0"/>
+      </a:fillRef>
+      <a:effectRef idx="0">
+        <a:scrgbClr r="0" g="0" b="0"/>
+      </a:effectRef>
+      <a:fontRef idx="minor"/>
+    </dgm:style>
+  </dgm:styleLbl>
+  <dgm:styleLbl name="fgShp">
+    <dgm:scene3d>
+      <a:camera prst="orthographicFront"/>
+      <a:lightRig rig="threePt" dir="t"/>
+    </dgm:scene3d>
+    <dgm:sp3d/>
+    <dgm:txPr/>
+    <dgm:style>
+      <a:lnRef idx="0">
+        <a:scrgbClr r="0" g="0" b="0"/>
+      </a:lnRef>
+      <a:fillRef idx="3">
+        <a:scrgbClr r="0" g="0" b="0"/>
+      </a:fillRef>
+      <a:effectRef idx="3">
+        <a:scrgbClr r="0" g="0" b="0"/>
+      </a:effectRef>
+      <a:fontRef idx="minor"/>
+    </dgm:style>
+  </dgm:styleLbl>
+  <dgm:styleLbl name="revTx">
+    <dgm:scene3d>
+      <a:camera prst="orthographicFront"/>
+      <a:lightRig rig="threePt" dir="t"/>
+    </dgm:scene3d>
+    <dgm:sp3d/>
+    <dgm:txPr/>
+    <dgm:style>
+      <a:lnRef idx="0">
+        <a:scrgbClr r="0" g="0" b="0"/>
+      </a:lnRef>
+      <a:fillRef idx="0">
+        <a:scrgbClr r="0" g="0" b="0"/>
+      </a:fillRef>
+      <a:effectRef idx="0">
+        <a:scrgbClr r="0" g="0" b="0"/>
+      </a:effectRef>
+      <a:fontRef idx="minor"/>
+    </dgm:style>
+  </dgm:styleLbl>
+</dgm:styleDef>
+</file>
+
+<file path=ppt/diagrams/quickStyle5.xml><?xml version="1.0" encoding="utf-8"?>
 <dgm:styleDef xmlns:dgm="http://schemas.openxmlformats.org/drawingml/2006/diagram" xmlns:a="http://schemas.openxmlformats.org/drawingml/2006/main" uniqueId="urn:microsoft.com/office/officeart/2005/8/quickstyle/simple5">
   <dgm:title val=""/>
   <dgm:desc val=""/>
@@ -10634,7 +13238,7 @@
               <a:pPr algn="r" defTabSz="957258" eaLnBrk="0" hangingPunct="0">
                 <a:defRPr/>
               </a:pPr>
-              <a:t>‹#›</a:t>
+              <a:t>‹N°›</a:t>
             </a:fld>
             <a:endParaRPr lang="en-GB" sz="1100" dirty="0">
               <a:latin typeface="IB AG Light"/>
@@ -10967,7 +13571,7 @@
               <a:pPr>
                 <a:defRPr/>
               </a:pPr>
-              <a:t>‹#›</a:t>
+              <a:t>‹N°›</a:t>
             </a:fld>
             <a:endParaRPr lang="en-US"/>
           </a:p>
@@ -11624,6 +14228,107 @@
       </p:grpSpPr>
       <p:sp>
         <p:nvSpPr>
+          <p:cNvPr id="15362" name="Rectangle 7"/>
+          <p:cNvSpPr>
+            <a:spLocks noGrp="1" noChangeArrowheads="1"/>
+          </p:cNvSpPr>
+          <p:nvPr>
+            <p:ph type="sldNum" sz="quarter" idx="5"/>
+          </p:nvPr>
+        </p:nvSpPr>
+        <p:spPr>
+          <a:noFill/>
+        </p:spPr>
+        <p:txBody>
+          <a:bodyPr/>
+          <a:lstStyle/>
+          <a:p>
+            <a:fld id="{0AA66428-96A2-4966-B047-49AFBC7E3CA1}" type="slidenum">
+              <a:rPr lang="en-US" smtClean="0">
+                <a:solidFill>
+                  <a:srgbClr val="000000"/>
+                </a:solidFill>
+              </a:rPr>
+              <a:pPr/>
+              <a:t>7</a:t>
+            </a:fld>
+            <a:endParaRPr lang="en-US" smtClean="0">
+              <a:solidFill>
+                <a:srgbClr val="000000"/>
+              </a:solidFill>
+            </a:endParaRPr>
+          </a:p>
+        </p:txBody>
+      </p:sp>
+      <p:sp>
+        <p:nvSpPr>
+          <p:cNvPr id="15363" name="Rectangle 2"/>
+          <p:cNvSpPr>
+            <a:spLocks noGrp="1" noRot="1" noChangeAspect="1" noChangeArrowheads="1" noTextEdit="1"/>
+          </p:cNvSpPr>
+          <p:nvPr>
+            <p:ph type="sldImg"/>
+          </p:nvPr>
+        </p:nvSpPr>
+        <p:spPr>
+          <a:xfrm>
+            <a:off x="712788" y="744538"/>
+            <a:ext cx="5386387" cy="3729037"/>
+          </a:xfrm>
+          <a:ln/>
+        </p:spPr>
+      </p:sp>
+      <p:sp>
+        <p:nvSpPr>
+          <p:cNvPr id="15364" name="Rectangle 3"/>
+          <p:cNvSpPr>
+            <a:spLocks noGrp="1" noChangeArrowheads="1"/>
+          </p:cNvSpPr>
+          <p:nvPr>
+            <p:ph type="body" idx="1"/>
+          </p:nvPr>
+        </p:nvSpPr>
+        <p:spPr>
+          <a:noFill/>
+          <a:ln/>
+        </p:spPr>
+        <p:txBody>
+          <a:bodyPr/>
+          <a:lstStyle/>
+          <a:p>
+            <a:endParaRPr lang="fr-FR" dirty="0" smtClean="0">
+              <a:ea typeface="MS PGothic" pitchFamily="34" charset="-128"/>
+            </a:endParaRPr>
+          </a:p>
+        </p:txBody>
+      </p:sp>
+    </p:spTree>
+  </p:cSld>
+  <p:clrMapOvr>
+    <a:masterClrMapping/>
+  </p:clrMapOvr>
+</p:notes>
+</file>
+
+<file path=ppt/notesSlides/notesSlide7.xml><?xml version="1.0" encoding="utf-8"?>
+<p:notes xmlns:a="http://schemas.openxmlformats.org/drawingml/2006/main" xmlns:r="http://schemas.openxmlformats.org/officeDocument/2006/relationships" xmlns:p="http://schemas.openxmlformats.org/presentationml/2006/main">
+  <p:cSld>
+    <p:spTree>
+      <p:nvGrpSpPr>
+        <p:cNvPr id="1" name=""/>
+        <p:cNvGrpSpPr/>
+        <p:nvPr/>
+      </p:nvGrpSpPr>
+      <p:grpSpPr>
+        <a:xfrm>
+          <a:off x="0" y="0"/>
+          <a:ext cx="0" cy="0"/>
+          <a:chOff x="0" y="0"/>
+          <a:chExt cx="0" cy="0"/>
+        </a:xfrm>
+      </p:grpSpPr>
+      <p:sp>
+        <p:nvSpPr>
           <p:cNvPr id="28674" name="Espace réservé de l'image des diapositives 1"/>
           <p:cNvSpPr>
             <a:spLocks noGrp="1" noRot="1" noChangeAspect="1" noTextEdit="1"/>
@@ -11688,7 +14393,7 @@
                 <a:cs typeface="MS PGothic"/>
               </a:rPr>
               <a:pPr/>
-              <a:t>8</a:t>
+              <a:t>9</a:t>
             </a:fld>
             <a:endParaRPr lang="en-US" smtClean="0">
               <a:ea typeface="MS PGothic"/>
@@ -13780,7 +16485,7 @@
                 </a:spcBef>
                 <a:defRPr/>
               </a:pPr>
-              <a:t>‹#›</a:t>
+              <a:t>‹N°›</a:t>
             </a:fld>
             <a:r>
               <a:rPr lang="fr-FR" sz="1100" dirty="0" smtClean="0">
@@ -14573,6 +17278,134 @@
           </a:p>
         </p:txBody>
       </p:sp>
+      <p:sp>
+        <p:nvSpPr>
+          <p:cNvPr id="6" name="Rectangle 7"/>
+          <p:cNvSpPr txBox="1">
+            <a:spLocks noChangeArrowheads="1"/>
+          </p:cNvSpPr>
+          <p:nvPr/>
+        </p:nvSpPr>
+        <p:spPr bwMode="auto">
+          <a:xfrm>
+            <a:off x="887239" y="6156355"/>
+            <a:ext cx="1683946" cy="277683"/>
+          </a:xfrm>
+          <a:prstGeom prst="rect">
+            <a:avLst/>
+          </a:prstGeom>
+          <a:noFill/>
+          <a:ln w="12700">
+            <a:noFill/>
+            <a:miter lim="800000"/>
+            <a:headEnd/>
+            <a:tailEnd/>
+          </a:ln>
+        </p:spPr>
+        <p:txBody>
+          <a:bodyPr vert="horz" wrap="square" lIns="0" tIns="0" rIns="0" bIns="0" numCol="1" anchor="b" anchorCtr="0" compatLnSpc="1">
+            <a:prstTxWarp prst="textNoShape">
+              <a:avLst/>
+            </a:prstTxWarp>
+          </a:bodyPr>
+          <a:lstStyle/>
+          <a:p>
+            <a:pPr lvl="1" defTabSz="944563" eaLnBrk="0" hangingPunct="0">
+              <a:lnSpc>
+                <a:spcPct val="90000"/>
+              </a:lnSpc>
+              <a:spcBef>
+                <a:spcPct val="40000"/>
+              </a:spcBef>
+            </a:pPr>
+            <a:r>
+              <a:rPr lang="fr-FR" sz="1400" kern="0" dirty="0" smtClean="0">
+                <a:solidFill>
+                  <a:schemeClr val="tx1">
+                    <a:lumMod val="65000"/>
+                    <a:lumOff val="35000"/>
+                  </a:schemeClr>
+                </a:solidFill>
+                <a:latin typeface="Cambria" pitchFamily="18" charset="0"/>
+                <a:ea typeface="+mj-ea"/>
+                <a:cs typeface="+mj-cs"/>
+              </a:rPr>
+              <a:t>C</a:t>
+            </a:r>
+            <a:r>
+              <a:rPr kumimoji="0" lang="fr-FR" sz="1400" i="0" u="none" strike="noStrike" kern="0" cap="none" spc="0" normalizeH="0" baseline="0" noProof="0" dirty="0" smtClean="0">
+                <a:ln>
+                  <a:noFill/>
+                </a:ln>
+                <a:solidFill>
+                  <a:schemeClr val="tx1">
+                    <a:lumMod val="65000"/>
+                    <a:lumOff val="35000"/>
+                  </a:schemeClr>
+                </a:solidFill>
+                <a:effectLst/>
+                <a:uLnTx/>
+                <a:uFillTx/>
+                <a:latin typeface="Cambria" pitchFamily="18" charset="0"/>
+                <a:ea typeface="+mj-ea"/>
+                <a:cs typeface="+mj-cs"/>
+              </a:rPr>
+              <a:t>ode </a:t>
+            </a:r>
+            <a:r>
+              <a:rPr lang="fr-FR" sz="1400" kern="0" noProof="0" dirty="0" err="1" smtClean="0">
+                <a:solidFill>
+                  <a:schemeClr val="tx1">
+                    <a:lumMod val="65000"/>
+                    <a:lumOff val="35000"/>
+                  </a:schemeClr>
+                </a:solidFill>
+                <a:latin typeface="Cambria" pitchFamily="18" charset="0"/>
+                <a:ea typeface="+mj-ea"/>
+                <a:cs typeface="+mj-cs"/>
+              </a:rPr>
+              <a:t>r</a:t>
+            </a:r>
+            <a:r>
+              <a:rPr kumimoji="0" lang="fr-FR" sz="1400" i="0" u="none" strike="noStrike" kern="0" cap="none" spc="0" normalizeH="0" baseline="0" noProof="0" dirty="0" err="1" smtClean="0">
+                <a:ln>
+                  <a:noFill/>
+                </a:ln>
+                <a:solidFill>
+                  <a:schemeClr val="tx1">
+                    <a:lumMod val="65000"/>
+                    <a:lumOff val="35000"/>
+                  </a:schemeClr>
+                </a:solidFill>
+                <a:effectLst/>
+                <a:uLnTx/>
+                <a:uFillTx/>
+                <a:latin typeface="Cambria" pitchFamily="18" charset="0"/>
+                <a:ea typeface="+mj-ea"/>
+                <a:cs typeface="+mj-cs"/>
+              </a:rPr>
+              <a:t>eview</a:t>
+            </a:r>
+            <a:endParaRPr kumimoji="0" lang="fr-FR" sz="1400" b="0" i="0" u="none" strike="noStrike" kern="0" cap="none" spc="0" normalizeH="0" baseline="0" noProof="0" dirty="0" smtClean="0">
+              <a:ln>
+                <a:noFill/>
+              </a:ln>
+              <a:solidFill>
+                <a:schemeClr val="tx1">
+                  <a:lumMod val="65000"/>
+                  <a:lumOff val="35000"/>
+                </a:schemeClr>
+              </a:solidFill>
+              <a:effectLst/>
+              <a:uLnTx/>
+              <a:uFillTx/>
+              <a:latin typeface="+mj-lt"/>
+              <a:ea typeface="+mj-ea"/>
+              <a:cs typeface="+mj-cs"/>
+            </a:endParaRPr>
+          </a:p>
+        </p:txBody>
+      </p:sp>
     </p:spTree>
   </p:cSld>
   <p:clrMapOvr>
@@ -14621,7 +17454,7 @@
         <p:spPr>
           <a:xfrm>
             <a:off x="526412" y="1964602"/>
-            <a:ext cx="8849818" cy="2893100"/>
+            <a:ext cx="8849818" cy="2573012"/>
           </a:xfrm>
         </p:spPr>
         <p:txBody>
@@ -14699,21 +17532,19 @@
                 <a:latin typeface="Century Gothic" pitchFamily="34" charset="0"/>
                 <a:cs typeface="Calibri" pitchFamily="34" charset="0"/>
               </a:rPr>
-              <a:t>  Différentes couches,</a:t>
+              <a:t>  Différentes couches</a:t>
             </a:r>
-          </a:p>
-          <a:p>
-            <a:pPr marL="365125" indent="0" algn="just">
-              <a:buFont typeface="Wingdings" pitchFamily="2" charset="2"/>
-              <a:buChar char="q"/>
-            </a:pPr>
             <a:r>
               <a:rPr lang="fr-FR" sz="1600" dirty="0" smtClean="0">
                 <a:latin typeface="Century Gothic" pitchFamily="34" charset="0"/>
                 <a:cs typeface="Calibri" pitchFamily="34" charset="0"/>
               </a:rPr>
-              <a:t>  Bonnes pratiques,</a:t>
+              <a:t>,</a:t>
             </a:r>
+            <a:endParaRPr lang="fr-FR" sz="1600" dirty="0" smtClean="0">
+              <a:latin typeface="Century Gothic" pitchFamily="34" charset="0"/>
+              <a:cs typeface="Calibri" pitchFamily="34" charset="0"/>
+            </a:endParaRPr>
           </a:p>
           <a:p>
             <a:pPr marL="0" indent="0" algn="just">
@@ -14725,7 +17556,14 @@
                 <a:latin typeface="Century Gothic" pitchFamily="34" charset="0"/>
                 <a:cs typeface="Calibri" pitchFamily="34" charset="0"/>
               </a:rPr>
-              <a:t> Illustration Kata 2</a:t>
+              <a:t> </a:t>
+            </a:r>
+            <a:r>
+              <a:rPr lang="fr-FR" sz="2400" dirty="0" smtClean="0">
+                <a:latin typeface="Century Gothic" pitchFamily="34" charset="0"/>
+                <a:cs typeface="Calibri" pitchFamily="34" charset="0"/>
+              </a:rPr>
+              <a:t> Bonnes pratiques</a:t>
             </a:r>
             <a:endParaRPr lang="fr-FR" sz="1600" dirty="0" smtClean="0">
               <a:latin typeface="Century Gothic" pitchFamily="34" charset="0"/>
@@ -14857,7 +17695,7 @@
         <p:spPr>
           <a:xfrm>
             <a:off x="823864" y="1439535"/>
-            <a:ext cx="7948943" cy="4278094"/>
+            <a:ext cx="7948943" cy="3539430"/>
           </a:xfrm>
           <a:prstGeom prst="rect">
             <a:avLst/>
@@ -14909,6 +17747,9 @@
               </a:rPr>
               <a:t>  Avantages: </a:t>
             </a:r>
+            <a:endParaRPr lang="fr-FR" sz="1600" dirty="0" smtClean="0">
+              <a:latin typeface="Century Gothic" pitchFamily="34" charset="0"/>
+            </a:endParaRPr>
           </a:p>
           <a:p>
             <a:pPr>
@@ -14919,7 +17760,97 @@
               <a:rPr lang="fr-FR" sz="1600" dirty="0" smtClean="0">
                 <a:latin typeface="Century Gothic" pitchFamily="34" charset="0"/>
               </a:rPr>
-              <a:t>  Maîtriser la complexité des applications(développement, échanges entre les applications et interactions entre objets)</a:t>
+              <a:t> Une </a:t>
+            </a:r>
+            <a:r>
+              <a:rPr lang="fr-FR" sz="1600" dirty="0" smtClean="0">
+                <a:latin typeface="Century Gothic" pitchFamily="34" charset="0"/>
+              </a:rPr>
+              <a:t>conception claire et efficace</a:t>
+            </a:r>
+            <a:r>
+              <a:rPr lang="fr-FR" sz="1600" b="1" dirty="0" smtClean="0">
+                <a:latin typeface="Century Gothic" pitchFamily="34" charset="0"/>
+              </a:rPr>
+              <a:t> </a:t>
+            </a:r>
+            <a:r>
+              <a:rPr lang="fr-FR" sz="1600" dirty="0" smtClean="0">
+                <a:latin typeface="Century Gothic" pitchFamily="34" charset="0"/>
+              </a:rPr>
+              <a:t>grâce à la séparation des </a:t>
+            </a:r>
+            <a:r>
+              <a:rPr lang="fr-FR" sz="1600" dirty="0" smtClean="0">
+                <a:latin typeface="Century Gothic" pitchFamily="34" charset="0"/>
+              </a:rPr>
+              <a:t>couches et limitation des périmètres métiers</a:t>
+            </a:r>
+            <a:endParaRPr lang="fr-FR" sz="1600" dirty="0" smtClean="0">
+              <a:latin typeface="Century Gothic" pitchFamily="34" charset="0"/>
+            </a:endParaRPr>
+          </a:p>
+          <a:p>
+            <a:pPr>
+              <a:buFont typeface="Wingdings" pitchFamily="2" charset="2"/>
+              <a:buChar char="§"/>
+            </a:pPr>
+            <a:r>
+              <a:rPr lang="fr-FR" sz="1600" dirty="0" smtClean="0">
+                <a:latin typeface="Century Gothic" pitchFamily="34" charset="0"/>
+              </a:rPr>
+              <a:t> Un</a:t>
+            </a:r>
+            <a:r>
+              <a:rPr lang="fr-FR" sz="1600" dirty="0" smtClean="0">
+                <a:latin typeface="Century Gothic" pitchFamily="34" charset="0"/>
+              </a:rPr>
+              <a:t> gain de temps de maintenance et d’évolution </a:t>
+            </a:r>
+            <a:r>
+              <a:rPr lang="fr-FR" sz="1600" dirty="0" smtClean="0">
+                <a:latin typeface="Century Gothic" pitchFamily="34" charset="0"/>
+              </a:rPr>
+              <a:t>de l’application</a:t>
+            </a:r>
+            <a:endParaRPr lang="fr-FR" sz="1600" dirty="0" smtClean="0">
+              <a:latin typeface="Century Gothic" pitchFamily="34" charset="0"/>
+            </a:endParaRPr>
+          </a:p>
+          <a:p>
+            <a:pPr>
+              <a:buFont typeface="Wingdings" pitchFamily="2" charset="2"/>
+              <a:buChar char="§"/>
+            </a:pPr>
+            <a:r>
+              <a:rPr lang="fr-FR" sz="1600" dirty="0" smtClean="0">
+                <a:latin typeface="Century Gothic" pitchFamily="34" charset="0"/>
+              </a:rPr>
+              <a:t> Une </a:t>
+            </a:r>
+            <a:r>
+              <a:rPr lang="fr-FR" sz="1600" dirty="0" smtClean="0">
+                <a:latin typeface="Century Gothic" pitchFamily="34" charset="0"/>
+              </a:rPr>
+              <a:t>plus grande souplesse pour organiser le développement </a:t>
+            </a:r>
+            <a:r>
+              <a:rPr lang="fr-FR" sz="1600" dirty="0" smtClean="0">
+                <a:latin typeface="Century Gothic" pitchFamily="34" charset="0"/>
+              </a:rPr>
+              <a:t>entre </a:t>
+            </a:r>
+            <a:r>
+              <a:rPr lang="fr-FR" sz="1600" dirty="0" smtClean="0">
+                <a:latin typeface="Century Gothic" pitchFamily="34" charset="0"/>
+              </a:rPr>
+              <a:t>différents développeurs (indépendance </a:t>
+            </a:r>
+            <a:r>
+              <a:rPr lang="fr-FR" sz="1600" dirty="0" smtClean="0">
+                <a:latin typeface="Century Gothic" pitchFamily="34" charset="0"/>
+              </a:rPr>
+              <a:t>des couches)</a:t>
             </a:r>
           </a:p>
           <a:p>
@@ -14931,7 +17862,7 @@
               <a:rPr lang="fr-FR" sz="1600" dirty="0" smtClean="0">
                 <a:latin typeface="Century Gothic" pitchFamily="34" charset="0"/>
               </a:rPr>
-              <a:t>  Optimiser les temps de développement, en factorisant certaines briques applicatives</a:t>
+              <a:t> Optimiser les temps de développement, en factorisant certaines briques applicatives</a:t>
             </a:r>
           </a:p>
           <a:p>
@@ -14939,49 +17870,18 @@
               <a:buFont typeface="Wingdings" pitchFamily="2" charset="2"/>
               <a:buChar char="§"/>
             </a:pPr>
-            <a:r>
-              <a:rPr lang="fr-FR" sz="1600" dirty="0" smtClean="0">
-                <a:latin typeface="Century Gothic" pitchFamily="34" charset="0"/>
-              </a:rPr>
-              <a:t>  Structurer les appels entre objet en délimitant le périmètre de chaque Objet ou service</a:t>
-            </a:r>
-          </a:p>
-          <a:p>
             <a:endParaRPr lang="fr-FR" sz="1600" dirty="0" smtClean="0">
               <a:latin typeface="Century Gothic" pitchFamily="34" charset="0"/>
             </a:endParaRPr>
-          </a:p>
-          <a:p>
-            <a:r>
-              <a:rPr lang="fr-FR" sz="1600" dirty="0" smtClean="0">
-                <a:latin typeface="Century Gothic" pitchFamily="34" charset="0"/>
-              </a:rPr>
-              <a:t>Elle favorise la communication :</a:t>
-            </a:r>
           </a:p>
           <a:p>
             <a:pPr>
               <a:buFont typeface="Wingdings" pitchFamily="2" charset="2"/>
               <a:buChar char="§"/>
             </a:pPr>
-            <a:r>
-              <a:rPr lang="fr-FR" sz="1600" dirty="0" smtClean="0">
-                <a:latin typeface="Century Gothic" pitchFamily="34" charset="0"/>
-              </a:rPr>
-              <a:t> à l’intérieur d’une application, en structurant les échanges entre les différentes couches</a:t>
-            </a:r>
-          </a:p>
-          <a:p>
-            <a:pPr>
-              <a:buFont typeface="Wingdings" pitchFamily="2" charset="2"/>
-              <a:buChar char="§"/>
-            </a:pPr>
-            <a:r>
-              <a:rPr lang="fr-FR" sz="1600" dirty="0" smtClean="0">
-                <a:latin typeface="Century Gothic" pitchFamily="34" charset="0"/>
-              </a:rPr>
-              <a:t> entre les applications en précisant les principes de communication liée aux couches de diverses applications</a:t>
-            </a:r>
+            <a:endParaRPr lang="fr-FR" sz="1600" dirty="0" smtClean="0">
+              <a:latin typeface="Century Gothic" pitchFamily="34" charset="0"/>
+            </a:endParaRPr>
           </a:p>
         </p:txBody>
       </p:sp>
@@ -15098,7 +17998,66 @@
                 <a:latin typeface="Arial" pitchFamily="34" charset="0"/>
                 <a:ea typeface="MS PGothic" pitchFamily="34" charset="-128"/>
               </a:rPr>
-              <a:t>Couche web</a:t>
+              <a:t>Couche </a:t>
+            </a:r>
+            <a:r>
+              <a:rPr kumimoji="0" lang="fr-FR" sz="1600" b="0" i="0" u="none" strike="noStrike" cap="none" normalizeH="0" baseline="0" dirty="0" smtClean="0">
+                <a:ln>
+                  <a:noFill/>
+                </a:ln>
+                <a:solidFill>
+                  <a:schemeClr val="tx1"/>
+                </a:solidFill>
+                <a:effectLst/>
+                <a:latin typeface="Arial" pitchFamily="34" charset="0"/>
+                <a:ea typeface="MS PGothic" pitchFamily="34" charset="-128"/>
+              </a:rPr>
+              <a:t>web</a:t>
+            </a:r>
+          </a:p>
+          <a:p>
+            <a:pPr marL="0" marR="0" indent="0" algn="ctr" defTabSz="914400" rtl="0" eaLnBrk="0" fontAlgn="base" latinLnBrk="0" hangingPunct="0">
+              <a:lnSpc>
+                <a:spcPct val="100000"/>
+              </a:lnSpc>
+              <a:spcBef>
+                <a:spcPct val="0"/>
+              </a:spcBef>
+              <a:spcAft>
+                <a:spcPct val="0"/>
+              </a:spcAft>
+              <a:buClrTx/>
+              <a:buSzTx/>
+              <a:buFontTx/>
+              <a:buNone/>
+              <a:tabLst/>
+            </a:pPr>
+            <a:endParaRPr lang="fr-FR" sz="1600" dirty="0" smtClean="0">
+              <a:ea typeface="MS PGothic" pitchFamily="34" charset="-128"/>
+            </a:endParaRPr>
+          </a:p>
+          <a:p>
+            <a:pPr marL="0" marR="0" indent="0" algn="ctr" defTabSz="914400" rtl="0" eaLnBrk="0" fontAlgn="base" latinLnBrk="0" hangingPunct="0">
+              <a:lnSpc>
+                <a:spcPct val="100000"/>
+              </a:lnSpc>
+              <a:spcBef>
+                <a:spcPct val="0"/>
+              </a:spcBef>
+              <a:spcAft>
+                <a:spcPct val="0"/>
+              </a:spcAft>
+              <a:buClrTx/>
+              <a:buSzTx/>
+              <a:buFontTx/>
+              <a:buNone/>
+              <a:tabLst/>
+            </a:pPr>
+            <a:r>
+              <a:rPr lang="fr-FR" sz="1600" dirty="0" err="1" smtClean="0">
+                <a:ea typeface="MS PGothic" pitchFamily="34" charset="-128"/>
+              </a:rPr>
+              <a:t>Controllers</a:t>
             </a:r>
             <a:endParaRPr kumimoji="0" lang="fr-FR" sz="1600" b="0" i="0" u="none" strike="noStrike" cap="none" normalizeH="0" baseline="0" dirty="0" smtClean="0">
               <a:ln>
@@ -15178,7 +18137,74 @@
                 <a:latin typeface="Arial" pitchFamily="34" charset="0"/>
                 <a:ea typeface="MS PGothic" pitchFamily="34" charset="-128"/>
               </a:rPr>
-              <a:t>Couche métier</a:t>
+              <a:t>Couche </a:t>
+            </a:r>
+            <a:r>
+              <a:rPr kumimoji="0" lang="fr-FR" sz="1600" b="0" i="0" u="none" strike="noStrike" cap="none" normalizeH="0" baseline="0" dirty="0" smtClean="0">
+                <a:ln>
+                  <a:noFill/>
+                </a:ln>
+                <a:solidFill>
+                  <a:schemeClr val="tx1"/>
+                </a:solidFill>
+                <a:effectLst/>
+                <a:latin typeface="Arial" pitchFamily="34" charset="0"/>
+                <a:ea typeface="MS PGothic" pitchFamily="34" charset="-128"/>
+              </a:rPr>
+              <a:t>métier</a:t>
+            </a:r>
+          </a:p>
+          <a:p>
+            <a:pPr marL="0" marR="0" indent="0" algn="ctr" defTabSz="914400" rtl="0" eaLnBrk="0" fontAlgn="base" latinLnBrk="0" hangingPunct="0">
+              <a:lnSpc>
+                <a:spcPct val="100000"/>
+              </a:lnSpc>
+              <a:spcBef>
+                <a:spcPct val="0"/>
+              </a:spcBef>
+              <a:spcAft>
+                <a:spcPct val="0"/>
+              </a:spcAft>
+              <a:buClrTx/>
+              <a:buSzTx/>
+              <a:buFontTx/>
+              <a:buNone/>
+              <a:tabLst/>
+            </a:pPr>
+            <a:endParaRPr lang="fr-FR" sz="1600" dirty="0" smtClean="0">
+              <a:ea typeface="MS PGothic" pitchFamily="34" charset="-128"/>
+            </a:endParaRPr>
+          </a:p>
+          <a:p>
+            <a:pPr marL="0" marR="0" indent="0" algn="ctr" defTabSz="914400" rtl="0" eaLnBrk="0" fontAlgn="base" latinLnBrk="0" hangingPunct="0">
+              <a:lnSpc>
+                <a:spcPct val="100000"/>
+              </a:lnSpc>
+              <a:spcBef>
+                <a:spcPct val="0"/>
+              </a:spcBef>
+              <a:spcAft>
+                <a:spcPct val="0"/>
+              </a:spcAft>
+              <a:buClrTx/>
+              <a:buSzTx/>
+              <a:buFontTx/>
+              <a:buNone/>
+              <a:tabLst/>
+            </a:pPr>
+            <a:r>
+              <a:rPr kumimoji="0" lang="fr-FR" sz="1600" b="0" i="0" u="none" strike="noStrike" cap="none" normalizeH="0" baseline="0" dirty="0" smtClean="0">
+                <a:ln>
+                  <a:noFill/>
+                </a:ln>
+                <a:solidFill>
+                  <a:schemeClr val="tx1"/>
+                </a:solidFill>
+                <a:effectLst/>
+                <a:latin typeface="Arial" pitchFamily="34" charset="0"/>
+                <a:ea typeface="MS PGothic" pitchFamily="34" charset="-128"/>
+              </a:rPr>
+              <a:t>Services</a:t>
             </a:r>
             <a:endParaRPr kumimoji="0" lang="fr-FR" sz="1600" b="0" i="0" u="none" strike="noStrike" cap="none" normalizeH="0" baseline="0" dirty="0" smtClean="0">
               <a:ln>
@@ -15258,7 +18284,74 @@
                 <a:latin typeface="Arial" pitchFamily="34" charset="0"/>
                 <a:ea typeface="MS PGothic" pitchFamily="34" charset="-128"/>
               </a:rPr>
-              <a:t>Couche model</a:t>
+              <a:t>Couche </a:t>
+            </a:r>
+            <a:r>
+              <a:rPr kumimoji="0" lang="fr-FR" sz="1600" b="0" i="0" u="none" strike="noStrike" cap="none" normalizeH="0" baseline="0" dirty="0" smtClean="0">
+                <a:ln>
+                  <a:noFill/>
+                </a:ln>
+                <a:solidFill>
+                  <a:schemeClr val="tx1"/>
+                </a:solidFill>
+                <a:effectLst/>
+                <a:latin typeface="Arial" pitchFamily="34" charset="0"/>
+                <a:ea typeface="MS PGothic" pitchFamily="34" charset="-128"/>
+              </a:rPr>
+              <a:t>model</a:t>
+            </a:r>
+          </a:p>
+          <a:p>
+            <a:pPr marL="0" marR="0" indent="0" algn="ctr" defTabSz="914400" rtl="0" eaLnBrk="0" fontAlgn="base" latinLnBrk="0" hangingPunct="0">
+              <a:lnSpc>
+                <a:spcPct val="100000"/>
+              </a:lnSpc>
+              <a:spcBef>
+                <a:spcPct val="0"/>
+              </a:spcBef>
+              <a:spcAft>
+                <a:spcPct val="0"/>
+              </a:spcAft>
+              <a:buClrTx/>
+              <a:buSzTx/>
+              <a:buFontTx/>
+              <a:buNone/>
+              <a:tabLst/>
+            </a:pPr>
+            <a:endParaRPr lang="fr-FR" sz="1600" dirty="0" smtClean="0">
+              <a:ea typeface="MS PGothic" pitchFamily="34" charset="-128"/>
+            </a:endParaRPr>
+          </a:p>
+          <a:p>
+            <a:pPr marL="0" marR="0" indent="0" algn="ctr" defTabSz="914400" rtl="0" eaLnBrk="0" fontAlgn="base" latinLnBrk="0" hangingPunct="0">
+              <a:lnSpc>
+                <a:spcPct val="100000"/>
+              </a:lnSpc>
+              <a:spcBef>
+                <a:spcPct val="0"/>
+              </a:spcBef>
+              <a:spcAft>
+                <a:spcPct val="0"/>
+              </a:spcAft>
+              <a:buClrTx/>
+              <a:buSzTx/>
+              <a:buFontTx/>
+              <a:buNone/>
+              <a:tabLst/>
+            </a:pPr>
+            <a:r>
+              <a:rPr kumimoji="0" lang="fr-FR" sz="1600" b="0" i="0" u="none" strike="noStrike" cap="none" normalizeH="0" baseline="0" dirty="0" smtClean="0">
+                <a:ln>
+                  <a:noFill/>
+                </a:ln>
+                <a:solidFill>
+                  <a:schemeClr val="tx1"/>
+                </a:solidFill>
+                <a:effectLst/>
+                <a:latin typeface="Arial" pitchFamily="34" charset="0"/>
+                <a:ea typeface="MS PGothic" pitchFamily="34" charset="-128"/>
+              </a:rPr>
+              <a:t>Persistance</a:t>
             </a:r>
             <a:endParaRPr kumimoji="0" lang="fr-FR" sz="1600" b="0" i="0" u="none" strike="noStrike" cap="none" normalizeH="0" baseline="0" dirty="0" smtClean="0">
               <a:ln>
@@ -15591,17 +18684,6 @@
               </a:rPr>
               <a:t>Front</a:t>
             </a:r>
-            <a:endParaRPr kumimoji="0" lang="fr-FR" sz="1600" b="0" i="0" u="none" strike="noStrike" cap="none" normalizeH="0" baseline="0" dirty="0" smtClean="0">
-              <a:ln>
-                <a:noFill/>
-              </a:ln>
-              <a:solidFill>
-                <a:schemeClr val="tx1"/>
-              </a:solidFill>
-              <a:effectLst/>
-              <a:latin typeface="Arial" pitchFamily="34" charset="0"/>
-              <a:ea typeface="MS PGothic" pitchFamily="34" charset="-128"/>
-            </a:endParaRPr>
           </a:p>
         </p:txBody>
       </p:sp>
@@ -16594,17 +19676,6 @@
               </a:rPr>
               <a:t>Module web</a:t>
             </a:r>
-            <a:endParaRPr kumimoji="0" lang="fr-FR" sz="1600" b="0" i="0" u="none" strike="noStrike" cap="none" normalizeH="0" baseline="0" dirty="0" smtClean="0">
-              <a:ln>
-                <a:noFill/>
-              </a:ln>
-              <a:solidFill>
-                <a:schemeClr val="tx1"/>
-              </a:solidFill>
-              <a:effectLst/>
-              <a:latin typeface="Arial" pitchFamily="34" charset="0"/>
-              <a:ea typeface="MS PGothic" pitchFamily="34" charset="-128"/>
-            </a:endParaRPr>
           </a:p>
         </p:txBody>
       </p:sp>
@@ -16677,17 +19748,6 @@
               </a:rPr>
               <a:t>Module business</a:t>
             </a:r>
-            <a:endParaRPr kumimoji="0" lang="fr-FR" sz="1600" b="0" i="0" u="none" strike="noStrike" cap="none" normalizeH="0" baseline="0" dirty="0" smtClean="0">
-              <a:ln>
-                <a:noFill/>
-              </a:ln>
-              <a:solidFill>
-                <a:schemeClr val="tx1"/>
-              </a:solidFill>
-              <a:effectLst/>
-              <a:latin typeface="Arial" pitchFamily="34" charset="0"/>
-              <a:ea typeface="MS PGothic" pitchFamily="34" charset="-128"/>
-            </a:endParaRPr>
           </a:p>
         </p:txBody>
       </p:sp>
@@ -16760,17 +19820,6 @@
               </a:rPr>
               <a:t>Module dao</a:t>
             </a:r>
-            <a:endParaRPr kumimoji="0" lang="fr-FR" sz="1600" b="0" i="0" u="none" strike="noStrike" cap="none" normalizeH="0" baseline="0" dirty="0" smtClean="0">
-              <a:ln>
-                <a:noFill/>
-              </a:ln>
-              <a:solidFill>
-                <a:schemeClr val="tx1"/>
-              </a:solidFill>
-              <a:effectLst/>
-              <a:latin typeface="Arial" pitchFamily="34" charset="0"/>
-              <a:ea typeface="MS PGothic" pitchFamily="34" charset="-128"/>
-            </a:endParaRPr>
           </a:p>
         </p:txBody>
       </p:sp>
@@ -16817,18 +19866,17 @@
               <a:t>Ressources : </a:t>
             </a:r>
             <a:r>
-              <a:rPr lang="fr-FR" sz="1400" dirty="0" err="1" smtClean="0"/>
+              <a:rPr lang="fr-FR" sz="1400" dirty="0" err="1" smtClean="0">
+                <a:latin typeface="Century Gothic" pitchFamily="34" charset="0"/>
+              </a:rPr>
               <a:t>properties</a:t>
             </a:r>
             <a:r>
-              <a:rPr lang="fr-FR" sz="1400" dirty="0" smtClean="0"/>
-              <a:t>, classes utilitaires, </a:t>
+              <a:rPr lang="fr-FR" sz="1400" dirty="0" smtClean="0">
+                <a:latin typeface="Century Gothic" pitchFamily="34" charset="0"/>
+              </a:rPr>
+              <a:t>, classes utilitaires, constantes, logs</a:t>
             </a:r>
-            <a:r>
-              <a:rPr lang="fr-FR" sz="1400" dirty="0" smtClean="0"/>
-              <a:t>constantes, logs</a:t>
-            </a:r>
-            <a:endParaRPr lang="fr-FR" sz="1400" dirty="0" smtClean="0"/>
           </a:p>
           <a:p>
             <a:pPr marL="0" marR="0" lvl="0" indent="0" algn="l" defTabSz="914400" rtl="0" eaLnBrk="1" fontAlgn="base" latinLnBrk="0" hangingPunct="1">
@@ -17216,17 +20264,6 @@
               </a:rPr>
               <a:t>Tests unitaires et intégrations</a:t>
             </a:r>
-            <a:endParaRPr kumimoji="0" lang="fr-FR" sz="1600" b="0" i="0" u="none" strike="noStrike" cap="none" normalizeH="0" baseline="0" dirty="0" smtClean="0">
-              <a:ln>
-                <a:noFill/>
-              </a:ln>
-              <a:solidFill>
-                <a:schemeClr val="tx1"/>
-              </a:solidFill>
-              <a:effectLst/>
-              <a:latin typeface="Arial" pitchFamily="34" charset="0"/>
-              <a:ea typeface="MS PGothic" pitchFamily="34" charset="-128"/>
-            </a:endParaRPr>
           </a:p>
         </p:txBody>
       </p:sp>
@@ -17299,17 +20336,6 @@
               </a:rPr>
               <a:t>Tests intégrations</a:t>
             </a:r>
-            <a:endParaRPr kumimoji="0" lang="fr-FR" sz="1600" b="0" i="0" u="none" strike="noStrike" cap="none" normalizeH="0" baseline="0" dirty="0" smtClean="0">
-              <a:ln>
-                <a:noFill/>
-              </a:ln>
-              <a:solidFill>
-                <a:schemeClr val="tx1"/>
-              </a:solidFill>
-              <a:effectLst/>
-              <a:latin typeface="Arial" pitchFamily="34" charset="0"/>
-              <a:ea typeface="MS PGothic" pitchFamily="34" charset="-128"/>
-            </a:endParaRPr>
           </a:p>
         </p:txBody>
       </p:sp>
@@ -17382,17 +20408,6 @@
               </a:rPr>
               <a:t>Tests unitaires</a:t>
             </a:r>
-            <a:endParaRPr kumimoji="0" lang="fr-FR" sz="1600" b="0" i="0" u="none" strike="noStrike" cap="none" normalizeH="0" baseline="0" dirty="0" smtClean="0">
-              <a:ln>
-                <a:noFill/>
-              </a:ln>
-              <a:solidFill>
-                <a:schemeClr val="tx1"/>
-              </a:solidFill>
-              <a:effectLst/>
-              <a:latin typeface="Arial" pitchFamily="34" charset="0"/>
-              <a:ea typeface="MS PGothic" pitchFamily="34" charset="-128"/>
-            </a:endParaRPr>
           </a:p>
         </p:txBody>
       </p:sp>
@@ -17493,17 +20508,6 @@
               </a:rPr>
               <a:t>d’intégration</a:t>
             </a:r>
-            <a:endParaRPr kumimoji="0" lang="fr-FR" sz="1600" b="0" i="0" u="none" strike="noStrike" cap="none" normalizeH="0" baseline="0" dirty="0" smtClean="0">
-              <a:ln>
-                <a:noFill/>
-              </a:ln>
-              <a:solidFill>
-                <a:schemeClr val="tx1"/>
-              </a:solidFill>
-              <a:effectLst/>
-              <a:latin typeface="Arial" pitchFamily="34" charset="0"/>
-              <a:ea typeface="MS PGothic" pitchFamily="34" charset="-128"/>
-            </a:endParaRPr>
           </a:p>
         </p:txBody>
       </p:sp>
@@ -17585,11 +20589,7 @@
             </a:r>
             <a:r>
               <a:rPr lang="fr-FR" sz="1600" dirty="0" err="1" smtClean="0"/>
-              <a:t>R</a:t>
-            </a:r>
-            <a:r>
-              <a:rPr lang="fr-FR" sz="1600" dirty="0" err="1" smtClean="0"/>
-              <a:t>epository</a:t>
+              <a:t>Repository</a:t>
             </a:r>
             <a:endParaRPr lang="fr-FR" sz="1600" dirty="0"/>
           </a:p>
@@ -17744,17 +20744,6 @@
               </a:rPr>
               <a:t>Sécurité(habilitations)</a:t>
             </a:r>
-            <a:endParaRPr kumimoji="0" lang="fr-FR" sz="1600" b="0" i="0" u="none" strike="noStrike" cap="none" normalizeH="0" baseline="0" dirty="0" smtClean="0">
-              <a:ln>
-                <a:noFill/>
-              </a:ln>
-              <a:solidFill>
-                <a:schemeClr val="tx1"/>
-              </a:solidFill>
-              <a:effectLst/>
-              <a:latin typeface="Arial" pitchFamily="34" charset="0"/>
-              <a:ea typeface="MS PGothic" pitchFamily="34" charset="-128"/>
-            </a:endParaRPr>
           </a:p>
         </p:txBody>
       </p:sp>
@@ -17964,22 +20953,44 @@
           <a:lstStyle/>
           <a:p>
             <a:r>
-              <a:rPr lang="fr-FR" sz="1400" dirty="0" err="1" smtClean="0"/>
+              <a:rPr lang="fr-FR" sz="1300" dirty="0" err="1" smtClean="0">
+                <a:latin typeface="Century Gothic" pitchFamily="34" charset="0"/>
+              </a:rPr>
               <a:t>ExceptionMapper</a:t>
             </a:r>
             <a:r>
-              <a:rPr lang="fr-FR" sz="1400" dirty="0" smtClean="0"/>
+              <a:rPr lang="fr-FR" sz="1300" dirty="0" smtClean="0">
+                <a:latin typeface="Century Gothic" pitchFamily="34" charset="0"/>
+              </a:rPr>
               <a:t>, Mapper, DTO, </a:t>
             </a:r>
             <a:r>
-              <a:rPr lang="fr-FR" sz="1400" dirty="0" err="1" smtClean="0"/>
+              <a:rPr lang="fr-FR" sz="1300" dirty="0" err="1" smtClean="0">
+                <a:latin typeface="Century Gothic" pitchFamily="34" charset="0"/>
+              </a:rPr>
               <a:t>Converter</a:t>
             </a:r>
             <a:r>
-              <a:rPr lang="fr-FR" sz="1400" dirty="0" smtClean="0"/>
-              <a:t>, validation</a:t>
+              <a:rPr lang="fr-FR" sz="1300" dirty="0" smtClean="0">
+                <a:latin typeface="Century Gothic" pitchFamily="34" charset="0"/>
+              </a:rPr>
+              <a:t>, </a:t>
             </a:r>
-            <a:endParaRPr lang="fr-FR" sz="1400" dirty="0"/>
+            <a:r>
+              <a:rPr lang="fr-FR" sz="1300" dirty="0" smtClean="0">
+                <a:latin typeface="Century Gothic" pitchFamily="34" charset="0"/>
+              </a:rPr>
+              <a:t>validation </a:t>
+            </a:r>
+            <a:r>
+              <a:rPr lang="fr-FR" sz="1300" dirty="0" err="1" smtClean="0">
+                <a:latin typeface="Century Gothic" pitchFamily="34" charset="0"/>
+              </a:rPr>
+              <a:t>bean</a:t>
+            </a:r>
+            <a:endParaRPr lang="fr-FR" sz="1300" dirty="0">
+              <a:latin typeface="Century Gothic" pitchFamily="34" charset="0"/>
+            </a:endParaRPr>
           </a:p>
         </p:txBody>
       </p:sp>
@@ -18022,10 +21033,14 @@
           <a:lstStyle/>
           <a:p>
             <a:r>
-              <a:rPr lang="fr-FR" sz="1400" dirty="0" smtClean="0"/>
+              <a:rPr lang="fr-FR" sz="1400" dirty="0" smtClean="0">
+                <a:latin typeface="Century Gothic" pitchFamily="34" charset="0"/>
+              </a:rPr>
               <a:t>Gestion des exceptions métier et logs</a:t>
             </a:r>
-            <a:endParaRPr lang="fr-FR" sz="1400" dirty="0"/>
+            <a:endParaRPr lang="fr-FR" sz="1400" dirty="0">
+              <a:latin typeface="Century Gothic" pitchFamily="34" charset="0"/>
+            </a:endParaRPr>
           </a:p>
         </p:txBody>
       </p:sp>
@@ -18068,14 +21083,20 @@
           <a:lstStyle/>
           <a:p>
             <a:r>
-              <a:rPr lang="fr-FR" sz="1400" dirty="0" smtClean="0"/>
+              <a:rPr lang="fr-FR" sz="1400" dirty="0" smtClean="0">
+                <a:latin typeface="Century Gothic" pitchFamily="34" charset="0"/>
+              </a:rPr>
               <a:t>Validation </a:t>
             </a:r>
             <a:r>
-              <a:rPr lang="fr-FR" sz="1400" dirty="0" err="1" smtClean="0"/>
+              <a:rPr lang="fr-FR" sz="1400" dirty="0" err="1" smtClean="0">
+                <a:latin typeface="Century Gothic" pitchFamily="34" charset="0"/>
+              </a:rPr>
               <a:t>bean</a:t>
             </a:r>
-            <a:endParaRPr lang="fr-FR" sz="1400" dirty="0"/>
+            <a:endParaRPr lang="fr-FR" sz="1400" dirty="0">
+              <a:latin typeface="Century Gothic" pitchFamily="34" charset="0"/>
+            </a:endParaRPr>
           </a:p>
         </p:txBody>
       </p:sp>
@@ -18090,7 +21111,7 @@
         <p:spPr bwMode="auto">
           <a:xfrm>
             <a:off x="7651376" y="3803075"/>
-            <a:ext cx="1344707" cy="1414383"/>
+            <a:ext cx="1429250" cy="1414383"/>
           </a:xfrm>
           <a:prstGeom prst="foldedCorner">
             <a:avLst>
@@ -18118,10 +21139,14 @@
           <a:lstStyle/>
           <a:p>
             <a:r>
-              <a:rPr lang="fr-FR" sz="1400" dirty="0" smtClean="0"/>
+              <a:rPr lang="fr-FR" sz="1400" dirty="0" smtClean="0">
+                <a:latin typeface="Century Gothic" pitchFamily="34" charset="0"/>
+              </a:rPr>
               <a:t>Base H2 embarquée, Api génériques de test d’intégrations</a:t>
             </a:r>
-            <a:endParaRPr lang="fr-FR" sz="1400" dirty="0"/>
+            <a:endParaRPr lang="fr-FR" sz="1400" dirty="0">
+              <a:latin typeface="Century Gothic" pitchFamily="34" charset="0"/>
+            </a:endParaRPr>
           </a:p>
         </p:txBody>
       </p:sp>
@@ -18224,198 +21249,1120 @@
             <p:ph idx="1"/>
           </p:nvPr>
         </p:nvSpPr>
-        <p:spPr/>
+        <p:spPr>
+          <a:xfrm>
+            <a:off x="373070" y="1111338"/>
+            <a:ext cx="9159875" cy="276999"/>
+          </a:xfrm>
+        </p:spPr>
         <p:txBody>
           <a:bodyPr/>
           <a:lstStyle/>
           <a:p>
+            <a:r>
+              <a:rPr lang="fr-FR" dirty="0" smtClean="0">
+                <a:latin typeface="Century Gothic" pitchFamily="34" charset="0"/>
+                <a:cs typeface="Calibri" pitchFamily="34" charset="0"/>
+              </a:rPr>
+              <a:t>Limitation de </a:t>
+            </a:r>
+            <a:r>
+              <a:rPr lang="fr-FR" dirty="0" smtClean="0">
+                <a:latin typeface="Century Gothic" pitchFamily="34" charset="0"/>
+                <a:cs typeface="Calibri" pitchFamily="34" charset="0"/>
+              </a:rPr>
+              <a:t>périmètre métier </a:t>
+            </a:r>
+            <a:r>
+              <a:rPr lang="fr-FR" dirty="0" smtClean="0">
+                <a:latin typeface="Century Gothic" pitchFamily="34" charset="0"/>
+                <a:cs typeface="Calibri" pitchFamily="34" charset="0"/>
+              </a:rPr>
+              <a:t>entre service et </a:t>
+            </a:r>
+            <a:r>
+              <a:rPr lang="fr-FR" dirty="0" smtClean="0">
+                <a:latin typeface="Century Gothic" pitchFamily="34" charset="0"/>
+                <a:cs typeface="Calibri" pitchFamily="34" charset="0"/>
+              </a:rPr>
+              <a:t>DAO </a:t>
+            </a:r>
             <a:endParaRPr lang="en-US" dirty="0"/>
           </a:p>
         </p:txBody>
       </p:sp>
       <p:sp>
         <p:nvSpPr>
-          <p:cNvPr id="7" name="Rectangle 6"/>
+          <p:cNvPr id="8" name="Rectangle à coins arrondis 7"/>
           <p:cNvSpPr/>
           <p:nvPr/>
         </p:nvSpPr>
-        <p:spPr>
+        <p:spPr bwMode="auto">
           <a:xfrm>
-            <a:off x="545435" y="4034119"/>
-            <a:ext cx="8612012" cy="1077218"/>
+            <a:off x="3920150" y="2127576"/>
+            <a:ext cx="1792585" cy="579420"/>
           </a:xfrm>
-          <a:prstGeom prst="rect">
+          <a:prstGeom prst="roundRect">
             <a:avLst/>
           </a:prstGeom>
+          <a:solidFill>
+            <a:schemeClr val="tx2">
+              <a:lumMod val="40000"/>
+              <a:lumOff val="60000"/>
+            </a:schemeClr>
+          </a:solidFill>
+          <a:ln w="9525" cap="flat" cmpd="sng" algn="ctr">
+            <a:solidFill>
+              <a:schemeClr val="tx2">
+                <a:lumMod val="40000"/>
+                <a:lumOff val="60000"/>
+              </a:schemeClr>
+            </a:solidFill>
+            <a:prstDash val="solid"/>
+            <a:round/>
+            <a:headEnd type="none" w="med" len="med"/>
+            <a:tailEnd type="none" w="med" len="med"/>
+          </a:ln>
+          <a:effectLst/>
         </p:spPr>
         <p:txBody>
-          <a:bodyPr wrap="square">
-            <a:spAutoFit/>
+          <a:bodyPr vert="horz" wrap="square" lIns="91440" tIns="45720" rIns="91440" bIns="45720" numCol="1" rtlCol="0" anchor="t" anchorCtr="0" compatLnSpc="1">
+            <a:prstTxWarp prst="textNoShape">
+              <a:avLst/>
+            </a:prstTxWarp>
           </a:bodyPr>
           <a:lstStyle/>
           <a:p>
+            <a:pPr marL="0" marR="0" indent="0" algn="ctr" defTabSz="914400" rtl="0" eaLnBrk="0" fontAlgn="base" latinLnBrk="0" hangingPunct="0">
+              <a:lnSpc>
+                <a:spcPct val="100000"/>
+              </a:lnSpc>
+              <a:spcBef>
+                <a:spcPct val="0"/>
+              </a:spcBef>
+              <a:spcAft>
+                <a:spcPct val="0"/>
+              </a:spcAft>
+              <a:buClrTx/>
+              <a:buSzTx/>
+              <a:buFontTx/>
+              <a:buNone/>
+              <a:tabLst/>
+            </a:pPr>
             <a:r>
-              <a:rPr lang="fr-FR" sz="1600" dirty="0" err="1" smtClean="0">
-                <a:latin typeface="Century Gothic" pitchFamily="34" charset="0"/>
-                <a:cs typeface="Calibri" pitchFamily="34" charset="0"/>
+              <a:rPr kumimoji="0" lang="fr-FR" sz="1600" b="0" i="0" u="none" strike="noStrike" cap="none" normalizeH="0" baseline="0" dirty="0" err="1" smtClean="0">
+                <a:ln>
+                  <a:noFill/>
+                </a:ln>
+                <a:solidFill>
+                  <a:schemeClr val="tx1"/>
+                </a:solidFill>
+                <a:effectLst/>
+                <a:latin typeface="Arial" pitchFamily="34" charset="0"/>
+                <a:ea typeface="MS PGothic" pitchFamily="34" charset="-128"/>
               </a:rPr>
-              <a:t>Securite</a:t>
+              <a:t>IxxxService</a:t>
             </a:r>
+            <a:endParaRPr kumimoji="0" lang="fr-FR" sz="1600" b="0" i="0" u="none" strike="noStrike" cap="none" normalizeH="0" baseline="0" dirty="0" smtClean="0">
+              <a:ln>
+                <a:noFill/>
+              </a:ln>
+              <a:solidFill>
+                <a:schemeClr val="tx1"/>
+              </a:solidFill>
+              <a:effectLst/>
+              <a:latin typeface="Arial" pitchFamily="34" charset="0"/>
+              <a:ea typeface="MS PGothic" pitchFamily="34" charset="-128"/>
+            </a:endParaRPr>
+          </a:p>
+          <a:p>
+            <a:pPr marL="0" marR="0" indent="0" algn="ctr" defTabSz="914400" rtl="0" eaLnBrk="0" fontAlgn="base" latinLnBrk="0" hangingPunct="0">
+              <a:lnSpc>
+                <a:spcPct val="100000"/>
+              </a:lnSpc>
+              <a:spcBef>
+                <a:spcPct val="0"/>
+              </a:spcBef>
+              <a:spcAft>
+                <a:spcPct val="0"/>
+              </a:spcAft>
+              <a:buClrTx/>
+              <a:buSzTx/>
+              <a:buFontTx/>
+              <a:buNone/>
+              <a:tabLst/>
+            </a:pPr>
             <a:r>
               <a:rPr lang="fr-FR" sz="1600" dirty="0" smtClean="0">
                 <a:latin typeface="Century Gothic" pitchFamily="34" charset="0"/>
-                <a:cs typeface="Calibri" pitchFamily="34" charset="0"/>
+                <a:ea typeface="MS PGothic" pitchFamily="34" charset="-128"/>
               </a:rPr>
-              <a:t>, services, dao, </a:t>
+              <a:t>&lt;&lt;interface&gt;&gt;</a:t>
             </a:r>
+            <a:endParaRPr kumimoji="0" lang="fr-FR" sz="1600" b="0" i="0" u="none" strike="noStrike" cap="none" normalizeH="0" baseline="0" dirty="0" smtClean="0">
+              <a:ln>
+                <a:noFill/>
+              </a:ln>
+              <a:solidFill>
+                <a:schemeClr val="tx1"/>
+              </a:solidFill>
+              <a:effectLst/>
+              <a:latin typeface="Century Gothic" pitchFamily="34" charset="0"/>
+              <a:ea typeface="MS PGothic" pitchFamily="34" charset="-128"/>
+            </a:endParaRPr>
+          </a:p>
+        </p:txBody>
+      </p:sp>
+      <p:sp>
+        <p:nvSpPr>
+          <p:cNvPr id="10" name="Rectangle à coins arrondis 9"/>
+          <p:cNvSpPr/>
+          <p:nvPr/>
+        </p:nvSpPr>
+        <p:spPr bwMode="auto">
+          <a:xfrm>
+            <a:off x="3927697" y="3393543"/>
+            <a:ext cx="1792585" cy="580930"/>
+          </a:xfrm>
+          <a:prstGeom prst="roundRect">
+            <a:avLst/>
+          </a:prstGeom>
+          <a:solidFill>
+            <a:schemeClr val="tx2">
+              <a:lumMod val="40000"/>
+              <a:lumOff val="60000"/>
+            </a:schemeClr>
+          </a:solidFill>
+          <a:ln w="9525" cap="flat" cmpd="sng" algn="ctr">
+            <a:solidFill>
+              <a:schemeClr val="tx2">
+                <a:lumMod val="40000"/>
+                <a:lumOff val="60000"/>
+              </a:schemeClr>
+            </a:solidFill>
+            <a:prstDash val="solid"/>
+            <a:round/>
+            <a:headEnd type="none" w="med" len="med"/>
+            <a:tailEnd type="none" w="med" len="med"/>
+          </a:ln>
+          <a:effectLst/>
+        </p:spPr>
+        <p:txBody>
+          <a:bodyPr vert="horz" wrap="square" lIns="91440" tIns="45720" rIns="91440" bIns="45720" numCol="1" rtlCol="0" anchor="t" anchorCtr="0" compatLnSpc="1">
+            <a:prstTxWarp prst="textNoShape">
+              <a:avLst/>
+            </a:prstTxWarp>
+          </a:bodyPr>
+          <a:lstStyle/>
+          <a:p>
+            <a:pPr marL="0" marR="0" indent="0" algn="ctr" defTabSz="914400" rtl="0" eaLnBrk="0" fontAlgn="base" latinLnBrk="0" hangingPunct="0">
+              <a:lnSpc>
+                <a:spcPct val="100000"/>
+              </a:lnSpc>
+              <a:spcBef>
+                <a:spcPct val="0"/>
+              </a:spcBef>
+              <a:spcAft>
+                <a:spcPct val="0"/>
+              </a:spcAft>
+              <a:buClrTx/>
+              <a:buSzTx/>
+              <a:buFontTx/>
+              <a:buNone/>
+              <a:tabLst/>
+            </a:pPr>
             <a:r>
-              <a:rPr lang="fr-FR" sz="1600" dirty="0" err="1" smtClean="0">
-                <a:latin typeface="Century Gothic" pitchFamily="34" charset="0"/>
-                <a:cs typeface="Calibri" pitchFamily="34" charset="0"/>
+              <a:rPr kumimoji="0" lang="fr-FR" sz="1600" b="0" i="0" u="none" strike="noStrike" cap="none" normalizeH="0" baseline="0" dirty="0" err="1" smtClean="0">
+                <a:ln>
+                  <a:noFill/>
+                </a:ln>
+                <a:solidFill>
+                  <a:schemeClr val="tx1"/>
+                </a:solidFill>
+                <a:effectLst/>
+                <a:latin typeface="Arial" pitchFamily="34" charset="0"/>
+                <a:ea typeface="MS PGothic" pitchFamily="34" charset="-128"/>
               </a:rPr>
-              <a:t>common</a:t>
+              <a:t>IxxxServiceImpl</a:t>
             </a:r>
+            <a:endParaRPr kumimoji="0" lang="fr-FR" sz="1600" b="0" i="0" u="none" strike="noStrike" cap="none" normalizeH="0" baseline="0" dirty="0" smtClean="0">
+              <a:ln>
+                <a:noFill/>
+              </a:ln>
+              <a:solidFill>
+                <a:schemeClr val="tx1"/>
+              </a:solidFill>
+              <a:effectLst/>
+              <a:latin typeface="Arial" pitchFamily="34" charset="0"/>
+              <a:ea typeface="MS PGothic" pitchFamily="34" charset="-128"/>
+            </a:endParaRPr>
+          </a:p>
+          <a:p>
+            <a:pPr marL="0" marR="0" indent="0" algn="ctr" defTabSz="914400" rtl="0" eaLnBrk="0" fontAlgn="base" latinLnBrk="0" hangingPunct="0">
+              <a:lnSpc>
+                <a:spcPct val="100000"/>
+              </a:lnSpc>
+              <a:spcBef>
+                <a:spcPct val="0"/>
+              </a:spcBef>
+              <a:spcAft>
+                <a:spcPct val="0"/>
+              </a:spcAft>
+              <a:buClrTx/>
+              <a:buSzTx/>
+              <a:buFontTx/>
+              <a:buNone/>
+              <a:tabLst/>
+            </a:pPr>
             <a:r>
               <a:rPr lang="fr-FR" sz="1600" dirty="0" smtClean="0">
                 <a:latin typeface="Century Gothic" pitchFamily="34" charset="0"/>
-                <a:cs typeface="Calibri" pitchFamily="34" charset="0"/>
+                <a:ea typeface="MS PGothic" pitchFamily="34" charset="-128"/>
               </a:rPr>
-              <a:t> api, </a:t>
+              <a:t>@Service</a:t>
             </a:r>
+            <a:endParaRPr kumimoji="0" lang="fr-FR" sz="1600" b="0" i="0" u="none" strike="noStrike" cap="none" normalizeH="0" baseline="0" dirty="0" smtClean="0">
+              <a:ln>
+                <a:noFill/>
+              </a:ln>
+              <a:solidFill>
+                <a:schemeClr val="tx1"/>
+              </a:solidFill>
+              <a:effectLst/>
+              <a:latin typeface="Century Gothic" pitchFamily="34" charset="0"/>
+              <a:ea typeface="MS PGothic" pitchFamily="34" charset="-128"/>
+            </a:endParaRPr>
+          </a:p>
+        </p:txBody>
+      </p:sp>
+      <p:sp>
+        <p:nvSpPr>
+          <p:cNvPr id="11" name="Rectangle à coins arrondis 10"/>
+          <p:cNvSpPr/>
+          <p:nvPr/>
+        </p:nvSpPr>
+        <p:spPr bwMode="auto">
+          <a:xfrm>
+            <a:off x="6580361" y="2126068"/>
+            <a:ext cx="1792585" cy="599036"/>
+          </a:xfrm>
+          <a:prstGeom prst="roundRect">
+            <a:avLst/>
+          </a:prstGeom>
+          <a:solidFill>
+            <a:schemeClr val="tx2">
+              <a:lumMod val="40000"/>
+              <a:lumOff val="60000"/>
+            </a:schemeClr>
+          </a:solidFill>
+          <a:ln w="9525" cap="flat" cmpd="sng" algn="ctr">
+            <a:solidFill>
+              <a:schemeClr val="tx2">
+                <a:lumMod val="40000"/>
+                <a:lumOff val="60000"/>
+              </a:schemeClr>
+            </a:solidFill>
+            <a:prstDash val="solid"/>
+            <a:round/>
+            <a:headEnd type="none" w="med" len="med"/>
+            <a:tailEnd type="none" w="med" len="med"/>
+          </a:ln>
+          <a:effectLst/>
+        </p:spPr>
+        <p:txBody>
+          <a:bodyPr vert="horz" wrap="square" lIns="91440" tIns="45720" rIns="91440" bIns="45720" numCol="1" rtlCol="0" anchor="t" anchorCtr="0" compatLnSpc="1">
+            <a:prstTxWarp prst="textNoShape">
+              <a:avLst/>
+            </a:prstTxWarp>
+          </a:bodyPr>
+          <a:lstStyle/>
+          <a:p>
+            <a:pPr marL="0" marR="0" indent="0" algn="ctr" defTabSz="914400" rtl="0" eaLnBrk="0" fontAlgn="base" latinLnBrk="0" hangingPunct="0">
+              <a:lnSpc>
+                <a:spcPct val="100000"/>
+              </a:lnSpc>
+              <a:spcBef>
+                <a:spcPct val="0"/>
+              </a:spcBef>
+              <a:spcAft>
+                <a:spcPct val="0"/>
+              </a:spcAft>
+              <a:buClrTx/>
+              <a:buSzTx/>
+              <a:buFontTx/>
+              <a:buNone/>
+              <a:tabLst/>
+            </a:pPr>
             <a:r>
-              <a:rPr lang="fr-FR" sz="1600" dirty="0" err="1" smtClean="0">
-                <a:latin typeface="Century Gothic" pitchFamily="34" charset="0"/>
-                <a:cs typeface="Calibri" pitchFamily="34" charset="0"/>
+              <a:rPr kumimoji="0" lang="fr-FR" sz="1600" b="0" i="0" u="none" strike="noStrike" cap="none" normalizeH="0" baseline="0" dirty="0" err="1" smtClean="0">
+                <a:ln>
+                  <a:noFill/>
+                </a:ln>
+                <a:solidFill>
+                  <a:schemeClr val="tx1"/>
+                </a:solidFill>
+                <a:effectLst/>
+                <a:latin typeface="Arial" pitchFamily="34" charset="0"/>
+                <a:ea typeface="MS PGothic" pitchFamily="34" charset="-128"/>
               </a:rPr>
-              <a:t>rest</a:t>
+              <a:t>OtherService</a:t>
             </a:r>
+            <a:endParaRPr kumimoji="0" lang="fr-FR" sz="1600" b="0" i="0" u="none" strike="noStrike" cap="none" normalizeH="0" baseline="0" dirty="0" smtClean="0">
+              <a:ln>
+                <a:noFill/>
+              </a:ln>
+              <a:solidFill>
+                <a:schemeClr val="tx1"/>
+              </a:solidFill>
+              <a:effectLst/>
+              <a:latin typeface="Arial" pitchFamily="34" charset="0"/>
+              <a:ea typeface="MS PGothic" pitchFamily="34" charset="-128"/>
+            </a:endParaRPr>
+          </a:p>
+          <a:p>
+            <a:pPr marL="0" marR="0" indent="0" algn="ctr" defTabSz="914400" rtl="0" eaLnBrk="0" fontAlgn="base" latinLnBrk="0" hangingPunct="0">
+              <a:lnSpc>
+                <a:spcPct val="100000"/>
+              </a:lnSpc>
+              <a:spcBef>
+                <a:spcPct val="0"/>
+              </a:spcBef>
+              <a:spcAft>
+                <a:spcPct val="0"/>
+              </a:spcAft>
+              <a:buClrTx/>
+              <a:buSzTx/>
+              <a:buFontTx/>
+              <a:buNone/>
+              <a:tabLst/>
+            </a:pPr>
             <a:r>
               <a:rPr lang="fr-FR" sz="1600" dirty="0" smtClean="0">
                 <a:latin typeface="Century Gothic" pitchFamily="34" charset="0"/>
-                <a:cs typeface="Calibri" pitchFamily="34" charset="0"/>
+                <a:ea typeface="MS PGothic" pitchFamily="34" charset="-128"/>
               </a:rPr>
-              <a:t>, mapper, </a:t>
+              <a:t>&lt;&lt;interface&gt;&gt;</a:t>
             </a:r>
+            <a:endParaRPr kumimoji="0" lang="fr-FR" sz="1600" b="0" i="0" u="none" strike="noStrike" cap="none" normalizeH="0" baseline="0" dirty="0" smtClean="0">
+              <a:ln>
+                <a:noFill/>
+              </a:ln>
+              <a:solidFill>
+                <a:schemeClr val="tx1"/>
+              </a:solidFill>
+              <a:effectLst/>
+              <a:latin typeface="Century Gothic" pitchFamily="34" charset="0"/>
+              <a:ea typeface="MS PGothic" pitchFamily="34" charset="-128"/>
+            </a:endParaRPr>
+          </a:p>
+        </p:txBody>
+      </p:sp>
+      <p:sp>
+        <p:nvSpPr>
+          <p:cNvPr id="12" name="Rectangle à coins arrondis 11"/>
+          <p:cNvSpPr/>
+          <p:nvPr/>
+        </p:nvSpPr>
+        <p:spPr bwMode="auto">
+          <a:xfrm>
+            <a:off x="6542637" y="3401086"/>
+            <a:ext cx="2049102" cy="600545"/>
+          </a:xfrm>
+          <a:prstGeom prst="roundRect">
+            <a:avLst/>
+          </a:prstGeom>
+          <a:solidFill>
+            <a:schemeClr val="tx2">
+              <a:lumMod val="40000"/>
+              <a:lumOff val="60000"/>
+            </a:schemeClr>
+          </a:solidFill>
+          <a:ln w="9525" cap="flat" cmpd="sng" algn="ctr">
+            <a:solidFill>
+              <a:schemeClr val="tx2">
+                <a:lumMod val="40000"/>
+                <a:lumOff val="60000"/>
+              </a:schemeClr>
+            </a:solidFill>
+            <a:prstDash val="solid"/>
+            <a:round/>
+            <a:headEnd type="none" w="med" len="med"/>
+            <a:tailEnd type="none" w="med" len="med"/>
+          </a:ln>
+          <a:effectLst/>
+        </p:spPr>
+        <p:txBody>
+          <a:bodyPr vert="horz" wrap="square" lIns="91440" tIns="45720" rIns="91440" bIns="45720" numCol="1" rtlCol="0" anchor="t" anchorCtr="0" compatLnSpc="1">
+            <a:prstTxWarp prst="textNoShape">
+              <a:avLst/>
+            </a:prstTxWarp>
+          </a:bodyPr>
+          <a:lstStyle/>
+          <a:p>
+            <a:pPr marL="0" marR="0" indent="0" algn="ctr" defTabSz="914400" rtl="0" eaLnBrk="0" fontAlgn="base" latinLnBrk="0" hangingPunct="0">
+              <a:lnSpc>
+                <a:spcPct val="100000"/>
+              </a:lnSpc>
+              <a:spcBef>
+                <a:spcPct val="0"/>
+              </a:spcBef>
+              <a:spcAft>
+                <a:spcPct val="0"/>
+              </a:spcAft>
+              <a:buClrTx/>
+              <a:buSzTx/>
+              <a:buFontTx/>
+              <a:buNone/>
+              <a:tabLst/>
+            </a:pPr>
             <a:r>
-              <a:rPr lang="fr-FR" sz="1600" dirty="0" err="1" smtClean="0">
-                <a:latin typeface="Century Gothic" pitchFamily="34" charset="0"/>
-                <a:cs typeface="Calibri" pitchFamily="34" charset="0"/>
+              <a:rPr kumimoji="0" lang="fr-FR" sz="1600" b="0" i="0" u="none" strike="noStrike" cap="none" normalizeH="0" baseline="0" dirty="0" err="1" smtClean="0">
+                <a:ln>
+                  <a:noFill/>
+                </a:ln>
+                <a:solidFill>
+                  <a:schemeClr val="tx1"/>
+                </a:solidFill>
+                <a:effectLst/>
+                <a:latin typeface="Arial" pitchFamily="34" charset="0"/>
+                <a:ea typeface="MS PGothic" pitchFamily="34" charset="-128"/>
               </a:rPr>
-              <a:t>dto</a:t>
+              <a:t>xxxBusinessRules</a:t>
             </a:r>
+            <a:endParaRPr kumimoji="0" lang="fr-FR" sz="1600" b="0" i="0" u="none" strike="noStrike" cap="none" normalizeH="0" baseline="0" dirty="0" smtClean="0">
+              <a:ln>
+                <a:noFill/>
+              </a:ln>
+              <a:solidFill>
+                <a:schemeClr val="tx1"/>
+              </a:solidFill>
+              <a:effectLst/>
+              <a:latin typeface="Arial" pitchFamily="34" charset="0"/>
+              <a:ea typeface="MS PGothic" pitchFamily="34" charset="-128"/>
+            </a:endParaRPr>
+          </a:p>
+          <a:p>
+            <a:pPr marL="0" marR="0" indent="0" algn="ctr" defTabSz="914400" rtl="0" eaLnBrk="0" fontAlgn="base" latinLnBrk="0" hangingPunct="0">
+              <a:lnSpc>
+                <a:spcPct val="100000"/>
+              </a:lnSpc>
+              <a:spcBef>
+                <a:spcPct val="0"/>
+              </a:spcBef>
+              <a:spcAft>
+                <a:spcPct val="0"/>
+              </a:spcAft>
+              <a:buClrTx/>
+              <a:buSzTx/>
+              <a:buFontTx/>
+              <a:buNone/>
+              <a:tabLst/>
+            </a:pPr>
             <a:r>
               <a:rPr lang="fr-FR" sz="1600" dirty="0" smtClean="0">
                 <a:latin typeface="Century Gothic" pitchFamily="34" charset="0"/>
-                <a:cs typeface="Calibri" pitchFamily="34" charset="0"/>
+                <a:ea typeface="MS PGothic" pitchFamily="34" charset="-128"/>
               </a:rPr>
-              <a:t>, </a:t>
+              <a:t>@Component</a:t>
             </a:r>
+            <a:endParaRPr kumimoji="0" lang="fr-FR" sz="1600" b="0" i="0" u="none" strike="noStrike" cap="none" normalizeH="0" baseline="0" dirty="0" smtClean="0">
+              <a:ln>
+                <a:noFill/>
+              </a:ln>
+              <a:solidFill>
+                <a:schemeClr val="tx1"/>
+              </a:solidFill>
+              <a:effectLst/>
+              <a:latin typeface="Century Gothic" pitchFamily="34" charset="0"/>
+              <a:ea typeface="MS PGothic" pitchFamily="34" charset="-128"/>
+            </a:endParaRPr>
+          </a:p>
+        </p:txBody>
+      </p:sp>
+      <p:sp>
+        <p:nvSpPr>
+          <p:cNvPr id="13" name="Rectangle à coins arrondis 12"/>
+          <p:cNvSpPr/>
+          <p:nvPr/>
+        </p:nvSpPr>
+        <p:spPr bwMode="auto">
+          <a:xfrm>
+            <a:off x="3960885" y="4703259"/>
+            <a:ext cx="2005344" cy="600545"/>
+          </a:xfrm>
+          <a:prstGeom prst="roundRect">
+            <a:avLst/>
+          </a:prstGeom>
+          <a:solidFill>
+            <a:schemeClr val="tx2">
+              <a:lumMod val="40000"/>
+              <a:lumOff val="60000"/>
+            </a:schemeClr>
+          </a:solidFill>
+          <a:ln w="9525" cap="flat" cmpd="sng" algn="ctr">
+            <a:solidFill>
+              <a:schemeClr val="tx2">
+                <a:lumMod val="40000"/>
+                <a:lumOff val="60000"/>
+              </a:schemeClr>
+            </a:solidFill>
+            <a:prstDash val="solid"/>
+            <a:round/>
+            <a:headEnd type="none" w="med" len="med"/>
+            <a:tailEnd type="none" w="med" len="med"/>
+          </a:ln>
+          <a:effectLst/>
+        </p:spPr>
+        <p:txBody>
+          <a:bodyPr vert="horz" wrap="square" lIns="91440" tIns="45720" rIns="91440" bIns="45720" numCol="1" rtlCol="0" anchor="t" anchorCtr="0" compatLnSpc="1">
+            <a:prstTxWarp prst="textNoShape">
+              <a:avLst/>
+            </a:prstTxWarp>
+          </a:bodyPr>
+          <a:lstStyle/>
+          <a:p>
+            <a:pPr marL="0" marR="0" indent="0" algn="ctr" defTabSz="914400" rtl="0" eaLnBrk="0" fontAlgn="base" latinLnBrk="0" hangingPunct="0">
+              <a:lnSpc>
+                <a:spcPct val="100000"/>
+              </a:lnSpc>
+              <a:spcBef>
+                <a:spcPct val="0"/>
+              </a:spcBef>
+              <a:spcAft>
+                <a:spcPct val="0"/>
+              </a:spcAft>
+              <a:buClrTx/>
+              <a:buSzTx/>
+              <a:buFontTx/>
+              <a:buNone/>
+              <a:tabLst/>
+            </a:pPr>
             <a:r>
-              <a:rPr lang="fr-FR" sz="1600" dirty="0" err="1" smtClean="0">
-                <a:latin typeface="Century Gothic" pitchFamily="34" charset="0"/>
-                <a:cs typeface="Calibri" pitchFamily="34" charset="0"/>
+              <a:rPr kumimoji="0" lang="fr-FR" sz="1600" b="0" i="0" u="none" strike="noStrike" cap="none" normalizeH="0" baseline="0" dirty="0" err="1" smtClean="0">
+                <a:ln>
+                  <a:noFill/>
+                </a:ln>
+                <a:solidFill>
+                  <a:schemeClr val="tx1"/>
+                </a:solidFill>
+                <a:effectLst/>
+                <a:latin typeface="Arial" pitchFamily="34" charset="0"/>
+                <a:ea typeface="MS PGothic" pitchFamily="34" charset="-128"/>
               </a:rPr>
-              <a:t>excepionmapper</a:t>
+              <a:t>BusinessException</a:t>
             </a:r>
+            <a:endParaRPr kumimoji="0" lang="fr-FR" sz="1600" b="0" i="0" u="none" strike="noStrike" cap="none" normalizeH="0" baseline="0" dirty="0" smtClean="0">
+              <a:ln>
+                <a:noFill/>
+              </a:ln>
+              <a:solidFill>
+                <a:schemeClr val="tx1"/>
+              </a:solidFill>
+              <a:effectLst/>
+              <a:latin typeface="Arial" pitchFamily="34" charset="0"/>
+              <a:ea typeface="MS PGothic" pitchFamily="34" charset="-128"/>
+            </a:endParaRPr>
+          </a:p>
+          <a:p>
+            <a:pPr marL="0" marR="0" indent="0" algn="ctr" defTabSz="914400" rtl="0" eaLnBrk="0" fontAlgn="base" latinLnBrk="0" hangingPunct="0">
+              <a:lnSpc>
+                <a:spcPct val="100000"/>
+              </a:lnSpc>
+              <a:spcBef>
+                <a:spcPct val="0"/>
+              </a:spcBef>
+              <a:spcAft>
+                <a:spcPct val="0"/>
+              </a:spcAft>
+              <a:buClrTx/>
+              <a:buSzTx/>
+              <a:buFontTx/>
+              <a:buNone/>
+              <a:tabLst/>
+            </a:pPr>
             <a:r>
               <a:rPr lang="fr-FR" sz="1600" dirty="0" smtClean="0">
                 <a:latin typeface="Century Gothic" pitchFamily="34" charset="0"/>
-                <a:cs typeface="Calibri" pitchFamily="34" charset="0"/>
+                <a:ea typeface="MS PGothic" pitchFamily="34" charset="-128"/>
               </a:rPr>
-              <a:t> et codes </a:t>
+              <a:t>@Component</a:t>
+            </a:r>
+            <a:endParaRPr kumimoji="0" lang="fr-FR" sz="1600" b="0" i="0" u="none" strike="noStrike" cap="none" normalizeH="0" baseline="0" dirty="0" smtClean="0">
+              <a:ln>
+                <a:noFill/>
+              </a:ln>
+              <a:solidFill>
+                <a:schemeClr val="tx1"/>
+              </a:solidFill>
+              <a:effectLst/>
+              <a:latin typeface="Century Gothic" pitchFamily="34" charset="0"/>
+              <a:ea typeface="MS PGothic" pitchFamily="34" charset="-128"/>
+            </a:endParaRPr>
+          </a:p>
+        </p:txBody>
+      </p:sp>
+      <p:sp>
+        <p:nvSpPr>
+          <p:cNvPr id="14" name="Rectangle à coins arrondis 13"/>
+          <p:cNvSpPr/>
+          <p:nvPr/>
+        </p:nvSpPr>
+        <p:spPr bwMode="auto">
+          <a:xfrm>
+            <a:off x="1246359" y="4713771"/>
+            <a:ext cx="1792585" cy="580930"/>
+          </a:xfrm>
+          <a:prstGeom prst="roundRect">
+            <a:avLst/>
+          </a:prstGeom>
+          <a:solidFill>
+            <a:schemeClr val="tx2">
+              <a:lumMod val="40000"/>
+              <a:lumOff val="60000"/>
+            </a:schemeClr>
+          </a:solidFill>
+          <a:ln w="9525" cap="flat" cmpd="sng" algn="ctr">
+            <a:solidFill>
+              <a:schemeClr val="tx2">
+                <a:lumMod val="40000"/>
+                <a:lumOff val="60000"/>
+              </a:schemeClr>
+            </a:solidFill>
+            <a:prstDash val="solid"/>
+            <a:round/>
+            <a:headEnd type="none" w="med" len="med"/>
+            <a:tailEnd type="none" w="med" len="med"/>
+          </a:ln>
+          <a:effectLst/>
+        </p:spPr>
+        <p:txBody>
+          <a:bodyPr vert="horz" wrap="square" lIns="91440" tIns="45720" rIns="91440" bIns="45720" numCol="1" rtlCol="0" anchor="t" anchorCtr="0" compatLnSpc="1">
+            <a:prstTxWarp prst="textNoShape">
+              <a:avLst/>
+            </a:prstTxWarp>
+          </a:bodyPr>
+          <a:lstStyle/>
+          <a:p>
+            <a:pPr marL="0" marR="0" indent="0" algn="ctr" defTabSz="914400" rtl="0" eaLnBrk="0" fontAlgn="base" latinLnBrk="0" hangingPunct="0">
+              <a:lnSpc>
+                <a:spcPct val="100000"/>
+              </a:lnSpc>
+              <a:spcBef>
+                <a:spcPct val="0"/>
+              </a:spcBef>
+              <a:spcAft>
+                <a:spcPct val="0"/>
+              </a:spcAft>
+              <a:buClrTx/>
+              <a:buSzTx/>
+              <a:buFontTx/>
+              <a:buNone/>
+              <a:tabLst/>
+            </a:pPr>
+            <a:r>
+              <a:rPr kumimoji="0" lang="fr-FR" sz="1600" b="0" i="0" u="none" strike="noStrike" cap="none" normalizeH="0" baseline="0" dirty="0" err="1" smtClean="0">
+                <a:ln>
+                  <a:noFill/>
+                </a:ln>
+                <a:solidFill>
+                  <a:schemeClr val="tx1"/>
+                </a:solidFill>
+                <a:effectLst/>
+                <a:latin typeface="Arial" pitchFamily="34" charset="0"/>
+                <a:ea typeface="MS PGothic" pitchFamily="34" charset="-128"/>
+              </a:rPr>
+              <a:t>IxxxDaoImpl</a:t>
+            </a:r>
+            <a:endParaRPr kumimoji="0" lang="fr-FR" sz="1600" b="0" i="0" u="none" strike="noStrike" cap="none" normalizeH="0" baseline="0" dirty="0" smtClean="0">
+              <a:ln>
+                <a:noFill/>
+              </a:ln>
+              <a:solidFill>
+                <a:schemeClr val="tx1"/>
+              </a:solidFill>
+              <a:effectLst/>
+              <a:latin typeface="Arial" pitchFamily="34" charset="0"/>
+              <a:ea typeface="MS PGothic" pitchFamily="34" charset="-128"/>
+            </a:endParaRPr>
+          </a:p>
+          <a:p>
+            <a:pPr marL="0" marR="0" indent="0" algn="ctr" defTabSz="914400" rtl="0" eaLnBrk="0" fontAlgn="base" latinLnBrk="0" hangingPunct="0">
+              <a:lnSpc>
+                <a:spcPct val="100000"/>
+              </a:lnSpc>
+              <a:spcBef>
+                <a:spcPct val="0"/>
+              </a:spcBef>
+              <a:spcAft>
+                <a:spcPct val="0"/>
+              </a:spcAft>
+              <a:buClrTx/>
+              <a:buSzTx/>
+              <a:buFontTx/>
+              <a:buNone/>
+              <a:tabLst/>
+            </a:pPr>
+            <a:r>
+              <a:rPr lang="fr-FR" sz="1400" dirty="0" smtClean="0">
+                <a:latin typeface="Century Gothic" pitchFamily="34" charset="0"/>
+                <a:ea typeface="MS PGothic" pitchFamily="34" charset="-128"/>
+              </a:rPr>
+              <a:t>@</a:t>
             </a:r>
             <a:r>
-              <a:rPr lang="fr-FR" sz="1600" dirty="0" err="1" smtClean="0">
+              <a:rPr lang="fr-FR" sz="1400" dirty="0" err="1" smtClean="0">
                 <a:latin typeface="Century Gothic" pitchFamily="34" charset="0"/>
-                <a:cs typeface="Calibri" pitchFamily="34" charset="0"/>
+                <a:ea typeface="MS PGothic" pitchFamily="34" charset="-128"/>
               </a:rPr>
-              <a:t>restour</a:t>
+              <a:t>CrudRepository</a:t>
             </a:r>
+            <a:endParaRPr kumimoji="0" lang="fr-FR" sz="1400" b="0" i="0" u="none" strike="noStrike" cap="none" normalizeH="0" baseline="0" dirty="0" smtClean="0">
+              <a:ln>
+                <a:noFill/>
+              </a:ln>
+              <a:solidFill>
+                <a:schemeClr val="tx1"/>
+              </a:solidFill>
+              <a:effectLst/>
+              <a:latin typeface="Century Gothic" pitchFamily="34" charset="0"/>
+              <a:ea typeface="MS PGothic" pitchFamily="34" charset="-128"/>
+            </a:endParaRPr>
+          </a:p>
+        </p:txBody>
+      </p:sp>
+      <p:sp>
+        <p:nvSpPr>
+          <p:cNvPr id="16" name="Rectangle à coins arrondis 15"/>
+          <p:cNvSpPr/>
+          <p:nvPr/>
+        </p:nvSpPr>
+        <p:spPr bwMode="auto">
+          <a:xfrm>
+            <a:off x="1202598" y="3438751"/>
+            <a:ext cx="1866527" cy="579420"/>
+          </a:xfrm>
+          <a:prstGeom prst="roundRect">
+            <a:avLst/>
+          </a:prstGeom>
+          <a:solidFill>
+            <a:schemeClr val="tx2">
+              <a:lumMod val="40000"/>
+              <a:lumOff val="60000"/>
+            </a:schemeClr>
+          </a:solidFill>
+          <a:ln w="9525" cap="flat" cmpd="sng" algn="ctr">
+            <a:solidFill>
+              <a:schemeClr val="tx2">
+                <a:lumMod val="40000"/>
+                <a:lumOff val="60000"/>
+              </a:schemeClr>
+            </a:solidFill>
+            <a:prstDash val="solid"/>
+            <a:round/>
+            <a:headEnd type="none" w="med" len="med"/>
+            <a:tailEnd type="none" w="med" len="med"/>
+          </a:ln>
+          <a:effectLst/>
+        </p:spPr>
+        <p:txBody>
+          <a:bodyPr vert="horz" wrap="square" lIns="91440" tIns="45720" rIns="91440" bIns="45720" numCol="1" rtlCol="0" anchor="t" anchorCtr="0" compatLnSpc="1">
+            <a:prstTxWarp prst="textNoShape">
+              <a:avLst/>
+            </a:prstTxWarp>
+          </a:bodyPr>
+          <a:lstStyle/>
+          <a:p>
+            <a:pPr marL="0" marR="0" indent="0" algn="ctr" defTabSz="914400" rtl="0" eaLnBrk="0" fontAlgn="base" latinLnBrk="0" hangingPunct="0">
+              <a:lnSpc>
+                <a:spcPct val="100000"/>
+              </a:lnSpc>
+              <a:spcBef>
+                <a:spcPct val="0"/>
+              </a:spcBef>
+              <a:spcAft>
+                <a:spcPct val="0"/>
+              </a:spcAft>
+              <a:buClrTx/>
+              <a:buSzTx/>
+              <a:buFontTx/>
+              <a:buNone/>
+              <a:tabLst/>
+            </a:pPr>
+            <a:r>
+              <a:rPr kumimoji="0" lang="fr-FR" sz="1600" b="0" i="0" u="none" strike="noStrike" cap="none" normalizeH="0" baseline="0" dirty="0" err="1" smtClean="0">
+                <a:ln>
+                  <a:noFill/>
+                </a:ln>
+                <a:solidFill>
+                  <a:schemeClr val="tx1"/>
+                </a:solidFill>
+                <a:effectLst/>
+                <a:latin typeface="Arial" pitchFamily="34" charset="0"/>
+                <a:ea typeface="MS PGothic" pitchFamily="34" charset="-128"/>
+              </a:rPr>
+              <a:t>IxxxDao</a:t>
+            </a:r>
+            <a:endParaRPr kumimoji="0" lang="fr-FR" sz="1600" b="0" i="0" u="none" strike="noStrike" cap="none" normalizeH="0" baseline="0" dirty="0" smtClean="0">
+              <a:ln>
+                <a:noFill/>
+              </a:ln>
+              <a:solidFill>
+                <a:schemeClr val="tx1"/>
+              </a:solidFill>
+              <a:effectLst/>
+              <a:latin typeface="Arial" pitchFamily="34" charset="0"/>
+              <a:ea typeface="MS PGothic" pitchFamily="34" charset="-128"/>
+            </a:endParaRPr>
+          </a:p>
+          <a:p>
+            <a:pPr marL="0" marR="0" indent="0" algn="ctr" defTabSz="914400" rtl="0" eaLnBrk="0" fontAlgn="base" latinLnBrk="0" hangingPunct="0">
+              <a:lnSpc>
+                <a:spcPct val="100000"/>
+              </a:lnSpc>
+              <a:spcBef>
+                <a:spcPct val="0"/>
+              </a:spcBef>
+              <a:spcAft>
+                <a:spcPct val="0"/>
+              </a:spcAft>
+              <a:buClrTx/>
+              <a:buSzTx/>
+              <a:buFontTx/>
+              <a:buNone/>
+              <a:tabLst/>
+            </a:pPr>
             <a:r>
               <a:rPr lang="fr-FR" sz="1600" dirty="0" smtClean="0">
                 <a:latin typeface="Century Gothic" pitchFamily="34" charset="0"/>
-                <a:cs typeface="Calibri" pitchFamily="34" charset="0"/>
+                <a:ea typeface="MS PGothic" pitchFamily="34" charset="-128"/>
               </a:rPr>
-              <a:t>, le </a:t>
+              <a:t>&lt;&lt;interface&gt;&gt;</a:t>
             </a:r>
-            <a:r>
-              <a:rPr lang="fr-FR" sz="1600" dirty="0" err="1" smtClean="0">
-                <a:latin typeface="Century Gothic" pitchFamily="34" charset="0"/>
-                <a:cs typeface="Calibri" pitchFamily="34" charset="0"/>
-              </a:rPr>
-              <a:t>converter</a:t>
-            </a:r>
-            <a:r>
-              <a:rPr lang="fr-FR" sz="1600" dirty="0" smtClean="0">
-                <a:latin typeface="Century Gothic" pitchFamily="34" charset="0"/>
-                <a:cs typeface="Calibri" pitchFamily="34" charset="0"/>
-              </a:rPr>
-              <a:t>, principes de nommage des services</a:t>
-            </a:r>
-          </a:p>
-          <a:p>
-            <a:r>
-              <a:rPr lang="fr-FR" sz="1600" dirty="0" smtClean="0">
-                <a:latin typeface="Century Gothic" pitchFamily="34" charset="0"/>
-                <a:cs typeface="Calibri" pitchFamily="34" charset="0"/>
-              </a:rPr>
-              <a:t>, business </a:t>
-            </a:r>
-            <a:r>
-              <a:rPr lang="fr-FR" sz="1600" dirty="0" err="1" smtClean="0">
-                <a:latin typeface="Century Gothic" pitchFamily="34" charset="0"/>
-                <a:cs typeface="Calibri" pitchFamily="34" charset="0"/>
-              </a:rPr>
-              <a:t>rules</a:t>
-            </a:r>
-            <a:r>
-              <a:rPr lang="fr-FR" sz="1600" dirty="0" smtClean="0">
-                <a:latin typeface="Century Gothic" pitchFamily="34" charset="0"/>
-                <a:cs typeface="Calibri" pitchFamily="34" charset="0"/>
-              </a:rPr>
-              <a:t>, ressources libelles et code erreur, validation </a:t>
-            </a:r>
-            <a:r>
-              <a:rPr lang="fr-FR" sz="1600" dirty="0" err="1" smtClean="0">
-                <a:latin typeface="Century Gothic" pitchFamily="34" charset="0"/>
-                <a:cs typeface="Calibri" pitchFamily="34" charset="0"/>
-              </a:rPr>
-              <a:t>bean</a:t>
-            </a:r>
-            <a:r>
-              <a:rPr lang="fr-FR" sz="1600" dirty="0" smtClean="0">
-                <a:latin typeface="Century Gothic" pitchFamily="34" charset="0"/>
-                <a:cs typeface="Calibri" pitchFamily="34" charset="0"/>
-              </a:rPr>
-              <a:t>, respecter les annotations,</a:t>
-            </a:r>
-          </a:p>
-          <a:p>
-            <a:r>
-              <a:rPr lang="fr-FR" sz="1600" dirty="0" smtClean="0">
-                <a:latin typeface="Century Gothic" pitchFamily="34" charset="0"/>
-                <a:cs typeface="Calibri" pitchFamily="34" charset="0"/>
-              </a:rPr>
-              <a:t>Base de </a:t>
-            </a:r>
-            <a:r>
-              <a:rPr lang="fr-FR" sz="1600" dirty="0" err="1" smtClean="0">
-                <a:latin typeface="Century Gothic" pitchFamily="34" charset="0"/>
-                <a:cs typeface="Calibri" pitchFamily="34" charset="0"/>
-              </a:rPr>
-              <a:t>donnees</a:t>
-            </a:r>
-            <a:r>
-              <a:rPr lang="fr-FR" sz="1600" dirty="0" smtClean="0">
-                <a:latin typeface="Century Gothic" pitchFamily="34" charset="0"/>
-                <a:cs typeface="Calibri" pitchFamily="34" charset="0"/>
-              </a:rPr>
-              <a:t> test, test unitaire pour chaque couche, test intégration </a:t>
-            </a:r>
-            <a:endParaRPr lang="fr-FR" sz="1600" dirty="0"/>
+            <a:endParaRPr kumimoji="0" lang="fr-FR" sz="1600" b="0" i="0" u="none" strike="noStrike" cap="none" normalizeH="0" baseline="0" dirty="0" smtClean="0">
+              <a:ln>
+                <a:noFill/>
+              </a:ln>
+              <a:solidFill>
+                <a:schemeClr val="tx1"/>
+              </a:solidFill>
+              <a:effectLst/>
+              <a:latin typeface="Century Gothic" pitchFamily="34" charset="0"/>
+              <a:ea typeface="MS PGothic" pitchFamily="34" charset="-128"/>
+            </a:endParaRPr>
           </a:p>
         </p:txBody>
       </p:sp>
+      <p:cxnSp>
+        <p:nvCxnSpPr>
+          <p:cNvPr id="18" name="Connecteur droit avec flèche 17"/>
+          <p:cNvCxnSpPr/>
+          <p:nvPr/>
+        </p:nvCxnSpPr>
+        <p:spPr bwMode="auto">
+          <a:xfrm flipH="1">
+            <a:off x="3038944" y="3711921"/>
+            <a:ext cx="881203" cy="6789"/>
+          </a:xfrm>
+          <a:prstGeom prst="straightConnector1">
+            <a:avLst/>
+          </a:prstGeom>
+          <a:ln>
+            <a:headEnd type="diamond" w="med" len="med"/>
+            <a:tailEnd type="triangle" w="med" len="med"/>
+          </a:ln>
+        </p:spPr>
+        <p:style>
+          <a:lnRef idx="2">
+            <a:schemeClr val="accent2"/>
+          </a:lnRef>
+          <a:fillRef idx="0">
+            <a:schemeClr val="accent2"/>
+          </a:fillRef>
+          <a:effectRef idx="1">
+            <a:schemeClr val="accent2"/>
+          </a:effectRef>
+          <a:fontRef idx="minor">
+            <a:schemeClr val="tx1"/>
+          </a:fontRef>
+        </p:style>
+      </p:cxnSp>
+      <p:cxnSp>
+        <p:nvCxnSpPr>
+          <p:cNvPr id="29" name="Connecteur droit avec flèche 28"/>
+          <p:cNvCxnSpPr>
+            <a:endCxn id="12" idx="1"/>
+          </p:cNvCxnSpPr>
+          <p:nvPr/>
+        </p:nvCxnSpPr>
+        <p:spPr bwMode="auto">
+          <a:xfrm>
+            <a:off x="5739898" y="3675707"/>
+            <a:ext cx="802739" cy="25652"/>
+          </a:xfrm>
+          <a:prstGeom prst="straightConnector1">
+            <a:avLst/>
+          </a:prstGeom>
+          <a:ln>
+            <a:headEnd type="diamond" w="med" len="med"/>
+            <a:tailEnd type="triangle" w="med" len="med"/>
+          </a:ln>
+        </p:spPr>
+        <p:style>
+          <a:lnRef idx="2">
+            <a:schemeClr val="accent2"/>
+          </a:lnRef>
+          <a:fillRef idx="0">
+            <a:schemeClr val="accent2"/>
+          </a:fillRef>
+          <a:effectRef idx="1">
+            <a:schemeClr val="accent2"/>
+          </a:effectRef>
+          <a:fontRef idx="minor">
+            <a:schemeClr val="tx1"/>
+          </a:fontRef>
+        </p:style>
+      </p:cxnSp>
+      <p:cxnSp>
+        <p:nvCxnSpPr>
+          <p:cNvPr id="34" name="Connecteur droit avec flèche 33"/>
+          <p:cNvCxnSpPr/>
+          <p:nvPr/>
+        </p:nvCxnSpPr>
+        <p:spPr bwMode="auto">
+          <a:xfrm>
+            <a:off x="4860201" y="3982016"/>
+            <a:ext cx="19617" cy="689572"/>
+          </a:xfrm>
+          <a:prstGeom prst="straightConnector1">
+            <a:avLst/>
+          </a:prstGeom>
+          <a:ln>
+            <a:headEnd type="diamond" w="med" len="med"/>
+            <a:tailEnd type="triangle" w="med" len="med"/>
+          </a:ln>
+        </p:spPr>
+        <p:style>
+          <a:lnRef idx="2">
+            <a:schemeClr val="accent2"/>
+          </a:lnRef>
+          <a:fillRef idx="0">
+            <a:schemeClr val="accent2"/>
+          </a:fillRef>
+          <a:effectRef idx="1">
+            <a:schemeClr val="accent2"/>
+          </a:effectRef>
+          <a:fontRef idx="minor">
+            <a:schemeClr val="tx1"/>
+          </a:fontRef>
+        </p:style>
+      </p:cxnSp>
+      <p:cxnSp>
+        <p:nvCxnSpPr>
+          <p:cNvPr id="36" name="Connecteur droit avec flèche 35"/>
+          <p:cNvCxnSpPr>
+            <a:stCxn id="10" idx="0"/>
+            <a:endCxn id="8" idx="2"/>
+          </p:cNvCxnSpPr>
+          <p:nvPr/>
+        </p:nvCxnSpPr>
+        <p:spPr bwMode="auto">
+          <a:xfrm flipH="1" flipV="1">
+            <a:off x="4816443" y="2706996"/>
+            <a:ext cx="7547" cy="686547"/>
+          </a:xfrm>
+          <a:prstGeom prst="straightConnector1">
+            <a:avLst/>
+          </a:prstGeom>
+          <a:ln>
+            <a:prstDash val="dash"/>
+            <a:headEnd type="none" w="med" len="med"/>
+            <a:tailEnd type="arrow"/>
+          </a:ln>
+        </p:spPr>
+        <p:style>
+          <a:lnRef idx="2">
+            <a:schemeClr val="accent2"/>
+          </a:lnRef>
+          <a:fillRef idx="0">
+            <a:schemeClr val="accent2"/>
+          </a:fillRef>
+          <a:effectRef idx="1">
+            <a:schemeClr val="accent2"/>
+          </a:effectRef>
+          <a:fontRef idx="minor">
+            <a:schemeClr val="tx1"/>
+          </a:fontRef>
+        </p:style>
+      </p:cxnSp>
+      <p:cxnSp>
+        <p:nvCxnSpPr>
+          <p:cNvPr id="39" name="Connecteur droit avec flèche 38"/>
+          <p:cNvCxnSpPr/>
+          <p:nvPr/>
+        </p:nvCxnSpPr>
+        <p:spPr bwMode="auto">
+          <a:xfrm flipH="1" flipV="1">
+            <a:off x="2080782" y="4009120"/>
+            <a:ext cx="7547" cy="686547"/>
+          </a:xfrm>
+          <a:prstGeom prst="straightConnector1">
+            <a:avLst/>
+          </a:prstGeom>
+          <a:ln>
+            <a:prstDash val="dash"/>
+            <a:headEnd type="none" w="med" len="med"/>
+            <a:tailEnd type="arrow"/>
+          </a:ln>
+        </p:spPr>
+        <p:style>
+          <a:lnRef idx="2">
+            <a:schemeClr val="accent2"/>
+          </a:lnRef>
+          <a:fillRef idx="0">
+            <a:schemeClr val="accent2"/>
+          </a:fillRef>
+          <a:effectRef idx="1">
+            <a:schemeClr val="accent2"/>
+          </a:effectRef>
+          <a:fontRef idx="minor">
+            <a:schemeClr val="tx1"/>
+          </a:fontRef>
+        </p:style>
+      </p:cxnSp>
+      <p:cxnSp>
+        <p:nvCxnSpPr>
+          <p:cNvPr id="40" name="Connecteur droit avec flèche 39"/>
+          <p:cNvCxnSpPr/>
+          <p:nvPr/>
+        </p:nvCxnSpPr>
+        <p:spPr bwMode="auto">
+          <a:xfrm flipV="1">
+            <a:off x="5693121" y="2716040"/>
+            <a:ext cx="915909" cy="722768"/>
+          </a:xfrm>
+          <a:prstGeom prst="straightConnector1">
+            <a:avLst/>
+          </a:prstGeom>
+          <a:ln>
+            <a:headEnd type="diamond" w="med" len="med"/>
+            <a:tailEnd type="triangle" w="med" len="med"/>
+          </a:ln>
+        </p:spPr>
+        <p:style>
+          <a:lnRef idx="2">
+            <a:schemeClr val="accent2"/>
+          </a:lnRef>
+          <a:fillRef idx="0">
+            <a:schemeClr val="accent2"/>
+          </a:fillRef>
+          <a:effectRef idx="1">
+            <a:schemeClr val="accent2"/>
+          </a:effectRef>
+          <a:fontRef idx="minor">
+            <a:schemeClr val="tx1"/>
+          </a:fontRef>
+        </p:style>
+      </p:cxnSp>
     </p:spTree>
   </p:cSld>
   <p:clrMapOvr>
@@ -18433,6 +22380,814 @@
 </file>
 
 <file path=ppt/slides/slide7.xml><?xml version="1.0" encoding="utf-8"?>
+<p:sld xmlns:a="http://schemas.openxmlformats.org/drawingml/2006/main" xmlns:r="http://schemas.openxmlformats.org/officeDocument/2006/relationships" xmlns:p="http://schemas.openxmlformats.org/presentationml/2006/main">
+  <p:cSld>
+    <p:spTree>
+      <p:nvGrpSpPr>
+        <p:cNvPr id="1" name=""/>
+        <p:cNvGrpSpPr/>
+        <p:nvPr/>
+      </p:nvGrpSpPr>
+      <p:grpSpPr>
+        <a:xfrm>
+          <a:off x="0" y="0"/>
+          <a:ext cx="0" cy="0"/>
+          <a:chOff x="0" y="0"/>
+          <a:chExt cx="0" cy="0"/>
+        </a:xfrm>
+      </p:grpSpPr>
+      <p:graphicFrame>
+        <p:nvGraphicFramePr>
+          <p:cNvPr id="15" name="Diagramme 14"/>
+          <p:cNvGraphicFramePr/>
+          <p:nvPr/>
+        </p:nvGraphicFramePr>
+        <p:xfrm>
+          <a:off x="335280" y="383185"/>
+          <a:ext cx="9265920" cy="447824"/>
+        </p:xfrm>
+        <a:graphic>
+          <a:graphicData uri="http://schemas.openxmlformats.org/drawingml/2006/diagram">
+            <dgm:relIds xmlns:dgm="http://schemas.openxmlformats.org/drawingml/2006/diagram" xmlns:r="http://schemas.openxmlformats.org/officeDocument/2006/relationships" r:dm="rId3" r:lo="rId4" r:qs="rId5" r:cs="rId6"/>
+          </a:graphicData>
+        </a:graphic>
+      </p:graphicFrame>
+      <p:sp>
+        <p:nvSpPr>
+          <p:cNvPr id="6" name="Content Placeholder 5"/>
+          <p:cNvSpPr>
+            <a:spLocks noGrp="1"/>
+          </p:cNvSpPr>
+          <p:nvPr>
+            <p:ph idx="1"/>
+          </p:nvPr>
+        </p:nvSpPr>
+        <p:spPr>
+          <a:xfrm>
+            <a:off x="373070" y="1111338"/>
+            <a:ext cx="7503445" cy="276999"/>
+          </a:xfrm>
+        </p:spPr>
+        <p:txBody>
+          <a:bodyPr/>
+          <a:lstStyle/>
+          <a:p>
+            <a:r>
+              <a:rPr lang="fr-FR" dirty="0" smtClean="0">
+                <a:latin typeface="Century Gothic" pitchFamily="34" charset="0"/>
+                <a:cs typeface="Calibri" pitchFamily="34" charset="0"/>
+              </a:rPr>
+              <a:t>Limitation de </a:t>
+            </a:r>
+            <a:r>
+              <a:rPr lang="fr-FR" dirty="0" smtClean="0">
+                <a:latin typeface="Century Gothic" pitchFamily="34" charset="0"/>
+                <a:cs typeface="Calibri" pitchFamily="34" charset="0"/>
+              </a:rPr>
+              <a:t>périmètre métier </a:t>
+            </a:r>
+            <a:r>
+              <a:rPr lang="fr-FR" dirty="0" smtClean="0">
+                <a:latin typeface="Century Gothic" pitchFamily="34" charset="0"/>
+                <a:cs typeface="Calibri" pitchFamily="34" charset="0"/>
+              </a:rPr>
+              <a:t>entre </a:t>
+            </a:r>
+            <a:r>
+              <a:rPr lang="fr-FR" dirty="0" err="1" smtClean="0">
+                <a:latin typeface="Century Gothic" pitchFamily="34" charset="0"/>
+                <a:cs typeface="Calibri" pitchFamily="34" charset="0"/>
+              </a:rPr>
+              <a:t>controller</a:t>
+            </a:r>
+            <a:r>
+              <a:rPr lang="fr-FR" dirty="0" smtClean="0">
+                <a:latin typeface="Century Gothic" pitchFamily="34" charset="0"/>
+                <a:cs typeface="Calibri" pitchFamily="34" charset="0"/>
+              </a:rPr>
+              <a:t> et service </a:t>
+            </a:r>
+            <a:endParaRPr lang="en-US" dirty="0"/>
+          </a:p>
+        </p:txBody>
+      </p:sp>
+      <p:sp>
+        <p:nvSpPr>
+          <p:cNvPr id="8" name="Rectangle à coins arrondis 7"/>
+          <p:cNvSpPr/>
+          <p:nvPr/>
+        </p:nvSpPr>
+        <p:spPr bwMode="auto">
+          <a:xfrm>
+            <a:off x="1267484" y="3449382"/>
+            <a:ext cx="1792585" cy="579420"/>
+          </a:xfrm>
+          <a:prstGeom prst="roundRect">
+            <a:avLst/>
+          </a:prstGeom>
+          <a:solidFill>
+            <a:schemeClr val="tx2">
+              <a:lumMod val="40000"/>
+              <a:lumOff val="60000"/>
+            </a:schemeClr>
+          </a:solidFill>
+          <a:ln w="9525" cap="flat" cmpd="sng" algn="ctr">
+            <a:solidFill>
+              <a:schemeClr val="tx2">
+                <a:lumMod val="40000"/>
+                <a:lumOff val="60000"/>
+              </a:schemeClr>
+            </a:solidFill>
+            <a:prstDash val="solid"/>
+            <a:round/>
+            <a:headEnd type="none" w="med" len="med"/>
+            <a:tailEnd type="none" w="med" len="med"/>
+          </a:ln>
+          <a:effectLst/>
+        </p:spPr>
+        <p:txBody>
+          <a:bodyPr vert="horz" wrap="square" lIns="91440" tIns="45720" rIns="91440" bIns="45720" numCol="1" rtlCol="0" anchor="t" anchorCtr="0" compatLnSpc="1">
+            <a:prstTxWarp prst="textNoShape">
+              <a:avLst/>
+            </a:prstTxWarp>
+          </a:bodyPr>
+          <a:lstStyle/>
+          <a:p>
+            <a:pPr marL="0" marR="0" indent="0" algn="ctr" defTabSz="914400" rtl="0" eaLnBrk="0" fontAlgn="base" latinLnBrk="0" hangingPunct="0">
+              <a:lnSpc>
+                <a:spcPct val="100000"/>
+              </a:lnSpc>
+              <a:spcBef>
+                <a:spcPct val="0"/>
+              </a:spcBef>
+              <a:spcAft>
+                <a:spcPct val="0"/>
+              </a:spcAft>
+              <a:buClrTx/>
+              <a:buSzTx/>
+              <a:buFontTx/>
+              <a:buNone/>
+              <a:tabLst/>
+            </a:pPr>
+            <a:r>
+              <a:rPr kumimoji="0" lang="fr-FR" sz="1600" b="0" i="0" u="none" strike="noStrike" cap="none" normalizeH="0" baseline="0" dirty="0" err="1" smtClean="0">
+                <a:ln>
+                  <a:noFill/>
+                </a:ln>
+                <a:solidFill>
+                  <a:schemeClr val="tx1"/>
+                </a:solidFill>
+                <a:effectLst/>
+                <a:latin typeface="Arial" pitchFamily="34" charset="0"/>
+                <a:ea typeface="MS PGothic" pitchFamily="34" charset="-128"/>
+              </a:rPr>
+              <a:t>IxxxService</a:t>
+            </a:r>
+            <a:endParaRPr kumimoji="0" lang="fr-FR" sz="1600" b="0" i="0" u="none" strike="noStrike" cap="none" normalizeH="0" baseline="0" dirty="0" smtClean="0">
+              <a:ln>
+                <a:noFill/>
+              </a:ln>
+              <a:solidFill>
+                <a:schemeClr val="tx1"/>
+              </a:solidFill>
+              <a:effectLst/>
+              <a:latin typeface="Arial" pitchFamily="34" charset="0"/>
+              <a:ea typeface="MS PGothic" pitchFamily="34" charset="-128"/>
+            </a:endParaRPr>
+          </a:p>
+          <a:p>
+            <a:pPr marL="0" marR="0" indent="0" algn="ctr" defTabSz="914400" rtl="0" eaLnBrk="0" fontAlgn="base" latinLnBrk="0" hangingPunct="0">
+              <a:lnSpc>
+                <a:spcPct val="100000"/>
+              </a:lnSpc>
+              <a:spcBef>
+                <a:spcPct val="0"/>
+              </a:spcBef>
+              <a:spcAft>
+                <a:spcPct val="0"/>
+              </a:spcAft>
+              <a:buClrTx/>
+              <a:buSzTx/>
+              <a:buFontTx/>
+              <a:buNone/>
+              <a:tabLst/>
+            </a:pPr>
+            <a:r>
+              <a:rPr lang="fr-FR" sz="1600" dirty="0" smtClean="0">
+                <a:latin typeface="Century Gothic" pitchFamily="34" charset="0"/>
+                <a:ea typeface="MS PGothic" pitchFamily="34" charset="-128"/>
+              </a:rPr>
+              <a:t>@Service</a:t>
+            </a:r>
+            <a:endParaRPr kumimoji="0" lang="fr-FR" sz="1600" b="0" i="0" u="none" strike="noStrike" cap="none" normalizeH="0" baseline="0" dirty="0" smtClean="0">
+              <a:ln>
+                <a:noFill/>
+              </a:ln>
+              <a:solidFill>
+                <a:schemeClr val="tx1"/>
+              </a:solidFill>
+              <a:effectLst/>
+              <a:latin typeface="Century Gothic" pitchFamily="34" charset="0"/>
+              <a:ea typeface="MS PGothic" pitchFamily="34" charset="-128"/>
+            </a:endParaRPr>
+          </a:p>
+        </p:txBody>
+      </p:sp>
+      <p:sp>
+        <p:nvSpPr>
+          <p:cNvPr id="10" name="Rectangle à coins arrondis 9"/>
+          <p:cNvSpPr/>
+          <p:nvPr/>
+        </p:nvSpPr>
+        <p:spPr bwMode="auto">
+          <a:xfrm>
+            <a:off x="3927697" y="3393543"/>
+            <a:ext cx="1792585" cy="580930"/>
+          </a:xfrm>
+          <a:prstGeom prst="roundRect">
+            <a:avLst/>
+          </a:prstGeom>
+          <a:solidFill>
+            <a:schemeClr val="tx2">
+              <a:lumMod val="40000"/>
+              <a:lumOff val="60000"/>
+            </a:schemeClr>
+          </a:solidFill>
+          <a:ln w="9525" cap="flat" cmpd="sng" algn="ctr">
+            <a:solidFill>
+              <a:schemeClr val="tx2">
+                <a:lumMod val="40000"/>
+                <a:lumOff val="60000"/>
+              </a:schemeClr>
+            </a:solidFill>
+            <a:prstDash val="solid"/>
+            <a:round/>
+            <a:headEnd type="none" w="med" len="med"/>
+            <a:tailEnd type="none" w="med" len="med"/>
+          </a:ln>
+          <a:effectLst/>
+        </p:spPr>
+        <p:txBody>
+          <a:bodyPr vert="horz" wrap="square" lIns="91440" tIns="45720" rIns="91440" bIns="45720" numCol="1" rtlCol="0" anchor="t" anchorCtr="0" compatLnSpc="1">
+            <a:prstTxWarp prst="textNoShape">
+              <a:avLst/>
+            </a:prstTxWarp>
+          </a:bodyPr>
+          <a:lstStyle/>
+          <a:p>
+            <a:pPr marL="0" marR="0" indent="0" algn="ctr" defTabSz="914400" rtl="0" eaLnBrk="0" fontAlgn="base" latinLnBrk="0" hangingPunct="0">
+              <a:lnSpc>
+                <a:spcPct val="100000"/>
+              </a:lnSpc>
+              <a:spcBef>
+                <a:spcPct val="0"/>
+              </a:spcBef>
+              <a:spcAft>
+                <a:spcPct val="0"/>
+              </a:spcAft>
+              <a:buClrTx/>
+              <a:buSzTx/>
+              <a:buFontTx/>
+              <a:buNone/>
+              <a:tabLst/>
+            </a:pPr>
+            <a:r>
+              <a:rPr kumimoji="0" lang="fr-FR" sz="1600" b="0" i="0" u="none" strike="noStrike" cap="none" normalizeH="0" baseline="0" dirty="0" err="1" smtClean="0">
+                <a:ln>
+                  <a:noFill/>
+                </a:ln>
+                <a:solidFill>
+                  <a:schemeClr val="tx1"/>
+                </a:solidFill>
+                <a:effectLst/>
+                <a:latin typeface="Arial" pitchFamily="34" charset="0"/>
+                <a:ea typeface="MS PGothic" pitchFamily="34" charset="-128"/>
+              </a:rPr>
+              <a:t>xxxController</a:t>
+            </a:r>
+            <a:endParaRPr kumimoji="0" lang="fr-FR" sz="1600" b="0" i="0" u="none" strike="noStrike" cap="none" normalizeH="0" baseline="0" dirty="0" smtClean="0">
+              <a:ln>
+                <a:noFill/>
+              </a:ln>
+              <a:solidFill>
+                <a:schemeClr val="tx1"/>
+              </a:solidFill>
+              <a:effectLst/>
+              <a:latin typeface="Arial" pitchFamily="34" charset="0"/>
+              <a:ea typeface="MS PGothic" pitchFamily="34" charset="-128"/>
+            </a:endParaRPr>
+          </a:p>
+          <a:p>
+            <a:pPr marL="0" marR="0" indent="0" algn="ctr" defTabSz="914400" rtl="0" eaLnBrk="0" fontAlgn="base" latinLnBrk="0" hangingPunct="0">
+              <a:lnSpc>
+                <a:spcPct val="100000"/>
+              </a:lnSpc>
+              <a:spcBef>
+                <a:spcPct val="0"/>
+              </a:spcBef>
+              <a:spcAft>
+                <a:spcPct val="0"/>
+              </a:spcAft>
+              <a:buClrTx/>
+              <a:buSzTx/>
+              <a:buFontTx/>
+              <a:buNone/>
+              <a:tabLst/>
+            </a:pPr>
+            <a:r>
+              <a:rPr lang="fr-FR" sz="1600" dirty="0" smtClean="0">
+                <a:latin typeface="Century Gothic" pitchFamily="34" charset="0"/>
+                <a:ea typeface="MS PGothic" pitchFamily="34" charset="-128"/>
+              </a:rPr>
+              <a:t>@</a:t>
+            </a:r>
+            <a:r>
+              <a:rPr lang="fr-FR" sz="1600" dirty="0" err="1" smtClean="0">
+                <a:latin typeface="Century Gothic" pitchFamily="34" charset="0"/>
+                <a:ea typeface="MS PGothic" pitchFamily="34" charset="-128"/>
+              </a:rPr>
+              <a:t>RestController</a:t>
+            </a:r>
+            <a:endParaRPr kumimoji="0" lang="fr-FR" sz="1600" b="0" i="0" u="none" strike="noStrike" cap="none" normalizeH="0" baseline="0" dirty="0" smtClean="0">
+              <a:ln>
+                <a:noFill/>
+              </a:ln>
+              <a:solidFill>
+                <a:schemeClr val="tx1"/>
+              </a:solidFill>
+              <a:effectLst/>
+              <a:latin typeface="Century Gothic" pitchFamily="34" charset="0"/>
+              <a:ea typeface="MS PGothic" pitchFamily="34" charset="-128"/>
+            </a:endParaRPr>
+          </a:p>
+        </p:txBody>
+      </p:sp>
+      <p:sp>
+        <p:nvSpPr>
+          <p:cNvPr id="11" name="Rectangle à coins arrondis 10"/>
+          <p:cNvSpPr/>
+          <p:nvPr/>
+        </p:nvSpPr>
+        <p:spPr bwMode="auto">
+          <a:xfrm>
+            <a:off x="3909589" y="1999320"/>
+            <a:ext cx="1792585" cy="599036"/>
+          </a:xfrm>
+          <a:prstGeom prst="roundRect">
+            <a:avLst/>
+          </a:prstGeom>
+          <a:solidFill>
+            <a:schemeClr val="tx2">
+              <a:lumMod val="40000"/>
+              <a:lumOff val="60000"/>
+            </a:schemeClr>
+          </a:solidFill>
+          <a:ln w="9525" cap="flat" cmpd="sng" algn="ctr">
+            <a:solidFill>
+              <a:schemeClr val="tx2">
+                <a:lumMod val="40000"/>
+                <a:lumOff val="60000"/>
+              </a:schemeClr>
+            </a:solidFill>
+            <a:prstDash val="solid"/>
+            <a:round/>
+            <a:headEnd type="none" w="med" len="med"/>
+            <a:tailEnd type="none" w="med" len="med"/>
+          </a:ln>
+          <a:effectLst/>
+        </p:spPr>
+        <p:txBody>
+          <a:bodyPr vert="horz" wrap="square" lIns="91440" tIns="45720" rIns="91440" bIns="45720" numCol="1" rtlCol="0" anchor="t" anchorCtr="0" compatLnSpc="1">
+            <a:prstTxWarp prst="textNoShape">
+              <a:avLst/>
+            </a:prstTxWarp>
+          </a:bodyPr>
+          <a:lstStyle/>
+          <a:p>
+            <a:pPr marL="0" marR="0" indent="0" algn="ctr" defTabSz="914400" rtl="0" eaLnBrk="0" fontAlgn="base" latinLnBrk="0" hangingPunct="0">
+              <a:lnSpc>
+                <a:spcPct val="100000"/>
+              </a:lnSpc>
+              <a:spcBef>
+                <a:spcPct val="0"/>
+              </a:spcBef>
+              <a:spcAft>
+                <a:spcPct val="0"/>
+              </a:spcAft>
+              <a:buClrTx/>
+              <a:buSzTx/>
+              <a:buFontTx/>
+              <a:buNone/>
+              <a:tabLst/>
+            </a:pPr>
+            <a:r>
+              <a:rPr kumimoji="0" lang="fr-FR" sz="1600" b="0" i="0" u="none" strike="noStrike" cap="none" normalizeH="0" baseline="0" dirty="0" err="1" smtClean="0">
+                <a:ln>
+                  <a:noFill/>
+                </a:ln>
+                <a:solidFill>
+                  <a:schemeClr val="tx1"/>
+                </a:solidFill>
+                <a:effectLst/>
+                <a:latin typeface="Arial" pitchFamily="34" charset="0"/>
+                <a:ea typeface="MS PGothic" pitchFamily="34" charset="-128"/>
+              </a:rPr>
+              <a:t>IyyyService</a:t>
+            </a:r>
+            <a:endParaRPr kumimoji="0" lang="fr-FR" sz="1600" b="0" i="0" u="none" strike="noStrike" cap="none" normalizeH="0" baseline="0" dirty="0" smtClean="0">
+              <a:ln>
+                <a:noFill/>
+              </a:ln>
+              <a:solidFill>
+                <a:schemeClr val="tx1"/>
+              </a:solidFill>
+              <a:effectLst/>
+              <a:latin typeface="Arial" pitchFamily="34" charset="0"/>
+              <a:ea typeface="MS PGothic" pitchFamily="34" charset="-128"/>
+            </a:endParaRPr>
+          </a:p>
+          <a:p>
+            <a:pPr marL="0" marR="0" indent="0" algn="ctr" defTabSz="914400" rtl="0" eaLnBrk="0" fontAlgn="base" latinLnBrk="0" hangingPunct="0">
+              <a:lnSpc>
+                <a:spcPct val="100000"/>
+              </a:lnSpc>
+              <a:spcBef>
+                <a:spcPct val="0"/>
+              </a:spcBef>
+              <a:spcAft>
+                <a:spcPct val="0"/>
+              </a:spcAft>
+              <a:buClrTx/>
+              <a:buSzTx/>
+              <a:buFontTx/>
+              <a:buNone/>
+              <a:tabLst/>
+            </a:pPr>
+            <a:r>
+              <a:rPr lang="fr-FR" sz="1600" dirty="0" smtClean="0">
+                <a:latin typeface="Century Gothic" pitchFamily="34" charset="0"/>
+                <a:ea typeface="MS PGothic" pitchFamily="34" charset="-128"/>
+              </a:rPr>
+              <a:t>@Service</a:t>
+            </a:r>
+            <a:endParaRPr kumimoji="0" lang="fr-FR" sz="1600" b="0" i="0" u="none" strike="noStrike" cap="none" normalizeH="0" baseline="0" dirty="0" smtClean="0">
+              <a:ln>
+                <a:noFill/>
+              </a:ln>
+              <a:solidFill>
+                <a:schemeClr val="tx1"/>
+              </a:solidFill>
+              <a:effectLst/>
+              <a:latin typeface="Century Gothic" pitchFamily="34" charset="0"/>
+              <a:ea typeface="MS PGothic" pitchFamily="34" charset="-128"/>
+            </a:endParaRPr>
+          </a:p>
+        </p:txBody>
+      </p:sp>
+      <p:sp>
+        <p:nvSpPr>
+          <p:cNvPr id="12" name="Rectangle à coins arrondis 11"/>
+          <p:cNvSpPr/>
+          <p:nvPr/>
+        </p:nvSpPr>
+        <p:spPr bwMode="auto">
+          <a:xfrm>
+            <a:off x="6778027" y="4750053"/>
+            <a:ext cx="1514947" cy="500958"/>
+          </a:xfrm>
+          <a:prstGeom prst="roundRect">
+            <a:avLst/>
+          </a:prstGeom>
+          <a:solidFill>
+            <a:schemeClr val="tx2">
+              <a:lumMod val="40000"/>
+              <a:lumOff val="60000"/>
+            </a:schemeClr>
+          </a:solidFill>
+          <a:ln w="9525" cap="flat" cmpd="sng" algn="ctr">
+            <a:solidFill>
+              <a:schemeClr val="tx2">
+                <a:lumMod val="40000"/>
+                <a:lumOff val="60000"/>
+              </a:schemeClr>
+            </a:solidFill>
+            <a:prstDash val="solid"/>
+            <a:round/>
+            <a:headEnd type="none" w="med" len="med"/>
+            <a:tailEnd type="none" w="med" len="med"/>
+          </a:ln>
+          <a:effectLst/>
+        </p:spPr>
+        <p:txBody>
+          <a:bodyPr vert="horz" wrap="square" lIns="91440" tIns="45720" rIns="91440" bIns="45720" numCol="1" rtlCol="0" anchor="t" anchorCtr="0" compatLnSpc="1">
+            <a:prstTxWarp prst="textNoShape">
+              <a:avLst/>
+            </a:prstTxWarp>
+          </a:bodyPr>
+          <a:lstStyle/>
+          <a:p>
+            <a:pPr marL="0" marR="0" indent="0" algn="ctr" defTabSz="914400" rtl="0" eaLnBrk="0" fontAlgn="base" latinLnBrk="0" hangingPunct="0">
+              <a:lnSpc>
+                <a:spcPct val="100000"/>
+              </a:lnSpc>
+              <a:spcBef>
+                <a:spcPct val="0"/>
+              </a:spcBef>
+              <a:spcAft>
+                <a:spcPct val="0"/>
+              </a:spcAft>
+              <a:buClrTx/>
+              <a:buSzTx/>
+              <a:buFontTx/>
+              <a:buNone/>
+              <a:tabLst/>
+            </a:pPr>
+            <a:r>
+              <a:rPr kumimoji="0" lang="fr-FR" sz="1600" b="0" i="0" u="none" strike="noStrike" cap="none" normalizeH="0" baseline="0" dirty="0" smtClean="0">
+                <a:ln>
+                  <a:noFill/>
+                </a:ln>
+                <a:solidFill>
+                  <a:schemeClr val="tx1"/>
+                </a:solidFill>
+                <a:effectLst/>
+                <a:latin typeface="Arial" pitchFamily="34" charset="0"/>
+                <a:ea typeface="MS PGothic" pitchFamily="34" charset="-128"/>
+              </a:rPr>
+              <a:t>Mapper</a:t>
+            </a:r>
+          </a:p>
+        </p:txBody>
+      </p:sp>
+      <p:sp>
+        <p:nvSpPr>
+          <p:cNvPr id="13" name="Rectangle à coins arrondis 12"/>
+          <p:cNvSpPr/>
+          <p:nvPr/>
+        </p:nvSpPr>
+        <p:spPr bwMode="auto">
+          <a:xfrm>
+            <a:off x="3960885" y="4703259"/>
+            <a:ext cx="2005344" cy="600545"/>
+          </a:xfrm>
+          <a:prstGeom prst="roundRect">
+            <a:avLst/>
+          </a:prstGeom>
+          <a:solidFill>
+            <a:schemeClr val="tx2">
+              <a:lumMod val="40000"/>
+              <a:lumOff val="60000"/>
+            </a:schemeClr>
+          </a:solidFill>
+          <a:ln w="9525" cap="flat" cmpd="sng" algn="ctr">
+            <a:solidFill>
+              <a:schemeClr val="tx2">
+                <a:lumMod val="40000"/>
+                <a:lumOff val="60000"/>
+              </a:schemeClr>
+            </a:solidFill>
+            <a:prstDash val="solid"/>
+            <a:round/>
+            <a:headEnd type="none" w="med" len="med"/>
+            <a:tailEnd type="none" w="med" len="med"/>
+          </a:ln>
+          <a:effectLst/>
+        </p:spPr>
+        <p:txBody>
+          <a:bodyPr vert="horz" wrap="square" lIns="91440" tIns="45720" rIns="91440" bIns="45720" numCol="1" rtlCol="0" anchor="t" anchorCtr="0" compatLnSpc="1">
+            <a:prstTxWarp prst="textNoShape">
+              <a:avLst/>
+            </a:prstTxWarp>
+          </a:bodyPr>
+          <a:lstStyle/>
+          <a:p>
+            <a:pPr marL="0" marR="0" indent="0" algn="ctr" defTabSz="914400" rtl="0" eaLnBrk="0" fontAlgn="base" latinLnBrk="0" hangingPunct="0">
+              <a:lnSpc>
+                <a:spcPct val="100000"/>
+              </a:lnSpc>
+              <a:spcBef>
+                <a:spcPct val="0"/>
+              </a:spcBef>
+              <a:spcAft>
+                <a:spcPct val="0"/>
+              </a:spcAft>
+              <a:buClrTx/>
+              <a:buSzTx/>
+              <a:buFontTx/>
+              <a:buNone/>
+              <a:tabLst/>
+            </a:pPr>
+            <a:r>
+              <a:rPr lang="fr-FR" sz="1600" dirty="0" err="1" smtClean="0">
+                <a:ea typeface="MS PGothic" pitchFamily="34" charset="-128"/>
+              </a:rPr>
+              <a:t>Converter</a:t>
+            </a:r>
+            <a:endParaRPr kumimoji="0" lang="fr-FR" sz="1600" b="0" i="0" u="none" strike="noStrike" cap="none" normalizeH="0" baseline="0" dirty="0" smtClean="0">
+              <a:ln>
+                <a:noFill/>
+              </a:ln>
+              <a:solidFill>
+                <a:schemeClr val="tx1"/>
+              </a:solidFill>
+              <a:effectLst/>
+              <a:latin typeface="Arial" pitchFamily="34" charset="0"/>
+              <a:ea typeface="MS PGothic" pitchFamily="34" charset="-128"/>
+            </a:endParaRPr>
+          </a:p>
+          <a:p>
+            <a:pPr marL="0" marR="0" indent="0" algn="ctr" defTabSz="914400" rtl="0" eaLnBrk="0" fontAlgn="base" latinLnBrk="0" hangingPunct="0">
+              <a:lnSpc>
+                <a:spcPct val="100000"/>
+              </a:lnSpc>
+              <a:spcBef>
+                <a:spcPct val="0"/>
+              </a:spcBef>
+              <a:spcAft>
+                <a:spcPct val="0"/>
+              </a:spcAft>
+              <a:buClrTx/>
+              <a:buSzTx/>
+              <a:buFontTx/>
+              <a:buNone/>
+              <a:tabLst/>
+            </a:pPr>
+            <a:r>
+              <a:rPr lang="fr-FR" sz="1600" dirty="0" smtClean="0">
+                <a:latin typeface="Century Gothic" pitchFamily="34" charset="0"/>
+                <a:ea typeface="MS PGothic" pitchFamily="34" charset="-128"/>
+              </a:rPr>
+              <a:t>@Component</a:t>
+            </a:r>
+            <a:endParaRPr kumimoji="0" lang="fr-FR" sz="1600" b="0" i="0" u="none" strike="noStrike" cap="none" normalizeH="0" baseline="0" dirty="0" smtClean="0">
+              <a:ln>
+                <a:noFill/>
+              </a:ln>
+              <a:solidFill>
+                <a:schemeClr val="tx1"/>
+              </a:solidFill>
+              <a:effectLst/>
+              <a:latin typeface="Century Gothic" pitchFamily="34" charset="0"/>
+              <a:ea typeface="MS PGothic" pitchFamily="34" charset="-128"/>
+            </a:endParaRPr>
+          </a:p>
+        </p:txBody>
+      </p:sp>
+      <p:cxnSp>
+        <p:nvCxnSpPr>
+          <p:cNvPr id="18" name="Connecteur droit avec flèche 17"/>
+          <p:cNvCxnSpPr/>
+          <p:nvPr/>
+        </p:nvCxnSpPr>
+        <p:spPr bwMode="auto">
+          <a:xfrm flipH="1">
+            <a:off x="3038944" y="3711921"/>
+            <a:ext cx="881203" cy="6789"/>
+          </a:xfrm>
+          <a:prstGeom prst="straightConnector1">
+            <a:avLst/>
+          </a:prstGeom>
+          <a:ln>
+            <a:headEnd type="diamond" w="med" len="med"/>
+            <a:tailEnd type="triangle" w="med" len="med"/>
+          </a:ln>
+        </p:spPr>
+        <p:style>
+          <a:lnRef idx="2">
+            <a:schemeClr val="accent2"/>
+          </a:lnRef>
+          <a:fillRef idx="0">
+            <a:schemeClr val="accent2"/>
+          </a:fillRef>
+          <a:effectRef idx="1">
+            <a:schemeClr val="accent2"/>
+          </a:effectRef>
+          <a:fontRef idx="minor">
+            <a:schemeClr val="tx1"/>
+          </a:fontRef>
+        </p:style>
+      </p:cxnSp>
+      <p:cxnSp>
+        <p:nvCxnSpPr>
+          <p:cNvPr id="29" name="Connecteur droit avec flèche 28"/>
+          <p:cNvCxnSpPr>
+            <a:endCxn id="12" idx="1"/>
+          </p:cNvCxnSpPr>
+          <p:nvPr/>
+        </p:nvCxnSpPr>
+        <p:spPr bwMode="auto">
+          <a:xfrm flipV="1">
+            <a:off x="5975288" y="5000532"/>
+            <a:ext cx="802739" cy="24142"/>
+          </a:xfrm>
+          <a:prstGeom prst="straightConnector1">
+            <a:avLst/>
+          </a:prstGeom>
+          <a:ln>
+            <a:headEnd type="diamond" w="med" len="med"/>
+            <a:tailEnd type="triangle" w="med" len="med"/>
+          </a:ln>
+        </p:spPr>
+        <p:style>
+          <a:lnRef idx="2">
+            <a:schemeClr val="accent2"/>
+          </a:lnRef>
+          <a:fillRef idx="0">
+            <a:schemeClr val="accent2"/>
+          </a:fillRef>
+          <a:effectRef idx="1">
+            <a:schemeClr val="accent2"/>
+          </a:effectRef>
+          <a:fontRef idx="minor">
+            <a:schemeClr val="tx1"/>
+          </a:fontRef>
+        </p:style>
+      </p:cxnSp>
+      <p:cxnSp>
+        <p:nvCxnSpPr>
+          <p:cNvPr id="34" name="Connecteur droit avec flèche 33"/>
+          <p:cNvCxnSpPr/>
+          <p:nvPr/>
+        </p:nvCxnSpPr>
+        <p:spPr bwMode="auto">
+          <a:xfrm>
+            <a:off x="4860201" y="3982016"/>
+            <a:ext cx="19617" cy="689572"/>
+          </a:xfrm>
+          <a:prstGeom prst="straightConnector1">
+            <a:avLst/>
+          </a:prstGeom>
+          <a:ln>
+            <a:headEnd type="diamond" w="med" len="med"/>
+            <a:tailEnd type="triangle" w="med" len="med"/>
+          </a:ln>
+        </p:spPr>
+        <p:style>
+          <a:lnRef idx="2">
+            <a:schemeClr val="accent2"/>
+          </a:lnRef>
+          <a:fillRef idx="0">
+            <a:schemeClr val="accent2"/>
+          </a:fillRef>
+          <a:effectRef idx="1">
+            <a:schemeClr val="accent2"/>
+          </a:effectRef>
+          <a:fontRef idx="minor">
+            <a:schemeClr val="tx1"/>
+          </a:fontRef>
+        </p:style>
+      </p:cxnSp>
+      <p:cxnSp>
+        <p:nvCxnSpPr>
+          <p:cNvPr id="40" name="Connecteur droit avec flèche 39"/>
+          <p:cNvCxnSpPr/>
+          <p:nvPr/>
+        </p:nvCxnSpPr>
+        <p:spPr bwMode="auto">
+          <a:xfrm flipH="1" flipV="1">
+            <a:off x="4762123" y="2589291"/>
+            <a:ext cx="7545" cy="795197"/>
+          </a:xfrm>
+          <a:prstGeom prst="straightConnector1">
+            <a:avLst/>
+          </a:prstGeom>
+          <a:ln>
+            <a:headEnd type="diamond" w="med" len="med"/>
+            <a:tailEnd type="triangle" w="med" len="med"/>
+          </a:ln>
+        </p:spPr>
+        <p:style>
+          <a:lnRef idx="2">
+            <a:schemeClr val="accent2"/>
+          </a:lnRef>
+          <a:fillRef idx="0">
+            <a:schemeClr val="accent2"/>
+          </a:fillRef>
+          <a:effectRef idx="1">
+            <a:schemeClr val="accent2"/>
+          </a:effectRef>
+          <a:fontRef idx="minor">
+            <a:schemeClr val="tx1"/>
+          </a:fontRef>
+        </p:style>
+      </p:cxnSp>
+    </p:spTree>
+  </p:cSld>
+  <p:clrMapOvr>
+    <a:masterClrMapping/>
+  </p:clrMapOvr>
+  <p:transition/>
+  <p:timing>
+    <p:tnLst>
+      <p:par>
+        <p:cTn id="1" dur="indefinite" restart="never" nodeType="tmRoot"/>
+      </p:par>
+    </p:tnLst>
+  </p:timing>
+</p:sld>
+</file>
+
+<file path=ppt/slides/slide8.xml><?xml version="1.0" encoding="utf-8"?>
 <p:sld xmlns:a="http://schemas.openxmlformats.org/drawingml/2006/main" xmlns:r="http://schemas.openxmlformats.org/officeDocument/2006/relationships" xmlns:p="http://schemas.openxmlformats.org/presentationml/2006/main">
   <p:cSld>
     <p:spTree>
@@ -18490,10 +23245,6 @@
               </a:rPr>
               <a:t>XXXXXXXXXXXXX:</a:t>
             </a:r>
-            <a:endParaRPr lang="fr-FR" dirty="0" smtClean="0">
-              <a:latin typeface="Century Gothic" pitchFamily="34" charset="0"/>
-              <a:cs typeface="Calibri" pitchFamily="34" charset="0"/>
-            </a:endParaRPr>
           </a:p>
           <a:p>
             <a:pPr marL="182563" indent="0" algn="just">
@@ -18521,10 +23272,6 @@
               </a:rPr>
               <a:t>.</a:t>
             </a:r>
-            <a:endParaRPr lang="fr-FR" sz="1600" dirty="0" smtClean="0">
-              <a:latin typeface="Century Gothic" pitchFamily="34" charset="0"/>
-              <a:cs typeface="Calibri" pitchFamily="34" charset="0"/>
-            </a:endParaRPr>
           </a:p>
           <a:p>
             <a:pPr marL="182563" indent="0" algn="just">
@@ -18546,19 +23293,8 @@
                 <a:latin typeface="Century Gothic" pitchFamily="34" charset="0"/>
                 <a:cs typeface="Calibri" pitchFamily="34" charset="0"/>
               </a:rPr>
-              <a:t>  Avantage de </a:t>
+              <a:t>  Avantage de XXXXX:</a:t>
             </a:r>
-            <a:r>
-              <a:rPr lang="fr-FR" dirty="0" smtClean="0">
-                <a:latin typeface="Century Gothic" pitchFamily="34" charset="0"/>
-                <a:cs typeface="Calibri" pitchFamily="34" charset="0"/>
-              </a:rPr>
-              <a:t>XXXXX:</a:t>
-            </a:r>
-            <a:endParaRPr lang="fr-FR" dirty="0" smtClean="0">
-              <a:latin typeface="Century Gothic" pitchFamily="34" charset="0"/>
-              <a:cs typeface="Calibri" pitchFamily="34" charset="0"/>
-            </a:endParaRPr>
           </a:p>
           <a:p>
             <a:pPr marL="365125" indent="0" algn="just">
@@ -18583,19 +23319,8 @@
                 <a:latin typeface="Century Gothic" pitchFamily="34" charset="0"/>
                 <a:cs typeface="Calibri" pitchFamily="34" charset="0"/>
               </a:rPr>
-              <a:t> Comprendre les enjeux stratégiques</a:t>
+              <a:t> Comprendre les enjeux stratégiques.</a:t>
             </a:r>
-            <a:r>
-              <a:rPr lang="fr-FR" sz="1400" dirty="0" smtClean="0">
-                <a:latin typeface="Century Gothic" pitchFamily="34" charset="0"/>
-                <a:cs typeface="Calibri" pitchFamily="34" charset="0"/>
-              </a:rPr>
-              <a:t>.</a:t>
-            </a:r>
-            <a:endParaRPr lang="fr-FR" sz="1400" dirty="0" smtClean="0">
-              <a:latin typeface="Century Gothic" pitchFamily="34" charset="0"/>
-              <a:cs typeface="Calibri" pitchFamily="34" charset="0"/>
-            </a:endParaRPr>
           </a:p>
         </p:txBody>
       </p:sp>
@@ -18671,7 +23396,7 @@
 </p:sld>
 </file>
 
-<file path=ppt/slides/slide8.xml><?xml version="1.0" encoding="utf-8"?>
+<file path=ppt/slides/slide9.xml><?xml version="1.0" encoding="utf-8"?>
 <p:sld xmlns:a="http://schemas.openxmlformats.org/drawingml/2006/main" xmlns:r="http://schemas.openxmlformats.org/officeDocument/2006/relationships" xmlns:p="http://schemas.openxmlformats.org/presentationml/2006/main">
   <p:cSld>
     <p:spTree>
@@ -18710,11 +23435,7 @@
           <a:p>
             <a:r>
               <a:rPr lang="fr-FR" dirty="0" smtClean="0"/>
-              <a:t>Merci </a:t>
-            </a:r>
-            <a:r>
-              <a:rPr lang="fr-FR" dirty="0" smtClean="0"/>
-              <a:t>!</a:t>
+              <a:t>Merci !</a:t>
             </a:r>
           </a:p>
         </p:txBody>
